--- a/documentation/travail_bachelor/ISC_LOG_presentation_diplome_RodriguesDosSantosFabio_EggenbergNiklaus_2024.pptx
+++ b/documentation/travail_bachelor/ISC_LOG_presentation_diplome_RodriguesDosSantosFabio_EggenbergNiklaus_2024.pptx
@@ -4,6 +4,9 @@
   <p:sldMasterIdLst>
     <p:sldMasterId id="2147483840" r:id="rId1"/>
   </p:sldMasterIdLst>
+  <p:notesMasterIdLst>
+    <p:notesMasterId r:id="rId4"/>
+  </p:notesMasterIdLst>
   <p:sldIdLst>
     <p:sldId id="256" r:id="rId2"/>
     <p:sldId id="257" r:id="rId3"/>
@@ -108,6 +111,356 @@
 </p:presentation>
 </file>
 
+<file path=ppt/notesMasters/notesMaster1.xml><?xml version="1.0" encoding="utf-8"?>
+<p:notesMaster xmlns:a="http://schemas.openxmlformats.org/drawingml/2006/main" xmlns:r="http://schemas.openxmlformats.org/officeDocument/2006/relationships" xmlns:p="http://schemas.openxmlformats.org/presentationml/2006/main">
+  <p:cSld>
+    <p:bg>
+      <p:bgRef idx="1001">
+        <a:schemeClr val="bg1"/>
+      </p:bgRef>
+    </p:bg>
+    <p:spTree>
+      <p:nvGrpSpPr>
+        <p:cNvPr id="1" name=""/>
+        <p:cNvGrpSpPr/>
+        <p:nvPr/>
+      </p:nvGrpSpPr>
+      <p:grpSpPr>
+        <a:xfrm>
+          <a:off x="0" y="0"/>
+          <a:ext cx="0" cy="0"/>
+          <a:chOff x="0" y="0"/>
+          <a:chExt cx="0" cy="0"/>
+        </a:xfrm>
+      </p:grpSpPr>
+      <p:sp>
+        <p:nvSpPr>
+          <p:cNvPr id="2" name="Espace réservé de l'en-tête 1"/>
+          <p:cNvSpPr>
+            <a:spLocks noGrp="1"/>
+          </p:cNvSpPr>
+          <p:nvPr>
+            <p:ph type="hdr" sz="quarter"/>
+          </p:nvPr>
+        </p:nvSpPr>
+        <p:spPr>
+          <a:xfrm>
+            <a:off x="0" y="0"/>
+            <a:ext cx="2971800" cy="458788"/>
+          </a:xfrm>
+          <a:prstGeom prst="rect">
+            <a:avLst/>
+          </a:prstGeom>
+        </p:spPr>
+        <p:txBody>
+          <a:bodyPr vert="horz" lIns="91440" tIns="45720" rIns="91440" bIns="45720" rtlCol="0"/>
+          <a:lstStyle>
+            <a:lvl1pPr algn="l">
+              <a:defRPr sz="1200"/>
+            </a:lvl1pPr>
+          </a:lstStyle>
+          <a:p>
+            <a:endParaRPr lang="fr-CH"/>
+          </a:p>
+        </p:txBody>
+      </p:sp>
+      <p:sp>
+        <p:nvSpPr>
+          <p:cNvPr id="3" name="Espace réservé de la date 2"/>
+          <p:cNvSpPr>
+            <a:spLocks noGrp="1"/>
+          </p:cNvSpPr>
+          <p:nvPr>
+            <p:ph type="dt" idx="1"/>
+          </p:nvPr>
+        </p:nvSpPr>
+        <p:spPr>
+          <a:xfrm>
+            <a:off x="3884613" y="0"/>
+            <a:ext cx="2971800" cy="458788"/>
+          </a:xfrm>
+          <a:prstGeom prst="rect">
+            <a:avLst/>
+          </a:prstGeom>
+        </p:spPr>
+        <p:txBody>
+          <a:bodyPr vert="horz" lIns="91440" tIns="45720" rIns="91440" bIns="45720" rtlCol="0"/>
+          <a:lstStyle>
+            <a:lvl1pPr algn="r">
+              <a:defRPr sz="1200"/>
+            </a:lvl1pPr>
+          </a:lstStyle>
+          <a:p>
+            <a:fld id="{42AC3142-495C-4280-881B-1526FF75665B}" type="datetimeFigureOut">
+              <a:rPr lang="fr-CH" smtClean="0"/>
+              <a:t>17.08.2024</a:t>
+            </a:fld>
+            <a:endParaRPr lang="fr-CH"/>
+          </a:p>
+        </p:txBody>
+      </p:sp>
+      <p:sp>
+        <p:nvSpPr>
+          <p:cNvPr id="4" name="Espace réservé de l'image des diapositives 3"/>
+          <p:cNvSpPr>
+            <a:spLocks noGrp="1" noRot="1" noChangeAspect="1"/>
+          </p:cNvSpPr>
+          <p:nvPr>
+            <p:ph type="sldImg" idx="2"/>
+          </p:nvPr>
+        </p:nvSpPr>
+        <p:spPr>
+          <a:xfrm>
+            <a:off x="685800" y="1143000"/>
+            <a:ext cx="5486400" cy="3086100"/>
+          </a:xfrm>
+          <a:prstGeom prst="rect">
+            <a:avLst/>
+          </a:prstGeom>
+          <a:noFill/>
+          <a:ln w="12700">
+            <a:solidFill>
+              <a:prstClr val="black"/>
+            </a:solidFill>
+          </a:ln>
+        </p:spPr>
+        <p:txBody>
+          <a:bodyPr vert="horz" lIns="91440" tIns="45720" rIns="91440" bIns="45720" rtlCol="0" anchor="ctr"/>
+          <a:lstStyle/>
+          <a:p>
+            <a:endParaRPr lang="fr-CH"/>
+          </a:p>
+        </p:txBody>
+      </p:sp>
+      <p:sp>
+        <p:nvSpPr>
+          <p:cNvPr id="5" name="Espace réservé des notes 4"/>
+          <p:cNvSpPr>
+            <a:spLocks noGrp="1"/>
+          </p:cNvSpPr>
+          <p:nvPr>
+            <p:ph type="body" sz="quarter" idx="3"/>
+          </p:nvPr>
+        </p:nvSpPr>
+        <p:spPr>
+          <a:xfrm>
+            <a:off x="685800" y="4400550"/>
+            <a:ext cx="5486400" cy="3600450"/>
+          </a:xfrm>
+          <a:prstGeom prst="rect">
+            <a:avLst/>
+          </a:prstGeom>
+        </p:spPr>
+        <p:txBody>
+          <a:bodyPr vert="horz" lIns="91440" tIns="45720" rIns="91440" bIns="45720" rtlCol="0"/>
+          <a:lstStyle/>
+          <a:p>
+            <a:pPr lvl="0"/>
+            <a:r>
+              <a:rPr lang="fr-FR"/>
+              <a:t>Cliquez pour modifier les styles du texte du masque</a:t>
+            </a:r>
+          </a:p>
+          <a:p>
+            <a:pPr lvl="1"/>
+            <a:r>
+              <a:rPr lang="fr-FR"/>
+              <a:t>Deuxième niveau</a:t>
+            </a:r>
+          </a:p>
+          <a:p>
+            <a:pPr lvl="2"/>
+            <a:r>
+              <a:rPr lang="fr-FR"/>
+              <a:t>Troisième niveau</a:t>
+            </a:r>
+          </a:p>
+          <a:p>
+            <a:pPr lvl="3"/>
+            <a:r>
+              <a:rPr lang="fr-FR"/>
+              <a:t>Quatrième niveau</a:t>
+            </a:r>
+          </a:p>
+          <a:p>
+            <a:pPr lvl="4"/>
+            <a:r>
+              <a:rPr lang="fr-FR"/>
+              <a:t>Cinquième niveau</a:t>
+            </a:r>
+            <a:endParaRPr lang="fr-CH"/>
+          </a:p>
+        </p:txBody>
+      </p:sp>
+      <p:sp>
+        <p:nvSpPr>
+          <p:cNvPr id="6" name="Espace réservé du pied de page 5"/>
+          <p:cNvSpPr>
+            <a:spLocks noGrp="1"/>
+          </p:cNvSpPr>
+          <p:nvPr>
+            <p:ph type="ftr" sz="quarter" idx="4"/>
+          </p:nvPr>
+        </p:nvSpPr>
+        <p:spPr>
+          <a:xfrm>
+            <a:off x="0" y="8685213"/>
+            <a:ext cx="2971800" cy="458787"/>
+          </a:xfrm>
+          <a:prstGeom prst="rect">
+            <a:avLst/>
+          </a:prstGeom>
+        </p:spPr>
+        <p:txBody>
+          <a:bodyPr vert="horz" lIns="91440" tIns="45720" rIns="91440" bIns="45720" rtlCol="0" anchor="b"/>
+          <a:lstStyle>
+            <a:lvl1pPr algn="l">
+              <a:defRPr sz="1200"/>
+            </a:lvl1pPr>
+          </a:lstStyle>
+          <a:p>
+            <a:endParaRPr lang="fr-CH"/>
+          </a:p>
+        </p:txBody>
+      </p:sp>
+      <p:sp>
+        <p:nvSpPr>
+          <p:cNvPr id="7" name="Espace réservé du numéro de diapositive 6"/>
+          <p:cNvSpPr>
+            <a:spLocks noGrp="1"/>
+          </p:cNvSpPr>
+          <p:nvPr>
+            <p:ph type="sldNum" sz="quarter" idx="5"/>
+          </p:nvPr>
+        </p:nvSpPr>
+        <p:spPr>
+          <a:xfrm>
+            <a:off x="3884613" y="8685213"/>
+            <a:ext cx="2971800" cy="458787"/>
+          </a:xfrm>
+          <a:prstGeom prst="rect">
+            <a:avLst/>
+          </a:prstGeom>
+        </p:spPr>
+        <p:txBody>
+          <a:bodyPr vert="horz" lIns="91440" tIns="45720" rIns="91440" bIns="45720" rtlCol="0" anchor="b"/>
+          <a:lstStyle>
+            <a:lvl1pPr algn="r">
+              <a:defRPr sz="1200"/>
+            </a:lvl1pPr>
+          </a:lstStyle>
+          <a:p>
+            <a:fld id="{C0A1A13C-C183-424C-A414-74278106B563}" type="slidenum">
+              <a:rPr lang="fr-CH" smtClean="0"/>
+              <a:t>‹N°›</a:t>
+            </a:fld>
+            <a:endParaRPr lang="fr-CH"/>
+          </a:p>
+        </p:txBody>
+      </p:sp>
+    </p:spTree>
+    <p:extLst>
+      <p:ext uri="{BB962C8B-B14F-4D97-AF65-F5344CB8AC3E}">
+        <p14:creationId xmlns:p14="http://schemas.microsoft.com/office/powerpoint/2010/main" val="4184559138"/>
+      </p:ext>
+    </p:extLst>
+  </p:cSld>
+  <p:clrMap bg1="lt1" tx1="dk1" bg2="lt2" tx2="dk2" accent1="accent1" accent2="accent2" accent3="accent3" accent4="accent4" accent5="accent5" accent6="accent6" hlink="hlink" folHlink="folHlink"/>
+  <p:notesStyle>
+    <a:lvl1pPr marL="0" algn="l" defTabSz="914400" rtl="0" eaLnBrk="1" latinLnBrk="0" hangingPunct="1">
+      <a:defRPr sz="1200" kern="1200">
+        <a:solidFill>
+          <a:schemeClr val="tx1"/>
+        </a:solidFill>
+        <a:latin typeface="+mn-lt"/>
+        <a:ea typeface="+mn-ea"/>
+        <a:cs typeface="+mn-cs"/>
+      </a:defRPr>
+    </a:lvl1pPr>
+    <a:lvl2pPr marL="457200" algn="l" defTabSz="914400" rtl="0" eaLnBrk="1" latinLnBrk="0" hangingPunct="1">
+      <a:defRPr sz="1200" kern="1200">
+        <a:solidFill>
+          <a:schemeClr val="tx1"/>
+        </a:solidFill>
+        <a:latin typeface="+mn-lt"/>
+        <a:ea typeface="+mn-ea"/>
+        <a:cs typeface="+mn-cs"/>
+      </a:defRPr>
+    </a:lvl2pPr>
+    <a:lvl3pPr marL="914400" algn="l" defTabSz="914400" rtl="0" eaLnBrk="1" latinLnBrk="0" hangingPunct="1">
+      <a:defRPr sz="1200" kern="1200">
+        <a:solidFill>
+          <a:schemeClr val="tx1"/>
+        </a:solidFill>
+        <a:latin typeface="+mn-lt"/>
+        <a:ea typeface="+mn-ea"/>
+        <a:cs typeface="+mn-cs"/>
+      </a:defRPr>
+    </a:lvl3pPr>
+    <a:lvl4pPr marL="1371600" algn="l" defTabSz="914400" rtl="0" eaLnBrk="1" latinLnBrk="0" hangingPunct="1">
+      <a:defRPr sz="1200" kern="1200">
+        <a:solidFill>
+          <a:schemeClr val="tx1"/>
+        </a:solidFill>
+        <a:latin typeface="+mn-lt"/>
+        <a:ea typeface="+mn-ea"/>
+        <a:cs typeface="+mn-cs"/>
+      </a:defRPr>
+    </a:lvl4pPr>
+    <a:lvl5pPr marL="1828800" algn="l" defTabSz="914400" rtl="0" eaLnBrk="1" latinLnBrk="0" hangingPunct="1">
+      <a:defRPr sz="1200" kern="1200">
+        <a:solidFill>
+          <a:schemeClr val="tx1"/>
+        </a:solidFill>
+        <a:latin typeface="+mn-lt"/>
+        <a:ea typeface="+mn-ea"/>
+        <a:cs typeface="+mn-cs"/>
+      </a:defRPr>
+    </a:lvl5pPr>
+    <a:lvl6pPr marL="2286000" algn="l" defTabSz="914400" rtl="0" eaLnBrk="1" latinLnBrk="0" hangingPunct="1">
+      <a:defRPr sz="1200" kern="1200">
+        <a:solidFill>
+          <a:schemeClr val="tx1"/>
+        </a:solidFill>
+        <a:latin typeface="+mn-lt"/>
+        <a:ea typeface="+mn-ea"/>
+        <a:cs typeface="+mn-cs"/>
+      </a:defRPr>
+    </a:lvl6pPr>
+    <a:lvl7pPr marL="2743200" algn="l" defTabSz="914400" rtl="0" eaLnBrk="1" latinLnBrk="0" hangingPunct="1">
+      <a:defRPr sz="1200" kern="1200">
+        <a:solidFill>
+          <a:schemeClr val="tx1"/>
+        </a:solidFill>
+        <a:latin typeface="+mn-lt"/>
+        <a:ea typeface="+mn-ea"/>
+        <a:cs typeface="+mn-cs"/>
+      </a:defRPr>
+    </a:lvl7pPr>
+    <a:lvl8pPr marL="3200400" algn="l" defTabSz="914400" rtl="0" eaLnBrk="1" latinLnBrk="0" hangingPunct="1">
+      <a:defRPr sz="1200" kern="1200">
+        <a:solidFill>
+          <a:schemeClr val="tx1"/>
+        </a:solidFill>
+        <a:latin typeface="+mn-lt"/>
+        <a:ea typeface="+mn-ea"/>
+        <a:cs typeface="+mn-cs"/>
+      </a:defRPr>
+    </a:lvl8pPr>
+    <a:lvl9pPr marL="3657600" algn="l" defTabSz="914400" rtl="0" eaLnBrk="1" latinLnBrk="0" hangingPunct="1">
+      <a:defRPr sz="1200" kern="1200">
+        <a:solidFill>
+          <a:schemeClr val="tx1"/>
+        </a:solidFill>
+        <a:latin typeface="+mn-lt"/>
+        <a:ea typeface="+mn-ea"/>
+        <a:cs typeface="+mn-cs"/>
+      </a:defRPr>
+    </a:lvl9pPr>
+  </p:notesStyle>
+</p:notesMaster>
+</file>
+
 <file path=ppt/slideLayouts/slideLayout1.xml><?xml version="1.0" encoding="utf-8"?>
 <p:sldLayout xmlns:a="http://schemas.openxmlformats.org/drawingml/2006/main" xmlns:r="http://schemas.openxmlformats.org/officeDocument/2006/relationships" xmlns:p="http://schemas.openxmlformats.org/presentationml/2006/main" showMasterSp="0" type="title" preserve="1">
   <p:cSld name="Diapositive de titre">
@@ -330,9 +683,8 @@
           <a:bodyPr/>
           <a:lstStyle/>
           <a:p>
-            <a:fld id="{5586B75A-687E-405C-8A0B-8D00578BA2C3}" type="datetimeFigureOut">
-              <a:rPr lang="en-US" dirty="0"/>
-              <a:pPr/>
+            <a:fld id="{697BC7A4-560B-4424-86D9-D529C3ED2E24}" type="datetime1">
+              <a:rPr lang="en-US" smtClean="0"/>
               <a:t>8/17/2024</a:t>
             </a:fld>
             <a:endParaRPr lang="en-US" dirty="0"/>
@@ -354,6 +706,10 @@
           <a:bodyPr/>
           <a:lstStyle/>
           <a:p>
+            <a:r>
+              <a:rPr lang="fr-CH"/>
+              <a:t>Présentation BA - Chatbot Réservation - Rodrigues dos Santos Fabio</a:t>
+            </a:r>
             <a:endParaRPr lang="en-US" dirty="0"/>
           </a:p>
         </p:txBody>
@@ -497,9 +853,8 @@
           <a:bodyPr/>
           <a:lstStyle/>
           <a:p>
-            <a:fld id="{5586B75A-687E-405C-8A0B-8D00578BA2C3}" type="datetimeFigureOut">
-              <a:rPr lang="en-US" dirty="0"/>
-              <a:pPr/>
+            <a:fld id="{6E901063-52CC-4584-9EE9-3A5FBF2927BA}" type="datetime1">
+              <a:rPr lang="en-US" smtClean="0"/>
               <a:t>8/17/2024</a:t>
             </a:fld>
             <a:endParaRPr lang="en-US" dirty="0"/>
@@ -521,6 +876,10 @@
           <a:bodyPr/>
           <a:lstStyle/>
           <a:p>
+            <a:r>
+              <a:rPr lang="fr-CH"/>
+              <a:t>Présentation BA - Chatbot Réservation - Rodrigues dos Santos Fabio</a:t>
+            </a:r>
             <a:endParaRPr lang="en-US" dirty="0"/>
           </a:p>
         </p:txBody>
@@ -674,9 +1033,8 @@
           <a:bodyPr/>
           <a:lstStyle/>
           <a:p>
-            <a:fld id="{5586B75A-687E-405C-8A0B-8D00578BA2C3}" type="datetimeFigureOut">
-              <a:rPr lang="en-US" dirty="0"/>
-              <a:pPr/>
+            <a:fld id="{45B21167-5961-4EAA-A2C5-C443E1B8357A}" type="datetime1">
+              <a:rPr lang="en-US" smtClean="0"/>
               <a:t>8/17/2024</a:t>
             </a:fld>
             <a:endParaRPr lang="en-US" dirty="0"/>
@@ -698,6 +1056,10 @@
           <a:bodyPr/>
           <a:lstStyle/>
           <a:p>
+            <a:r>
+              <a:rPr lang="fr-CH"/>
+              <a:t>Présentation BA - Chatbot Réservation - Rodrigues dos Santos Fabio</a:t>
+            </a:r>
             <a:endParaRPr lang="en-US" dirty="0"/>
           </a:p>
         </p:txBody>
@@ -841,9 +1203,8 @@
           <a:bodyPr/>
           <a:lstStyle/>
           <a:p>
-            <a:fld id="{5586B75A-687E-405C-8A0B-8D00578BA2C3}" type="datetimeFigureOut">
-              <a:rPr lang="en-US" dirty="0"/>
-              <a:pPr/>
+            <a:fld id="{77856CEA-0161-4B0B-A6F9-D90790302E09}" type="datetime1">
+              <a:rPr lang="en-US" smtClean="0"/>
               <a:t>8/17/2024</a:t>
             </a:fld>
             <a:endParaRPr lang="en-US" dirty="0"/>
@@ -865,6 +1226,10 @@
           <a:bodyPr/>
           <a:lstStyle/>
           <a:p>
+            <a:r>
+              <a:rPr lang="fr-CH"/>
+              <a:t>Présentation BA - Chatbot Réservation - Rodrigues dos Santos Fabio</a:t>
+            </a:r>
             <a:endParaRPr lang="en-US" dirty="0"/>
           </a:p>
         </p:txBody>
@@ -1096,9 +1461,8 @@
           <a:bodyPr/>
           <a:lstStyle/>
           <a:p>
-            <a:fld id="{5586B75A-687E-405C-8A0B-8D00578BA2C3}" type="datetimeFigureOut">
-              <a:rPr lang="en-US" dirty="0"/>
-              <a:pPr/>
+            <a:fld id="{1F7ECC23-A5A0-44D4-B496-B55A434D5385}" type="datetime1">
+              <a:rPr lang="en-US" smtClean="0"/>
               <a:t>8/17/2024</a:t>
             </a:fld>
             <a:endParaRPr lang="en-US" dirty="0"/>
@@ -1120,6 +1484,10 @@
           <a:bodyPr/>
           <a:lstStyle/>
           <a:p>
+            <a:r>
+              <a:rPr lang="fr-CH"/>
+              <a:t>Présentation BA - Chatbot Réservation - Rodrigues dos Santos Fabio</a:t>
+            </a:r>
             <a:endParaRPr lang="en-US" dirty="0"/>
           </a:p>
         </p:txBody>
@@ -1381,9 +1749,8 @@
           <a:bodyPr/>
           <a:lstStyle/>
           <a:p>
-            <a:fld id="{5586B75A-687E-405C-8A0B-8D00578BA2C3}" type="datetimeFigureOut">
-              <a:rPr lang="en-US" dirty="0"/>
-              <a:pPr/>
+            <a:fld id="{337DEE0E-910E-4647-A748-0A8F2A962DCA}" type="datetime1">
+              <a:rPr lang="en-US" smtClean="0"/>
               <a:t>8/17/2024</a:t>
             </a:fld>
             <a:endParaRPr lang="en-US" dirty="0"/>
@@ -1405,6 +1772,10 @@
           <a:bodyPr/>
           <a:lstStyle/>
           <a:p>
+            <a:r>
+              <a:rPr lang="fr-CH"/>
+              <a:t>Présentation BA - Chatbot Réservation - Rodrigues dos Santos Fabio</a:t>
+            </a:r>
             <a:endParaRPr lang="en-US" dirty="0"/>
           </a:p>
         </p:txBody>
@@ -1820,9 +2191,8 @@
           <a:bodyPr/>
           <a:lstStyle/>
           <a:p>
-            <a:fld id="{5586B75A-687E-405C-8A0B-8D00578BA2C3}" type="datetimeFigureOut">
-              <a:rPr lang="en-US" dirty="0"/>
-              <a:pPr/>
+            <a:fld id="{E2F9AEDB-DA47-42B1-AA20-FA4193278BFB}" type="datetime1">
+              <a:rPr lang="en-US" smtClean="0"/>
               <a:t>8/17/2024</a:t>
             </a:fld>
             <a:endParaRPr lang="en-US" dirty="0"/>
@@ -1844,6 +2214,10 @@
           <a:bodyPr/>
           <a:lstStyle/>
           <a:p>
+            <a:r>
+              <a:rPr lang="fr-CH"/>
+              <a:t>Présentation BA - Chatbot Réservation - Rodrigues dos Santos Fabio</a:t>
+            </a:r>
             <a:endParaRPr lang="en-US" dirty="0"/>
           </a:p>
         </p:txBody>
@@ -1935,9 +2309,8 @@
           <a:bodyPr/>
           <a:lstStyle/>
           <a:p>
-            <a:fld id="{5586B75A-687E-405C-8A0B-8D00578BA2C3}" type="datetimeFigureOut">
-              <a:rPr lang="en-US" dirty="0"/>
-              <a:pPr/>
+            <a:fld id="{76A3806D-CEFF-4C7C-B69E-E8C6C2135F0C}" type="datetime1">
+              <a:rPr lang="en-US" smtClean="0"/>
               <a:t>8/17/2024</a:t>
             </a:fld>
             <a:endParaRPr lang="en-US" dirty="0"/>
@@ -1959,6 +2332,10 @@
           <a:bodyPr/>
           <a:lstStyle/>
           <a:p>
+            <a:r>
+              <a:rPr lang="fr-CH"/>
+              <a:t>Présentation BA - Chatbot Réservation - Rodrigues dos Santos Fabio</a:t>
+            </a:r>
             <a:endParaRPr lang="en-US" dirty="0"/>
           </a:p>
         </p:txBody>
@@ -2027,9 +2404,8 @@
           <a:bodyPr/>
           <a:lstStyle/>
           <a:p>
-            <a:fld id="{5586B75A-687E-405C-8A0B-8D00578BA2C3}" type="datetimeFigureOut">
-              <a:rPr lang="en-US" dirty="0"/>
-              <a:pPr/>
+            <a:fld id="{6C799852-6437-4F59-8BA4-BD526AE7B018}" type="datetime1">
+              <a:rPr lang="en-US" smtClean="0"/>
               <a:t>8/17/2024</a:t>
             </a:fld>
             <a:endParaRPr lang="en-US" dirty="0"/>
@@ -2051,6 +2427,10 @@
           <a:bodyPr/>
           <a:lstStyle/>
           <a:p>
+            <a:r>
+              <a:rPr lang="fr-CH"/>
+              <a:t>Présentation BA - Chatbot Réservation - Rodrigues dos Santos Fabio</a:t>
+            </a:r>
             <a:endParaRPr lang="en-US" dirty="0"/>
           </a:p>
         </p:txBody>
@@ -2312,9 +2692,8 @@
           <a:bodyPr/>
           <a:lstStyle/>
           <a:p>
-            <a:fld id="{5586B75A-687E-405C-8A0B-8D00578BA2C3}" type="datetimeFigureOut">
-              <a:rPr lang="en-US" dirty="0"/>
-              <a:pPr/>
+            <a:fld id="{BF0EB050-0ECA-42EF-A435-70711370D85B}" type="datetime1">
+              <a:rPr lang="en-US" smtClean="0"/>
               <a:t>8/17/2024</a:t>
             </a:fld>
             <a:endParaRPr lang="en-US" dirty="0"/>
@@ -2336,6 +2715,10 @@
           <a:bodyPr/>
           <a:lstStyle/>
           <a:p>
+            <a:r>
+              <a:rPr lang="fr-CH"/>
+              <a:t>Présentation BA - Chatbot Réservation - Rodrigues dos Santos Fabio</a:t>
+            </a:r>
             <a:endParaRPr lang="en-US" dirty="0"/>
           </a:p>
         </p:txBody>
@@ -2582,9 +2965,8 @@
           <a:bodyPr/>
           <a:lstStyle/>
           <a:p>
-            <a:fld id="{5586B75A-687E-405C-8A0B-8D00578BA2C3}" type="datetimeFigureOut">
-              <a:rPr lang="en-US" dirty="0"/>
-              <a:pPr/>
+            <a:fld id="{F4052ABD-58D4-4C9E-B1B8-CEC2AA8DBD93}" type="datetime1">
+              <a:rPr lang="en-US" smtClean="0"/>
               <a:t>8/17/2024</a:t>
             </a:fld>
             <a:endParaRPr lang="en-US" dirty="0"/>
@@ -2611,6 +2993,10 @@
           <a:bodyPr/>
           <a:lstStyle/>
           <a:p>
+            <a:r>
+              <a:rPr lang="fr-CH"/>
+              <a:t>Présentation BA - Chatbot Réservation - Rodrigues dos Santos Fabio</a:t>
+            </a:r>
             <a:endParaRPr lang="en-US" dirty="0"/>
           </a:p>
         </p:txBody>
@@ -2876,9 +3262,8 @@
             </a:lvl1pPr>
           </a:lstStyle>
           <a:p>
-            <a:fld id="{5586B75A-687E-405C-8A0B-8D00578BA2C3}" type="datetimeFigureOut">
-              <a:rPr lang="en-US" dirty="0"/>
-              <a:pPr/>
+            <a:fld id="{C4EEF54E-F662-454E-AE7D-91A1E3F52308}" type="datetime1">
+              <a:rPr lang="en-US" smtClean="0"/>
               <a:t>8/17/2024</a:t>
             </a:fld>
             <a:endParaRPr lang="en-US" dirty="0"/>
@@ -2919,6 +3304,10 @@
             </a:lvl1pPr>
           </a:lstStyle>
           <a:p>
+            <a:r>
+              <a:rPr lang="fr-CH"/>
+              <a:t>Présentation BA - Chatbot Réservation - Rodrigues dos Santos Fabio</a:t>
+            </a:r>
             <a:endParaRPr lang="en-US" dirty="0"/>
           </a:p>
         </p:txBody>
@@ -2979,7 +3368,7 @@
     <p:sldLayoutId id="2147483850" r:id="rId10"/>
     <p:sldLayoutId id="2147483851" r:id="rId11"/>
   </p:sldLayoutIdLst>
-  <p:hf sldNum="0" hdr="0" ftr="0" dt="0"/>
+  <p:hf hdr="0" dt="0"/>
   <p:txStyles>
     <p:titleStyle>
       <a:lvl1pPr algn="l" defTabSz="914400" rtl="0" eaLnBrk="1" latinLnBrk="0" hangingPunct="1">
@@ -3835,6 +4224,65 @@
           </a:p>
         </p:txBody>
       </p:sp>
+      <p:sp>
+        <p:nvSpPr>
+          <p:cNvPr id="10" name="Espace réservé du pied de page 9">
+            <a:extLst>
+              <a:ext uri="{FF2B5EF4-FFF2-40B4-BE49-F238E27FC236}">
+                <a16:creationId xmlns:a16="http://schemas.microsoft.com/office/drawing/2014/main" id="{DD4D5C53-4E19-C45C-A7EF-80A1917568CF}"/>
+              </a:ext>
+            </a:extLst>
+          </p:cNvPr>
+          <p:cNvSpPr>
+            <a:spLocks noGrp="1"/>
+          </p:cNvSpPr>
+          <p:nvPr>
+            <p:ph type="ftr" sz="quarter" idx="11"/>
+          </p:nvPr>
+        </p:nvSpPr>
+        <p:spPr/>
+        <p:txBody>
+          <a:bodyPr/>
+          <a:lstStyle/>
+          <a:p>
+            <a:r>
+              <a:rPr lang="fr-CH"/>
+              <a:t>Présentation BA - Chatbot Réservation - Rodrigues dos Santos Fabio</a:t>
+            </a:r>
+            <a:endParaRPr lang="en-US" dirty="0"/>
+          </a:p>
+        </p:txBody>
+      </p:sp>
+      <p:sp>
+        <p:nvSpPr>
+          <p:cNvPr id="11" name="Espace réservé du numéro de diapositive 10">
+            <a:extLst>
+              <a:ext uri="{FF2B5EF4-FFF2-40B4-BE49-F238E27FC236}">
+                <a16:creationId xmlns:a16="http://schemas.microsoft.com/office/drawing/2014/main" id="{CC8AA71E-6A37-272E-AF57-38BD43C9D871}"/>
+              </a:ext>
+            </a:extLst>
+          </p:cNvPr>
+          <p:cNvSpPr>
+            <a:spLocks noGrp="1"/>
+          </p:cNvSpPr>
+          <p:nvPr>
+            <p:ph type="sldNum" sz="quarter" idx="12"/>
+          </p:nvPr>
+        </p:nvSpPr>
+        <p:spPr/>
+        <p:txBody>
+          <a:bodyPr/>
+          <a:lstStyle/>
+          <a:p>
+            <a:fld id="{4FAB73BC-B049-4115-A692-8D63A059BFB8}" type="slidenum">
+              <a:rPr lang="en-US" smtClean="0"/>
+              <a:pPr/>
+              <a:t>1</a:t>
+            </a:fld>
+            <a:endParaRPr lang="en-US" dirty="0"/>
+          </a:p>
+        </p:txBody>
+      </p:sp>
     </p:spTree>
     <p:extLst>
       <p:ext uri="{BB962C8B-B14F-4D97-AF65-F5344CB8AC3E}">
@@ -3886,7 +4334,11 @@
           <a:bodyPr/>
           <a:lstStyle/>
           <a:p>
-            <a:endParaRPr lang="fr-CH"/>
+            <a:r>
+              <a:rPr lang="fr-CH" sz="4400" dirty="0"/>
+              <a:t>Contexte</a:t>
+            </a:r>
+            <a:endParaRPr lang="fr-CH" dirty="0"/>
           </a:p>
         </p:txBody>
       </p:sp>
@@ -3911,7 +4363,158 @@
           <a:bodyPr/>
           <a:lstStyle/>
           <a:p>
-            <a:endParaRPr lang="fr-CH"/>
+            <a:pPr>
+              <a:buFont typeface="Arial" panose="020B0604020202020204" pitchFamily="34" charset="0"/>
+              <a:buChar char="•"/>
+            </a:pPr>
+            <a:r>
+              <a:rPr lang="fr-CH" dirty="0"/>
+              <a:t>Projet réalisé dans le cadre du travail de </a:t>
+            </a:r>
+            <a:r>
+              <a:rPr lang="fr-CH" dirty="0" err="1"/>
+              <a:t>Bachelor</a:t>
+            </a:r>
+            <a:endParaRPr lang="fr-CH" dirty="0"/>
+          </a:p>
+          <a:p>
+            <a:pPr>
+              <a:buFont typeface="Arial" panose="020B0604020202020204" pitchFamily="34" charset="0"/>
+              <a:buChar char="•"/>
+            </a:pPr>
+            <a:r>
+              <a:rPr lang="fr-CH" dirty="0"/>
+              <a:t>Idée de projet initiale par M. </a:t>
+            </a:r>
+            <a:r>
+              <a:rPr lang="fr-CH" dirty="0" err="1"/>
+              <a:t>Niklaus</a:t>
+            </a:r>
+            <a:r>
+              <a:rPr lang="fr-CH" dirty="0"/>
+              <a:t> </a:t>
+            </a:r>
+            <a:r>
+              <a:rPr lang="fr-CH" dirty="0" err="1"/>
+              <a:t>Eggenberg</a:t>
+            </a:r>
+            <a:endParaRPr lang="fr-CH" dirty="0"/>
+          </a:p>
+          <a:p>
+            <a:pPr>
+              <a:buFont typeface="Arial" panose="020B0604020202020204" pitchFamily="34" charset="0"/>
+              <a:buChar char="•"/>
+            </a:pPr>
+            <a:r>
+              <a:rPr lang="fr-CH" dirty="0"/>
+              <a:t>Bot de réservation conversationnel</a:t>
+            </a:r>
+          </a:p>
+          <a:p>
+            <a:pPr lvl="1">
+              <a:lnSpc>
+                <a:spcPct val="150000"/>
+              </a:lnSpc>
+              <a:buFont typeface="Courier New" panose="02070309020205020404" pitchFamily="49" charset="0"/>
+              <a:buChar char="o"/>
+            </a:pPr>
+            <a:r>
+              <a:rPr lang="fr-CH" dirty="0"/>
+              <a:t>Complément/ajout à un système existant de réservation</a:t>
+            </a:r>
+          </a:p>
+          <a:p>
+            <a:pPr lvl="1">
+              <a:lnSpc>
+                <a:spcPct val="150000"/>
+              </a:lnSpc>
+              <a:buFont typeface="Courier New" panose="02070309020205020404" pitchFamily="49" charset="0"/>
+              <a:buChar char="o"/>
+            </a:pPr>
+            <a:endParaRPr lang="fr-CH" dirty="0"/>
+          </a:p>
+          <a:p>
+            <a:pPr lvl="1">
+              <a:lnSpc>
+                <a:spcPct val="150000"/>
+              </a:lnSpc>
+              <a:buFont typeface="Courier New" panose="02070309020205020404" pitchFamily="49" charset="0"/>
+              <a:buChar char="o"/>
+            </a:pPr>
+            <a:endParaRPr lang="fr-CH" dirty="0"/>
+          </a:p>
+          <a:p>
+            <a:pPr lvl="1">
+              <a:buFont typeface="Courier New" panose="02070309020205020404" pitchFamily="49" charset="0"/>
+              <a:buChar char="o"/>
+            </a:pPr>
+            <a:endParaRPr lang="fr-CH" dirty="0"/>
+          </a:p>
+          <a:p>
+            <a:pPr>
+              <a:buFont typeface="Arial" panose="020B0604020202020204" pitchFamily="34" charset="0"/>
+              <a:buChar char="•"/>
+            </a:pPr>
+            <a:endParaRPr lang="fr-CH" dirty="0"/>
+          </a:p>
+        </p:txBody>
+      </p:sp>
+      <p:sp>
+        <p:nvSpPr>
+          <p:cNvPr id="4" name="Espace réservé du pied de page 3">
+            <a:extLst>
+              <a:ext uri="{FF2B5EF4-FFF2-40B4-BE49-F238E27FC236}">
+                <a16:creationId xmlns:a16="http://schemas.microsoft.com/office/drawing/2014/main" id="{0F17B811-EEE8-9F17-0919-33990C1D517A}"/>
+              </a:ext>
+            </a:extLst>
+          </p:cNvPr>
+          <p:cNvSpPr>
+            <a:spLocks noGrp="1"/>
+          </p:cNvSpPr>
+          <p:nvPr>
+            <p:ph type="ftr" sz="quarter" idx="11"/>
+          </p:nvPr>
+        </p:nvSpPr>
+        <p:spPr/>
+        <p:txBody>
+          <a:bodyPr/>
+          <a:lstStyle/>
+          <a:p>
+            <a:r>
+              <a:rPr lang="fr-CH"/>
+              <a:t>Présentation BA - Chatbot Réservation - Rodrigues dos Santos Fabio</a:t>
+            </a:r>
+            <a:endParaRPr lang="en-US" dirty="0"/>
+          </a:p>
+        </p:txBody>
+      </p:sp>
+      <p:sp>
+        <p:nvSpPr>
+          <p:cNvPr id="5" name="Espace réservé du numéro de diapositive 4">
+            <a:extLst>
+              <a:ext uri="{FF2B5EF4-FFF2-40B4-BE49-F238E27FC236}">
+                <a16:creationId xmlns:a16="http://schemas.microsoft.com/office/drawing/2014/main" id="{6901B04D-6E8F-5582-B597-B5B902DEF230}"/>
+              </a:ext>
+            </a:extLst>
+          </p:cNvPr>
+          <p:cNvSpPr>
+            <a:spLocks noGrp="1"/>
+          </p:cNvSpPr>
+          <p:nvPr>
+            <p:ph type="sldNum" sz="quarter" idx="12"/>
+          </p:nvPr>
+        </p:nvSpPr>
+        <p:spPr/>
+        <p:txBody>
+          <a:bodyPr/>
+          <a:lstStyle/>
+          <a:p>
+            <a:fld id="{4FAB73BC-B049-4115-A692-8D63A059BFB8}" type="slidenum">
+              <a:rPr lang="en-US" smtClean="0"/>
+              <a:pPr/>
+              <a:t>2</a:t>
+            </a:fld>
+            <a:endParaRPr lang="en-US" dirty="0"/>
           </a:p>
         </p:txBody>
       </p:sp>
@@ -4157,4 +4760,319 @@
     </a:ext>
   </a:extLst>
 </a:theme>
+</file>
+
+<file path=ppt/theme/theme2.xml><?xml version="1.0" encoding="utf-8"?>
+<a:theme xmlns:a="http://schemas.openxmlformats.org/drawingml/2006/main" name="Thème Office">
+  <a:themeElements>
+    <a:clrScheme name="Office">
+      <a:dk1>
+        <a:sysClr val="windowText" lastClr="000000"/>
+      </a:dk1>
+      <a:lt1>
+        <a:sysClr val="window" lastClr="FFFFFF"/>
+      </a:lt1>
+      <a:dk2>
+        <a:srgbClr val="0E2841"/>
+      </a:dk2>
+      <a:lt2>
+        <a:srgbClr val="E8E8E8"/>
+      </a:lt2>
+      <a:accent1>
+        <a:srgbClr val="156082"/>
+      </a:accent1>
+      <a:accent2>
+        <a:srgbClr val="E97132"/>
+      </a:accent2>
+      <a:accent3>
+        <a:srgbClr val="196B24"/>
+      </a:accent3>
+      <a:accent4>
+        <a:srgbClr val="0F9ED5"/>
+      </a:accent4>
+      <a:accent5>
+        <a:srgbClr val="A02B93"/>
+      </a:accent5>
+      <a:accent6>
+        <a:srgbClr val="4EA72E"/>
+      </a:accent6>
+      <a:hlink>
+        <a:srgbClr val="467886"/>
+      </a:hlink>
+      <a:folHlink>
+        <a:srgbClr val="96607D"/>
+      </a:folHlink>
+    </a:clrScheme>
+    <a:fontScheme name="Office">
+      <a:majorFont>
+        <a:latin typeface="Aptos Display" panose="02110004020202020204"/>
+        <a:ea typeface=""/>
+        <a:cs typeface=""/>
+        <a:font script="Jpan" typeface="游ゴシック Light"/>
+        <a:font script="Hang" typeface="맑은 고딕"/>
+        <a:font script="Hans" typeface="等线 Light"/>
+        <a:font script="Hant" typeface="新細明體"/>
+        <a:font script="Arab" typeface="Times New Roman"/>
+        <a:font script="Hebr" typeface="Times New Roman"/>
+        <a:font script="Thai" typeface="Angsana New"/>
+        <a:font script="Ethi" typeface="Nyala"/>
+        <a:font script="Beng" typeface="Vrinda"/>
+        <a:font script="Gujr" typeface="Shruti"/>
+        <a:font script="Khmr" typeface="MoolBoran"/>
+        <a:font script="Knda" typeface="Tunga"/>
+        <a:font script="Guru" typeface="Raavi"/>
+        <a:font script="Cans" typeface="Euphemia"/>
+        <a:font script="Cher" typeface="Plantagenet Cherokee"/>
+        <a:font script="Yiii" typeface="Microsoft Yi Baiti"/>
+        <a:font script="Tibt" typeface="Microsoft Himalaya"/>
+        <a:font script="Thaa" typeface="MV Boli"/>
+        <a:font script="Deva" typeface="Mangal"/>
+        <a:font script="Telu" typeface="Gautami"/>
+        <a:font script="Taml" typeface="Latha"/>
+        <a:font script="Syrc" typeface="Estrangelo Edessa"/>
+        <a:font script="Orya" typeface="Kalinga"/>
+        <a:font script="Mlym" typeface="Kartika"/>
+        <a:font script="Laoo" typeface="DokChampa"/>
+        <a:font script="Sinh" typeface="Iskoola Pota"/>
+        <a:font script="Mong" typeface="Mongolian Baiti"/>
+        <a:font script="Viet" typeface="Times New Roman"/>
+        <a:font script="Uigh" typeface="Microsoft Uighur"/>
+        <a:font script="Geor" typeface="Sylfaen"/>
+        <a:font script="Armn" typeface="Arial"/>
+        <a:font script="Bugi" typeface="Leelawadee UI"/>
+        <a:font script="Bopo" typeface="Microsoft JhengHei"/>
+        <a:font script="Java" typeface="Javanese Text"/>
+        <a:font script="Lisu" typeface="Segoe UI"/>
+        <a:font script="Mymr" typeface="Myanmar Text"/>
+        <a:font script="Nkoo" typeface="Ebrima"/>
+        <a:font script="Olck" typeface="Nirmala UI"/>
+        <a:font script="Osma" typeface="Ebrima"/>
+        <a:font script="Phag" typeface="Phagspa"/>
+        <a:font script="Syrn" typeface="Estrangelo Edessa"/>
+        <a:font script="Syrj" typeface="Estrangelo Edessa"/>
+        <a:font script="Syre" typeface="Estrangelo Edessa"/>
+        <a:font script="Sora" typeface="Nirmala UI"/>
+        <a:font script="Tale" typeface="Microsoft Tai Le"/>
+        <a:font script="Talu" typeface="Microsoft New Tai Lue"/>
+        <a:font script="Tfng" typeface="Ebrima"/>
+      </a:majorFont>
+      <a:minorFont>
+        <a:latin typeface="Aptos" panose="02110004020202020204"/>
+        <a:ea typeface=""/>
+        <a:cs typeface=""/>
+        <a:font script="Jpan" typeface="游ゴシック"/>
+        <a:font script="Hang" typeface="맑은 고딕"/>
+        <a:font script="Hans" typeface="等线"/>
+        <a:font script="Hant" typeface="新細明體"/>
+        <a:font script="Arab" typeface="Arial"/>
+        <a:font script="Hebr" typeface="Arial"/>
+        <a:font script="Thai" typeface="Cordia New"/>
+        <a:font script="Ethi" typeface="Nyala"/>
+        <a:font script="Beng" typeface="Vrinda"/>
+        <a:font script="Gujr" typeface="Shruti"/>
+        <a:font script="Khmr" typeface="DaunPenh"/>
+        <a:font script="Knda" typeface="Tunga"/>
+        <a:font script="Guru" typeface="Raavi"/>
+        <a:font script="Cans" typeface="Euphemia"/>
+        <a:font script="Cher" typeface="Plantagenet Cherokee"/>
+        <a:font script="Yiii" typeface="Microsoft Yi Baiti"/>
+        <a:font script="Tibt" typeface="Microsoft Himalaya"/>
+        <a:font script="Thaa" typeface="MV Boli"/>
+        <a:font script="Deva" typeface="Mangal"/>
+        <a:font script="Telu" typeface="Gautami"/>
+        <a:font script="Taml" typeface="Latha"/>
+        <a:font script="Syrc" typeface="Estrangelo Edessa"/>
+        <a:font script="Orya" typeface="Kalinga"/>
+        <a:font script="Mlym" typeface="Kartika"/>
+        <a:font script="Laoo" typeface="DokChampa"/>
+        <a:font script="Sinh" typeface="Iskoola Pota"/>
+        <a:font script="Mong" typeface="Mongolian Baiti"/>
+        <a:font script="Viet" typeface="Arial"/>
+        <a:font script="Uigh" typeface="Microsoft Uighur"/>
+        <a:font script="Geor" typeface="Sylfaen"/>
+        <a:font script="Armn" typeface="Arial"/>
+        <a:font script="Bugi" typeface="Leelawadee UI"/>
+        <a:font script="Bopo" typeface="Microsoft JhengHei"/>
+        <a:font script="Java" typeface="Javanese Text"/>
+        <a:font script="Lisu" typeface="Segoe UI"/>
+        <a:font script="Mymr" typeface="Myanmar Text"/>
+        <a:font script="Nkoo" typeface="Ebrima"/>
+        <a:font script="Olck" typeface="Nirmala UI"/>
+        <a:font script="Osma" typeface="Ebrima"/>
+        <a:font script="Phag" typeface="Phagspa"/>
+        <a:font script="Syrn" typeface="Estrangelo Edessa"/>
+        <a:font script="Syrj" typeface="Estrangelo Edessa"/>
+        <a:font script="Syre" typeface="Estrangelo Edessa"/>
+        <a:font script="Sora" typeface="Nirmala UI"/>
+        <a:font script="Tale" typeface="Microsoft Tai Le"/>
+        <a:font script="Talu" typeface="Microsoft New Tai Lue"/>
+        <a:font script="Tfng" typeface="Ebrima"/>
+      </a:minorFont>
+    </a:fontScheme>
+    <a:fmtScheme name="Office">
+      <a:fillStyleLst>
+        <a:solidFill>
+          <a:schemeClr val="phClr"/>
+        </a:solidFill>
+        <a:gradFill rotWithShape="1">
+          <a:gsLst>
+            <a:gs pos="0">
+              <a:schemeClr val="phClr">
+                <a:lumMod val="110000"/>
+                <a:satMod val="105000"/>
+                <a:tint val="67000"/>
+              </a:schemeClr>
+            </a:gs>
+            <a:gs pos="50000">
+              <a:schemeClr val="phClr">
+                <a:lumMod val="105000"/>
+                <a:satMod val="103000"/>
+                <a:tint val="73000"/>
+              </a:schemeClr>
+            </a:gs>
+            <a:gs pos="100000">
+              <a:schemeClr val="phClr">
+                <a:lumMod val="105000"/>
+                <a:satMod val="109000"/>
+                <a:tint val="81000"/>
+              </a:schemeClr>
+            </a:gs>
+          </a:gsLst>
+          <a:lin ang="5400000" scaled="0"/>
+        </a:gradFill>
+        <a:gradFill rotWithShape="1">
+          <a:gsLst>
+            <a:gs pos="0">
+              <a:schemeClr val="phClr">
+                <a:satMod val="103000"/>
+                <a:lumMod val="102000"/>
+                <a:tint val="94000"/>
+              </a:schemeClr>
+            </a:gs>
+            <a:gs pos="50000">
+              <a:schemeClr val="phClr">
+                <a:satMod val="110000"/>
+                <a:lumMod val="100000"/>
+                <a:shade val="100000"/>
+              </a:schemeClr>
+            </a:gs>
+            <a:gs pos="100000">
+              <a:schemeClr val="phClr">
+                <a:lumMod val="99000"/>
+                <a:satMod val="120000"/>
+                <a:shade val="78000"/>
+              </a:schemeClr>
+            </a:gs>
+          </a:gsLst>
+          <a:lin ang="5400000" scaled="0"/>
+        </a:gradFill>
+      </a:fillStyleLst>
+      <a:lnStyleLst>
+        <a:ln w="12700" cap="flat" cmpd="sng" algn="ctr">
+          <a:solidFill>
+            <a:schemeClr val="phClr"/>
+          </a:solidFill>
+          <a:prstDash val="solid"/>
+          <a:miter lim="800000"/>
+        </a:ln>
+        <a:ln w="19050" cap="flat" cmpd="sng" algn="ctr">
+          <a:solidFill>
+            <a:schemeClr val="phClr"/>
+          </a:solidFill>
+          <a:prstDash val="solid"/>
+          <a:miter lim="800000"/>
+        </a:ln>
+        <a:ln w="25400" cap="flat" cmpd="sng" algn="ctr">
+          <a:solidFill>
+            <a:schemeClr val="phClr"/>
+          </a:solidFill>
+          <a:prstDash val="solid"/>
+          <a:miter lim="800000"/>
+        </a:ln>
+      </a:lnStyleLst>
+      <a:effectStyleLst>
+        <a:effectStyle>
+          <a:effectLst/>
+        </a:effectStyle>
+        <a:effectStyle>
+          <a:effectLst/>
+        </a:effectStyle>
+        <a:effectStyle>
+          <a:effectLst>
+            <a:outerShdw blurRad="57150" dist="19050" dir="5400000" algn="ctr" rotWithShape="0">
+              <a:srgbClr val="000000">
+                <a:alpha val="63000"/>
+              </a:srgbClr>
+            </a:outerShdw>
+          </a:effectLst>
+        </a:effectStyle>
+      </a:effectStyleLst>
+      <a:bgFillStyleLst>
+        <a:solidFill>
+          <a:schemeClr val="phClr"/>
+        </a:solidFill>
+        <a:solidFill>
+          <a:schemeClr val="phClr">
+            <a:tint val="95000"/>
+            <a:satMod val="170000"/>
+          </a:schemeClr>
+        </a:solidFill>
+        <a:gradFill rotWithShape="1">
+          <a:gsLst>
+            <a:gs pos="0">
+              <a:schemeClr val="phClr">
+                <a:tint val="93000"/>
+                <a:satMod val="150000"/>
+                <a:shade val="98000"/>
+                <a:lumMod val="102000"/>
+              </a:schemeClr>
+            </a:gs>
+            <a:gs pos="50000">
+              <a:schemeClr val="phClr">
+                <a:tint val="98000"/>
+                <a:satMod val="130000"/>
+                <a:shade val="90000"/>
+                <a:lumMod val="103000"/>
+              </a:schemeClr>
+            </a:gs>
+            <a:gs pos="100000">
+              <a:schemeClr val="phClr">
+                <a:shade val="63000"/>
+                <a:satMod val="120000"/>
+              </a:schemeClr>
+            </a:gs>
+          </a:gsLst>
+          <a:lin ang="5400000" scaled="0"/>
+        </a:gradFill>
+      </a:bgFillStyleLst>
+    </a:fmtScheme>
+  </a:themeElements>
+  <a:objectDefaults>
+    <a:lnDef>
+      <a:spPr/>
+      <a:bodyPr/>
+      <a:lstStyle/>
+      <a:style>
+        <a:lnRef idx="2">
+          <a:schemeClr val="accent1"/>
+        </a:lnRef>
+        <a:fillRef idx="0">
+          <a:schemeClr val="accent1"/>
+        </a:fillRef>
+        <a:effectRef idx="1">
+          <a:schemeClr val="accent1"/>
+        </a:effectRef>
+        <a:fontRef idx="minor">
+          <a:schemeClr val="tx1"/>
+        </a:fontRef>
+      </a:style>
+    </a:lnDef>
+  </a:objectDefaults>
+  <a:extraClrSchemeLst/>
+  <a:extLst>
+    <a:ext uri="{05A4C25C-085E-4340-85A3-A5531E510DB2}">
+      <thm15:themeFamily xmlns:thm15="http://schemas.microsoft.com/office/thememl/2012/main" name="Office Theme" id="{2E142A2C-CD16-42D6-873A-C26D2A0506FA}" vid="{1BDDFF52-6CD6-40A5-AB3C-68EB2F1E4D0A}"/>
+    </a:ext>
+  </a:extLst>
+</a:theme>
 </file>
--- a/documentation/travail_bachelor/ISC_LOG_presentation_diplome_RodriguesDosSantosFabio_EggenbergNiklaus_2024.pptx
+++ b/documentation/travail_bachelor/ISC_LOG_presentation_diplome_RodriguesDosSantosFabio_EggenbergNiklaus_2024.pptx
@@ -5,11 +5,14 @@
     <p:sldMasterId id="2147483840" r:id="rId1"/>
   </p:sldMasterIdLst>
   <p:notesMasterIdLst>
-    <p:notesMasterId r:id="rId4"/>
+    <p:notesMasterId r:id="rId7"/>
   </p:notesMasterIdLst>
   <p:sldIdLst>
     <p:sldId id="256" r:id="rId2"/>
     <p:sldId id="257" r:id="rId3"/>
+    <p:sldId id="258" r:id="rId4"/>
+    <p:sldId id="259" r:id="rId5"/>
+    <p:sldId id="260" r:id="rId6"/>
   </p:sldIdLst>
   <p:sldSz cx="12192000" cy="6858000"/>
   <p:notesSz cx="6858000" cy="9144000"/>
@@ -108,6 +111,11 @@
       </a:defRPr>
     </a:lvl9pPr>
   </p:defaultTextStyle>
+  <p:extLst>
+    <p:ext uri="{EFAFB233-063F-42B5-8137-9DF3F51BA10A}">
+      <p15:sldGuideLst xmlns:p15="http://schemas.microsoft.com/office/powerpoint/2012/main"/>
+    </p:ext>
+  </p:extLst>
 </p:presentation>
 </file>
 
@@ -193,7 +201,7 @@
           <a:p>
             <a:fld id="{42AC3142-495C-4280-881B-1526FF75665B}" type="datetimeFigureOut">
               <a:rPr lang="fr-CH" smtClean="0"/>
-              <a:t>17.08.2024</a:t>
+              <a:t>20.08.2024</a:t>
             </a:fld>
             <a:endParaRPr lang="fr-CH"/>
           </a:p>
@@ -685,7 +693,7 @@
           <a:p>
             <a:fld id="{697BC7A4-560B-4424-86D9-D529C3ED2E24}" type="datetime1">
               <a:rPr lang="en-US" smtClean="0"/>
-              <a:t>8/17/2024</a:t>
+              <a:t>8/20/2024</a:t>
             </a:fld>
             <a:endParaRPr lang="en-US" dirty="0"/>
           </a:p>
@@ -855,7 +863,7 @@
           <a:p>
             <a:fld id="{6E901063-52CC-4584-9EE9-3A5FBF2927BA}" type="datetime1">
               <a:rPr lang="en-US" smtClean="0"/>
-              <a:t>8/17/2024</a:t>
+              <a:t>8/20/2024</a:t>
             </a:fld>
             <a:endParaRPr lang="en-US" dirty="0"/>
           </a:p>
@@ -1035,7 +1043,7 @@
           <a:p>
             <a:fld id="{45B21167-5961-4EAA-A2C5-C443E1B8357A}" type="datetime1">
               <a:rPr lang="en-US" smtClean="0"/>
-              <a:t>8/17/2024</a:t>
+              <a:t>8/20/2024</a:t>
             </a:fld>
             <a:endParaRPr lang="en-US" dirty="0"/>
           </a:p>
@@ -1205,7 +1213,7 @@
           <a:p>
             <a:fld id="{77856CEA-0161-4B0B-A6F9-D90790302E09}" type="datetime1">
               <a:rPr lang="en-US" smtClean="0"/>
-              <a:t>8/17/2024</a:t>
+              <a:t>8/20/2024</a:t>
             </a:fld>
             <a:endParaRPr lang="en-US" dirty="0"/>
           </a:p>
@@ -1463,7 +1471,7 @@
           <a:p>
             <a:fld id="{1F7ECC23-A5A0-44D4-B496-B55A434D5385}" type="datetime1">
               <a:rPr lang="en-US" smtClean="0"/>
-              <a:t>8/17/2024</a:t>
+              <a:t>8/20/2024</a:t>
             </a:fld>
             <a:endParaRPr lang="en-US" dirty="0"/>
           </a:p>
@@ -1751,7 +1759,7 @@
           <a:p>
             <a:fld id="{337DEE0E-910E-4647-A748-0A8F2A962DCA}" type="datetime1">
               <a:rPr lang="en-US" smtClean="0"/>
-              <a:t>8/17/2024</a:t>
+              <a:t>8/20/2024</a:t>
             </a:fld>
             <a:endParaRPr lang="en-US" dirty="0"/>
           </a:p>
@@ -2193,7 +2201,7 @@
           <a:p>
             <a:fld id="{E2F9AEDB-DA47-42B1-AA20-FA4193278BFB}" type="datetime1">
               <a:rPr lang="en-US" smtClean="0"/>
-              <a:t>8/17/2024</a:t>
+              <a:t>8/20/2024</a:t>
             </a:fld>
             <a:endParaRPr lang="en-US" dirty="0"/>
           </a:p>
@@ -2311,7 +2319,7 @@
           <a:p>
             <a:fld id="{76A3806D-CEFF-4C7C-B69E-E8C6C2135F0C}" type="datetime1">
               <a:rPr lang="en-US" smtClean="0"/>
-              <a:t>8/17/2024</a:t>
+              <a:t>8/20/2024</a:t>
             </a:fld>
             <a:endParaRPr lang="en-US" dirty="0"/>
           </a:p>
@@ -2406,7 +2414,7 @@
           <a:p>
             <a:fld id="{6C799852-6437-4F59-8BA4-BD526AE7B018}" type="datetime1">
               <a:rPr lang="en-US" smtClean="0"/>
-              <a:t>8/17/2024</a:t>
+              <a:t>8/20/2024</a:t>
             </a:fld>
             <a:endParaRPr lang="en-US" dirty="0"/>
           </a:p>
@@ -2694,7 +2702,7 @@
           <a:p>
             <a:fld id="{BF0EB050-0ECA-42EF-A435-70711370D85B}" type="datetime1">
               <a:rPr lang="en-US" smtClean="0"/>
-              <a:t>8/17/2024</a:t>
+              <a:t>8/20/2024</a:t>
             </a:fld>
             <a:endParaRPr lang="en-US" dirty="0"/>
           </a:p>
@@ -2967,7 +2975,7 @@
           <a:p>
             <a:fld id="{F4052ABD-58D4-4C9E-B1B8-CEC2AA8DBD93}" type="datetime1">
               <a:rPr lang="en-US" smtClean="0"/>
-              <a:t>8/17/2024</a:t>
+              <a:t>8/20/2024</a:t>
             </a:fld>
             <a:endParaRPr lang="en-US" dirty="0"/>
           </a:p>
@@ -3264,7 +3272,7 @@
           <a:p>
             <a:fld id="{C4EEF54E-F662-454E-AE7D-91A1E3F52308}" type="datetime1">
               <a:rPr lang="en-US" smtClean="0"/>
-              <a:t>8/17/2024</a:t>
+              <a:t>8/20/2024</a:t>
             </a:fld>
             <a:endParaRPr lang="en-US" dirty="0"/>
           </a:p>
@@ -4420,7 +4428,72 @@
             </a:pPr>
             <a:r>
               <a:rPr lang="fr-CH" dirty="0"/>
+              <a:t>Alternative aux systèmes courants de réservation</a:t>
+            </a:r>
+          </a:p>
+          <a:p>
+            <a:pPr lvl="2">
+              <a:lnSpc>
+                <a:spcPct val="150000"/>
+              </a:lnSpc>
+              <a:buFont typeface="Wingdings" panose="05000000000000000000" pitchFamily="2" charset="2"/>
+              <a:buChar char="Ø"/>
+            </a:pPr>
+            <a:r>
+              <a:rPr lang="fr-CH" dirty="0"/>
+              <a:t>Sites Web avec menus cliquables</a:t>
+            </a:r>
+          </a:p>
+          <a:p>
+            <a:pPr lvl="2">
+              <a:lnSpc>
+                <a:spcPct val="150000"/>
+              </a:lnSpc>
+              <a:buFont typeface="Wingdings" panose="05000000000000000000" pitchFamily="2" charset="2"/>
+              <a:buChar char="Ø"/>
+            </a:pPr>
+            <a:r>
+              <a:rPr lang="fr-CH" dirty="0"/>
+              <a:t>Appels Téléphoniques</a:t>
+            </a:r>
+          </a:p>
+          <a:p>
+            <a:pPr lvl="2">
+              <a:lnSpc>
+                <a:spcPct val="150000"/>
+              </a:lnSpc>
+              <a:buFont typeface="Wingdings" panose="05000000000000000000" pitchFamily="2" charset="2"/>
+              <a:buChar char="Ø"/>
+            </a:pPr>
+            <a:r>
+              <a:rPr lang="fr-CH" dirty="0"/>
+              <a:t>Réservations en personne</a:t>
+            </a:r>
+          </a:p>
+          <a:p>
+            <a:pPr lvl="1">
+              <a:lnSpc>
+                <a:spcPct val="150000"/>
+              </a:lnSpc>
+              <a:buFont typeface="Courier New" panose="02070309020205020404" pitchFamily="49" charset="0"/>
+              <a:buChar char="o"/>
+            </a:pPr>
+            <a:r>
+              <a:rPr lang="fr-CH" dirty="0"/>
               <a:t>Complément/ajout à un système existant de réservation</a:t>
+            </a:r>
+          </a:p>
+          <a:p>
+            <a:pPr lvl="1">
+              <a:lnSpc>
+                <a:spcPct val="150000"/>
+              </a:lnSpc>
+              <a:buFont typeface="Courier New" panose="02070309020205020404" pitchFamily="49" charset="0"/>
+              <a:buChar char="o"/>
+            </a:pPr>
+            <a:r>
+              <a:rPr lang="fr-CH" dirty="0"/>
+              <a:t>Exploration d’une direction rarement prise pour de tels systèmes</a:t>
             </a:r>
           </a:p>
           <a:p>
@@ -4433,30 +4506,6 @@
             </a:pPr>
             <a:endParaRPr lang="fr-CH" dirty="0"/>
           </a:p>
-          <a:p>
-            <a:pPr lvl="1">
-              <a:lnSpc>
-                <a:spcPct val="150000"/>
-              </a:lnSpc>
-              <a:buFont typeface="Courier New" panose="02070309020205020404" pitchFamily="49" charset="0"/>
-              <a:buChar char="o"/>
-            </a:pPr>
-            <a:endParaRPr lang="fr-CH" dirty="0"/>
-          </a:p>
-          <a:p>
-            <a:pPr lvl="1">
-              <a:buFont typeface="Courier New" panose="02070309020205020404" pitchFamily="49" charset="0"/>
-              <a:buChar char="o"/>
-            </a:pPr>
-            <a:endParaRPr lang="fr-CH" dirty="0"/>
-          </a:p>
-          <a:p>
-            <a:pPr>
-              <a:buFont typeface="Arial" panose="020B0604020202020204" pitchFamily="34" charset="0"/>
-              <a:buChar char="•"/>
-            </a:pPr>
-            <a:endParaRPr lang="fr-CH" dirty="0"/>
-          </a:p>
         </p:txBody>
       </p:sp>
       <p:sp>
@@ -4522,6 +4571,682 @@
     <p:extLst>
       <p:ext uri="{BB962C8B-B14F-4D97-AF65-F5344CB8AC3E}">
         <p14:creationId xmlns:p14="http://schemas.microsoft.com/office/powerpoint/2010/main" val="4274475382"/>
+      </p:ext>
+    </p:extLst>
+  </p:cSld>
+  <p:clrMapOvr>
+    <a:masterClrMapping/>
+  </p:clrMapOvr>
+</p:sld>
+</file>
+
+<file path=ppt/slides/slide3.xml><?xml version="1.0" encoding="utf-8"?>
+<p:sld xmlns:a="http://schemas.openxmlformats.org/drawingml/2006/main" xmlns:r="http://schemas.openxmlformats.org/officeDocument/2006/relationships" xmlns:p="http://schemas.openxmlformats.org/presentationml/2006/main">
+  <p:cSld>
+    <p:spTree>
+      <p:nvGrpSpPr>
+        <p:cNvPr id="1" name=""/>
+        <p:cNvGrpSpPr/>
+        <p:nvPr/>
+      </p:nvGrpSpPr>
+      <p:grpSpPr>
+        <a:xfrm>
+          <a:off x="0" y="0"/>
+          <a:ext cx="0" cy="0"/>
+          <a:chOff x="0" y="0"/>
+          <a:chExt cx="0" cy="0"/>
+        </a:xfrm>
+      </p:grpSpPr>
+      <p:sp>
+        <p:nvSpPr>
+          <p:cNvPr id="2" name="Titre 1">
+            <a:extLst>
+              <a:ext uri="{FF2B5EF4-FFF2-40B4-BE49-F238E27FC236}">
+                <a16:creationId xmlns:a16="http://schemas.microsoft.com/office/drawing/2014/main" id="{D2AB9D38-1BFF-1201-3804-547361FAB077}"/>
+              </a:ext>
+            </a:extLst>
+          </p:cNvPr>
+          <p:cNvSpPr>
+            <a:spLocks noGrp="1"/>
+          </p:cNvSpPr>
+          <p:nvPr>
+            <p:ph type="title"/>
+          </p:nvPr>
+        </p:nvSpPr>
+        <p:spPr/>
+        <p:txBody>
+          <a:bodyPr/>
+          <a:lstStyle/>
+          <a:p>
+            <a:r>
+              <a:rPr lang="fr-CH" dirty="0"/>
+              <a:t>Déroulement du projet</a:t>
+            </a:r>
+          </a:p>
+        </p:txBody>
+      </p:sp>
+      <p:pic>
+        <p:nvPicPr>
+          <p:cNvPr id="7" name="Espace réservé du contenu 6">
+            <a:extLst>
+              <a:ext uri="{FF2B5EF4-FFF2-40B4-BE49-F238E27FC236}">
+                <a16:creationId xmlns:a16="http://schemas.microsoft.com/office/drawing/2014/main" id="{AAE23709-DF63-D5B6-65C3-8FE38DAF5A57}"/>
+              </a:ext>
+            </a:extLst>
+          </p:cNvPr>
+          <p:cNvPicPr>
+            <a:picLocks noGrp="1" noChangeAspect="1"/>
+          </p:cNvPicPr>
+          <p:nvPr>
+            <p:ph idx="1"/>
+          </p:nvPr>
+        </p:nvPicPr>
+        <p:blipFill>
+          <a:blip r:embed="rId2"/>
+          <a:stretch>
+            <a:fillRect/>
+          </a:stretch>
+        </p:blipFill>
+        <p:spPr>
+          <a:xfrm>
+            <a:off x="3463943" y="3053017"/>
+            <a:ext cx="8306591" cy="751965"/>
+          </a:xfrm>
+        </p:spPr>
+      </p:pic>
+      <p:sp>
+        <p:nvSpPr>
+          <p:cNvPr id="4" name="Espace réservé du pied de page 3">
+            <a:extLst>
+              <a:ext uri="{FF2B5EF4-FFF2-40B4-BE49-F238E27FC236}">
+                <a16:creationId xmlns:a16="http://schemas.microsoft.com/office/drawing/2014/main" id="{F5B55C2C-769D-4CF0-A2B6-0DE9CFB2B86E}"/>
+              </a:ext>
+            </a:extLst>
+          </p:cNvPr>
+          <p:cNvSpPr>
+            <a:spLocks noGrp="1"/>
+          </p:cNvSpPr>
+          <p:nvPr>
+            <p:ph type="ftr" sz="quarter" idx="11"/>
+          </p:nvPr>
+        </p:nvSpPr>
+        <p:spPr/>
+        <p:txBody>
+          <a:bodyPr/>
+          <a:lstStyle/>
+          <a:p>
+            <a:r>
+              <a:rPr lang="fr-CH"/>
+              <a:t>Présentation BA - Chatbot Réservation - Rodrigues dos Santos Fabio</a:t>
+            </a:r>
+            <a:endParaRPr lang="en-US" dirty="0"/>
+          </a:p>
+        </p:txBody>
+      </p:sp>
+      <p:sp>
+        <p:nvSpPr>
+          <p:cNvPr id="5" name="Espace réservé du numéro de diapositive 4">
+            <a:extLst>
+              <a:ext uri="{FF2B5EF4-FFF2-40B4-BE49-F238E27FC236}">
+                <a16:creationId xmlns:a16="http://schemas.microsoft.com/office/drawing/2014/main" id="{234632FE-DE84-4BA1-AA8A-001E68E5ECA6}"/>
+              </a:ext>
+            </a:extLst>
+          </p:cNvPr>
+          <p:cNvSpPr>
+            <a:spLocks noGrp="1"/>
+          </p:cNvSpPr>
+          <p:nvPr>
+            <p:ph type="sldNum" sz="quarter" idx="12"/>
+          </p:nvPr>
+        </p:nvSpPr>
+        <p:spPr/>
+        <p:txBody>
+          <a:bodyPr/>
+          <a:lstStyle/>
+          <a:p>
+            <a:fld id="{4FAB73BC-B049-4115-A692-8D63A059BFB8}" type="slidenum">
+              <a:rPr lang="en-US" smtClean="0"/>
+              <a:pPr/>
+              <a:t>3</a:t>
+            </a:fld>
+            <a:endParaRPr lang="en-US" dirty="0"/>
+          </a:p>
+        </p:txBody>
+      </p:sp>
+      <p:sp>
+        <p:nvSpPr>
+          <p:cNvPr id="8" name="ZoneTexte 7">
+            <a:extLst>
+              <a:ext uri="{FF2B5EF4-FFF2-40B4-BE49-F238E27FC236}">
+                <a16:creationId xmlns:a16="http://schemas.microsoft.com/office/drawing/2014/main" id="{C3A9FB95-BFF9-CF89-4542-F33995C6879F}"/>
+              </a:ext>
+            </a:extLst>
+          </p:cNvPr>
+          <p:cNvSpPr txBox="1"/>
+          <p:nvPr/>
+        </p:nvSpPr>
+        <p:spPr>
+          <a:xfrm>
+            <a:off x="6143496" y="1872367"/>
+            <a:ext cx="2947483" cy="1077218"/>
+          </a:xfrm>
+          <a:prstGeom prst="rect">
+            <a:avLst/>
+          </a:prstGeom>
+          <a:noFill/>
+        </p:spPr>
+        <p:txBody>
+          <a:bodyPr wrap="square" rtlCol="0">
+            <a:spAutoFit/>
+          </a:bodyPr>
+          <a:lstStyle/>
+          <a:p>
+            <a:pPr algn="ctr"/>
+            <a:r>
+              <a:rPr lang="fr-CH" sz="3200" b="1" i="1" dirty="0">
+                <a:latin typeface="+mj-lt"/>
+              </a:rPr>
+              <a:t>Semaine typique</a:t>
+            </a:r>
+          </a:p>
+        </p:txBody>
+      </p:sp>
+    </p:spTree>
+    <p:extLst>
+      <p:ext uri="{BB962C8B-B14F-4D97-AF65-F5344CB8AC3E}">
+        <p14:creationId xmlns:p14="http://schemas.microsoft.com/office/powerpoint/2010/main" val="1761254909"/>
+      </p:ext>
+    </p:extLst>
+  </p:cSld>
+  <p:clrMapOvr>
+    <a:masterClrMapping/>
+  </p:clrMapOvr>
+</p:sld>
+</file>
+
+<file path=ppt/slides/slide4.xml><?xml version="1.0" encoding="utf-8"?>
+<p:sld xmlns:a="http://schemas.openxmlformats.org/drawingml/2006/main" xmlns:r="http://schemas.openxmlformats.org/officeDocument/2006/relationships" xmlns:p="http://schemas.openxmlformats.org/presentationml/2006/main">
+  <p:cSld>
+    <p:bg>
+      <p:bgPr>
+        <a:solidFill>
+          <a:schemeClr val="bg1"/>
+        </a:solidFill>
+        <a:effectLst/>
+      </p:bgPr>
+    </p:bg>
+    <p:spTree>
+      <p:nvGrpSpPr>
+        <p:cNvPr id="1" name=""/>
+        <p:cNvGrpSpPr/>
+        <p:nvPr/>
+      </p:nvGrpSpPr>
+      <p:grpSpPr>
+        <a:xfrm>
+          <a:off x="0" y="0"/>
+          <a:ext cx="0" cy="0"/>
+          <a:chOff x="0" y="0"/>
+          <a:chExt cx="0" cy="0"/>
+        </a:xfrm>
+      </p:grpSpPr>
+      <p:sp>
+        <p:nvSpPr>
+          <p:cNvPr id="2" name="Titre 1">
+            <a:extLst>
+              <a:ext uri="{FF2B5EF4-FFF2-40B4-BE49-F238E27FC236}">
+                <a16:creationId xmlns:a16="http://schemas.microsoft.com/office/drawing/2014/main" id="{968ED4B7-D352-10EC-C1CD-9253B1245059}"/>
+              </a:ext>
+            </a:extLst>
+          </p:cNvPr>
+          <p:cNvSpPr>
+            <a:spLocks noGrp="1"/>
+          </p:cNvSpPr>
+          <p:nvPr>
+            <p:ph type="title"/>
+          </p:nvPr>
+        </p:nvSpPr>
+        <p:spPr>
+          <a:xfrm>
+            <a:off x="252919" y="1123837"/>
+            <a:ext cx="2947482" cy="4601183"/>
+          </a:xfrm>
+        </p:spPr>
+        <p:txBody>
+          <a:bodyPr>
+            <a:normAutofit/>
+          </a:bodyPr>
+          <a:lstStyle/>
+          <a:p>
+            <a:r>
+              <a:rPr lang="fr-CH" dirty="0"/>
+              <a:t>Panorama des sources</a:t>
+            </a:r>
+          </a:p>
+        </p:txBody>
+      </p:sp>
+      <p:sp>
+        <p:nvSpPr>
+          <p:cNvPr id="3" name="Espace réservé du contenu 2">
+            <a:extLst>
+              <a:ext uri="{FF2B5EF4-FFF2-40B4-BE49-F238E27FC236}">
+                <a16:creationId xmlns:a16="http://schemas.microsoft.com/office/drawing/2014/main" id="{A45A0717-8BB5-C6EA-EE19-1593F57DE982}"/>
+              </a:ext>
+            </a:extLst>
+          </p:cNvPr>
+          <p:cNvSpPr>
+            <a:spLocks noGrp="1"/>
+          </p:cNvSpPr>
+          <p:nvPr>
+            <p:ph idx="1"/>
+          </p:nvPr>
+        </p:nvSpPr>
+        <p:spPr>
+          <a:xfrm>
+            <a:off x="3869267" y="864108"/>
+            <a:ext cx="3585891" cy="5120640"/>
+          </a:xfrm>
+        </p:spPr>
+        <p:txBody>
+          <a:bodyPr>
+            <a:normAutofit/>
+          </a:bodyPr>
+          <a:lstStyle/>
+          <a:p>
+            <a:r>
+              <a:rPr lang="fr-CH" dirty="0"/>
+              <a:t>Blogs divers</a:t>
+            </a:r>
+          </a:p>
+          <a:p>
+            <a:r>
+              <a:rPr lang="fr-CH" dirty="0"/>
+              <a:t>Articles web</a:t>
+            </a:r>
+          </a:p>
+          <a:p>
+            <a:pPr lvl="1">
+              <a:buFont typeface="Courier New" panose="02070309020205020404" pitchFamily="49" charset="0"/>
+              <a:buChar char="o"/>
+            </a:pPr>
+            <a:r>
+              <a:rPr lang="fr-CH" dirty="0"/>
+              <a:t>IBM</a:t>
+            </a:r>
+          </a:p>
+          <a:p>
+            <a:pPr lvl="1">
+              <a:buFont typeface="Courier New" panose="02070309020205020404" pitchFamily="49" charset="0"/>
+              <a:buChar char="o"/>
+            </a:pPr>
+            <a:r>
+              <a:rPr lang="fr-CH" dirty="0"/>
+              <a:t>Medium.com</a:t>
+            </a:r>
+          </a:p>
+          <a:p>
+            <a:pPr lvl="1">
+              <a:buFont typeface="Courier New" panose="02070309020205020404" pitchFamily="49" charset="0"/>
+              <a:buChar char="o"/>
+            </a:pPr>
+            <a:r>
+              <a:rPr lang="fr-CH" dirty="0"/>
+              <a:t>Analytics Vidhya</a:t>
+            </a:r>
+          </a:p>
+          <a:p>
+            <a:r>
+              <a:rPr lang="fr-CH" dirty="0"/>
+              <a:t>Articles de Recherche</a:t>
+            </a:r>
+          </a:p>
+          <a:p>
+            <a:pPr>
+              <a:spcBef>
+                <a:spcPts val="0"/>
+              </a:spcBef>
+              <a:buFont typeface="Arial" panose="020B0604020202020204" pitchFamily="34" charset="0"/>
+              <a:buChar char="•"/>
+            </a:pPr>
+            <a:endParaRPr lang="fr-CH" dirty="0"/>
+          </a:p>
+        </p:txBody>
+      </p:sp>
+      <p:pic>
+        <p:nvPicPr>
+          <p:cNvPr id="7" name="Graphique 6" descr="Livres avec un remplissage uni">
+            <a:extLst>
+              <a:ext uri="{FF2B5EF4-FFF2-40B4-BE49-F238E27FC236}">
+                <a16:creationId xmlns:a16="http://schemas.microsoft.com/office/drawing/2014/main" id="{C0B11024-8AEE-03AF-2229-3C2D667570C2}"/>
+              </a:ext>
+            </a:extLst>
+          </p:cNvPr>
+          <p:cNvPicPr>
+            <a:picLocks noChangeAspect="1"/>
+          </p:cNvPicPr>
+          <p:nvPr/>
+        </p:nvPicPr>
+        <p:blipFill>
+          <a:blip r:embed="rId2">
+            <a:extLst>
+              <a:ext uri="{96DAC541-7B7A-43D3-8B79-37D633B846F1}">
+                <asvg:svgBlip xmlns:asvg="http://schemas.microsoft.com/office/drawing/2016/SVG/main" r:embed="rId3"/>
+              </a:ext>
+            </a:extLst>
+          </a:blip>
+          <a:stretch>
+            <a:fillRect/>
+          </a:stretch>
+        </p:blipFill>
+        <p:spPr>
+          <a:xfrm>
+            <a:off x="7818120" y="1691640"/>
+            <a:ext cx="3474720" cy="3474720"/>
+          </a:xfrm>
+          <a:prstGeom prst="rect">
+            <a:avLst/>
+          </a:prstGeom>
+        </p:spPr>
+      </p:pic>
+      <p:sp>
+        <p:nvSpPr>
+          <p:cNvPr id="4" name="Espace réservé du pied de page 3">
+            <a:extLst>
+              <a:ext uri="{FF2B5EF4-FFF2-40B4-BE49-F238E27FC236}">
+                <a16:creationId xmlns:a16="http://schemas.microsoft.com/office/drawing/2014/main" id="{2EB3E97C-3E2D-7500-CC21-6FB59A791167}"/>
+              </a:ext>
+            </a:extLst>
+          </p:cNvPr>
+          <p:cNvSpPr>
+            <a:spLocks noGrp="1"/>
+          </p:cNvSpPr>
+          <p:nvPr>
+            <p:ph type="ftr" sz="quarter" idx="11"/>
+          </p:nvPr>
+        </p:nvSpPr>
+        <p:spPr>
+          <a:xfrm>
+            <a:off x="3869268" y="6356350"/>
+            <a:ext cx="5911517" cy="365125"/>
+          </a:xfrm>
+        </p:spPr>
+        <p:txBody>
+          <a:bodyPr>
+            <a:normAutofit/>
+          </a:bodyPr>
+          <a:lstStyle/>
+          <a:p>
+            <a:pPr>
+              <a:spcAft>
+                <a:spcPts val="600"/>
+              </a:spcAft>
+            </a:pPr>
+            <a:r>
+              <a:rPr lang="fr-CH"/>
+              <a:t>Présentation BA - Chatbot Réservation - Rodrigues dos Santos Fabio</a:t>
+            </a:r>
+            <a:endParaRPr lang="en-US"/>
+          </a:p>
+        </p:txBody>
+      </p:sp>
+      <p:sp>
+        <p:nvSpPr>
+          <p:cNvPr id="5" name="Espace réservé du numéro de diapositive 4">
+            <a:extLst>
+              <a:ext uri="{FF2B5EF4-FFF2-40B4-BE49-F238E27FC236}">
+                <a16:creationId xmlns:a16="http://schemas.microsoft.com/office/drawing/2014/main" id="{1D8279AA-F576-7E74-F0EA-E82F6874B960}"/>
+              </a:ext>
+            </a:extLst>
+          </p:cNvPr>
+          <p:cNvSpPr>
+            <a:spLocks noGrp="1"/>
+          </p:cNvSpPr>
+          <p:nvPr>
+            <p:ph type="sldNum" sz="quarter" idx="12"/>
+          </p:nvPr>
+        </p:nvSpPr>
+        <p:spPr>
+          <a:xfrm>
+            <a:off x="10634135" y="6356350"/>
+            <a:ext cx="1530927" cy="365125"/>
+          </a:xfrm>
+        </p:spPr>
+        <p:txBody>
+          <a:bodyPr>
+            <a:normAutofit/>
+          </a:bodyPr>
+          <a:lstStyle/>
+          <a:p>
+            <a:pPr>
+              <a:spcAft>
+                <a:spcPts val="600"/>
+              </a:spcAft>
+            </a:pPr>
+            <a:fld id="{4FAB73BC-B049-4115-A692-8D63A059BFB8}" type="slidenum">
+              <a:rPr lang="en-US" smtClean="0"/>
+              <a:pPr>
+                <a:spcAft>
+                  <a:spcPts val="600"/>
+                </a:spcAft>
+              </a:pPr>
+              <a:t>4</a:t>
+            </a:fld>
+            <a:endParaRPr lang="en-US"/>
+          </a:p>
+        </p:txBody>
+      </p:sp>
+    </p:spTree>
+    <p:extLst>
+      <p:ext uri="{BB962C8B-B14F-4D97-AF65-F5344CB8AC3E}">
+        <p14:creationId xmlns:p14="http://schemas.microsoft.com/office/powerpoint/2010/main" val="1829915533"/>
+      </p:ext>
+    </p:extLst>
+  </p:cSld>
+  <p:clrMapOvr>
+    <a:masterClrMapping/>
+  </p:clrMapOvr>
+</p:sld>
+</file>
+
+<file path=ppt/slides/slide5.xml><?xml version="1.0" encoding="utf-8"?>
+<p:sld xmlns:a="http://schemas.openxmlformats.org/drawingml/2006/main" xmlns:r="http://schemas.openxmlformats.org/officeDocument/2006/relationships" xmlns:p="http://schemas.openxmlformats.org/presentationml/2006/main">
+  <p:cSld>
+    <p:spTree>
+      <p:nvGrpSpPr>
+        <p:cNvPr id="1" name=""/>
+        <p:cNvGrpSpPr/>
+        <p:nvPr/>
+      </p:nvGrpSpPr>
+      <p:grpSpPr>
+        <a:xfrm>
+          <a:off x="0" y="0"/>
+          <a:ext cx="0" cy="0"/>
+          <a:chOff x="0" y="0"/>
+          <a:chExt cx="0" cy="0"/>
+        </a:xfrm>
+      </p:grpSpPr>
+      <p:sp>
+        <p:nvSpPr>
+          <p:cNvPr id="6" name="Titre 5">
+            <a:extLst>
+              <a:ext uri="{FF2B5EF4-FFF2-40B4-BE49-F238E27FC236}">
+                <a16:creationId xmlns:a16="http://schemas.microsoft.com/office/drawing/2014/main" id="{781D2AAC-4347-F3F7-8C85-1D59A34598FB}"/>
+              </a:ext>
+            </a:extLst>
+          </p:cNvPr>
+          <p:cNvSpPr>
+            <a:spLocks noGrp="1"/>
+          </p:cNvSpPr>
+          <p:nvPr>
+            <p:ph type="title"/>
+          </p:nvPr>
+        </p:nvSpPr>
+        <p:spPr/>
+        <p:txBody>
+          <a:bodyPr/>
+          <a:lstStyle/>
+          <a:p>
+            <a:r>
+              <a:rPr lang="fr-CH" dirty="0"/>
+              <a:t>Sommaire</a:t>
+            </a:r>
+          </a:p>
+        </p:txBody>
+      </p:sp>
+      <p:sp>
+        <p:nvSpPr>
+          <p:cNvPr id="7" name="Espace réservé du contenu 6">
+            <a:extLst>
+              <a:ext uri="{FF2B5EF4-FFF2-40B4-BE49-F238E27FC236}">
+                <a16:creationId xmlns:a16="http://schemas.microsoft.com/office/drawing/2014/main" id="{F904D1CC-CB89-8A30-F84F-CED6D01EE15C}"/>
+              </a:ext>
+            </a:extLst>
+          </p:cNvPr>
+          <p:cNvSpPr>
+            <a:spLocks noGrp="1"/>
+          </p:cNvSpPr>
+          <p:nvPr>
+            <p:ph idx="1"/>
+          </p:nvPr>
+        </p:nvSpPr>
+        <p:spPr/>
+        <p:txBody>
+          <a:bodyPr/>
+          <a:lstStyle/>
+          <a:p>
+            <a:pPr marL="514350" indent="-514350">
+              <a:buFont typeface="+mj-lt"/>
+              <a:buAutoNum type="arabicParenR"/>
+            </a:pPr>
+            <a:r>
+              <a:rPr lang="fr-CH" dirty="0"/>
+              <a:t>Fondements théoriques</a:t>
+            </a:r>
+          </a:p>
+          <a:p>
+            <a:pPr marL="514350" indent="-514350">
+              <a:buFont typeface="+mj-lt"/>
+              <a:buAutoNum type="arabicParenR"/>
+            </a:pPr>
+            <a:r>
+              <a:rPr lang="fr-CH" dirty="0"/>
+              <a:t>Analyse technologique</a:t>
+            </a:r>
+          </a:p>
+          <a:p>
+            <a:pPr marL="514350" indent="-514350">
+              <a:buFont typeface="+mj-lt"/>
+              <a:buAutoNum type="arabicParenR"/>
+            </a:pPr>
+            <a:r>
+              <a:rPr lang="fr-CH" dirty="0"/>
+              <a:t>Choix technologique</a:t>
+            </a:r>
+          </a:p>
+          <a:p>
+            <a:pPr marL="514350" indent="-514350">
+              <a:buFont typeface="+mj-lt"/>
+              <a:buAutoNum type="arabicParenR"/>
+            </a:pPr>
+            <a:r>
+              <a:rPr lang="fr-CH" dirty="0"/>
+              <a:t>Implémentation</a:t>
+            </a:r>
+          </a:p>
+          <a:p>
+            <a:pPr marL="514350" indent="-514350">
+              <a:buFont typeface="+mj-lt"/>
+              <a:buAutoNum type="arabicParenR"/>
+            </a:pPr>
+            <a:r>
+              <a:rPr lang="fr-CH" dirty="0"/>
+              <a:t>Résultats obtenus</a:t>
+            </a:r>
+          </a:p>
+          <a:p>
+            <a:pPr marL="514350" indent="-514350">
+              <a:buFont typeface="+mj-lt"/>
+              <a:buAutoNum type="arabicParenR"/>
+            </a:pPr>
+            <a:r>
+              <a:rPr lang="fr-CH" dirty="0"/>
+              <a:t>Démonstration</a:t>
+            </a:r>
+          </a:p>
+          <a:p>
+            <a:pPr marL="514350" indent="-514350">
+              <a:buFont typeface="+mj-lt"/>
+              <a:buAutoNum type="arabicParenR"/>
+            </a:pPr>
+            <a:r>
+              <a:rPr lang="fr-CH" dirty="0"/>
+              <a:t>Conclusion</a:t>
+            </a:r>
+          </a:p>
+        </p:txBody>
+      </p:sp>
+      <p:sp>
+        <p:nvSpPr>
+          <p:cNvPr id="4" name="Espace réservé du pied de page 3">
+            <a:extLst>
+              <a:ext uri="{FF2B5EF4-FFF2-40B4-BE49-F238E27FC236}">
+                <a16:creationId xmlns:a16="http://schemas.microsoft.com/office/drawing/2014/main" id="{56829452-C558-5EE4-4F23-518653E233AE}"/>
+              </a:ext>
+            </a:extLst>
+          </p:cNvPr>
+          <p:cNvSpPr>
+            <a:spLocks noGrp="1"/>
+          </p:cNvSpPr>
+          <p:nvPr>
+            <p:ph type="ftr" sz="quarter" idx="11"/>
+          </p:nvPr>
+        </p:nvSpPr>
+        <p:spPr/>
+        <p:txBody>
+          <a:bodyPr/>
+          <a:lstStyle/>
+          <a:p>
+            <a:r>
+              <a:rPr lang="fr-CH"/>
+              <a:t>Présentation BA - Chatbot Réservation - Rodrigues dos Santos Fabio</a:t>
+            </a:r>
+            <a:endParaRPr lang="en-US" dirty="0"/>
+          </a:p>
+        </p:txBody>
+      </p:sp>
+      <p:sp>
+        <p:nvSpPr>
+          <p:cNvPr id="5" name="Espace réservé du numéro de diapositive 4">
+            <a:extLst>
+              <a:ext uri="{FF2B5EF4-FFF2-40B4-BE49-F238E27FC236}">
+                <a16:creationId xmlns:a16="http://schemas.microsoft.com/office/drawing/2014/main" id="{017DFF10-678C-E4A4-5BA1-7B883901CE38}"/>
+              </a:ext>
+            </a:extLst>
+          </p:cNvPr>
+          <p:cNvSpPr>
+            <a:spLocks noGrp="1"/>
+          </p:cNvSpPr>
+          <p:nvPr>
+            <p:ph type="sldNum" sz="quarter" idx="12"/>
+          </p:nvPr>
+        </p:nvSpPr>
+        <p:spPr/>
+        <p:txBody>
+          <a:bodyPr/>
+          <a:lstStyle/>
+          <a:p>
+            <a:fld id="{4FAB73BC-B049-4115-A692-8D63A059BFB8}" type="slidenum">
+              <a:rPr lang="en-US" smtClean="0"/>
+              <a:pPr/>
+              <a:t>5</a:t>
+            </a:fld>
+            <a:endParaRPr lang="en-US" dirty="0"/>
+          </a:p>
+        </p:txBody>
+      </p:sp>
+    </p:spTree>
+    <p:extLst>
+      <p:ext uri="{BB962C8B-B14F-4D97-AF65-F5344CB8AC3E}">
+        <p14:creationId xmlns:p14="http://schemas.microsoft.com/office/powerpoint/2010/main" val="432922399"/>
       </p:ext>
     </p:extLst>
   </p:cSld>

--- a/documentation/travail_bachelor/ISC_LOG_presentation_diplome_RodriguesDosSantosFabio_EggenbergNiklaus_2024.pptx
+++ b/documentation/travail_bachelor/ISC_LOG_presentation_diplome_RodriguesDosSantosFabio_EggenbergNiklaus_2024.pptx
@@ -5,7 +5,7 @@
     <p:sldMasterId id="2147483840" r:id="rId1"/>
   </p:sldMasterIdLst>
   <p:notesMasterIdLst>
-    <p:notesMasterId r:id="rId7"/>
+    <p:notesMasterId r:id="rId10"/>
   </p:notesMasterIdLst>
   <p:sldIdLst>
     <p:sldId id="256" r:id="rId2"/>
@@ -13,6 +13,9 @@
     <p:sldId id="258" r:id="rId4"/>
     <p:sldId id="259" r:id="rId5"/>
     <p:sldId id="260" r:id="rId6"/>
+    <p:sldId id="261" r:id="rId7"/>
+    <p:sldId id="262" r:id="rId8"/>
+    <p:sldId id="264" r:id="rId9"/>
   </p:sldIdLst>
   <p:sldSz cx="12192000" cy="6858000"/>
   <p:notesSz cx="6858000" cy="9144000"/>
@@ -201,7 +204,7 @@
           <a:p>
             <a:fld id="{42AC3142-495C-4280-881B-1526FF75665B}" type="datetimeFigureOut">
               <a:rPr lang="fr-CH" smtClean="0"/>
-              <a:t>20.08.2024</a:t>
+              <a:t>21.08.2024</a:t>
             </a:fld>
             <a:endParaRPr lang="fr-CH"/>
           </a:p>
@@ -693,7 +696,7 @@
           <a:p>
             <a:fld id="{697BC7A4-560B-4424-86D9-D529C3ED2E24}" type="datetime1">
               <a:rPr lang="en-US" smtClean="0"/>
-              <a:t>8/20/2024</a:t>
+              <a:t>8/21/2024</a:t>
             </a:fld>
             <a:endParaRPr lang="en-US" dirty="0"/>
           </a:p>
@@ -863,7 +866,7 @@
           <a:p>
             <a:fld id="{6E901063-52CC-4584-9EE9-3A5FBF2927BA}" type="datetime1">
               <a:rPr lang="en-US" smtClean="0"/>
-              <a:t>8/20/2024</a:t>
+              <a:t>8/21/2024</a:t>
             </a:fld>
             <a:endParaRPr lang="en-US" dirty="0"/>
           </a:p>
@@ -1043,7 +1046,7 @@
           <a:p>
             <a:fld id="{45B21167-5961-4EAA-A2C5-C443E1B8357A}" type="datetime1">
               <a:rPr lang="en-US" smtClean="0"/>
-              <a:t>8/20/2024</a:t>
+              <a:t>8/21/2024</a:t>
             </a:fld>
             <a:endParaRPr lang="en-US" dirty="0"/>
           </a:p>
@@ -1213,7 +1216,7 @@
           <a:p>
             <a:fld id="{77856CEA-0161-4B0B-A6F9-D90790302E09}" type="datetime1">
               <a:rPr lang="en-US" smtClean="0"/>
-              <a:t>8/20/2024</a:t>
+              <a:t>8/21/2024</a:t>
             </a:fld>
             <a:endParaRPr lang="en-US" dirty="0"/>
           </a:p>
@@ -1471,7 +1474,7 @@
           <a:p>
             <a:fld id="{1F7ECC23-A5A0-44D4-B496-B55A434D5385}" type="datetime1">
               <a:rPr lang="en-US" smtClean="0"/>
-              <a:t>8/20/2024</a:t>
+              <a:t>8/21/2024</a:t>
             </a:fld>
             <a:endParaRPr lang="en-US" dirty="0"/>
           </a:p>
@@ -1759,7 +1762,7 @@
           <a:p>
             <a:fld id="{337DEE0E-910E-4647-A748-0A8F2A962DCA}" type="datetime1">
               <a:rPr lang="en-US" smtClean="0"/>
-              <a:t>8/20/2024</a:t>
+              <a:t>8/21/2024</a:t>
             </a:fld>
             <a:endParaRPr lang="en-US" dirty="0"/>
           </a:p>
@@ -2201,7 +2204,7 @@
           <a:p>
             <a:fld id="{E2F9AEDB-DA47-42B1-AA20-FA4193278BFB}" type="datetime1">
               <a:rPr lang="en-US" smtClean="0"/>
-              <a:t>8/20/2024</a:t>
+              <a:t>8/21/2024</a:t>
             </a:fld>
             <a:endParaRPr lang="en-US" dirty="0"/>
           </a:p>
@@ -2319,7 +2322,7 @@
           <a:p>
             <a:fld id="{76A3806D-CEFF-4C7C-B69E-E8C6C2135F0C}" type="datetime1">
               <a:rPr lang="en-US" smtClean="0"/>
-              <a:t>8/20/2024</a:t>
+              <a:t>8/21/2024</a:t>
             </a:fld>
             <a:endParaRPr lang="en-US" dirty="0"/>
           </a:p>
@@ -2414,7 +2417,7 @@
           <a:p>
             <a:fld id="{6C799852-6437-4F59-8BA4-BD526AE7B018}" type="datetime1">
               <a:rPr lang="en-US" smtClean="0"/>
-              <a:t>8/20/2024</a:t>
+              <a:t>8/21/2024</a:t>
             </a:fld>
             <a:endParaRPr lang="en-US" dirty="0"/>
           </a:p>
@@ -2702,7 +2705,7 @@
           <a:p>
             <a:fld id="{BF0EB050-0ECA-42EF-A435-70711370D85B}" type="datetime1">
               <a:rPr lang="en-US" smtClean="0"/>
-              <a:t>8/20/2024</a:t>
+              <a:t>8/21/2024</a:t>
             </a:fld>
             <a:endParaRPr lang="en-US" dirty="0"/>
           </a:p>
@@ -2975,7 +2978,7 @@
           <a:p>
             <a:fld id="{F4052ABD-58D4-4C9E-B1B8-CEC2AA8DBD93}" type="datetime1">
               <a:rPr lang="en-US" smtClean="0"/>
-              <a:t>8/20/2024</a:t>
+              <a:t>8/21/2024</a:t>
             </a:fld>
             <a:endParaRPr lang="en-US" dirty="0"/>
           </a:p>
@@ -3272,7 +3275,7 @@
           <a:p>
             <a:fld id="{C4EEF54E-F662-454E-AE7D-91A1E3F52308}" type="datetime1">
               <a:rPr lang="en-US" smtClean="0"/>
-              <a:t>8/20/2024</a:t>
+              <a:t>8/21/2024</a:t>
             </a:fld>
             <a:endParaRPr lang="en-US" dirty="0"/>
           </a:p>
@@ -4843,7 +4846,7 @@
         <p:spPr>
           <a:xfrm>
             <a:off x="3869267" y="864108"/>
-            <a:ext cx="3585891" cy="5120640"/>
+            <a:ext cx="3851375" cy="5120640"/>
           </a:xfrm>
         </p:spPr>
         <p:txBody>
@@ -4896,8 +4899,18 @@
           <a:p>
             <a:r>
               <a:rPr lang="fr-CH" dirty="0"/>
-              <a:t>Articles de Recherche</a:t>
-            </a:r>
+              <a:t>Articles de Recherche : </a:t>
+            </a:r>
+            <a:r>
+              <a:rPr lang="en" sz="2000" dirty="0">
+                <a:latin typeface="Barlow Semi Condensed Medium"/>
+                <a:ea typeface="Barlow Semi Condensed Medium"/>
+                <a:cs typeface="Barlow Semi Condensed Medium"/>
+                <a:sym typeface="Barlow Semi Condensed Medium"/>
+              </a:rPr>
+              <a:t>arXiv.org</a:t>
+            </a:r>
+            <a:endParaRPr lang="fr-CH" dirty="0"/>
           </a:p>
           <a:p>
             <a:pPr>
@@ -5129,16 +5142,6 @@
             </a:pPr>
             <a:r>
               <a:rPr lang="fr-CH" dirty="0"/>
-              <a:t>Analyse technologique</a:t>
-            </a:r>
-          </a:p>
-          <a:p>
-            <a:pPr marL="514350" indent="-514350">
-              <a:buFont typeface="+mj-lt"/>
-              <a:buAutoNum type="arabicParenR"/>
-            </a:pPr>
-            <a:r>
-              <a:rPr lang="fr-CH" dirty="0"/>
               <a:t>Choix technologique</a:t>
             </a:r>
           </a:p>
@@ -5247,6 +5250,731 @@
     <p:extLst>
       <p:ext uri="{BB962C8B-B14F-4D97-AF65-F5344CB8AC3E}">
         <p14:creationId xmlns:p14="http://schemas.microsoft.com/office/powerpoint/2010/main" val="432922399"/>
+      </p:ext>
+    </p:extLst>
+  </p:cSld>
+  <p:clrMapOvr>
+    <a:masterClrMapping/>
+  </p:clrMapOvr>
+</p:sld>
+</file>
+
+<file path=ppt/slides/slide6.xml><?xml version="1.0" encoding="utf-8"?>
+<p:sld xmlns:a="http://schemas.openxmlformats.org/drawingml/2006/main" xmlns:r="http://schemas.openxmlformats.org/officeDocument/2006/relationships" xmlns:p="http://schemas.openxmlformats.org/presentationml/2006/main">
+  <p:cSld>
+    <p:spTree>
+      <p:nvGrpSpPr>
+        <p:cNvPr id="1" name=""/>
+        <p:cNvGrpSpPr/>
+        <p:nvPr/>
+      </p:nvGrpSpPr>
+      <p:grpSpPr>
+        <a:xfrm>
+          <a:off x="0" y="0"/>
+          <a:ext cx="0" cy="0"/>
+          <a:chOff x="0" y="0"/>
+          <a:chExt cx="0" cy="0"/>
+        </a:xfrm>
+      </p:grpSpPr>
+      <p:sp>
+        <p:nvSpPr>
+          <p:cNvPr id="2" name="Titre 1">
+            <a:extLst>
+              <a:ext uri="{FF2B5EF4-FFF2-40B4-BE49-F238E27FC236}">
+                <a16:creationId xmlns:a16="http://schemas.microsoft.com/office/drawing/2014/main" id="{351090E5-E219-5050-37F6-7B7502DAE2B7}"/>
+              </a:ext>
+            </a:extLst>
+          </p:cNvPr>
+          <p:cNvSpPr>
+            <a:spLocks noGrp="1"/>
+          </p:cNvSpPr>
+          <p:nvPr>
+            <p:ph type="title"/>
+          </p:nvPr>
+        </p:nvSpPr>
+        <p:spPr/>
+        <p:txBody>
+          <a:bodyPr/>
+          <a:lstStyle/>
+          <a:p>
+            <a:r>
+              <a:rPr lang="fr-CH" dirty="0"/>
+              <a:t>Fondements théoriques</a:t>
+            </a:r>
+          </a:p>
+        </p:txBody>
+      </p:sp>
+      <p:sp>
+        <p:nvSpPr>
+          <p:cNvPr id="3" name="Espace réservé du contenu 2">
+            <a:extLst>
+              <a:ext uri="{FF2B5EF4-FFF2-40B4-BE49-F238E27FC236}">
+                <a16:creationId xmlns:a16="http://schemas.microsoft.com/office/drawing/2014/main" id="{D9AEDDFA-8AC6-BE49-9EE5-74A170FDE1DF}"/>
+              </a:ext>
+            </a:extLst>
+          </p:cNvPr>
+          <p:cNvSpPr>
+            <a:spLocks noGrp="1"/>
+          </p:cNvSpPr>
+          <p:nvPr>
+            <p:ph idx="1"/>
+          </p:nvPr>
+        </p:nvSpPr>
+        <p:spPr/>
+        <p:txBody>
+          <a:bodyPr>
+            <a:normAutofit/>
+          </a:bodyPr>
+          <a:lstStyle/>
+          <a:p>
+            <a:pPr marL="0" indent="0">
+              <a:buNone/>
+            </a:pPr>
+            <a:r>
+              <a:rPr lang="fr-CH" sz="2800" dirty="0">
+                <a:latin typeface="+mj-lt"/>
+              </a:rPr>
+              <a:t>Principes importants pour la réalisation du Chatbot </a:t>
+            </a:r>
+          </a:p>
+          <a:p>
+            <a:pPr>
+              <a:buFont typeface="Arial" panose="020B0604020202020204" pitchFamily="34" charset="0"/>
+              <a:buChar char="•"/>
+            </a:pPr>
+            <a:r>
+              <a:rPr lang="fr-CH" b="1" dirty="0">
+                <a:latin typeface="+mj-lt"/>
+              </a:rPr>
+              <a:t>N</a:t>
+            </a:r>
+            <a:r>
+              <a:rPr lang="fr-CH" dirty="0">
+                <a:latin typeface="+mj-lt"/>
+              </a:rPr>
+              <a:t>atural </a:t>
+            </a:r>
+            <a:r>
+              <a:rPr lang="fr-CH" b="1" dirty="0" err="1">
+                <a:latin typeface="+mj-lt"/>
+              </a:rPr>
+              <a:t>L</a:t>
+            </a:r>
+            <a:r>
+              <a:rPr lang="fr-CH" dirty="0" err="1">
+                <a:latin typeface="+mj-lt"/>
+              </a:rPr>
+              <a:t>anguage</a:t>
+            </a:r>
+            <a:r>
+              <a:rPr lang="fr-CH" dirty="0">
+                <a:latin typeface="+mj-lt"/>
+              </a:rPr>
+              <a:t> </a:t>
+            </a:r>
+            <a:r>
+              <a:rPr lang="fr-CH" b="1" dirty="0" err="1">
+                <a:latin typeface="+mj-lt"/>
+              </a:rPr>
+              <a:t>P</a:t>
+            </a:r>
+            <a:r>
+              <a:rPr lang="fr-CH" dirty="0" err="1">
+                <a:latin typeface="+mj-lt"/>
+              </a:rPr>
+              <a:t>rocessing</a:t>
+            </a:r>
+            <a:endParaRPr lang="fr-CH" dirty="0">
+              <a:latin typeface="+mj-lt"/>
+            </a:endParaRPr>
+          </a:p>
+          <a:p>
+            <a:pPr lvl="1">
+              <a:buFont typeface="Courier New" panose="02070309020205020404" pitchFamily="49" charset="0"/>
+              <a:buChar char="o"/>
+            </a:pPr>
+            <a:r>
+              <a:rPr lang="fr-CH" b="1" dirty="0">
+                <a:latin typeface="+mj-lt"/>
+              </a:rPr>
+              <a:t>N</a:t>
+            </a:r>
+            <a:r>
+              <a:rPr lang="fr-CH" dirty="0">
+                <a:latin typeface="+mj-lt"/>
+              </a:rPr>
+              <a:t>atural </a:t>
+            </a:r>
+            <a:r>
+              <a:rPr lang="fr-CH" b="1" dirty="0" err="1">
+                <a:latin typeface="+mj-lt"/>
+              </a:rPr>
+              <a:t>L</a:t>
+            </a:r>
+            <a:r>
+              <a:rPr lang="fr-CH" dirty="0" err="1">
+                <a:latin typeface="+mj-lt"/>
+              </a:rPr>
+              <a:t>anguage</a:t>
+            </a:r>
+            <a:r>
+              <a:rPr lang="fr-CH" dirty="0">
+                <a:latin typeface="+mj-lt"/>
+              </a:rPr>
+              <a:t> </a:t>
+            </a:r>
+            <a:r>
+              <a:rPr lang="fr-CH" b="1" dirty="0" err="1">
+                <a:latin typeface="+mj-lt"/>
+              </a:rPr>
+              <a:t>U</a:t>
+            </a:r>
+            <a:r>
+              <a:rPr lang="fr-CH" dirty="0" err="1">
+                <a:latin typeface="+mj-lt"/>
+              </a:rPr>
+              <a:t>nderstanding</a:t>
+            </a:r>
+            <a:endParaRPr lang="fr-CH" dirty="0">
+              <a:latin typeface="+mj-lt"/>
+            </a:endParaRPr>
+          </a:p>
+          <a:p>
+            <a:pPr lvl="1">
+              <a:buFont typeface="Courier New" panose="02070309020205020404" pitchFamily="49" charset="0"/>
+              <a:buChar char="o"/>
+            </a:pPr>
+            <a:r>
+              <a:rPr lang="fr-CH" b="1" dirty="0">
+                <a:latin typeface="+mj-lt"/>
+              </a:rPr>
+              <a:t>N</a:t>
+            </a:r>
+            <a:r>
+              <a:rPr lang="fr-CH" dirty="0">
+                <a:latin typeface="+mj-lt"/>
+              </a:rPr>
+              <a:t>atural </a:t>
+            </a:r>
+            <a:r>
+              <a:rPr lang="fr-CH" b="1" dirty="0" err="1">
+                <a:latin typeface="+mj-lt"/>
+              </a:rPr>
+              <a:t>L</a:t>
+            </a:r>
+            <a:r>
+              <a:rPr lang="fr-CH" dirty="0" err="1">
+                <a:latin typeface="+mj-lt"/>
+              </a:rPr>
+              <a:t>anguage</a:t>
+            </a:r>
+            <a:r>
+              <a:rPr lang="fr-CH" dirty="0">
+                <a:latin typeface="+mj-lt"/>
+              </a:rPr>
+              <a:t> </a:t>
+            </a:r>
+            <a:r>
+              <a:rPr lang="fr-CH" b="1" dirty="0" err="1">
+                <a:latin typeface="+mj-lt"/>
+              </a:rPr>
+              <a:t>G</a:t>
+            </a:r>
+            <a:r>
+              <a:rPr lang="fr-CH" dirty="0" err="1">
+                <a:latin typeface="+mj-lt"/>
+              </a:rPr>
+              <a:t>eneration</a:t>
+            </a:r>
+            <a:endParaRPr lang="fr-CH" dirty="0">
+              <a:latin typeface="+mj-lt"/>
+            </a:endParaRPr>
+          </a:p>
+          <a:p>
+            <a:pPr>
+              <a:buFont typeface="Arial" panose="020B0604020202020204" pitchFamily="34" charset="0"/>
+              <a:buChar char="•"/>
+            </a:pPr>
+            <a:r>
+              <a:rPr lang="fr-CH" dirty="0">
+                <a:latin typeface="+mj-lt"/>
+              </a:rPr>
+              <a:t>Framework de traitement NLP - Rasa</a:t>
+            </a:r>
+          </a:p>
+          <a:p>
+            <a:pPr>
+              <a:buFont typeface="Arial" panose="020B0604020202020204" pitchFamily="34" charset="0"/>
+              <a:buChar char="•"/>
+            </a:pPr>
+            <a:endParaRPr lang="fr-CH" sz="2800" b="1" dirty="0">
+              <a:latin typeface="+mj-lt"/>
+            </a:endParaRPr>
+          </a:p>
+        </p:txBody>
+      </p:sp>
+      <p:sp>
+        <p:nvSpPr>
+          <p:cNvPr id="4" name="Espace réservé du pied de page 3">
+            <a:extLst>
+              <a:ext uri="{FF2B5EF4-FFF2-40B4-BE49-F238E27FC236}">
+                <a16:creationId xmlns:a16="http://schemas.microsoft.com/office/drawing/2014/main" id="{7C8EAD72-0445-8B67-7544-0DFD57C5DE25}"/>
+              </a:ext>
+            </a:extLst>
+          </p:cNvPr>
+          <p:cNvSpPr>
+            <a:spLocks noGrp="1"/>
+          </p:cNvSpPr>
+          <p:nvPr>
+            <p:ph type="ftr" sz="quarter" idx="11"/>
+          </p:nvPr>
+        </p:nvSpPr>
+        <p:spPr/>
+        <p:txBody>
+          <a:bodyPr/>
+          <a:lstStyle/>
+          <a:p>
+            <a:r>
+              <a:rPr lang="fr-CH"/>
+              <a:t>Présentation BA - Chatbot Réservation - Rodrigues dos Santos Fabio</a:t>
+            </a:r>
+            <a:endParaRPr lang="en-US" dirty="0"/>
+          </a:p>
+        </p:txBody>
+      </p:sp>
+      <p:sp>
+        <p:nvSpPr>
+          <p:cNvPr id="5" name="Espace réservé du numéro de diapositive 4">
+            <a:extLst>
+              <a:ext uri="{FF2B5EF4-FFF2-40B4-BE49-F238E27FC236}">
+                <a16:creationId xmlns:a16="http://schemas.microsoft.com/office/drawing/2014/main" id="{3D103D54-09E4-8217-70C4-707EED93ECE5}"/>
+              </a:ext>
+            </a:extLst>
+          </p:cNvPr>
+          <p:cNvSpPr>
+            <a:spLocks noGrp="1"/>
+          </p:cNvSpPr>
+          <p:nvPr>
+            <p:ph type="sldNum" sz="quarter" idx="12"/>
+          </p:nvPr>
+        </p:nvSpPr>
+        <p:spPr/>
+        <p:txBody>
+          <a:bodyPr/>
+          <a:lstStyle/>
+          <a:p>
+            <a:fld id="{4FAB73BC-B049-4115-A692-8D63A059BFB8}" type="slidenum">
+              <a:rPr lang="en-US" smtClean="0"/>
+              <a:pPr/>
+              <a:t>6</a:t>
+            </a:fld>
+            <a:endParaRPr lang="en-US" dirty="0"/>
+          </a:p>
+        </p:txBody>
+      </p:sp>
+    </p:spTree>
+    <p:extLst>
+      <p:ext uri="{BB962C8B-B14F-4D97-AF65-F5344CB8AC3E}">
+        <p14:creationId xmlns:p14="http://schemas.microsoft.com/office/powerpoint/2010/main" val="2371573620"/>
+      </p:ext>
+    </p:extLst>
+  </p:cSld>
+  <p:clrMapOvr>
+    <a:masterClrMapping/>
+  </p:clrMapOvr>
+</p:sld>
+</file>
+
+<file path=ppt/slides/slide7.xml><?xml version="1.0" encoding="utf-8"?>
+<p:sld xmlns:a="http://schemas.openxmlformats.org/drawingml/2006/main" xmlns:r="http://schemas.openxmlformats.org/officeDocument/2006/relationships" xmlns:p="http://schemas.openxmlformats.org/presentationml/2006/main">
+  <p:cSld>
+    <p:spTree>
+      <p:nvGrpSpPr>
+        <p:cNvPr id="1" name=""/>
+        <p:cNvGrpSpPr/>
+        <p:nvPr/>
+      </p:nvGrpSpPr>
+      <p:grpSpPr>
+        <a:xfrm>
+          <a:off x="0" y="0"/>
+          <a:ext cx="0" cy="0"/>
+          <a:chOff x="0" y="0"/>
+          <a:chExt cx="0" cy="0"/>
+        </a:xfrm>
+      </p:grpSpPr>
+      <p:sp>
+        <p:nvSpPr>
+          <p:cNvPr id="2" name="Titre 1">
+            <a:extLst>
+              <a:ext uri="{FF2B5EF4-FFF2-40B4-BE49-F238E27FC236}">
+                <a16:creationId xmlns:a16="http://schemas.microsoft.com/office/drawing/2014/main" id="{351090E5-E219-5050-37F6-7B7502DAE2B7}"/>
+              </a:ext>
+            </a:extLst>
+          </p:cNvPr>
+          <p:cNvSpPr>
+            <a:spLocks noGrp="1"/>
+          </p:cNvSpPr>
+          <p:nvPr>
+            <p:ph type="title"/>
+          </p:nvPr>
+        </p:nvSpPr>
+        <p:spPr/>
+        <p:txBody>
+          <a:bodyPr/>
+          <a:lstStyle/>
+          <a:p>
+            <a:r>
+              <a:rPr lang="fr-CH" dirty="0"/>
+              <a:t>Fondements théoriques - NLP</a:t>
+            </a:r>
+          </a:p>
+        </p:txBody>
+      </p:sp>
+      <p:pic>
+        <p:nvPicPr>
+          <p:cNvPr id="7" name="Espace réservé du contenu 6" descr="Une image contenant texte, cercle, Police, logo&#10;&#10;Description générée automatiquement">
+            <a:extLst>
+              <a:ext uri="{FF2B5EF4-FFF2-40B4-BE49-F238E27FC236}">
+                <a16:creationId xmlns:a16="http://schemas.microsoft.com/office/drawing/2014/main" id="{44B8F8DF-0C5A-C562-B4D4-2EE880F38134}"/>
+              </a:ext>
+            </a:extLst>
+          </p:cNvPr>
+          <p:cNvPicPr>
+            <a:picLocks noGrp="1" noChangeAspect="1"/>
+          </p:cNvPicPr>
+          <p:nvPr>
+            <p:ph idx="1"/>
+          </p:nvPr>
+        </p:nvPicPr>
+        <p:blipFill>
+          <a:blip r:embed="rId2"/>
+          <a:stretch>
+            <a:fillRect/>
+          </a:stretch>
+        </p:blipFill>
+        <p:spPr>
+          <a:xfrm>
+            <a:off x="3868738" y="1366837"/>
+            <a:ext cx="7315200" cy="4114800"/>
+          </a:xfrm>
+        </p:spPr>
+      </p:pic>
+      <p:sp>
+        <p:nvSpPr>
+          <p:cNvPr id="4" name="Espace réservé du pied de page 3">
+            <a:extLst>
+              <a:ext uri="{FF2B5EF4-FFF2-40B4-BE49-F238E27FC236}">
+                <a16:creationId xmlns:a16="http://schemas.microsoft.com/office/drawing/2014/main" id="{7C8EAD72-0445-8B67-7544-0DFD57C5DE25}"/>
+              </a:ext>
+            </a:extLst>
+          </p:cNvPr>
+          <p:cNvSpPr>
+            <a:spLocks noGrp="1"/>
+          </p:cNvSpPr>
+          <p:nvPr>
+            <p:ph type="ftr" sz="quarter" idx="11"/>
+          </p:nvPr>
+        </p:nvSpPr>
+        <p:spPr/>
+        <p:txBody>
+          <a:bodyPr/>
+          <a:lstStyle/>
+          <a:p>
+            <a:r>
+              <a:rPr lang="fr-CH"/>
+              <a:t>Présentation BA - Chatbot Réservation - Rodrigues dos Santos Fabio</a:t>
+            </a:r>
+            <a:endParaRPr lang="en-US" dirty="0"/>
+          </a:p>
+        </p:txBody>
+      </p:sp>
+      <p:sp>
+        <p:nvSpPr>
+          <p:cNvPr id="5" name="Espace réservé du numéro de diapositive 4">
+            <a:extLst>
+              <a:ext uri="{FF2B5EF4-FFF2-40B4-BE49-F238E27FC236}">
+                <a16:creationId xmlns:a16="http://schemas.microsoft.com/office/drawing/2014/main" id="{3D103D54-09E4-8217-70C4-707EED93ECE5}"/>
+              </a:ext>
+            </a:extLst>
+          </p:cNvPr>
+          <p:cNvSpPr>
+            <a:spLocks noGrp="1"/>
+          </p:cNvSpPr>
+          <p:nvPr>
+            <p:ph type="sldNum" sz="quarter" idx="12"/>
+          </p:nvPr>
+        </p:nvSpPr>
+        <p:spPr/>
+        <p:txBody>
+          <a:bodyPr/>
+          <a:lstStyle/>
+          <a:p>
+            <a:fld id="{4FAB73BC-B049-4115-A692-8D63A059BFB8}" type="slidenum">
+              <a:rPr lang="en-US" smtClean="0"/>
+              <a:pPr/>
+              <a:t>7</a:t>
+            </a:fld>
+            <a:endParaRPr lang="en-US" dirty="0"/>
+          </a:p>
+        </p:txBody>
+      </p:sp>
+      <p:sp>
+        <p:nvSpPr>
+          <p:cNvPr id="8" name="ZoneTexte 7">
+            <a:extLst>
+              <a:ext uri="{FF2B5EF4-FFF2-40B4-BE49-F238E27FC236}">
+                <a16:creationId xmlns:a16="http://schemas.microsoft.com/office/drawing/2014/main" id="{0593E144-8D32-2268-B6FA-4559EE356115}"/>
+              </a:ext>
+            </a:extLst>
+          </p:cNvPr>
+          <p:cNvSpPr txBox="1"/>
+          <p:nvPr/>
+        </p:nvSpPr>
+        <p:spPr>
+          <a:xfrm>
+            <a:off x="4239771" y="5725020"/>
+            <a:ext cx="6447453" cy="523220"/>
+          </a:xfrm>
+          <a:prstGeom prst="rect">
+            <a:avLst/>
+          </a:prstGeom>
+          <a:noFill/>
+        </p:spPr>
+        <p:txBody>
+          <a:bodyPr wrap="square" rtlCol="0">
+            <a:spAutoFit/>
+          </a:bodyPr>
+          <a:lstStyle/>
+          <a:p>
+            <a:r>
+              <a:rPr lang="fr-CH" sz="1400" dirty="0"/>
+              <a:t>Source illustration</a:t>
+            </a:r>
+            <a:r>
+              <a:rPr lang="fr-CH" sz="1400" i="1" dirty="0"/>
+              <a:t>: </a:t>
+            </a:r>
+            <a:r>
+              <a:rPr lang="fr-CH" sz="1400" i="1" dirty="0">
+                <a:solidFill>
+                  <a:schemeClr val="bg1">
+                    <a:lumMod val="50000"/>
+                  </a:schemeClr>
+                </a:solidFill>
+              </a:rPr>
+              <a:t>https://datasolut.com/natural-language-processing-vs-</a:t>
+            </a:r>
+          </a:p>
+          <a:p>
+            <a:r>
+              <a:rPr lang="fr-CH" sz="1400" i="1" dirty="0" err="1">
+                <a:solidFill>
+                  <a:schemeClr val="bg1">
+                    <a:lumMod val="50000"/>
+                  </a:schemeClr>
+                </a:solidFill>
+              </a:rPr>
+              <a:t>nlu</a:t>
+            </a:r>
+            <a:r>
+              <a:rPr lang="fr-CH" sz="1400" i="1" dirty="0">
+                <a:solidFill>
+                  <a:schemeClr val="bg1">
+                    <a:lumMod val="50000"/>
+                  </a:schemeClr>
+                </a:solidFill>
+              </a:rPr>
+              <a:t>-vs-</a:t>
+            </a:r>
+            <a:r>
+              <a:rPr lang="fr-CH" sz="1400" i="1" dirty="0" err="1">
+                <a:solidFill>
+                  <a:schemeClr val="bg1">
+                    <a:lumMod val="50000"/>
+                  </a:schemeClr>
+                </a:solidFill>
+              </a:rPr>
+              <a:t>nlg</a:t>
+            </a:r>
+            <a:r>
+              <a:rPr lang="fr-CH" sz="1400" i="1" dirty="0">
+                <a:solidFill>
+                  <a:schemeClr val="bg1">
+                    <a:lumMod val="50000"/>
+                  </a:schemeClr>
+                </a:solidFill>
+              </a:rPr>
+              <a:t>-</a:t>
+            </a:r>
+            <a:r>
+              <a:rPr lang="fr-CH" sz="1400" i="1" dirty="0" err="1">
+                <a:solidFill>
+                  <a:schemeClr val="bg1">
+                    <a:lumMod val="50000"/>
+                  </a:schemeClr>
+                </a:solidFill>
+              </a:rPr>
+              <a:t>unterschiede-funktionen-und-beispiele</a:t>
+            </a:r>
+            <a:r>
+              <a:rPr lang="fr-CH" sz="1400" i="1" dirty="0">
+                <a:solidFill>
+                  <a:schemeClr val="bg1">
+                    <a:lumMod val="50000"/>
+                  </a:schemeClr>
+                </a:solidFill>
+              </a:rPr>
+              <a:t>/</a:t>
+            </a:r>
+          </a:p>
+        </p:txBody>
+      </p:sp>
+    </p:spTree>
+    <p:extLst>
+      <p:ext uri="{BB962C8B-B14F-4D97-AF65-F5344CB8AC3E}">
+        <p14:creationId xmlns:p14="http://schemas.microsoft.com/office/powerpoint/2010/main" val="3472182454"/>
+      </p:ext>
+    </p:extLst>
+  </p:cSld>
+  <p:clrMapOvr>
+    <a:masterClrMapping/>
+  </p:clrMapOvr>
+</p:sld>
+</file>
+
+<file path=ppt/slides/slide8.xml><?xml version="1.0" encoding="utf-8"?>
+<p:sld xmlns:a="http://schemas.openxmlformats.org/drawingml/2006/main" xmlns:r="http://schemas.openxmlformats.org/officeDocument/2006/relationships" xmlns:p="http://schemas.openxmlformats.org/presentationml/2006/main">
+  <p:cSld>
+    <p:spTree>
+      <p:nvGrpSpPr>
+        <p:cNvPr id="1" name=""/>
+        <p:cNvGrpSpPr/>
+        <p:nvPr/>
+      </p:nvGrpSpPr>
+      <p:grpSpPr>
+        <a:xfrm>
+          <a:off x="0" y="0"/>
+          <a:ext cx="0" cy="0"/>
+          <a:chOff x="0" y="0"/>
+          <a:chExt cx="0" cy="0"/>
+        </a:xfrm>
+      </p:grpSpPr>
+      <p:sp>
+        <p:nvSpPr>
+          <p:cNvPr id="2" name="Titre 1">
+            <a:extLst>
+              <a:ext uri="{FF2B5EF4-FFF2-40B4-BE49-F238E27FC236}">
+                <a16:creationId xmlns:a16="http://schemas.microsoft.com/office/drawing/2014/main" id="{64CB46EB-D775-0ADD-C2CB-933B0912081C}"/>
+              </a:ext>
+            </a:extLst>
+          </p:cNvPr>
+          <p:cNvSpPr>
+            <a:spLocks noGrp="1"/>
+          </p:cNvSpPr>
+          <p:nvPr>
+            <p:ph type="title"/>
+          </p:nvPr>
+        </p:nvSpPr>
+        <p:spPr/>
+        <p:txBody>
+          <a:bodyPr/>
+          <a:lstStyle/>
+          <a:p>
+            <a:r>
+              <a:rPr lang="fr-CH" dirty="0"/>
+              <a:t>Fondements théoriques - NLU</a:t>
+            </a:r>
+          </a:p>
+        </p:txBody>
+      </p:sp>
+      <p:sp>
+        <p:nvSpPr>
+          <p:cNvPr id="3" name="Espace réservé du contenu 2">
+            <a:extLst>
+              <a:ext uri="{FF2B5EF4-FFF2-40B4-BE49-F238E27FC236}">
+                <a16:creationId xmlns:a16="http://schemas.microsoft.com/office/drawing/2014/main" id="{1720EA06-7A2D-8774-FBC9-EC668D4A35A6}"/>
+              </a:ext>
+            </a:extLst>
+          </p:cNvPr>
+          <p:cNvSpPr>
+            <a:spLocks noGrp="1"/>
+          </p:cNvSpPr>
+          <p:nvPr>
+            <p:ph idx="1"/>
+          </p:nvPr>
+        </p:nvSpPr>
+        <p:spPr/>
+        <p:txBody>
+          <a:bodyPr/>
+          <a:lstStyle/>
+          <a:p>
+            <a:endParaRPr lang="fr-CH" dirty="0"/>
+          </a:p>
+        </p:txBody>
+      </p:sp>
+      <p:sp>
+        <p:nvSpPr>
+          <p:cNvPr id="4" name="Espace réservé du pied de page 3">
+            <a:extLst>
+              <a:ext uri="{FF2B5EF4-FFF2-40B4-BE49-F238E27FC236}">
+                <a16:creationId xmlns:a16="http://schemas.microsoft.com/office/drawing/2014/main" id="{AE8E29F7-A8D9-B247-62A1-EE62F1806F60}"/>
+              </a:ext>
+            </a:extLst>
+          </p:cNvPr>
+          <p:cNvSpPr>
+            <a:spLocks noGrp="1"/>
+          </p:cNvSpPr>
+          <p:nvPr>
+            <p:ph type="ftr" sz="quarter" idx="11"/>
+          </p:nvPr>
+        </p:nvSpPr>
+        <p:spPr/>
+        <p:txBody>
+          <a:bodyPr/>
+          <a:lstStyle/>
+          <a:p>
+            <a:r>
+              <a:rPr lang="fr-CH"/>
+              <a:t>Présentation BA - Chatbot Réservation - Rodrigues dos Santos Fabio</a:t>
+            </a:r>
+            <a:endParaRPr lang="en-US" dirty="0"/>
+          </a:p>
+        </p:txBody>
+      </p:sp>
+      <p:sp>
+        <p:nvSpPr>
+          <p:cNvPr id="5" name="Espace réservé du numéro de diapositive 4">
+            <a:extLst>
+              <a:ext uri="{FF2B5EF4-FFF2-40B4-BE49-F238E27FC236}">
+                <a16:creationId xmlns:a16="http://schemas.microsoft.com/office/drawing/2014/main" id="{8C402CA1-2104-9FE9-E0B5-D0086A3DC965}"/>
+              </a:ext>
+            </a:extLst>
+          </p:cNvPr>
+          <p:cNvSpPr>
+            <a:spLocks noGrp="1"/>
+          </p:cNvSpPr>
+          <p:nvPr>
+            <p:ph type="sldNum" sz="quarter" idx="12"/>
+          </p:nvPr>
+        </p:nvSpPr>
+        <p:spPr/>
+        <p:txBody>
+          <a:bodyPr/>
+          <a:lstStyle/>
+          <a:p>
+            <a:fld id="{4FAB73BC-B049-4115-A692-8D63A059BFB8}" type="slidenum">
+              <a:rPr lang="en-US" smtClean="0"/>
+              <a:pPr/>
+              <a:t>8</a:t>
+            </a:fld>
+            <a:endParaRPr lang="en-US" dirty="0"/>
+          </a:p>
+        </p:txBody>
+      </p:sp>
+    </p:spTree>
+    <p:extLst>
+      <p:ext uri="{BB962C8B-B14F-4D97-AF65-F5344CB8AC3E}">
+        <p14:creationId xmlns:p14="http://schemas.microsoft.com/office/powerpoint/2010/main" val="1443719592"/>
       </p:ext>
     </p:extLst>
   </p:cSld>

--- a/documentation/travail_bachelor/ISC_LOG_presentation_diplome_RodriguesDosSantosFabio_EggenbergNiklaus_2024.pptx
+++ b/documentation/travail_bachelor/ISC_LOG_presentation_diplome_RodriguesDosSantosFabio_EggenbergNiklaus_2024.pptx
@@ -5,7 +5,7 @@
     <p:sldMasterId id="2147483840" r:id="rId1"/>
   </p:sldMasterIdLst>
   <p:notesMasterIdLst>
-    <p:notesMasterId r:id="rId10"/>
+    <p:notesMasterId r:id="rId15"/>
   </p:notesMasterIdLst>
   <p:sldIdLst>
     <p:sldId id="256" r:id="rId2"/>
@@ -14,8 +14,13 @@
     <p:sldId id="259" r:id="rId5"/>
     <p:sldId id="260" r:id="rId6"/>
     <p:sldId id="261" r:id="rId7"/>
-    <p:sldId id="262" r:id="rId8"/>
-    <p:sldId id="264" r:id="rId9"/>
+    <p:sldId id="265" r:id="rId8"/>
+    <p:sldId id="266" r:id="rId9"/>
+    <p:sldId id="262" r:id="rId10"/>
+    <p:sldId id="264" r:id="rId11"/>
+    <p:sldId id="267" r:id="rId12"/>
+    <p:sldId id="270" r:id="rId13"/>
+    <p:sldId id="268" r:id="rId14"/>
   </p:sldIdLst>
   <p:sldSz cx="12192000" cy="6858000"/>
   <p:notesSz cx="6858000" cy="9144000"/>
@@ -204,7 +209,7 @@
           <a:p>
             <a:fld id="{42AC3142-495C-4280-881B-1526FF75665B}" type="datetimeFigureOut">
               <a:rPr lang="fr-CH" smtClean="0"/>
-              <a:t>21.08.2024</a:t>
+              <a:t>23.08.2024</a:t>
             </a:fld>
             <a:endParaRPr lang="fr-CH"/>
           </a:p>
@@ -696,7 +701,7 @@
           <a:p>
             <a:fld id="{697BC7A4-560B-4424-86D9-D529C3ED2E24}" type="datetime1">
               <a:rPr lang="en-US" smtClean="0"/>
-              <a:t>8/21/2024</a:t>
+              <a:t>8/23/2024</a:t>
             </a:fld>
             <a:endParaRPr lang="en-US" dirty="0"/>
           </a:p>
@@ -866,7 +871,7 @@
           <a:p>
             <a:fld id="{6E901063-52CC-4584-9EE9-3A5FBF2927BA}" type="datetime1">
               <a:rPr lang="en-US" smtClean="0"/>
-              <a:t>8/21/2024</a:t>
+              <a:t>8/23/2024</a:t>
             </a:fld>
             <a:endParaRPr lang="en-US" dirty="0"/>
           </a:p>
@@ -1046,7 +1051,7 @@
           <a:p>
             <a:fld id="{45B21167-5961-4EAA-A2C5-C443E1B8357A}" type="datetime1">
               <a:rPr lang="en-US" smtClean="0"/>
-              <a:t>8/21/2024</a:t>
+              <a:t>8/23/2024</a:t>
             </a:fld>
             <a:endParaRPr lang="en-US" dirty="0"/>
           </a:p>
@@ -1216,7 +1221,7 @@
           <a:p>
             <a:fld id="{77856CEA-0161-4B0B-A6F9-D90790302E09}" type="datetime1">
               <a:rPr lang="en-US" smtClean="0"/>
-              <a:t>8/21/2024</a:t>
+              <a:t>8/23/2024</a:t>
             </a:fld>
             <a:endParaRPr lang="en-US" dirty="0"/>
           </a:p>
@@ -1474,7 +1479,7 @@
           <a:p>
             <a:fld id="{1F7ECC23-A5A0-44D4-B496-B55A434D5385}" type="datetime1">
               <a:rPr lang="en-US" smtClean="0"/>
-              <a:t>8/21/2024</a:t>
+              <a:t>8/23/2024</a:t>
             </a:fld>
             <a:endParaRPr lang="en-US" dirty="0"/>
           </a:p>
@@ -1762,7 +1767,7 @@
           <a:p>
             <a:fld id="{337DEE0E-910E-4647-A748-0A8F2A962DCA}" type="datetime1">
               <a:rPr lang="en-US" smtClean="0"/>
-              <a:t>8/21/2024</a:t>
+              <a:t>8/23/2024</a:t>
             </a:fld>
             <a:endParaRPr lang="en-US" dirty="0"/>
           </a:p>
@@ -2204,7 +2209,7 @@
           <a:p>
             <a:fld id="{E2F9AEDB-DA47-42B1-AA20-FA4193278BFB}" type="datetime1">
               <a:rPr lang="en-US" smtClean="0"/>
-              <a:t>8/21/2024</a:t>
+              <a:t>8/23/2024</a:t>
             </a:fld>
             <a:endParaRPr lang="en-US" dirty="0"/>
           </a:p>
@@ -2322,7 +2327,7 @@
           <a:p>
             <a:fld id="{76A3806D-CEFF-4C7C-B69E-E8C6C2135F0C}" type="datetime1">
               <a:rPr lang="en-US" smtClean="0"/>
-              <a:t>8/21/2024</a:t>
+              <a:t>8/23/2024</a:t>
             </a:fld>
             <a:endParaRPr lang="en-US" dirty="0"/>
           </a:p>
@@ -2417,7 +2422,7 @@
           <a:p>
             <a:fld id="{6C799852-6437-4F59-8BA4-BD526AE7B018}" type="datetime1">
               <a:rPr lang="en-US" smtClean="0"/>
-              <a:t>8/21/2024</a:t>
+              <a:t>8/23/2024</a:t>
             </a:fld>
             <a:endParaRPr lang="en-US" dirty="0"/>
           </a:p>
@@ -2705,7 +2710,7 @@
           <a:p>
             <a:fld id="{BF0EB050-0ECA-42EF-A435-70711370D85B}" type="datetime1">
               <a:rPr lang="en-US" smtClean="0"/>
-              <a:t>8/21/2024</a:t>
+              <a:t>8/23/2024</a:t>
             </a:fld>
             <a:endParaRPr lang="en-US" dirty="0"/>
           </a:p>
@@ -2978,7 +2983,7 @@
           <a:p>
             <a:fld id="{F4052ABD-58D4-4C9E-B1B8-CEC2AA8DBD93}" type="datetime1">
               <a:rPr lang="en-US" smtClean="0"/>
-              <a:t>8/21/2024</a:t>
+              <a:t>8/23/2024</a:t>
             </a:fld>
             <a:endParaRPr lang="en-US" dirty="0"/>
           </a:p>
@@ -3275,7 +3280,7 @@
           <a:p>
             <a:fld id="{C4EEF54E-F662-454E-AE7D-91A1E3F52308}" type="datetime1">
               <a:rPr lang="en-US" smtClean="0"/>
-              <a:t>8/21/2024</a:t>
+              <a:t>8/23/2024</a:t>
             </a:fld>
             <a:endParaRPr lang="en-US" dirty="0"/>
           </a:p>
@@ -4307,6 +4312,744 @@
 </p:sld>
 </file>
 
+<file path=ppt/slides/slide10.xml><?xml version="1.0" encoding="utf-8"?>
+<p:sld xmlns:a="http://schemas.openxmlformats.org/drawingml/2006/main" xmlns:r="http://schemas.openxmlformats.org/officeDocument/2006/relationships" xmlns:p="http://schemas.openxmlformats.org/presentationml/2006/main">
+  <p:cSld>
+    <p:spTree>
+      <p:nvGrpSpPr>
+        <p:cNvPr id="1" name=""/>
+        <p:cNvGrpSpPr/>
+        <p:nvPr/>
+      </p:nvGrpSpPr>
+      <p:grpSpPr>
+        <a:xfrm>
+          <a:off x="0" y="0"/>
+          <a:ext cx="0" cy="0"/>
+          <a:chOff x="0" y="0"/>
+          <a:chExt cx="0" cy="0"/>
+        </a:xfrm>
+      </p:grpSpPr>
+      <p:sp>
+        <p:nvSpPr>
+          <p:cNvPr id="2" name="Titre 1">
+            <a:extLst>
+              <a:ext uri="{FF2B5EF4-FFF2-40B4-BE49-F238E27FC236}">
+                <a16:creationId xmlns:a16="http://schemas.microsoft.com/office/drawing/2014/main" id="{64CB46EB-D775-0ADD-C2CB-933B0912081C}"/>
+              </a:ext>
+            </a:extLst>
+          </p:cNvPr>
+          <p:cNvSpPr>
+            <a:spLocks noGrp="1"/>
+          </p:cNvSpPr>
+          <p:nvPr>
+            <p:ph type="title"/>
+          </p:nvPr>
+        </p:nvSpPr>
+        <p:spPr>
+          <a:xfrm>
+            <a:off x="60385" y="1123837"/>
+            <a:ext cx="3286664" cy="4601183"/>
+          </a:xfrm>
+        </p:spPr>
+        <p:txBody>
+          <a:bodyPr/>
+          <a:lstStyle/>
+          <a:p>
+            <a:r>
+              <a:rPr lang="fr-CH" dirty="0"/>
+              <a:t>Fondements théoriques - NLU</a:t>
+            </a:r>
+          </a:p>
+        </p:txBody>
+      </p:sp>
+      <p:sp>
+        <p:nvSpPr>
+          <p:cNvPr id="3" name="Espace réservé du contenu 2">
+            <a:extLst>
+              <a:ext uri="{FF2B5EF4-FFF2-40B4-BE49-F238E27FC236}">
+                <a16:creationId xmlns:a16="http://schemas.microsoft.com/office/drawing/2014/main" id="{1720EA06-7A2D-8774-FBC9-EC668D4A35A6}"/>
+              </a:ext>
+            </a:extLst>
+          </p:cNvPr>
+          <p:cNvSpPr>
+            <a:spLocks noGrp="1"/>
+          </p:cNvSpPr>
+          <p:nvPr>
+            <p:ph idx="1"/>
+          </p:nvPr>
+        </p:nvSpPr>
+        <p:spPr>
+          <a:xfrm>
+            <a:off x="3869268" y="868680"/>
+            <a:ext cx="7315200" cy="5120640"/>
+          </a:xfrm>
+        </p:spPr>
+        <p:txBody>
+          <a:bodyPr/>
+          <a:lstStyle/>
+          <a:p>
+            <a:pPr marL="0" indent="0">
+              <a:buNone/>
+            </a:pPr>
+            <a:r>
+              <a:rPr lang="fr-CH" sz="2800" b="1" dirty="0"/>
+              <a:t>Qu’est-ce ?</a:t>
+            </a:r>
+          </a:p>
+          <a:p>
+            <a:pPr marL="0" indent="0">
+              <a:buNone/>
+            </a:pPr>
+            <a:r>
+              <a:rPr lang="fr-CH" sz="1800" dirty="0"/>
+              <a:t>Sert à la compréhension de données en langage naturel par des programmes</a:t>
+            </a:r>
+          </a:p>
+          <a:p>
+            <a:pPr marL="0" indent="0">
+              <a:buNone/>
+            </a:pPr>
+            <a:r>
+              <a:rPr lang="fr-CH" sz="1800" dirty="0"/>
+              <a:t>Sous-section du NLP centré sur : Compréhension Grammaticale et de Contexte</a:t>
+            </a:r>
+          </a:p>
+        </p:txBody>
+      </p:sp>
+      <p:sp>
+        <p:nvSpPr>
+          <p:cNvPr id="4" name="Espace réservé du pied de page 3">
+            <a:extLst>
+              <a:ext uri="{FF2B5EF4-FFF2-40B4-BE49-F238E27FC236}">
+                <a16:creationId xmlns:a16="http://schemas.microsoft.com/office/drawing/2014/main" id="{AE8E29F7-A8D9-B247-62A1-EE62F1806F60}"/>
+              </a:ext>
+            </a:extLst>
+          </p:cNvPr>
+          <p:cNvSpPr>
+            <a:spLocks noGrp="1"/>
+          </p:cNvSpPr>
+          <p:nvPr>
+            <p:ph type="ftr" sz="quarter" idx="11"/>
+          </p:nvPr>
+        </p:nvSpPr>
+        <p:spPr/>
+        <p:txBody>
+          <a:bodyPr/>
+          <a:lstStyle/>
+          <a:p>
+            <a:r>
+              <a:rPr lang="fr-CH"/>
+              <a:t>Présentation BA - Chatbot Réservation - Rodrigues dos Santos Fabio</a:t>
+            </a:r>
+            <a:endParaRPr lang="en-US" dirty="0"/>
+          </a:p>
+        </p:txBody>
+      </p:sp>
+      <p:sp>
+        <p:nvSpPr>
+          <p:cNvPr id="5" name="Espace réservé du numéro de diapositive 4">
+            <a:extLst>
+              <a:ext uri="{FF2B5EF4-FFF2-40B4-BE49-F238E27FC236}">
+                <a16:creationId xmlns:a16="http://schemas.microsoft.com/office/drawing/2014/main" id="{8C402CA1-2104-9FE9-E0B5-D0086A3DC965}"/>
+              </a:ext>
+            </a:extLst>
+          </p:cNvPr>
+          <p:cNvSpPr>
+            <a:spLocks noGrp="1"/>
+          </p:cNvSpPr>
+          <p:nvPr>
+            <p:ph type="sldNum" sz="quarter" idx="12"/>
+          </p:nvPr>
+        </p:nvSpPr>
+        <p:spPr/>
+        <p:txBody>
+          <a:bodyPr/>
+          <a:lstStyle/>
+          <a:p>
+            <a:fld id="{4FAB73BC-B049-4115-A692-8D63A059BFB8}" type="slidenum">
+              <a:rPr lang="en-US" smtClean="0"/>
+              <a:pPr/>
+              <a:t>10</a:t>
+            </a:fld>
+            <a:endParaRPr lang="en-US" dirty="0"/>
+          </a:p>
+        </p:txBody>
+      </p:sp>
+    </p:spTree>
+    <p:extLst>
+      <p:ext uri="{BB962C8B-B14F-4D97-AF65-F5344CB8AC3E}">
+        <p14:creationId xmlns:p14="http://schemas.microsoft.com/office/powerpoint/2010/main" val="1443719592"/>
+      </p:ext>
+    </p:extLst>
+  </p:cSld>
+  <p:clrMapOvr>
+    <a:masterClrMapping/>
+  </p:clrMapOvr>
+</p:sld>
+</file>
+
+<file path=ppt/slides/slide11.xml><?xml version="1.0" encoding="utf-8"?>
+<p:sld xmlns:a="http://schemas.openxmlformats.org/drawingml/2006/main" xmlns:r="http://schemas.openxmlformats.org/officeDocument/2006/relationships" xmlns:p="http://schemas.openxmlformats.org/presentationml/2006/main">
+  <p:cSld>
+    <p:spTree>
+      <p:nvGrpSpPr>
+        <p:cNvPr id="1" name=""/>
+        <p:cNvGrpSpPr/>
+        <p:nvPr/>
+      </p:nvGrpSpPr>
+      <p:grpSpPr>
+        <a:xfrm>
+          <a:off x="0" y="0"/>
+          <a:ext cx="0" cy="0"/>
+          <a:chOff x="0" y="0"/>
+          <a:chExt cx="0" cy="0"/>
+        </a:xfrm>
+      </p:grpSpPr>
+      <p:sp>
+        <p:nvSpPr>
+          <p:cNvPr id="2" name="Titre 1">
+            <a:extLst>
+              <a:ext uri="{FF2B5EF4-FFF2-40B4-BE49-F238E27FC236}">
+                <a16:creationId xmlns:a16="http://schemas.microsoft.com/office/drawing/2014/main" id="{64CB46EB-D775-0ADD-C2CB-933B0912081C}"/>
+              </a:ext>
+            </a:extLst>
+          </p:cNvPr>
+          <p:cNvSpPr>
+            <a:spLocks noGrp="1"/>
+          </p:cNvSpPr>
+          <p:nvPr>
+            <p:ph type="title"/>
+          </p:nvPr>
+        </p:nvSpPr>
+        <p:spPr>
+          <a:xfrm>
+            <a:off x="60385" y="1123837"/>
+            <a:ext cx="3286664" cy="4601183"/>
+          </a:xfrm>
+        </p:spPr>
+        <p:txBody>
+          <a:bodyPr/>
+          <a:lstStyle/>
+          <a:p>
+            <a:r>
+              <a:rPr lang="fr-CH" dirty="0"/>
+              <a:t>Fondements théoriques - NLU</a:t>
+            </a:r>
+          </a:p>
+        </p:txBody>
+      </p:sp>
+      <p:sp>
+        <p:nvSpPr>
+          <p:cNvPr id="3" name="Espace réservé du contenu 2">
+            <a:extLst>
+              <a:ext uri="{FF2B5EF4-FFF2-40B4-BE49-F238E27FC236}">
+                <a16:creationId xmlns:a16="http://schemas.microsoft.com/office/drawing/2014/main" id="{1720EA06-7A2D-8774-FBC9-EC668D4A35A6}"/>
+              </a:ext>
+            </a:extLst>
+          </p:cNvPr>
+          <p:cNvSpPr>
+            <a:spLocks noGrp="1"/>
+          </p:cNvSpPr>
+          <p:nvPr>
+            <p:ph idx="1"/>
+          </p:nvPr>
+        </p:nvSpPr>
+        <p:spPr>
+          <a:xfrm>
+            <a:off x="3869268" y="1712863"/>
+            <a:ext cx="7315200" cy="3388715"/>
+          </a:xfrm>
+        </p:spPr>
+        <p:txBody>
+          <a:bodyPr/>
+          <a:lstStyle/>
+          <a:p>
+            <a:pPr marL="0" indent="0">
+              <a:buNone/>
+            </a:pPr>
+            <a:r>
+              <a:rPr lang="fr-CH" sz="2800" b="1" dirty="0"/>
+              <a:t>Deux méthodes principales</a:t>
+            </a:r>
+          </a:p>
+          <a:p>
+            <a:pPr marL="596900" lvl="0" indent="-457200" algn="l" rtl="0">
+              <a:lnSpc>
+                <a:spcPct val="150000"/>
+              </a:lnSpc>
+              <a:spcBef>
+                <a:spcPts val="0"/>
+              </a:spcBef>
+              <a:spcAft>
+                <a:spcPts val="0"/>
+              </a:spcAft>
+              <a:buSzPct val="100000"/>
+              <a:buFont typeface="+mj-lt"/>
+              <a:buAutoNum type="arabicParenR"/>
+            </a:pPr>
+            <a:r>
+              <a:rPr lang="fr-CH" dirty="0"/>
+              <a:t>Détection d’intention : Identification des sentiments et objectifs</a:t>
+            </a:r>
+          </a:p>
+          <a:p>
+            <a:pPr marL="457200" indent="-317500">
+              <a:lnSpc>
+                <a:spcPct val="150000"/>
+              </a:lnSpc>
+              <a:spcBef>
+                <a:spcPts val="1000"/>
+              </a:spcBef>
+              <a:buSzPct val="100000"/>
+              <a:buAutoNum type="arabicParenR"/>
+            </a:pPr>
+            <a:r>
+              <a:rPr lang="fr-CH" dirty="0"/>
+              <a:t>   Détection d’entités : Extraction d’entités et leurs informations</a:t>
+            </a:r>
+          </a:p>
+          <a:p>
+            <a:pPr marL="1371600" lvl="2" indent="-317500">
+              <a:spcBef>
+                <a:spcPts val="1000"/>
+              </a:spcBef>
+              <a:spcAft>
+                <a:spcPts val="0"/>
+              </a:spcAft>
+              <a:buSzPts val="1400"/>
+              <a:buAutoNum type="alphaLcPeriod"/>
+            </a:pPr>
+            <a:r>
+              <a:rPr lang="fr-CH" dirty="0"/>
+              <a:t>Entité Numérique</a:t>
+            </a:r>
+          </a:p>
+          <a:p>
+            <a:pPr marL="1371600" lvl="2" indent="-317500">
+              <a:spcBef>
+                <a:spcPts val="1000"/>
+              </a:spcBef>
+              <a:spcAft>
+                <a:spcPts val="1000"/>
+              </a:spcAft>
+              <a:buSzPts val="1400"/>
+              <a:buAutoNum type="alphaLcPeriod"/>
+            </a:pPr>
+            <a:r>
+              <a:rPr lang="fr-CH" dirty="0"/>
+              <a:t>Entité nommée</a:t>
+            </a:r>
+          </a:p>
+        </p:txBody>
+      </p:sp>
+      <p:sp>
+        <p:nvSpPr>
+          <p:cNvPr id="4" name="Espace réservé du pied de page 3">
+            <a:extLst>
+              <a:ext uri="{FF2B5EF4-FFF2-40B4-BE49-F238E27FC236}">
+                <a16:creationId xmlns:a16="http://schemas.microsoft.com/office/drawing/2014/main" id="{AE8E29F7-A8D9-B247-62A1-EE62F1806F60}"/>
+              </a:ext>
+            </a:extLst>
+          </p:cNvPr>
+          <p:cNvSpPr>
+            <a:spLocks noGrp="1"/>
+          </p:cNvSpPr>
+          <p:nvPr>
+            <p:ph type="ftr" sz="quarter" idx="11"/>
+          </p:nvPr>
+        </p:nvSpPr>
+        <p:spPr/>
+        <p:txBody>
+          <a:bodyPr/>
+          <a:lstStyle/>
+          <a:p>
+            <a:r>
+              <a:rPr lang="fr-CH"/>
+              <a:t>Présentation BA - Chatbot Réservation - Rodrigues dos Santos Fabio</a:t>
+            </a:r>
+            <a:endParaRPr lang="en-US" dirty="0"/>
+          </a:p>
+        </p:txBody>
+      </p:sp>
+      <p:sp>
+        <p:nvSpPr>
+          <p:cNvPr id="5" name="Espace réservé du numéro de diapositive 4">
+            <a:extLst>
+              <a:ext uri="{FF2B5EF4-FFF2-40B4-BE49-F238E27FC236}">
+                <a16:creationId xmlns:a16="http://schemas.microsoft.com/office/drawing/2014/main" id="{8C402CA1-2104-9FE9-E0B5-D0086A3DC965}"/>
+              </a:ext>
+            </a:extLst>
+          </p:cNvPr>
+          <p:cNvSpPr>
+            <a:spLocks noGrp="1"/>
+          </p:cNvSpPr>
+          <p:nvPr>
+            <p:ph type="sldNum" sz="quarter" idx="12"/>
+          </p:nvPr>
+        </p:nvSpPr>
+        <p:spPr/>
+        <p:txBody>
+          <a:bodyPr/>
+          <a:lstStyle/>
+          <a:p>
+            <a:fld id="{4FAB73BC-B049-4115-A692-8D63A059BFB8}" type="slidenum">
+              <a:rPr lang="en-US" smtClean="0"/>
+              <a:pPr/>
+              <a:t>11</a:t>
+            </a:fld>
+            <a:endParaRPr lang="en-US" dirty="0"/>
+          </a:p>
+        </p:txBody>
+      </p:sp>
+      <p:sp>
+        <p:nvSpPr>
+          <p:cNvPr id="6" name="ZoneTexte 5">
+            <a:extLst>
+              <a:ext uri="{FF2B5EF4-FFF2-40B4-BE49-F238E27FC236}">
+                <a16:creationId xmlns:a16="http://schemas.microsoft.com/office/drawing/2014/main" id="{81C6ECE6-B814-CD07-7424-551C358C0F30}"/>
+              </a:ext>
+            </a:extLst>
+          </p:cNvPr>
+          <p:cNvSpPr txBox="1"/>
+          <p:nvPr/>
+        </p:nvSpPr>
+        <p:spPr>
+          <a:xfrm>
+            <a:off x="6578728" y="4793801"/>
+            <a:ext cx="1896280" cy="307777"/>
+          </a:xfrm>
+          <a:prstGeom prst="rect">
+            <a:avLst/>
+          </a:prstGeom>
+          <a:noFill/>
+        </p:spPr>
+        <p:txBody>
+          <a:bodyPr wrap="square" rtlCol="0">
+            <a:spAutoFit/>
+          </a:bodyPr>
+          <a:lstStyle/>
+          <a:p>
+            <a:r>
+              <a:rPr lang="fr-CH" sz="1400" i="1" dirty="0">
+                <a:solidFill>
+                  <a:schemeClr val="accent6"/>
+                </a:solidFill>
+              </a:rPr>
+              <a:t>Source: Techtarget.com</a:t>
+            </a:r>
+          </a:p>
+        </p:txBody>
+      </p:sp>
+    </p:spTree>
+    <p:extLst>
+      <p:ext uri="{BB962C8B-B14F-4D97-AF65-F5344CB8AC3E}">
+        <p14:creationId xmlns:p14="http://schemas.microsoft.com/office/powerpoint/2010/main" val="1916329849"/>
+      </p:ext>
+    </p:extLst>
+  </p:cSld>
+  <p:clrMapOvr>
+    <a:masterClrMapping/>
+  </p:clrMapOvr>
+</p:sld>
+</file>
+
+<file path=ppt/slides/slide12.xml><?xml version="1.0" encoding="utf-8"?>
+<p:sld xmlns:a="http://schemas.openxmlformats.org/drawingml/2006/main" xmlns:r="http://schemas.openxmlformats.org/officeDocument/2006/relationships" xmlns:p="http://schemas.openxmlformats.org/presentationml/2006/main">
+  <p:cSld>
+    <p:spTree>
+      <p:nvGrpSpPr>
+        <p:cNvPr id="1" name=""/>
+        <p:cNvGrpSpPr/>
+        <p:nvPr/>
+      </p:nvGrpSpPr>
+      <p:grpSpPr>
+        <a:xfrm>
+          <a:off x="0" y="0"/>
+          <a:ext cx="0" cy="0"/>
+          <a:chOff x="0" y="0"/>
+          <a:chExt cx="0" cy="0"/>
+        </a:xfrm>
+      </p:grpSpPr>
+      <p:sp>
+        <p:nvSpPr>
+          <p:cNvPr id="2" name="Titre 1">
+            <a:extLst>
+              <a:ext uri="{FF2B5EF4-FFF2-40B4-BE49-F238E27FC236}">
+                <a16:creationId xmlns:a16="http://schemas.microsoft.com/office/drawing/2014/main" id="{64CB46EB-D775-0ADD-C2CB-933B0912081C}"/>
+              </a:ext>
+            </a:extLst>
+          </p:cNvPr>
+          <p:cNvSpPr>
+            <a:spLocks noGrp="1"/>
+          </p:cNvSpPr>
+          <p:nvPr>
+            <p:ph type="title"/>
+          </p:nvPr>
+        </p:nvSpPr>
+        <p:spPr>
+          <a:xfrm>
+            <a:off x="60385" y="1123837"/>
+            <a:ext cx="3286664" cy="4601183"/>
+          </a:xfrm>
+        </p:spPr>
+        <p:txBody>
+          <a:bodyPr/>
+          <a:lstStyle/>
+          <a:p>
+            <a:r>
+              <a:rPr lang="fr-CH" dirty="0"/>
+              <a:t>Fondements théoriques - Rasa</a:t>
+            </a:r>
+          </a:p>
+        </p:txBody>
+      </p:sp>
+      <p:sp>
+        <p:nvSpPr>
+          <p:cNvPr id="3" name="Espace réservé du contenu 2">
+            <a:extLst>
+              <a:ext uri="{FF2B5EF4-FFF2-40B4-BE49-F238E27FC236}">
+                <a16:creationId xmlns:a16="http://schemas.microsoft.com/office/drawing/2014/main" id="{1720EA06-7A2D-8774-FBC9-EC668D4A35A6}"/>
+              </a:ext>
+            </a:extLst>
+          </p:cNvPr>
+          <p:cNvSpPr>
+            <a:spLocks noGrp="1"/>
+          </p:cNvSpPr>
+          <p:nvPr>
+            <p:ph idx="1"/>
+          </p:nvPr>
+        </p:nvSpPr>
+        <p:spPr>
+          <a:xfrm>
+            <a:off x="3869268" y="1712863"/>
+            <a:ext cx="7315200" cy="3388715"/>
+          </a:xfrm>
+        </p:spPr>
+        <p:txBody>
+          <a:bodyPr/>
+          <a:lstStyle/>
+          <a:p>
+            <a:pPr marL="0" indent="0">
+              <a:buNone/>
+            </a:pPr>
+            <a:endParaRPr lang="fr-CH" dirty="0"/>
+          </a:p>
+        </p:txBody>
+      </p:sp>
+      <p:sp>
+        <p:nvSpPr>
+          <p:cNvPr id="4" name="Espace réservé du pied de page 3">
+            <a:extLst>
+              <a:ext uri="{FF2B5EF4-FFF2-40B4-BE49-F238E27FC236}">
+                <a16:creationId xmlns:a16="http://schemas.microsoft.com/office/drawing/2014/main" id="{AE8E29F7-A8D9-B247-62A1-EE62F1806F60}"/>
+              </a:ext>
+            </a:extLst>
+          </p:cNvPr>
+          <p:cNvSpPr>
+            <a:spLocks noGrp="1"/>
+          </p:cNvSpPr>
+          <p:nvPr>
+            <p:ph type="ftr" sz="quarter" idx="11"/>
+          </p:nvPr>
+        </p:nvSpPr>
+        <p:spPr/>
+        <p:txBody>
+          <a:bodyPr/>
+          <a:lstStyle/>
+          <a:p>
+            <a:r>
+              <a:rPr lang="fr-CH"/>
+              <a:t>Présentation BA - Chatbot Réservation - Rodrigues dos Santos Fabio</a:t>
+            </a:r>
+            <a:endParaRPr lang="en-US" dirty="0"/>
+          </a:p>
+        </p:txBody>
+      </p:sp>
+      <p:sp>
+        <p:nvSpPr>
+          <p:cNvPr id="5" name="Espace réservé du numéro de diapositive 4">
+            <a:extLst>
+              <a:ext uri="{FF2B5EF4-FFF2-40B4-BE49-F238E27FC236}">
+                <a16:creationId xmlns:a16="http://schemas.microsoft.com/office/drawing/2014/main" id="{8C402CA1-2104-9FE9-E0B5-D0086A3DC965}"/>
+              </a:ext>
+            </a:extLst>
+          </p:cNvPr>
+          <p:cNvSpPr>
+            <a:spLocks noGrp="1"/>
+          </p:cNvSpPr>
+          <p:nvPr>
+            <p:ph type="sldNum" sz="quarter" idx="12"/>
+          </p:nvPr>
+        </p:nvSpPr>
+        <p:spPr/>
+        <p:txBody>
+          <a:bodyPr/>
+          <a:lstStyle/>
+          <a:p>
+            <a:fld id="{4FAB73BC-B049-4115-A692-8D63A059BFB8}" type="slidenum">
+              <a:rPr lang="en-US" smtClean="0"/>
+              <a:pPr/>
+              <a:t>12</a:t>
+            </a:fld>
+            <a:endParaRPr lang="en-US" dirty="0"/>
+          </a:p>
+        </p:txBody>
+      </p:sp>
+    </p:spTree>
+    <p:extLst>
+      <p:ext uri="{BB962C8B-B14F-4D97-AF65-F5344CB8AC3E}">
+        <p14:creationId xmlns:p14="http://schemas.microsoft.com/office/powerpoint/2010/main" val="3561010782"/>
+      </p:ext>
+    </p:extLst>
+  </p:cSld>
+  <p:clrMapOvr>
+    <a:masterClrMapping/>
+  </p:clrMapOvr>
+</p:sld>
+</file>
+
+<file path=ppt/slides/slide13.xml><?xml version="1.0" encoding="utf-8"?>
+<p:sld xmlns:a="http://schemas.openxmlformats.org/drawingml/2006/main" xmlns:r="http://schemas.openxmlformats.org/officeDocument/2006/relationships" xmlns:p="http://schemas.openxmlformats.org/presentationml/2006/main">
+  <p:cSld>
+    <p:spTree>
+      <p:nvGrpSpPr>
+        <p:cNvPr id="1" name=""/>
+        <p:cNvGrpSpPr/>
+        <p:nvPr/>
+      </p:nvGrpSpPr>
+      <p:grpSpPr>
+        <a:xfrm>
+          <a:off x="0" y="0"/>
+          <a:ext cx="0" cy="0"/>
+          <a:chOff x="0" y="0"/>
+          <a:chExt cx="0" cy="0"/>
+        </a:xfrm>
+      </p:grpSpPr>
+      <p:sp>
+        <p:nvSpPr>
+          <p:cNvPr id="2" name="Titre 1">
+            <a:extLst>
+              <a:ext uri="{FF2B5EF4-FFF2-40B4-BE49-F238E27FC236}">
+                <a16:creationId xmlns:a16="http://schemas.microsoft.com/office/drawing/2014/main" id="{06DBEBEE-FE11-1D96-3A92-5F67EDCA7FC5}"/>
+              </a:ext>
+            </a:extLst>
+          </p:cNvPr>
+          <p:cNvSpPr>
+            <a:spLocks noGrp="1"/>
+          </p:cNvSpPr>
+          <p:nvPr>
+            <p:ph type="title"/>
+          </p:nvPr>
+        </p:nvSpPr>
+        <p:spPr/>
+        <p:txBody>
+          <a:bodyPr/>
+          <a:lstStyle/>
+          <a:p>
+            <a:r>
+              <a:rPr lang="fr-CH" dirty="0"/>
+              <a:t>Choix Technologique</a:t>
+            </a:r>
+          </a:p>
+        </p:txBody>
+      </p:sp>
+      <p:sp>
+        <p:nvSpPr>
+          <p:cNvPr id="3" name="Espace réservé du contenu 2">
+            <a:extLst>
+              <a:ext uri="{FF2B5EF4-FFF2-40B4-BE49-F238E27FC236}">
+                <a16:creationId xmlns:a16="http://schemas.microsoft.com/office/drawing/2014/main" id="{B7978ADA-316E-9170-49D0-F40F52F8FB42}"/>
+              </a:ext>
+            </a:extLst>
+          </p:cNvPr>
+          <p:cNvSpPr>
+            <a:spLocks noGrp="1"/>
+          </p:cNvSpPr>
+          <p:nvPr>
+            <p:ph idx="1"/>
+          </p:nvPr>
+        </p:nvSpPr>
+        <p:spPr/>
+        <p:txBody>
+          <a:bodyPr/>
+          <a:lstStyle/>
+          <a:p>
+            <a:endParaRPr lang="fr-CH"/>
+          </a:p>
+        </p:txBody>
+      </p:sp>
+      <p:sp>
+        <p:nvSpPr>
+          <p:cNvPr id="4" name="Espace réservé du pied de page 3">
+            <a:extLst>
+              <a:ext uri="{FF2B5EF4-FFF2-40B4-BE49-F238E27FC236}">
+                <a16:creationId xmlns:a16="http://schemas.microsoft.com/office/drawing/2014/main" id="{99FFDE94-6FDE-014D-B677-22A77B1CC556}"/>
+              </a:ext>
+            </a:extLst>
+          </p:cNvPr>
+          <p:cNvSpPr>
+            <a:spLocks noGrp="1"/>
+          </p:cNvSpPr>
+          <p:nvPr>
+            <p:ph type="ftr" sz="quarter" idx="11"/>
+          </p:nvPr>
+        </p:nvSpPr>
+        <p:spPr/>
+        <p:txBody>
+          <a:bodyPr/>
+          <a:lstStyle/>
+          <a:p>
+            <a:r>
+              <a:rPr lang="fr-CH"/>
+              <a:t>Présentation BA - Chatbot Réservation - Rodrigues dos Santos Fabio</a:t>
+            </a:r>
+            <a:endParaRPr lang="en-US" dirty="0"/>
+          </a:p>
+        </p:txBody>
+      </p:sp>
+      <p:sp>
+        <p:nvSpPr>
+          <p:cNvPr id="5" name="Espace réservé du numéro de diapositive 4">
+            <a:extLst>
+              <a:ext uri="{FF2B5EF4-FFF2-40B4-BE49-F238E27FC236}">
+                <a16:creationId xmlns:a16="http://schemas.microsoft.com/office/drawing/2014/main" id="{096BD369-0379-DDFD-42CE-537A6A480ED2}"/>
+              </a:ext>
+            </a:extLst>
+          </p:cNvPr>
+          <p:cNvSpPr>
+            <a:spLocks noGrp="1"/>
+          </p:cNvSpPr>
+          <p:nvPr>
+            <p:ph type="sldNum" sz="quarter" idx="12"/>
+          </p:nvPr>
+        </p:nvSpPr>
+        <p:spPr/>
+        <p:txBody>
+          <a:bodyPr/>
+          <a:lstStyle/>
+          <a:p>
+            <a:fld id="{4FAB73BC-B049-4115-A692-8D63A059BFB8}" type="slidenum">
+              <a:rPr lang="en-US" smtClean="0"/>
+              <a:pPr/>
+              <a:t>13</a:t>
+            </a:fld>
+            <a:endParaRPr lang="en-US" dirty="0"/>
+          </a:p>
+        </p:txBody>
+      </p:sp>
+    </p:spTree>
+    <p:extLst>
+      <p:ext uri="{BB962C8B-B14F-4D97-AF65-F5344CB8AC3E}">
+        <p14:creationId xmlns:p14="http://schemas.microsoft.com/office/powerpoint/2010/main" val="132028324"/>
+      </p:ext>
+    </p:extLst>
+  </p:cSld>
+  <p:clrMapOvr>
+    <a:masterClrMapping/>
+  </p:clrMapOvr>
+</p:sld>
+</file>
+
 <file path=ppt/slides/slide2.xml><?xml version="1.0" encoding="utf-8"?>
 <p:sld xmlns:a="http://schemas.openxmlformats.org/drawingml/2006/main" xmlns:r="http://schemas.openxmlformats.org/officeDocument/2006/relationships" xmlns:p="http://schemas.openxmlformats.org/presentationml/2006/main">
   <p:cSld>
@@ -5618,7 +6361,12 @@
             <p:ph type="title"/>
           </p:nvPr>
         </p:nvSpPr>
-        <p:spPr/>
+        <p:spPr>
+          <a:xfrm>
+            <a:off x="77638" y="1123837"/>
+            <a:ext cx="3252158" cy="4601183"/>
+          </a:xfrm>
+        </p:spPr>
         <p:txBody>
           <a:bodyPr/>
           <a:lstStyle/>
@@ -5630,35 +6378,6 @@
           </a:p>
         </p:txBody>
       </p:sp>
-      <p:pic>
-        <p:nvPicPr>
-          <p:cNvPr id="7" name="Espace réservé du contenu 6" descr="Une image contenant texte, cercle, Police, logo&#10;&#10;Description générée automatiquement">
-            <a:extLst>
-              <a:ext uri="{FF2B5EF4-FFF2-40B4-BE49-F238E27FC236}">
-                <a16:creationId xmlns:a16="http://schemas.microsoft.com/office/drawing/2014/main" id="{44B8F8DF-0C5A-C562-B4D4-2EE880F38134}"/>
-              </a:ext>
-            </a:extLst>
-          </p:cNvPr>
-          <p:cNvPicPr>
-            <a:picLocks noGrp="1" noChangeAspect="1"/>
-          </p:cNvPicPr>
-          <p:nvPr>
-            <p:ph idx="1"/>
-          </p:nvPr>
-        </p:nvPicPr>
-        <p:blipFill>
-          <a:blip r:embed="rId2"/>
-          <a:stretch>
-            <a:fillRect/>
-          </a:stretch>
-        </p:blipFill>
-        <p:spPr>
-          <a:xfrm>
-            <a:off x="3868738" y="1366837"/>
-            <a:ext cx="7315200" cy="4114800"/>
-          </a:xfrm>
-        </p:spPr>
-      </p:pic>
       <p:sp>
         <p:nvSpPr>
           <p:cNvPr id="4" name="Espace réservé du pied de page 3">
@@ -5732,8 +6451,8 @@
         </p:nvSpPr>
         <p:spPr>
           <a:xfrm>
-            <a:off x="4239771" y="5725020"/>
-            <a:ext cx="6447453" cy="523220"/>
+            <a:off x="6213440" y="5298616"/>
+            <a:ext cx="2626855" cy="523220"/>
           </a:xfrm>
           <a:prstGeom prst="rect">
             <a:avLst/>
@@ -5746,93 +6465,159 @@
           </a:bodyPr>
           <a:lstStyle/>
           <a:p>
-            <a:r>
-              <a:rPr lang="fr-CH" sz="1400" dirty="0"/>
-              <a:t>Source illustration</a:t>
-            </a:r>
-            <a:r>
-              <a:rPr lang="fr-CH" sz="1400" i="1" dirty="0"/>
-              <a:t>: </a:t>
-            </a:r>
-            <a:r>
-              <a:rPr lang="fr-CH" sz="1400" i="1" dirty="0">
+            <a:pPr marL="0" lvl="0" indent="0" algn="l" rtl="0">
+              <a:spcBef>
+                <a:spcPts val="0"/>
+              </a:spcBef>
+              <a:spcAft>
+                <a:spcPts val="0"/>
+              </a:spcAft>
+              <a:buNone/>
+            </a:pPr>
+            <a:r>
+              <a:rPr lang="pt-BR" sz="1400" i="1" dirty="0">
                 <a:solidFill>
-                  <a:schemeClr val="bg1">
-                    <a:lumMod val="50000"/>
-                  </a:schemeClr>
+                  <a:schemeClr val="accent6"/>
                 </a:solidFill>
+                <a:ea typeface="Barlow Semi Condensed Light"/>
+                <a:cs typeface="Barlow Semi Condensed Light"/>
+                <a:sym typeface="Barlow Semi Condensed Light"/>
               </a:rPr>
-              <a:t>https://datasolut.com/natural-language-processing-vs-</a:t>
-            </a:r>
-          </a:p>
-          <a:p>
-            <a:r>
-              <a:rPr lang="fr-CH" sz="1400" i="1" dirty="0" err="1">
-                <a:solidFill>
-                  <a:schemeClr val="bg1">
-                    <a:lumMod val="50000"/>
-                  </a:schemeClr>
-                </a:solidFill>
+              <a:t>Source: Rodrigues dos Santos Fabio</a:t>
+            </a:r>
+          </a:p>
+        </p:txBody>
+      </p:sp>
+      <p:sp>
+        <p:nvSpPr>
+          <p:cNvPr id="6" name="Espace réservé du contenu 5">
+            <a:extLst>
+              <a:ext uri="{FF2B5EF4-FFF2-40B4-BE49-F238E27FC236}">
+                <a16:creationId xmlns:a16="http://schemas.microsoft.com/office/drawing/2014/main" id="{89427E80-4706-06FE-135D-A0578DD87278}"/>
+              </a:ext>
+            </a:extLst>
+          </p:cNvPr>
+          <p:cNvSpPr>
+            <a:spLocks noGrp="1"/>
+          </p:cNvSpPr>
+          <p:nvPr>
+            <p:ph idx="1"/>
+          </p:nvPr>
+        </p:nvSpPr>
+        <p:spPr>
+          <a:xfrm>
+            <a:off x="3869268" y="864108"/>
+            <a:ext cx="7315200" cy="4537359"/>
+          </a:xfrm>
+        </p:spPr>
+        <p:txBody>
+          <a:bodyPr>
+            <a:normAutofit/>
+          </a:bodyPr>
+          <a:lstStyle/>
+          <a:p>
+            <a:pPr marL="0" indent="0">
+              <a:buNone/>
+            </a:pPr>
+            <a:r>
+              <a:rPr lang="fr-CH" sz="2800" b="1" dirty="0">
+                <a:latin typeface="+mj-lt"/>
               </a:rPr>
-              <a:t>nlu</a:t>
-            </a:r>
-            <a:r>
-              <a:rPr lang="fr-CH" sz="1400" i="1" dirty="0">
-                <a:solidFill>
-                  <a:schemeClr val="bg1">
-                    <a:lumMod val="50000"/>
-                  </a:schemeClr>
-                </a:solidFill>
+              <a:t>Qu’est-ce ?</a:t>
+            </a:r>
+          </a:p>
+          <a:p>
+            <a:pPr marL="0" indent="0">
+              <a:buNone/>
+            </a:pPr>
+            <a:r>
+              <a:rPr lang="fr-CH" sz="1800" dirty="0"/>
+              <a:t>Transformation de textes en données structurées compréhensible par des modèles d’I.A.</a:t>
+            </a:r>
+          </a:p>
+          <a:p>
+            <a:pPr marL="0" indent="0">
+              <a:buNone/>
+            </a:pPr>
+            <a:endParaRPr lang="fr-CH" sz="2400" dirty="0"/>
+          </a:p>
+          <a:p>
+            <a:pPr marL="0" indent="0">
+              <a:buNone/>
+            </a:pPr>
+            <a:r>
+              <a:rPr lang="fr-CH" sz="2800" b="1" dirty="0">
+                <a:latin typeface="+mj-lt"/>
               </a:rPr>
-              <a:t>-vs-</a:t>
-            </a:r>
-            <a:r>
-              <a:rPr lang="fr-CH" sz="1400" i="1" dirty="0" err="1">
-                <a:solidFill>
-                  <a:schemeClr val="bg1">
-                    <a:lumMod val="50000"/>
-                  </a:schemeClr>
-                </a:solidFill>
-              </a:rPr>
-              <a:t>nlg</a:t>
-            </a:r>
-            <a:r>
-              <a:rPr lang="fr-CH" sz="1400" i="1" dirty="0">
-                <a:solidFill>
-                  <a:schemeClr val="bg1">
-                    <a:lumMod val="50000"/>
-                  </a:schemeClr>
-                </a:solidFill>
-              </a:rPr>
-              <a:t>-</a:t>
-            </a:r>
-            <a:r>
-              <a:rPr lang="fr-CH" sz="1400" i="1" dirty="0" err="1">
-                <a:solidFill>
-                  <a:schemeClr val="bg1">
-                    <a:lumMod val="50000"/>
-                  </a:schemeClr>
-                </a:solidFill>
-              </a:rPr>
-              <a:t>unterschiede-funktionen-und-beispiele</a:t>
-            </a:r>
-            <a:r>
-              <a:rPr lang="fr-CH" sz="1400" i="1" dirty="0">
-                <a:solidFill>
-                  <a:schemeClr val="bg1">
-                    <a:lumMod val="50000"/>
-                  </a:schemeClr>
-                </a:solidFill>
-              </a:rPr>
-              <a:t>/</a:t>
-            </a:r>
-          </a:p>
-        </p:txBody>
-      </p:sp>
+              <a:t>Structure ?</a:t>
+            </a:r>
+          </a:p>
+          <a:p>
+            <a:pPr marL="0" indent="0">
+              <a:buNone/>
+            </a:pPr>
+            <a:r>
+              <a:rPr lang="fr-CH" dirty="0"/>
+              <a:t>Passage de mots à des </a:t>
+            </a:r>
+            <a:r>
+              <a:rPr lang="fr-CH" dirty="0" err="1"/>
+              <a:t>Tokens</a:t>
+            </a:r>
+            <a:endParaRPr lang="fr-CH" dirty="0"/>
+          </a:p>
+          <a:p>
+            <a:pPr marL="0" indent="0">
+              <a:buNone/>
+            </a:pPr>
+            <a:endParaRPr lang="fr-CH" sz="2800" b="1" dirty="0"/>
+          </a:p>
+        </p:txBody>
+      </p:sp>
+      <p:pic>
+        <p:nvPicPr>
+          <p:cNvPr id="3" name="Google Shape;1934;p47">
+            <a:extLst>
+              <a:ext uri="{FF2B5EF4-FFF2-40B4-BE49-F238E27FC236}">
+                <a16:creationId xmlns:a16="http://schemas.microsoft.com/office/drawing/2014/main" id="{17AF2ECB-D6C4-7041-B1A7-C61CA5DCBCA7}"/>
+              </a:ext>
+            </a:extLst>
+          </p:cNvPr>
+          <p:cNvPicPr preferRelativeResize="0"/>
+          <p:nvPr/>
+        </p:nvPicPr>
+        <p:blipFill>
+          <a:blip r:embed="rId2">
+            <a:alphaModFix/>
+          </a:blip>
+          <a:stretch>
+            <a:fillRect/>
+          </a:stretch>
+        </p:blipFill>
+        <p:spPr>
+          <a:xfrm>
+            <a:off x="3869268" y="4686328"/>
+            <a:ext cx="6858000" cy="495300"/>
+          </a:xfrm>
+          <a:prstGeom prst="rect">
+            <a:avLst/>
+          </a:prstGeom>
+          <a:noFill/>
+          <a:ln w="9525" cap="flat" cmpd="sng">
+            <a:solidFill>
+              <a:schemeClr val="dk2"/>
+            </a:solidFill>
+            <a:prstDash val="solid"/>
+            <a:round/>
+            <a:headEnd type="none" w="sm" len="sm"/>
+            <a:tailEnd type="none" w="sm" len="sm"/>
+          </a:ln>
+        </p:spPr>
+      </p:pic>
     </p:spTree>
     <p:extLst>
       <p:ext uri="{BB962C8B-B14F-4D97-AF65-F5344CB8AC3E}">
-        <p14:creationId xmlns:p14="http://schemas.microsoft.com/office/powerpoint/2010/main" val="3472182454"/>
+        <p14:creationId xmlns:p14="http://schemas.microsoft.com/office/powerpoint/2010/main" val="1507829347"/>
       </p:ext>
     </p:extLst>
   </p:cSld>
@@ -5864,7 +6649,7 @@
           <p:cNvPr id="2" name="Titre 1">
             <a:extLst>
               <a:ext uri="{FF2B5EF4-FFF2-40B4-BE49-F238E27FC236}">
-                <a16:creationId xmlns:a16="http://schemas.microsoft.com/office/drawing/2014/main" id="{64CB46EB-D775-0ADD-C2CB-933B0912081C}"/>
+                <a16:creationId xmlns:a16="http://schemas.microsoft.com/office/drawing/2014/main" id="{351090E5-E219-5050-37F6-7B7502DAE2B7}"/>
               </a:ext>
             </a:extLst>
           </p:cNvPr>
@@ -5875,24 +6660,29 @@
             <p:ph type="title"/>
           </p:nvPr>
         </p:nvSpPr>
-        <p:spPr/>
+        <p:spPr>
+          <a:xfrm>
+            <a:off x="86264" y="1123837"/>
+            <a:ext cx="3278038" cy="4601183"/>
+          </a:xfrm>
+        </p:spPr>
         <p:txBody>
           <a:bodyPr/>
           <a:lstStyle/>
           <a:p>
             <a:r>
               <a:rPr lang="fr-CH" dirty="0"/>
-              <a:t>Fondements théoriques - NLU</a:t>
-            </a:r>
-          </a:p>
-        </p:txBody>
-      </p:sp>
-      <p:sp>
-        <p:nvSpPr>
-          <p:cNvPr id="3" name="Espace réservé du contenu 2">
+              <a:t>Fondements théoriques - NLP</a:t>
+            </a:r>
+          </a:p>
+        </p:txBody>
+      </p:sp>
+      <p:sp>
+        <p:nvSpPr>
+          <p:cNvPr id="4" name="Espace réservé du pied de page 3">
             <a:extLst>
               <a:ext uri="{FF2B5EF4-FFF2-40B4-BE49-F238E27FC236}">
-                <a16:creationId xmlns:a16="http://schemas.microsoft.com/office/drawing/2014/main" id="{1720EA06-7A2D-8774-FBC9-EC668D4A35A6}"/>
+                <a16:creationId xmlns:a16="http://schemas.microsoft.com/office/drawing/2014/main" id="{7C8EAD72-0445-8B67-7544-0DFD57C5DE25}"/>
               </a:ext>
             </a:extLst>
           </p:cNvPr>
@@ -5900,31 +6690,6 @@
             <a:spLocks noGrp="1"/>
           </p:cNvSpPr>
           <p:nvPr>
-            <p:ph idx="1"/>
-          </p:nvPr>
-        </p:nvSpPr>
-        <p:spPr/>
-        <p:txBody>
-          <a:bodyPr/>
-          <a:lstStyle/>
-          <a:p>
-            <a:endParaRPr lang="fr-CH" dirty="0"/>
-          </a:p>
-        </p:txBody>
-      </p:sp>
-      <p:sp>
-        <p:nvSpPr>
-          <p:cNvPr id="4" name="Espace réservé du pied de page 3">
-            <a:extLst>
-              <a:ext uri="{FF2B5EF4-FFF2-40B4-BE49-F238E27FC236}">
-                <a16:creationId xmlns:a16="http://schemas.microsoft.com/office/drawing/2014/main" id="{AE8E29F7-A8D9-B247-62A1-EE62F1806F60}"/>
-              </a:ext>
-            </a:extLst>
-          </p:cNvPr>
-          <p:cNvSpPr>
-            <a:spLocks noGrp="1"/>
-          </p:cNvSpPr>
-          <p:nvPr>
             <p:ph type="ftr" sz="quarter" idx="11"/>
           </p:nvPr>
         </p:nvSpPr>
@@ -5946,7 +6711,7 @@
           <p:cNvPr id="5" name="Espace réservé du numéro de diapositive 4">
             <a:extLst>
               <a:ext uri="{FF2B5EF4-FFF2-40B4-BE49-F238E27FC236}">
-                <a16:creationId xmlns:a16="http://schemas.microsoft.com/office/drawing/2014/main" id="{8C402CA1-2104-9FE9-E0B5-D0086A3DC965}"/>
+                <a16:creationId xmlns:a16="http://schemas.microsoft.com/office/drawing/2014/main" id="{3D103D54-09E4-8217-70C4-707EED93ECE5}"/>
               </a:ext>
             </a:extLst>
           </p:cNvPr>
@@ -5971,10 +6736,463 @@
           </a:p>
         </p:txBody>
       </p:sp>
+      <p:sp>
+        <p:nvSpPr>
+          <p:cNvPr id="8" name="ZoneTexte 7">
+            <a:extLst>
+              <a:ext uri="{FF2B5EF4-FFF2-40B4-BE49-F238E27FC236}">
+                <a16:creationId xmlns:a16="http://schemas.microsoft.com/office/drawing/2014/main" id="{0593E144-8D32-2268-B6FA-4559EE356115}"/>
+              </a:ext>
+            </a:extLst>
+          </p:cNvPr>
+          <p:cNvSpPr txBox="1"/>
+          <p:nvPr/>
+        </p:nvSpPr>
+        <p:spPr>
+          <a:xfrm>
+            <a:off x="9278291" y="5025318"/>
+            <a:ext cx="1997127" cy="307777"/>
+          </a:xfrm>
+          <a:prstGeom prst="rect">
+            <a:avLst/>
+          </a:prstGeom>
+          <a:noFill/>
+        </p:spPr>
+        <p:txBody>
+          <a:bodyPr wrap="square" rtlCol="0">
+            <a:spAutoFit/>
+          </a:bodyPr>
+          <a:lstStyle/>
+          <a:p>
+            <a:r>
+              <a:rPr lang="fr-CH" sz="1400" dirty="0">
+                <a:solidFill>
+                  <a:schemeClr val="accent4"/>
+                </a:solidFill>
+              </a:rPr>
+              <a:t>Source: Javapoint.com</a:t>
+            </a:r>
+            <a:endParaRPr lang="fr-CH" sz="1400" i="1" dirty="0">
+              <a:solidFill>
+                <a:schemeClr val="accent4"/>
+              </a:solidFill>
+            </a:endParaRPr>
+          </a:p>
+        </p:txBody>
+      </p:sp>
+      <p:sp>
+        <p:nvSpPr>
+          <p:cNvPr id="6" name="Espace réservé du contenu 5">
+            <a:extLst>
+              <a:ext uri="{FF2B5EF4-FFF2-40B4-BE49-F238E27FC236}">
+                <a16:creationId xmlns:a16="http://schemas.microsoft.com/office/drawing/2014/main" id="{71B43363-E29E-2D17-D556-F602E84089F0}"/>
+              </a:ext>
+            </a:extLst>
+          </p:cNvPr>
+          <p:cNvSpPr>
+            <a:spLocks noGrp="1"/>
+          </p:cNvSpPr>
+          <p:nvPr>
+            <p:ph idx="1"/>
+          </p:nvPr>
+        </p:nvSpPr>
+        <p:spPr>
+          <a:xfrm>
+            <a:off x="3675579" y="1157144"/>
+            <a:ext cx="4967868" cy="4435680"/>
+          </a:xfrm>
+        </p:spPr>
+        <p:txBody>
+          <a:bodyPr/>
+          <a:lstStyle/>
+          <a:p>
+            <a:pPr marL="539750" lvl="0" indent="-400050" algn="l" rtl="0">
+              <a:lnSpc>
+                <a:spcPct val="150000"/>
+              </a:lnSpc>
+              <a:spcBef>
+                <a:spcPts val="0"/>
+              </a:spcBef>
+              <a:spcAft>
+                <a:spcPts val="0"/>
+              </a:spcAft>
+              <a:buClr>
+                <a:schemeClr val="dk2"/>
+              </a:buClr>
+              <a:buSzPts val="1400"/>
+              <a:buFont typeface="+mj-lt"/>
+              <a:buAutoNum type="romanUcPeriod"/>
+            </a:pPr>
+            <a:r>
+              <a:rPr lang="fr-CH" sz="1800" dirty="0">
+                <a:solidFill>
+                  <a:schemeClr val="dk2"/>
+                </a:solidFill>
+                <a:ea typeface="Barlow Semi Condensed Medium"/>
+                <a:cs typeface="Barlow Semi Condensed Medium"/>
+                <a:sym typeface="Barlow Semi Condensed Medium"/>
+              </a:rPr>
+              <a:t>Compréhension des mots</a:t>
+            </a:r>
+          </a:p>
+          <a:p>
+            <a:pPr marL="539750" lvl="0" indent="-400050" algn="l" rtl="0">
+              <a:lnSpc>
+                <a:spcPct val="150000"/>
+              </a:lnSpc>
+              <a:spcBef>
+                <a:spcPts val="1000"/>
+              </a:spcBef>
+              <a:spcAft>
+                <a:spcPts val="0"/>
+              </a:spcAft>
+              <a:buClr>
+                <a:schemeClr val="dk2"/>
+              </a:buClr>
+              <a:buSzPts val="1400"/>
+              <a:buFont typeface="+mj-lt"/>
+              <a:buAutoNum type="romanUcPeriod"/>
+            </a:pPr>
+            <a:r>
+              <a:rPr lang="fr-CH" sz="1800" dirty="0">
+                <a:solidFill>
+                  <a:schemeClr val="dk2"/>
+                </a:solidFill>
+                <a:ea typeface="Barlow Semi Condensed Medium"/>
+                <a:cs typeface="Barlow Semi Condensed Medium"/>
+                <a:sym typeface="Barlow Semi Condensed Medium"/>
+              </a:rPr>
+              <a:t>Compréhension des phrases (grammaire)</a:t>
+            </a:r>
+          </a:p>
+          <a:p>
+            <a:pPr marL="539750" lvl="0" indent="-400050" algn="l" rtl="0">
+              <a:lnSpc>
+                <a:spcPct val="150000"/>
+              </a:lnSpc>
+              <a:spcBef>
+                <a:spcPts val="1000"/>
+              </a:spcBef>
+              <a:spcAft>
+                <a:spcPts val="0"/>
+              </a:spcAft>
+              <a:buClr>
+                <a:schemeClr val="dk2"/>
+              </a:buClr>
+              <a:buSzPts val="1400"/>
+              <a:buFont typeface="+mj-lt"/>
+              <a:buAutoNum type="romanUcPeriod"/>
+            </a:pPr>
+            <a:r>
+              <a:rPr lang="fr-CH" sz="1800" dirty="0">
+                <a:solidFill>
+                  <a:schemeClr val="dk2"/>
+                </a:solidFill>
+                <a:ea typeface="Barlow Semi Condensed Medium"/>
+                <a:cs typeface="Barlow Semi Condensed Medium"/>
+                <a:sym typeface="Barlow Semi Condensed Medium"/>
+              </a:rPr>
+              <a:t>Compréhension du sens des mots entre eux</a:t>
+            </a:r>
+          </a:p>
+          <a:p>
+            <a:pPr marL="539750" lvl="0" indent="-400050" algn="l" rtl="0">
+              <a:lnSpc>
+                <a:spcPct val="150000"/>
+              </a:lnSpc>
+              <a:spcBef>
+                <a:spcPts val="1000"/>
+              </a:spcBef>
+              <a:spcAft>
+                <a:spcPts val="0"/>
+              </a:spcAft>
+              <a:buClr>
+                <a:schemeClr val="dk2"/>
+              </a:buClr>
+              <a:buSzPts val="1400"/>
+              <a:buFont typeface="+mj-lt"/>
+              <a:buAutoNum type="romanUcPeriod"/>
+            </a:pPr>
+            <a:r>
+              <a:rPr lang="fr-CH" sz="1800" dirty="0">
+                <a:solidFill>
+                  <a:schemeClr val="dk2"/>
+                </a:solidFill>
+                <a:ea typeface="Barlow Semi Condensed Medium"/>
+                <a:cs typeface="Barlow Semi Condensed Medium"/>
+                <a:sym typeface="Barlow Semi Condensed Medium"/>
+              </a:rPr>
+              <a:t>Comparaison rétroactive à d’autres textes</a:t>
+            </a:r>
+          </a:p>
+          <a:p>
+            <a:pPr marL="539750" lvl="0" indent="-400050" algn="l" rtl="0">
+              <a:lnSpc>
+                <a:spcPct val="150000"/>
+              </a:lnSpc>
+              <a:spcBef>
+                <a:spcPts val="1000"/>
+              </a:spcBef>
+              <a:spcAft>
+                <a:spcPts val="1000"/>
+              </a:spcAft>
+              <a:buClr>
+                <a:schemeClr val="dk2"/>
+              </a:buClr>
+              <a:buSzPts val="1400"/>
+              <a:buFont typeface="+mj-lt"/>
+              <a:buAutoNum type="romanUcPeriod"/>
+            </a:pPr>
+            <a:r>
+              <a:rPr lang="fr-CH" sz="1800" dirty="0">
+                <a:solidFill>
+                  <a:schemeClr val="dk2"/>
+                </a:solidFill>
+                <a:ea typeface="Barlow Semi Condensed Medium"/>
+                <a:cs typeface="Barlow Semi Condensed Medium"/>
+                <a:sym typeface="Barlow Semi Condensed Medium"/>
+              </a:rPr>
+              <a:t>Ressortir le contexte du texte</a:t>
+            </a:r>
+          </a:p>
+          <a:p>
+            <a:endParaRPr lang="fr-CH" dirty="0"/>
+          </a:p>
+        </p:txBody>
+      </p:sp>
+      <p:pic>
+        <p:nvPicPr>
+          <p:cNvPr id="9" name="Google Shape;1943;p48">
+            <a:extLst>
+              <a:ext uri="{FF2B5EF4-FFF2-40B4-BE49-F238E27FC236}">
+                <a16:creationId xmlns:a16="http://schemas.microsoft.com/office/drawing/2014/main" id="{AFD19E42-6159-A4D6-BEF1-8E43F5BD0269}"/>
+              </a:ext>
+            </a:extLst>
+          </p:cNvPr>
+          <p:cNvPicPr preferRelativeResize="0"/>
+          <p:nvPr/>
+        </p:nvPicPr>
+        <p:blipFill>
+          <a:blip r:embed="rId2">
+            <a:alphaModFix/>
+          </a:blip>
+          <a:stretch>
+            <a:fillRect/>
+          </a:stretch>
+        </p:blipFill>
+        <p:spPr>
+          <a:xfrm>
+            <a:off x="8803114" y="1348012"/>
+            <a:ext cx="2947482" cy="3677306"/>
+          </a:xfrm>
+          <a:prstGeom prst="rect">
+            <a:avLst/>
+          </a:prstGeom>
+          <a:noFill/>
+          <a:ln>
+            <a:noFill/>
+          </a:ln>
+        </p:spPr>
+      </p:pic>
     </p:spTree>
     <p:extLst>
       <p:ext uri="{BB962C8B-B14F-4D97-AF65-F5344CB8AC3E}">
-        <p14:creationId xmlns:p14="http://schemas.microsoft.com/office/powerpoint/2010/main" val="1443719592"/>
+        <p14:creationId xmlns:p14="http://schemas.microsoft.com/office/powerpoint/2010/main" val="3489838077"/>
+      </p:ext>
+    </p:extLst>
+  </p:cSld>
+  <p:clrMapOvr>
+    <a:masterClrMapping/>
+  </p:clrMapOvr>
+</p:sld>
+</file>
+
+<file path=ppt/slides/slide9.xml><?xml version="1.0" encoding="utf-8"?>
+<p:sld xmlns:a="http://schemas.openxmlformats.org/drawingml/2006/main" xmlns:r="http://schemas.openxmlformats.org/officeDocument/2006/relationships" xmlns:p="http://schemas.openxmlformats.org/presentationml/2006/main">
+  <p:cSld>
+    <p:spTree>
+      <p:nvGrpSpPr>
+        <p:cNvPr id="1" name=""/>
+        <p:cNvGrpSpPr/>
+        <p:nvPr/>
+      </p:nvGrpSpPr>
+      <p:grpSpPr>
+        <a:xfrm>
+          <a:off x="0" y="0"/>
+          <a:ext cx="0" cy="0"/>
+          <a:chOff x="0" y="0"/>
+          <a:chExt cx="0" cy="0"/>
+        </a:xfrm>
+      </p:grpSpPr>
+      <p:sp>
+        <p:nvSpPr>
+          <p:cNvPr id="2" name="Titre 1">
+            <a:extLst>
+              <a:ext uri="{FF2B5EF4-FFF2-40B4-BE49-F238E27FC236}">
+                <a16:creationId xmlns:a16="http://schemas.microsoft.com/office/drawing/2014/main" id="{351090E5-E219-5050-37F6-7B7502DAE2B7}"/>
+              </a:ext>
+            </a:extLst>
+          </p:cNvPr>
+          <p:cNvSpPr>
+            <a:spLocks noGrp="1"/>
+          </p:cNvSpPr>
+          <p:nvPr>
+            <p:ph type="title"/>
+          </p:nvPr>
+        </p:nvSpPr>
+        <p:spPr>
+          <a:xfrm>
+            <a:off x="60384" y="1123837"/>
+            <a:ext cx="3312543" cy="4601183"/>
+          </a:xfrm>
+        </p:spPr>
+        <p:txBody>
+          <a:bodyPr/>
+          <a:lstStyle/>
+          <a:p>
+            <a:r>
+              <a:rPr lang="fr-CH" dirty="0"/>
+              <a:t>Fondements théoriques - NLP</a:t>
+            </a:r>
+          </a:p>
+        </p:txBody>
+      </p:sp>
+      <p:pic>
+        <p:nvPicPr>
+          <p:cNvPr id="7" name="Espace réservé du contenu 6" descr="Une image contenant texte, cercle, Police, logo&#10;&#10;Description générée automatiquement">
+            <a:extLst>
+              <a:ext uri="{FF2B5EF4-FFF2-40B4-BE49-F238E27FC236}">
+                <a16:creationId xmlns:a16="http://schemas.microsoft.com/office/drawing/2014/main" id="{44B8F8DF-0C5A-C562-B4D4-2EE880F38134}"/>
+              </a:ext>
+            </a:extLst>
+          </p:cNvPr>
+          <p:cNvPicPr>
+            <a:picLocks noGrp="1" noChangeAspect="1"/>
+          </p:cNvPicPr>
+          <p:nvPr>
+            <p:ph idx="1"/>
+          </p:nvPr>
+        </p:nvPicPr>
+        <p:blipFill>
+          <a:blip r:embed="rId2"/>
+          <a:stretch>
+            <a:fillRect/>
+          </a:stretch>
+        </p:blipFill>
+        <p:spPr>
+          <a:xfrm>
+            <a:off x="3868738" y="1366837"/>
+            <a:ext cx="7315200" cy="4114800"/>
+          </a:xfrm>
+        </p:spPr>
+      </p:pic>
+      <p:sp>
+        <p:nvSpPr>
+          <p:cNvPr id="4" name="Espace réservé du pied de page 3">
+            <a:extLst>
+              <a:ext uri="{FF2B5EF4-FFF2-40B4-BE49-F238E27FC236}">
+                <a16:creationId xmlns:a16="http://schemas.microsoft.com/office/drawing/2014/main" id="{7C8EAD72-0445-8B67-7544-0DFD57C5DE25}"/>
+              </a:ext>
+            </a:extLst>
+          </p:cNvPr>
+          <p:cNvSpPr>
+            <a:spLocks noGrp="1"/>
+          </p:cNvSpPr>
+          <p:nvPr>
+            <p:ph type="ftr" sz="quarter" idx="11"/>
+          </p:nvPr>
+        </p:nvSpPr>
+        <p:spPr/>
+        <p:txBody>
+          <a:bodyPr/>
+          <a:lstStyle/>
+          <a:p>
+            <a:r>
+              <a:rPr lang="fr-CH"/>
+              <a:t>Présentation BA - Chatbot Réservation - Rodrigues dos Santos Fabio</a:t>
+            </a:r>
+            <a:endParaRPr lang="en-US" dirty="0"/>
+          </a:p>
+        </p:txBody>
+      </p:sp>
+      <p:sp>
+        <p:nvSpPr>
+          <p:cNvPr id="5" name="Espace réservé du numéro de diapositive 4">
+            <a:extLst>
+              <a:ext uri="{FF2B5EF4-FFF2-40B4-BE49-F238E27FC236}">
+                <a16:creationId xmlns:a16="http://schemas.microsoft.com/office/drawing/2014/main" id="{3D103D54-09E4-8217-70C4-707EED93ECE5}"/>
+              </a:ext>
+            </a:extLst>
+          </p:cNvPr>
+          <p:cNvSpPr>
+            <a:spLocks noGrp="1"/>
+          </p:cNvSpPr>
+          <p:nvPr>
+            <p:ph type="sldNum" sz="quarter" idx="12"/>
+          </p:nvPr>
+        </p:nvSpPr>
+        <p:spPr/>
+        <p:txBody>
+          <a:bodyPr/>
+          <a:lstStyle/>
+          <a:p>
+            <a:fld id="{4FAB73BC-B049-4115-A692-8D63A059BFB8}" type="slidenum">
+              <a:rPr lang="en-US" smtClean="0"/>
+              <a:pPr/>
+              <a:t>9</a:t>
+            </a:fld>
+            <a:endParaRPr lang="en-US" dirty="0"/>
+          </a:p>
+        </p:txBody>
+      </p:sp>
+      <p:sp>
+        <p:nvSpPr>
+          <p:cNvPr id="8" name="ZoneTexte 7">
+            <a:extLst>
+              <a:ext uri="{FF2B5EF4-FFF2-40B4-BE49-F238E27FC236}">
+                <a16:creationId xmlns:a16="http://schemas.microsoft.com/office/drawing/2014/main" id="{0593E144-8D32-2268-B6FA-4559EE356115}"/>
+              </a:ext>
+            </a:extLst>
+          </p:cNvPr>
+          <p:cNvSpPr txBox="1"/>
+          <p:nvPr/>
+        </p:nvSpPr>
+        <p:spPr>
+          <a:xfrm>
+            <a:off x="6527774" y="5417243"/>
+            <a:ext cx="1997127" cy="307777"/>
+          </a:xfrm>
+          <a:prstGeom prst="rect">
+            <a:avLst/>
+          </a:prstGeom>
+          <a:noFill/>
+        </p:spPr>
+        <p:txBody>
+          <a:bodyPr wrap="square" rtlCol="0">
+            <a:spAutoFit/>
+          </a:bodyPr>
+          <a:lstStyle/>
+          <a:p>
+            <a:r>
+              <a:rPr lang="fr-CH" sz="1400" dirty="0">
+                <a:solidFill>
+                  <a:schemeClr val="accent4"/>
+                </a:solidFill>
+              </a:rPr>
+              <a:t>Source: Datasolut.com</a:t>
+            </a:r>
+            <a:endParaRPr lang="fr-CH" sz="1400" i="1" dirty="0">
+              <a:solidFill>
+                <a:schemeClr val="accent4"/>
+              </a:solidFill>
+            </a:endParaRPr>
+          </a:p>
+        </p:txBody>
+      </p:sp>
+    </p:spTree>
+    <p:extLst>
+      <p:ext uri="{BB962C8B-B14F-4D97-AF65-F5344CB8AC3E}">
+        <p14:creationId xmlns:p14="http://schemas.microsoft.com/office/powerpoint/2010/main" val="3472182454"/>
       </p:ext>
     </p:extLst>
   </p:cSld>

--- a/documentation/travail_bachelor/ISC_LOG_presentation_diplome_RodriguesDosSantosFabio_EggenbergNiklaus_2024.pptx
+++ b/documentation/travail_bachelor/ISC_LOG_presentation_diplome_RodriguesDosSantosFabio_EggenbergNiklaus_2024.pptx
@@ -5,7 +5,7 @@
     <p:sldMasterId id="2147483840" r:id="rId1"/>
   </p:sldMasterIdLst>
   <p:notesMasterIdLst>
-    <p:notesMasterId r:id="rId15"/>
+    <p:notesMasterId r:id="rId19"/>
   </p:notesMasterIdLst>
   <p:sldIdLst>
     <p:sldId id="256" r:id="rId2"/>
@@ -20,7 +20,11 @@
     <p:sldId id="264" r:id="rId11"/>
     <p:sldId id="267" r:id="rId12"/>
     <p:sldId id="270" r:id="rId13"/>
-    <p:sldId id="268" r:id="rId14"/>
+    <p:sldId id="271" r:id="rId14"/>
+    <p:sldId id="273" r:id="rId15"/>
+    <p:sldId id="272" r:id="rId16"/>
+    <p:sldId id="274" r:id="rId17"/>
+    <p:sldId id="268" r:id="rId18"/>
   </p:sldIdLst>
   <p:sldSz cx="12192000" cy="6858000"/>
   <p:notesSz cx="6858000" cy="9144000"/>
@@ -209,7 +213,7 @@
           <a:p>
             <a:fld id="{42AC3142-495C-4280-881B-1526FF75665B}" type="datetimeFigureOut">
               <a:rPr lang="fr-CH" smtClean="0"/>
-              <a:t>23.08.2024</a:t>
+              <a:t>24.08.2024</a:t>
             </a:fld>
             <a:endParaRPr lang="fr-CH"/>
           </a:p>
@@ -701,7 +705,7 @@
           <a:p>
             <a:fld id="{697BC7A4-560B-4424-86D9-D529C3ED2E24}" type="datetime1">
               <a:rPr lang="en-US" smtClean="0"/>
-              <a:t>8/23/2024</a:t>
+              <a:t>8/24/2024</a:t>
             </a:fld>
             <a:endParaRPr lang="en-US" dirty="0"/>
           </a:p>
@@ -871,7 +875,7 @@
           <a:p>
             <a:fld id="{6E901063-52CC-4584-9EE9-3A5FBF2927BA}" type="datetime1">
               <a:rPr lang="en-US" smtClean="0"/>
-              <a:t>8/23/2024</a:t>
+              <a:t>8/24/2024</a:t>
             </a:fld>
             <a:endParaRPr lang="en-US" dirty="0"/>
           </a:p>
@@ -1051,7 +1055,7 @@
           <a:p>
             <a:fld id="{45B21167-5961-4EAA-A2C5-C443E1B8357A}" type="datetime1">
               <a:rPr lang="en-US" smtClean="0"/>
-              <a:t>8/23/2024</a:t>
+              <a:t>8/24/2024</a:t>
             </a:fld>
             <a:endParaRPr lang="en-US" dirty="0"/>
           </a:p>
@@ -1221,7 +1225,7 @@
           <a:p>
             <a:fld id="{77856CEA-0161-4B0B-A6F9-D90790302E09}" type="datetime1">
               <a:rPr lang="en-US" smtClean="0"/>
-              <a:t>8/23/2024</a:t>
+              <a:t>8/24/2024</a:t>
             </a:fld>
             <a:endParaRPr lang="en-US" dirty="0"/>
           </a:p>
@@ -1479,7 +1483,7 @@
           <a:p>
             <a:fld id="{1F7ECC23-A5A0-44D4-B496-B55A434D5385}" type="datetime1">
               <a:rPr lang="en-US" smtClean="0"/>
-              <a:t>8/23/2024</a:t>
+              <a:t>8/24/2024</a:t>
             </a:fld>
             <a:endParaRPr lang="en-US" dirty="0"/>
           </a:p>
@@ -1767,7 +1771,7 @@
           <a:p>
             <a:fld id="{337DEE0E-910E-4647-A748-0A8F2A962DCA}" type="datetime1">
               <a:rPr lang="en-US" smtClean="0"/>
-              <a:t>8/23/2024</a:t>
+              <a:t>8/24/2024</a:t>
             </a:fld>
             <a:endParaRPr lang="en-US" dirty="0"/>
           </a:p>
@@ -2209,7 +2213,7 @@
           <a:p>
             <a:fld id="{E2F9AEDB-DA47-42B1-AA20-FA4193278BFB}" type="datetime1">
               <a:rPr lang="en-US" smtClean="0"/>
-              <a:t>8/23/2024</a:t>
+              <a:t>8/24/2024</a:t>
             </a:fld>
             <a:endParaRPr lang="en-US" dirty="0"/>
           </a:p>
@@ -2327,7 +2331,7 @@
           <a:p>
             <a:fld id="{76A3806D-CEFF-4C7C-B69E-E8C6C2135F0C}" type="datetime1">
               <a:rPr lang="en-US" smtClean="0"/>
-              <a:t>8/23/2024</a:t>
+              <a:t>8/24/2024</a:t>
             </a:fld>
             <a:endParaRPr lang="en-US" dirty="0"/>
           </a:p>
@@ -2422,7 +2426,7 @@
           <a:p>
             <a:fld id="{6C799852-6437-4F59-8BA4-BD526AE7B018}" type="datetime1">
               <a:rPr lang="en-US" smtClean="0"/>
-              <a:t>8/23/2024</a:t>
+              <a:t>8/24/2024</a:t>
             </a:fld>
             <a:endParaRPr lang="en-US" dirty="0"/>
           </a:p>
@@ -2710,7 +2714,7 @@
           <a:p>
             <a:fld id="{BF0EB050-0ECA-42EF-A435-70711370D85B}" type="datetime1">
               <a:rPr lang="en-US" smtClean="0"/>
-              <a:t>8/23/2024</a:t>
+              <a:t>8/24/2024</a:t>
             </a:fld>
             <a:endParaRPr lang="en-US" dirty="0"/>
           </a:p>
@@ -2983,7 +2987,7 @@
           <a:p>
             <a:fld id="{F4052ABD-58D4-4C9E-B1B8-CEC2AA8DBD93}" type="datetime1">
               <a:rPr lang="en-US" smtClean="0"/>
-              <a:t>8/23/2024</a:t>
+              <a:t>8/24/2024</a:t>
             </a:fld>
             <a:endParaRPr lang="en-US" dirty="0"/>
           </a:p>
@@ -3280,7 +3284,7 @@
           <a:p>
             <a:fld id="{C4EEF54E-F662-454E-AE7D-91A1E3F52308}" type="datetime1">
               <a:rPr lang="en-US" smtClean="0"/>
-              <a:t>8/23/2024</a:t>
+              <a:t>8/24/2024</a:t>
             </a:fld>
             <a:endParaRPr lang="en-US" dirty="0"/>
           </a:p>
@@ -4348,7 +4352,7 @@
         <p:spPr>
           <a:xfrm>
             <a:off x="60385" y="1123837"/>
-            <a:ext cx="3286664" cy="4601183"/>
+            <a:ext cx="3372928" cy="4601183"/>
           </a:xfrm>
         </p:spPr>
         <p:txBody>
@@ -4357,7 +4361,7 @@
           <a:p>
             <a:r>
               <a:rPr lang="fr-CH" dirty="0"/>
-              <a:t>Fondements théoriques - NLU</a:t>
+              <a:t>Fondements théoriques – NLU </a:t>
             </a:r>
           </a:p>
         </p:txBody>
@@ -4523,8 +4527,8 @@
         </p:nvSpPr>
         <p:spPr>
           <a:xfrm>
-            <a:off x="60385" y="1123837"/>
-            <a:ext cx="3286664" cy="4601183"/>
+            <a:off x="60384" y="1123837"/>
+            <a:ext cx="3390181" cy="4601183"/>
           </a:xfrm>
         </p:spPr>
         <p:txBody>
@@ -4533,7 +4537,7 @@
           <a:p>
             <a:r>
               <a:rPr lang="fr-CH" dirty="0"/>
-              <a:t>Fondements théoriques - NLU</a:t>
+              <a:t>Fondements théoriques – NLU </a:t>
             </a:r>
           </a:p>
         </p:txBody>
@@ -4788,8 +4792,8 @@
         </p:nvSpPr>
         <p:spPr>
           <a:xfrm>
-            <a:off x="60385" y="1123837"/>
-            <a:ext cx="3286664" cy="4601183"/>
+            <a:off x="60384" y="1123837"/>
+            <a:ext cx="3493699" cy="4601183"/>
           </a:xfrm>
         </p:spPr>
         <p:txBody>
@@ -4798,7 +4802,7 @@
           <a:p>
             <a:r>
               <a:rPr lang="fr-CH" dirty="0"/>
-              <a:t>Fondements théoriques - Rasa</a:t>
+              <a:t>Fondements théoriques – Rasa </a:t>
             </a:r>
           </a:p>
         </p:txBody>
@@ -4821,18 +4825,48 @@
         </p:nvSpPr>
         <p:spPr>
           <a:xfrm>
-            <a:off x="3869268" y="1712863"/>
-            <a:ext cx="7315200" cy="3388715"/>
+            <a:off x="3729310" y="1730070"/>
+            <a:ext cx="4370541" cy="3388715"/>
           </a:xfrm>
         </p:spPr>
         <p:txBody>
-          <a:bodyPr/>
+          <a:bodyPr>
+            <a:normAutofit/>
+          </a:bodyPr>
           <a:lstStyle/>
           <a:p>
             <a:pPr marL="0" indent="0">
               <a:buNone/>
             </a:pPr>
-            <a:endParaRPr lang="fr-CH" dirty="0"/>
+            <a:r>
+              <a:rPr lang="fr-CH" sz="2800" b="1" dirty="0">
+                <a:latin typeface="+mj-lt"/>
+              </a:rPr>
+              <a:t>Qu’est-ce ?</a:t>
+            </a:r>
+          </a:p>
+          <a:p>
+            <a:pPr marL="0" indent="0">
+              <a:buNone/>
+            </a:pPr>
+            <a:r>
+              <a:rPr lang="fr-CH" dirty="0">
+                <a:latin typeface="+mj-lt"/>
+              </a:rPr>
+              <a:t>Un </a:t>
+            </a:r>
+            <a:r>
+              <a:rPr lang="fr-CH" dirty="0" err="1">
+                <a:latin typeface="+mj-lt"/>
+              </a:rPr>
+              <a:t>framework</a:t>
+            </a:r>
+            <a:r>
+              <a:rPr lang="fr-CH" dirty="0">
+                <a:latin typeface="+mj-lt"/>
+              </a:rPr>
+              <a:t> ou boîte à outils pour la création de Chatbots conversationnels en Python</a:t>
+            </a:r>
           </a:p>
         </p:txBody>
       </p:sp>
@@ -4892,6 +4926,80 @@
               <a:t>12</a:t>
             </a:fld>
             <a:endParaRPr lang="en-US" dirty="0"/>
+          </a:p>
+        </p:txBody>
+      </p:sp>
+      <p:pic>
+        <p:nvPicPr>
+          <p:cNvPr id="9" name="Image 8" descr="Une image contenant Graphique, capture d’écran, violet, Caractère coloré&#10;&#10;Description générée automatiquement">
+            <a:extLst>
+              <a:ext uri="{FF2B5EF4-FFF2-40B4-BE49-F238E27FC236}">
+                <a16:creationId xmlns:a16="http://schemas.microsoft.com/office/drawing/2014/main" id="{6860948F-7631-75DE-5A2A-BB8DDBC0C101}"/>
+              </a:ext>
+            </a:extLst>
+          </p:cNvPr>
+          <p:cNvPicPr>
+            <a:picLocks noChangeAspect="1"/>
+          </p:cNvPicPr>
+          <p:nvPr/>
+        </p:nvPicPr>
+        <p:blipFill>
+          <a:blip r:embed="rId2"/>
+          <a:stretch>
+            <a:fillRect/>
+          </a:stretch>
+        </p:blipFill>
+        <p:spPr>
+          <a:xfrm>
+            <a:off x="8099851" y="2529031"/>
+            <a:ext cx="3683189" cy="1790792"/>
+          </a:xfrm>
+          <a:prstGeom prst="rect">
+            <a:avLst/>
+          </a:prstGeom>
+        </p:spPr>
+      </p:pic>
+      <p:sp>
+        <p:nvSpPr>
+          <p:cNvPr id="10" name="ZoneTexte 9">
+            <a:extLst>
+              <a:ext uri="{FF2B5EF4-FFF2-40B4-BE49-F238E27FC236}">
+                <a16:creationId xmlns:a16="http://schemas.microsoft.com/office/drawing/2014/main" id="{3CCCE5A8-06F2-7D49-90E9-2249C97235AC}"/>
+              </a:ext>
+            </a:extLst>
+          </p:cNvPr>
+          <p:cNvSpPr txBox="1"/>
+          <p:nvPr/>
+        </p:nvSpPr>
+        <p:spPr>
+          <a:xfrm>
+            <a:off x="9084362" y="4092296"/>
+            <a:ext cx="1997127" cy="307777"/>
+          </a:xfrm>
+          <a:prstGeom prst="rect">
+            <a:avLst/>
+          </a:prstGeom>
+          <a:noFill/>
+        </p:spPr>
+        <p:txBody>
+          <a:bodyPr wrap="square" rtlCol="0">
+            <a:spAutoFit/>
+          </a:bodyPr>
+          <a:lstStyle/>
+          <a:p>
+            <a:r>
+              <a:rPr lang="fr-CH" sz="1400" dirty="0">
+                <a:solidFill>
+                  <a:schemeClr val="accent4"/>
+                </a:solidFill>
+              </a:rPr>
+              <a:t>Source: Rasa.com</a:t>
+            </a:r>
+            <a:endParaRPr lang="fr-CH" sz="1400" i="1" dirty="0">
+              <a:solidFill>
+                <a:schemeClr val="accent4"/>
+              </a:solidFill>
+            </a:endParaRPr>
           </a:p>
         </p:txBody>
       </p:sp>
@@ -4930,6 +5038,1482 @@
           <p:cNvPr id="2" name="Titre 1">
             <a:extLst>
               <a:ext uri="{FF2B5EF4-FFF2-40B4-BE49-F238E27FC236}">
+                <a16:creationId xmlns:a16="http://schemas.microsoft.com/office/drawing/2014/main" id="{64CB46EB-D775-0ADD-C2CB-933B0912081C}"/>
+              </a:ext>
+            </a:extLst>
+          </p:cNvPr>
+          <p:cNvSpPr>
+            <a:spLocks noGrp="1"/>
+          </p:cNvSpPr>
+          <p:nvPr>
+            <p:ph type="title"/>
+          </p:nvPr>
+        </p:nvSpPr>
+        <p:spPr>
+          <a:xfrm>
+            <a:off x="60384" y="1123837"/>
+            <a:ext cx="3528205" cy="4601183"/>
+          </a:xfrm>
+        </p:spPr>
+        <p:txBody>
+          <a:bodyPr/>
+          <a:lstStyle/>
+          <a:p>
+            <a:r>
+              <a:rPr lang="fr-CH" dirty="0"/>
+              <a:t>Fondements théoriques – Rasa </a:t>
+            </a:r>
+          </a:p>
+        </p:txBody>
+      </p:sp>
+      <p:sp>
+        <p:nvSpPr>
+          <p:cNvPr id="3" name="Espace réservé du contenu 2">
+            <a:extLst>
+              <a:ext uri="{FF2B5EF4-FFF2-40B4-BE49-F238E27FC236}">
+                <a16:creationId xmlns:a16="http://schemas.microsoft.com/office/drawing/2014/main" id="{1720EA06-7A2D-8774-FBC9-EC668D4A35A6}"/>
+              </a:ext>
+            </a:extLst>
+          </p:cNvPr>
+          <p:cNvSpPr>
+            <a:spLocks noGrp="1"/>
+          </p:cNvSpPr>
+          <p:nvPr>
+            <p:ph idx="1"/>
+          </p:nvPr>
+        </p:nvSpPr>
+        <p:spPr>
+          <a:xfrm>
+            <a:off x="3794624" y="778348"/>
+            <a:ext cx="6255150" cy="2646080"/>
+          </a:xfrm>
+        </p:spPr>
+        <p:txBody>
+          <a:bodyPr>
+            <a:normAutofit/>
+          </a:bodyPr>
+          <a:lstStyle/>
+          <a:p>
+            <a:pPr marL="0" indent="0">
+              <a:buNone/>
+            </a:pPr>
+            <a:r>
+              <a:rPr lang="fr-CH" sz="2800" b="1" dirty="0">
+                <a:latin typeface="+mj-lt"/>
+              </a:rPr>
+              <a:t>Services disponibles</a:t>
+            </a:r>
+          </a:p>
+          <a:p>
+            <a:pPr>
+              <a:buFont typeface="Arial" panose="020B0604020202020204" pitchFamily="34" charset="0"/>
+              <a:buChar char="•"/>
+            </a:pPr>
+            <a:r>
+              <a:rPr lang="fr-CH" dirty="0"/>
+              <a:t>Rasa </a:t>
+            </a:r>
+            <a:r>
+              <a:rPr lang="fr-CH" dirty="0" err="1"/>
+              <a:t>OpenSource</a:t>
+            </a:r>
+            <a:r>
+              <a:rPr lang="fr-CH" dirty="0"/>
+              <a:t> – Framework</a:t>
+            </a:r>
+          </a:p>
+          <a:p>
+            <a:pPr>
+              <a:buFont typeface="Arial" panose="020B0604020202020204" pitchFamily="34" charset="0"/>
+              <a:buChar char="•"/>
+            </a:pPr>
+            <a:r>
+              <a:rPr lang="fr-CH" dirty="0"/>
+              <a:t>Rasa X – Interface utilisateur pour manipuler le bot</a:t>
+            </a:r>
+          </a:p>
+          <a:p>
+            <a:pPr>
+              <a:buFont typeface="Arial" panose="020B0604020202020204" pitchFamily="34" charset="0"/>
+              <a:buChar char="•"/>
+            </a:pPr>
+            <a:r>
+              <a:rPr lang="fr-CH" dirty="0"/>
+              <a:t>Rasa Pro – Service proposant un complément d’IA comme intégration d’</a:t>
+            </a:r>
+            <a:r>
+              <a:rPr lang="fr-CH" dirty="0" err="1"/>
+              <a:t>OpenAI</a:t>
+            </a:r>
+            <a:r>
+              <a:rPr lang="fr-CH" dirty="0"/>
+              <a:t> par ex.</a:t>
+            </a:r>
+          </a:p>
+        </p:txBody>
+      </p:sp>
+      <p:sp>
+        <p:nvSpPr>
+          <p:cNvPr id="4" name="Espace réservé du pied de page 3">
+            <a:extLst>
+              <a:ext uri="{FF2B5EF4-FFF2-40B4-BE49-F238E27FC236}">
+                <a16:creationId xmlns:a16="http://schemas.microsoft.com/office/drawing/2014/main" id="{AE8E29F7-A8D9-B247-62A1-EE62F1806F60}"/>
+              </a:ext>
+            </a:extLst>
+          </p:cNvPr>
+          <p:cNvSpPr>
+            <a:spLocks noGrp="1"/>
+          </p:cNvSpPr>
+          <p:nvPr>
+            <p:ph type="ftr" sz="quarter" idx="11"/>
+          </p:nvPr>
+        </p:nvSpPr>
+        <p:spPr/>
+        <p:txBody>
+          <a:bodyPr/>
+          <a:lstStyle/>
+          <a:p>
+            <a:r>
+              <a:rPr lang="fr-CH"/>
+              <a:t>Présentation BA - Chatbot Réservation - Rodrigues dos Santos Fabio</a:t>
+            </a:r>
+            <a:endParaRPr lang="en-US" dirty="0"/>
+          </a:p>
+        </p:txBody>
+      </p:sp>
+      <p:sp>
+        <p:nvSpPr>
+          <p:cNvPr id="5" name="Espace réservé du numéro de diapositive 4">
+            <a:extLst>
+              <a:ext uri="{FF2B5EF4-FFF2-40B4-BE49-F238E27FC236}">
+                <a16:creationId xmlns:a16="http://schemas.microsoft.com/office/drawing/2014/main" id="{8C402CA1-2104-9FE9-E0B5-D0086A3DC965}"/>
+              </a:ext>
+            </a:extLst>
+          </p:cNvPr>
+          <p:cNvSpPr>
+            <a:spLocks noGrp="1"/>
+          </p:cNvSpPr>
+          <p:nvPr>
+            <p:ph type="sldNum" sz="quarter" idx="12"/>
+          </p:nvPr>
+        </p:nvSpPr>
+        <p:spPr/>
+        <p:txBody>
+          <a:bodyPr/>
+          <a:lstStyle/>
+          <a:p>
+            <a:fld id="{4FAB73BC-B049-4115-A692-8D63A059BFB8}" type="slidenum">
+              <a:rPr lang="en-US" smtClean="0"/>
+              <a:pPr/>
+              <a:t>13</a:t>
+            </a:fld>
+            <a:endParaRPr lang="en-US" dirty="0"/>
+          </a:p>
+        </p:txBody>
+      </p:sp>
+      <p:pic>
+        <p:nvPicPr>
+          <p:cNvPr id="7" name="Image 6" descr="Une image contenant texte, capture d’écran, Police, logo&#10;&#10;Description générée automatiquement">
+            <a:extLst>
+              <a:ext uri="{FF2B5EF4-FFF2-40B4-BE49-F238E27FC236}">
+                <a16:creationId xmlns:a16="http://schemas.microsoft.com/office/drawing/2014/main" id="{1324135E-10B6-B6F1-4C1E-18F0A9C53EEB}"/>
+              </a:ext>
+            </a:extLst>
+          </p:cNvPr>
+          <p:cNvPicPr>
+            <a:picLocks noChangeAspect="1"/>
+          </p:cNvPicPr>
+          <p:nvPr/>
+        </p:nvPicPr>
+        <p:blipFill>
+          <a:blip r:embed="rId2"/>
+          <a:stretch>
+            <a:fillRect/>
+          </a:stretch>
+        </p:blipFill>
+        <p:spPr>
+          <a:xfrm>
+            <a:off x="3993031" y="3424428"/>
+            <a:ext cx="7100394" cy="2379387"/>
+          </a:xfrm>
+          <a:prstGeom prst="rect">
+            <a:avLst/>
+          </a:prstGeom>
+        </p:spPr>
+      </p:pic>
+      <p:sp>
+        <p:nvSpPr>
+          <p:cNvPr id="8" name="ZoneTexte 7">
+            <a:extLst>
+              <a:ext uri="{FF2B5EF4-FFF2-40B4-BE49-F238E27FC236}">
+                <a16:creationId xmlns:a16="http://schemas.microsoft.com/office/drawing/2014/main" id="{CE5155F2-AFAF-E238-AF34-CC2A8B2F3A27}"/>
+              </a:ext>
+            </a:extLst>
+          </p:cNvPr>
+          <p:cNvSpPr txBox="1"/>
+          <p:nvPr/>
+        </p:nvSpPr>
+        <p:spPr>
+          <a:xfrm>
+            <a:off x="6771186" y="5898344"/>
+            <a:ext cx="1544084" cy="307777"/>
+          </a:xfrm>
+          <a:prstGeom prst="rect">
+            <a:avLst/>
+          </a:prstGeom>
+          <a:noFill/>
+        </p:spPr>
+        <p:txBody>
+          <a:bodyPr wrap="square" rtlCol="0">
+            <a:spAutoFit/>
+          </a:bodyPr>
+          <a:lstStyle/>
+          <a:p>
+            <a:r>
+              <a:rPr lang="fr-CH" sz="1400" dirty="0">
+                <a:solidFill>
+                  <a:schemeClr val="accent4"/>
+                </a:solidFill>
+              </a:rPr>
+              <a:t>Source: Rasa.com</a:t>
+            </a:r>
+            <a:endParaRPr lang="fr-CH" sz="1400" i="1" dirty="0">
+              <a:solidFill>
+                <a:schemeClr val="accent4"/>
+              </a:solidFill>
+            </a:endParaRPr>
+          </a:p>
+        </p:txBody>
+      </p:sp>
+    </p:spTree>
+    <p:extLst>
+      <p:ext uri="{BB962C8B-B14F-4D97-AF65-F5344CB8AC3E}">
+        <p14:creationId xmlns:p14="http://schemas.microsoft.com/office/powerpoint/2010/main" val="1092076491"/>
+      </p:ext>
+    </p:extLst>
+  </p:cSld>
+  <p:clrMapOvr>
+    <a:masterClrMapping/>
+  </p:clrMapOvr>
+</p:sld>
+</file>
+
+<file path=ppt/slides/slide14.xml><?xml version="1.0" encoding="utf-8"?>
+<p:sld xmlns:a="http://schemas.openxmlformats.org/drawingml/2006/main" xmlns:r="http://schemas.openxmlformats.org/officeDocument/2006/relationships" xmlns:p="http://schemas.openxmlformats.org/presentationml/2006/main">
+  <p:cSld>
+    <p:spTree>
+      <p:nvGrpSpPr>
+        <p:cNvPr id="1" name=""/>
+        <p:cNvGrpSpPr/>
+        <p:nvPr/>
+      </p:nvGrpSpPr>
+      <p:grpSpPr>
+        <a:xfrm>
+          <a:off x="0" y="0"/>
+          <a:ext cx="0" cy="0"/>
+          <a:chOff x="0" y="0"/>
+          <a:chExt cx="0" cy="0"/>
+        </a:xfrm>
+      </p:grpSpPr>
+      <p:sp>
+        <p:nvSpPr>
+          <p:cNvPr id="2" name="Titre 1">
+            <a:extLst>
+              <a:ext uri="{FF2B5EF4-FFF2-40B4-BE49-F238E27FC236}">
+                <a16:creationId xmlns:a16="http://schemas.microsoft.com/office/drawing/2014/main" id="{64CB46EB-D775-0ADD-C2CB-933B0912081C}"/>
+              </a:ext>
+            </a:extLst>
+          </p:cNvPr>
+          <p:cNvSpPr>
+            <a:spLocks noGrp="1"/>
+          </p:cNvSpPr>
+          <p:nvPr>
+            <p:ph type="title"/>
+          </p:nvPr>
+        </p:nvSpPr>
+        <p:spPr>
+          <a:xfrm>
+            <a:off x="60384" y="1123837"/>
+            <a:ext cx="3519577" cy="4601183"/>
+          </a:xfrm>
+        </p:spPr>
+        <p:txBody>
+          <a:bodyPr/>
+          <a:lstStyle/>
+          <a:p>
+            <a:r>
+              <a:rPr lang="fr-CH" dirty="0"/>
+              <a:t>Fondements théoriques – Rasa</a:t>
+            </a:r>
+          </a:p>
+        </p:txBody>
+      </p:sp>
+      <p:sp>
+        <p:nvSpPr>
+          <p:cNvPr id="3" name="Espace réservé du contenu 2">
+            <a:extLst>
+              <a:ext uri="{FF2B5EF4-FFF2-40B4-BE49-F238E27FC236}">
+                <a16:creationId xmlns:a16="http://schemas.microsoft.com/office/drawing/2014/main" id="{1720EA06-7A2D-8774-FBC9-EC668D4A35A6}"/>
+              </a:ext>
+            </a:extLst>
+          </p:cNvPr>
+          <p:cNvSpPr>
+            <a:spLocks noGrp="1"/>
+          </p:cNvSpPr>
+          <p:nvPr>
+            <p:ph idx="1"/>
+          </p:nvPr>
+        </p:nvSpPr>
+        <p:spPr>
+          <a:xfrm>
+            <a:off x="3579961" y="1202753"/>
+            <a:ext cx="3519577" cy="4083584"/>
+          </a:xfrm>
+        </p:spPr>
+        <p:txBody>
+          <a:bodyPr>
+            <a:normAutofit fontScale="92500" lnSpcReduction="10000"/>
+          </a:bodyPr>
+          <a:lstStyle/>
+          <a:p>
+            <a:pPr marL="0" indent="0">
+              <a:buNone/>
+            </a:pPr>
+            <a:r>
+              <a:rPr lang="fr-CH" sz="3400" b="1" dirty="0">
+                <a:latin typeface="+mj-lt"/>
+              </a:rPr>
+              <a:t>Structure</a:t>
+            </a:r>
+            <a:endParaRPr lang="fr-CH" sz="2800" b="1" dirty="0">
+              <a:latin typeface="+mj-lt"/>
+            </a:endParaRPr>
+          </a:p>
+          <a:p>
+            <a:pPr marL="0" indent="0">
+              <a:buNone/>
+            </a:pPr>
+            <a:r>
+              <a:rPr lang="fr-CH" sz="2400" dirty="0">
+                <a:latin typeface="+mj-lt"/>
+              </a:rPr>
+              <a:t>4 composants principaux</a:t>
+            </a:r>
+            <a:endParaRPr lang="fr-CH" sz="2600" dirty="0">
+              <a:latin typeface="+mj-lt"/>
+            </a:endParaRPr>
+          </a:p>
+          <a:p>
+            <a:pPr>
+              <a:buFont typeface="Arial" panose="020B0604020202020204" pitchFamily="34" charset="0"/>
+              <a:buChar char="•"/>
+            </a:pPr>
+            <a:r>
+              <a:rPr lang="fr-CH" b="1" dirty="0"/>
+              <a:t>Rasa </a:t>
+            </a:r>
+            <a:r>
+              <a:rPr lang="fr-CH" b="1" dirty="0" err="1"/>
+              <a:t>Core</a:t>
+            </a:r>
+            <a:r>
+              <a:rPr lang="fr-CH" b="1" dirty="0"/>
+              <a:t> </a:t>
+            </a:r>
+            <a:r>
+              <a:rPr lang="fr-CH" kern="1200" dirty="0">
+                <a:solidFill>
+                  <a:srgbClr val="595959"/>
+                </a:solidFill>
+                <a:effectLst/>
+                <a:ea typeface="+mn-ea"/>
+                <a:cs typeface="+mn-cs"/>
+              </a:rPr>
+              <a:t>– Logique conversationnelle</a:t>
+            </a:r>
+          </a:p>
+          <a:p>
+            <a:pPr>
+              <a:buFont typeface="Arial" panose="020B0604020202020204" pitchFamily="34" charset="0"/>
+              <a:buChar char="•"/>
+            </a:pPr>
+            <a:r>
+              <a:rPr lang="fr-CH" b="1" dirty="0"/>
+              <a:t>Rasa NLU </a:t>
+            </a:r>
+            <a:r>
+              <a:rPr lang="fr-CH" dirty="0"/>
+              <a:t>– Logique d’extraction d’entités et d’</a:t>
+            </a:r>
+            <a:r>
+              <a:rPr lang="fr-CH" dirty="0" err="1"/>
+              <a:t>intents</a:t>
+            </a:r>
+            <a:endParaRPr lang="fr-CH" dirty="0"/>
+          </a:p>
+          <a:p>
+            <a:pPr>
+              <a:buFont typeface="Arial" panose="020B0604020202020204" pitchFamily="34" charset="0"/>
+              <a:buChar char="•"/>
+            </a:pPr>
+            <a:r>
+              <a:rPr lang="fr-CH" b="1" dirty="0"/>
+              <a:t>Rasa Action Server </a:t>
+            </a:r>
+            <a:r>
+              <a:rPr lang="fr-CH" kern="1200" dirty="0">
+                <a:solidFill>
+                  <a:srgbClr val="595959"/>
+                </a:solidFill>
+                <a:effectLst/>
+                <a:ea typeface="+mn-ea"/>
+                <a:cs typeface="+mn-cs"/>
+              </a:rPr>
+              <a:t>– Code Python interagissant avec les composants externes à Rasa</a:t>
+            </a:r>
+          </a:p>
+          <a:p>
+            <a:pPr>
+              <a:buFont typeface="Arial" panose="020B0604020202020204" pitchFamily="34" charset="0"/>
+              <a:buChar char="•"/>
+            </a:pPr>
+            <a:r>
+              <a:rPr lang="fr-CH" b="1" dirty="0">
+                <a:solidFill>
+                  <a:srgbClr val="595959"/>
+                </a:solidFill>
+              </a:rPr>
+              <a:t>Rasa Agent </a:t>
+            </a:r>
+            <a:r>
+              <a:rPr lang="fr-CH" dirty="0">
+                <a:solidFill>
+                  <a:srgbClr val="595959"/>
+                </a:solidFill>
+              </a:rPr>
+              <a:t>– Interface logicielle dans le but d’interagir avec ces composants</a:t>
+            </a:r>
+          </a:p>
+        </p:txBody>
+      </p:sp>
+      <p:sp>
+        <p:nvSpPr>
+          <p:cNvPr id="4" name="Espace réservé du pied de page 3">
+            <a:extLst>
+              <a:ext uri="{FF2B5EF4-FFF2-40B4-BE49-F238E27FC236}">
+                <a16:creationId xmlns:a16="http://schemas.microsoft.com/office/drawing/2014/main" id="{AE8E29F7-A8D9-B247-62A1-EE62F1806F60}"/>
+              </a:ext>
+            </a:extLst>
+          </p:cNvPr>
+          <p:cNvSpPr>
+            <a:spLocks noGrp="1"/>
+          </p:cNvSpPr>
+          <p:nvPr>
+            <p:ph type="ftr" sz="quarter" idx="11"/>
+          </p:nvPr>
+        </p:nvSpPr>
+        <p:spPr/>
+        <p:txBody>
+          <a:bodyPr/>
+          <a:lstStyle/>
+          <a:p>
+            <a:r>
+              <a:rPr lang="fr-CH"/>
+              <a:t>Présentation BA - Chatbot Réservation - Rodrigues dos Santos Fabio</a:t>
+            </a:r>
+            <a:endParaRPr lang="en-US" dirty="0"/>
+          </a:p>
+        </p:txBody>
+      </p:sp>
+      <p:sp>
+        <p:nvSpPr>
+          <p:cNvPr id="5" name="Espace réservé du numéro de diapositive 4">
+            <a:extLst>
+              <a:ext uri="{FF2B5EF4-FFF2-40B4-BE49-F238E27FC236}">
+                <a16:creationId xmlns:a16="http://schemas.microsoft.com/office/drawing/2014/main" id="{8C402CA1-2104-9FE9-E0B5-D0086A3DC965}"/>
+              </a:ext>
+            </a:extLst>
+          </p:cNvPr>
+          <p:cNvSpPr>
+            <a:spLocks noGrp="1"/>
+          </p:cNvSpPr>
+          <p:nvPr>
+            <p:ph type="sldNum" sz="quarter" idx="12"/>
+          </p:nvPr>
+        </p:nvSpPr>
+        <p:spPr/>
+        <p:txBody>
+          <a:bodyPr/>
+          <a:lstStyle/>
+          <a:p>
+            <a:fld id="{4FAB73BC-B049-4115-A692-8D63A059BFB8}" type="slidenum">
+              <a:rPr lang="en-US" smtClean="0"/>
+              <a:pPr/>
+              <a:t>14</a:t>
+            </a:fld>
+            <a:endParaRPr lang="en-US" dirty="0"/>
+          </a:p>
+        </p:txBody>
+      </p:sp>
+      <p:sp>
+        <p:nvSpPr>
+          <p:cNvPr id="8" name="ZoneTexte 7">
+            <a:extLst>
+              <a:ext uri="{FF2B5EF4-FFF2-40B4-BE49-F238E27FC236}">
+                <a16:creationId xmlns:a16="http://schemas.microsoft.com/office/drawing/2014/main" id="{7F0A190D-8D24-C1A1-BB8F-89DEFB87EE4C}"/>
+              </a:ext>
+            </a:extLst>
+          </p:cNvPr>
+          <p:cNvSpPr txBox="1"/>
+          <p:nvPr/>
+        </p:nvSpPr>
+        <p:spPr>
+          <a:xfrm>
+            <a:off x="8637008" y="4763606"/>
+            <a:ext cx="1997127" cy="307777"/>
+          </a:xfrm>
+          <a:prstGeom prst="rect">
+            <a:avLst/>
+          </a:prstGeom>
+          <a:noFill/>
+        </p:spPr>
+        <p:txBody>
+          <a:bodyPr wrap="square" rtlCol="0">
+            <a:spAutoFit/>
+          </a:bodyPr>
+          <a:lstStyle/>
+          <a:p>
+            <a:r>
+              <a:rPr lang="fr-CH" sz="1400" dirty="0">
+                <a:solidFill>
+                  <a:schemeClr val="accent4"/>
+                </a:solidFill>
+              </a:rPr>
+              <a:t>Source: Rasa.com</a:t>
+            </a:r>
+            <a:endParaRPr lang="fr-CH" sz="1400" i="1" dirty="0">
+              <a:solidFill>
+                <a:schemeClr val="accent4"/>
+              </a:solidFill>
+            </a:endParaRPr>
+          </a:p>
+        </p:txBody>
+      </p:sp>
+      <p:pic>
+        <p:nvPicPr>
+          <p:cNvPr id="6" name="Image 5" descr="Une image contenant texte, diagramme, capture d’écran, Plan&#10;&#10;Description générée automatiquement">
+            <a:extLst>
+              <a:ext uri="{FF2B5EF4-FFF2-40B4-BE49-F238E27FC236}">
+                <a16:creationId xmlns:a16="http://schemas.microsoft.com/office/drawing/2014/main" id="{C491D1B6-7857-79C3-3696-5A1EE69D40E3}"/>
+              </a:ext>
+            </a:extLst>
+          </p:cNvPr>
+          <p:cNvPicPr>
+            <a:picLocks noChangeAspect="1"/>
+          </p:cNvPicPr>
+          <p:nvPr/>
+        </p:nvPicPr>
+        <p:blipFill rotWithShape="1">
+          <a:blip r:embed="rId2"/>
+          <a:srcRect l="9231" t="631" r="3823" b="548"/>
+          <a:stretch/>
+        </p:blipFill>
+        <p:spPr>
+          <a:xfrm>
+            <a:off x="6737229" y="1202753"/>
+            <a:ext cx="4912100" cy="3560853"/>
+          </a:xfrm>
+          <a:prstGeom prst="rect">
+            <a:avLst/>
+          </a:prstGeom>
+        </p:spPr>
+      </p:pic>
+    </p:spTree>
+    <p:extLst>
+      <p:ext uri="{BB962C8B-B14F-4D97-AF65-F5344CB8AC3E}">
+        <p14:creationId xmlns:p14="http://schemas.microsoft.com/office/powerpoint/2010/main" val="4094601274"/>
+      </p:ext>
+    </p:extLst>
+  </p:cSld>
+  <p:clrMapOvr>
+    <a:masterClrMapping/>
+  </p:clrMapOvr>
+</p:sld>
+</file>
+
+<file path=ppt/slides/slide15.xml><?xml version="1.0" encoding="utf-8"?>
+<p:sld xmlns:a="http://schemas.openxmlformats.org/drawingml/2006/main" xmlns:r="http://schemas.openxmlformats.org/officeDocument/2006/relationships" xmlns:p="http://schemas.openxmlformats.org/presentationml/2006/main">
+  <p:cSld>
+    <p:spTree>
+      <p:nvGrpSpPr>
+        <p:cNvPr id="1" name=""/>
+        <p:cNvGrpSpPr/>
+        <p:nvPr/>
+      </p:nvGrpSpPr>
+      <p:grpSpPr>
+        <a:xfrm>
+          <a:off x="0" y="0"/>
+          <a:ext cx="0" cy="0"/>
+          <a:chOff x="0" y="0"/>
+          <a:chExt cx="0" cy="0"/>
+        </a:xfrm>
+      </p:grpSpPr>
+      <p:sp>
+        <p:nvSpPr>
+          <p:cNvPr id="2" name="Titre 1">
+            <a:extLst>
+              <a:ext uri="{FF2B5EF4-FFF2-40B4-BE49-F238E27FC236}">
+                <a16:creationId xmlns:a16="http://schemas.microsoft.com/office/drawing/2014/main" id="{64CB46EB-D775-0ADD-C2CB-933B0912081C}"/>
+              </a:ext>
+            </a:extLst>
+          </p:cNvPr>
+          <p:cNvSpPr>
+            <a:spLocks noGrp="1"/>
+          </p:cNvSpPr>
+          <p:nvPr>
+            <p:ph type="title"/>
+          </p:nvPr>
+        </p:nvSpPr>
+        <p:spPr>
+          <a:xfrm>
+            <a:off x="60384" y="1123837"/>
+            <a:ext cx="3519578" cy="4601183"/>
+          </a:xfrm>
+        </p:spPr>
+        <p:txBody>
+          <a:bodyPr/>
+          <a:lstStyle/>
+          <a:p>
+            <a:r>
+              <a:rPr lang="fr-CH" dirty="0"/>
+              <a:t>Fondements théoriques – Rasa</a:t>
+            </a:r>
+          </a:p>
+        </p:txBody>
+      </p:sp>
+      <p:sp>
+        <p:nvSpPr>
+          <p:cNvPr id="4" name="Espace réservé du pied de page 3">
+            <a:extLst>
+              <a:ext uri="{FF2B5EF4-FFF2-40B4-BE49-F238E27FC236}">
+                <a16:creationId xmlns:a16="http://schemas.microsoft.com/office/drawing/2014/main" id="{AE8E29F7-A8D9-B247-62A1-EE62F1806F60}"/>
+              </a:ext>
+            </a:extLst>
+          </p:cNvPr>
+          <p:cNvSpPr>
+            <a:spLocks noGrp="1"/>
+          </p:cNvSpPr>
+          <p:nvPr>
+            <p:ph type="ftr" sz="quarter" idx="11"/>
+          </p:nvPr>
+        </p:nvSpPr>
+        <p:spPr/>
+        <p:txBody>
+          <a:bodyPr/>
+          <a:lstStyle/>
+          <a:p>
+            <a:r>
+              <a:rPr lang="fr-CH"/>
+              <a:t>Présentation BA - Chatbot Réservation - Rodrigues dos Santos Fabio</a:t>
+            </a:r>
+            <a:endParaRPr lang="en-US" dirty="0"/>
+          </a:p>
+        </p:txBody>
+      </p:sp>
+      <p:sp>
+        <p:nvSpPr>
+          <p:cNvPr id="5" name="Espace réservé du numéro de diapositive 4">
+            <a:extLst>
+              <a:ext uri="{FF2B5EF4-FFF2-40B4-BE49-F238E27FC236}">
+                <a16:creationId xmlns:a16="http://schemas.microsoft.com/office/drawing/2014/main" id="{8C402CA1-2104-9FE9-E0B5-D0086A3DC965}"/>
+              </a:ext>
+            </a:extLst>
+          </p:cNvPr>
+          <p:cNvSpPr>
+            <a:spLocks noGrp="1"/>
+          </p:cNvSpPr>
+          <p:nvPr>
+            <p:ph type="sldNum" sz="quarter" idx="12"/>
+          </p:nvPr>
+        </p:nvSpPr>
+        <p:spPr/>
+        <p:txBody>
+          <a:bodyPr/>
+          <a:lstStyle/>
+          <a:p>
+            <a:fld id="{4FAB73BC-B049-4115-A692-8D63A059BFB8}" type="slidenum">
+              <a:rPr lang="en-US" smtClean="0"/>
+              <a:pPr/>
+              <a:t>15</a:t>
+            </a:fld>
+            <a:endParaRPr lang="en-US" dirty="0"/>
+          </a:p>
+        </p:txBody>
+      </p:sp>
+      <p:sp>
+        <p:nvSpPr>
+          <p:cNvPr id="12" name="Espace réservé du contenu 11">
+            <a:extLst>
+              <a:ext uri="{FF2B5EF4-FFF2-40B4-BE49-F238E27FC236}">
+                <a16:creationId xmlns:a16="http://schemas.microsoft.com/office/drawing/2014/main" id="{8F1EC90A-EEB7-D5F1-EB19-04D070274275}"/>
+              </a:ext>
+            </a:extLst>
+          </p:cNvPr>
+          <p:cNvSpPr>
+            <a:spLocks noGrp="1"/>
+          </p:cNvSpPr>
+          <p:nvPr>
+            <p:ph idx="1"/>
+          </p:nvPr>
+        </p:nvSpPr>
+        <p:spPr/>
+        <p:txBody>
+          <a:bodyPr>
+            <a:normAutofit/>
+          </a:bodyPr>
+          <a:lstStyle/>
+          <a:p>
+            <a:pPr marL="0" indent="0">
+              <a:buNone/>
+            </a:pPr>
+            <a:r>
+              <a:rPr lang="fr-CH" sz="3400" b="1" dirty="0">
+                <a:latin typeface="+mj-lt"/>
+              </a:rPr>
+              <a:t>Fonctionnement</a:t>
+            </a:r>
+            <a:endParaRPr lang="fr-CH" sz="3200" dirty="0">
+              <a:latin typeface="+mj-lt"/>
+            </a:endParaRPr>
+          </a:p>
+          <a:p>
+            <a:pPr marL="0" indent="0">
+              <a:buNone/>
+            </a:pPr>
+            <a:r>
+              <a:rPr lang="fr-CH" sz="2400" dirty="0">
+                <a:latin typeface="+mj-lt"/>
+              </a:rPr>
+              <a:t>Les éléments suivants sont centraux à la réalisation d’un bot Rasa</a:t>
+            </a:r>
+          </a:p>
+          <a:p>
+            <a:pPr>
+              <a:buFont typeface="Arial" panose="020B0604020202020204" pitchFamily="34" charset="0"/>
+              <a:buChar char="•"/>
+            </a:pPr>
+            <a:r>
+              <a:rPr lang="fr-CH" dirty="0">
+                <a:latin typeface="+mj-lt"/>
+              </a:rPr>
+              <a:t>Stories – Suites d’actions représentant un chemin de conversation</a:t>
+            </a:r>
+          </a:p>
+          <a:p>
+            <a:pPr>
+              <a:buFont typeface="Arial" panose="020B0604020202020204" pitchFamily="34" charset="0"/>
+              <a:buChar char="•"/>
+            </a:pPr>
+            <a:r>
+              <a:rPr lang="fr-CH" dirty="0">
+                <a:latin typeface="+mj-lt"/>
+              </a:rPr>
+              <a:t>Slots – Variables conversationnelles</a:t>
+            </a:r>
+          </a:p>
+          <a:p>
+            <a:pPr>
+              <a:buFont typeface="Arial" panose="020B0604020202020204" pitchFamily="34" charset="0"/>
+              <a:buChar char="•"/>
+            </a:pPr>
+            <a:r>
+              <a:rPr lang="fr-CH" dirty="0">
+                <a:latin typeface="+mj-lt"/>
+              </a:rPr>
+              <a:t>Actions – Suites d’instructions pouvant interagir avec des composants externes ou internes</a:t>
+            </a:r>
+          </a:p>
+          <a:p>
+            <a:pPr>
+              <a:buFont typeface="Arial" panose="020B0604020202020204" pitchFamily="34" charset="0"/>
+              <a:buChar char="•"/>
+            </a:pPr>
+            <a:r>
+              <a:rPr lang="fr-CH" dirty="0">
+                <a:latin typeface="+mj-lt"/>
+              </a:rPr>
+              <a:t>Entités – Informations récupérées selon paternes spécifiés</a:t>
+            </a:r>
+          </a:p>
+          <a:p>
+            <a:pPr>
+              <a:buFont typeface="Arial" panose="020B0604020202020204" pitchFamily="34" charset="0"/>
+              <a:buChar char="•"/>
+            </a:pPr>
+            <a:r>
+              <a:rPr lang="fr-CH" dirty="0" err="1">
+                <a:latin typeface="+mj-lt"/>
+              </a:rPr>
+              <a:t>Intents</a:t>
+            </a:r>
+            <a:r>
+              <a:rPr lang="fr-CH" dirty="0">
+                <a:latin typeface="+mj-lt"/>
+              </a:rPr>
+              <a:t> – Catégorisation des possibles entrées utilisateur</a:t>
+            </a:r>
+          </a:p>
+          <a:p>
+            <a:pPr marL="0" indent="0">
+              <a:buNone/>
+            </a:pPr>
+            <a:endParaRPr lang="fr-CH" dirty="0">
+              <a:latin typeface="+mj-lt"/>
+            </a:endParaRPr>
+          </a:p>
+        </p:txBody>
+      </p:sp>
+    </p:spTree>
+    <p:extLst>
+      <p:ext uri="{BB962C8B-B14F-4D97-AF65-F5344CB8AC3E}">
+        <p14:creationId xmlns:p14="http://schemas.microsoft.com/office/powerpoint/2010/main" val="931857188"/>
+      </p:ext>
+    </p:extLst>
+  </p:cSld>
+  <p:clrMapOvr>
+    <a:masterClrMapping/>
+  </p:clrMapOvr>
+</p:sld>
+</file>
+
+<file path=ppt/slides/slide16.xml><?xml version="1.0" encoding="utf-8"?>
+<p:sld xmlns:a="http://schemas.openxmlformats.org/drawingml/2006/main" xmlns:r="http://schemas.openxmlformats.org/officeDocument/2006/relationships" xmlns:p="http://schemas.openxmlformats.org/presentationml/2006/main">
+  <p:cSld>
+    <p:spTree>
+      <p:nvGrpSpPr>
+        <p:cNvPr id="1" name=""/>
+        <p:cNvGrpSpPr/>
+        <p:nvPr/>
+      </p:nvGrpSpPr>
+      <p:grpSpPr>
+        <a:xfrm>
+          <a:off x="0" y="0"/>
+          <a:ext cx="0" cy="0"/>
+          <a:chOff x="0" y="0"/>
+          <a:chExt cx="0" cy="0"/>
+        </a:xfrm>
+      </p:grpSpPr>
+      <p:sp>
+        <p:nvSpPr>
+          <p:cNvPr id="2" name="Titre 1">
+            <a:extLst>
+              <a:ext uri="{FF2B5EF4-FFF2-40B4-BE49-F238E27FC236}">
+                <a16:creationId xmlns:a16="http://schemas.microsoft.com/office/drawing/2014/main" id="{64CB46EB-D775-0ADD-C2CB-933B0912081C}"/>
+              </a:ext>
+            </a:extLst>
+          </p:cNvPr>
+          <p:cNvSpPr>
+            <a:spLocks noGrp="1"/>
+          </p:cNvSpPr>
+          <p:nvPr>
+            <p:ph type="title"/>
+          </p:nvPr>
+        </p:nvSpPr>
+        <p:spPr>
+          <a:xfrm>
+            <a:off x="60384" y="1123837"/>
+            <a:ext cx="3519578" cy="4601183"/>
+          </a:xfrm>
+        </p:spPr>
+        <p:txBody>
+          <a:bodyPr/>
+          <a:lstStyle/>
+          <a:p>
+            <a:r>
+              <a:rPr lang="fr-CH" dirty="0"/>
+              <a:t>Fondements théoriques – Rasa</a:t>
+            </a:r>
+          </a:p>
+        </p:txBody>
+      </p:sp>
+      <p:sp>
+        <p:nvSpPr>
+          <p:cNvPr id="4" name="Espace réservé du pied de page 3">
+            <a:extLst>
+              <a:ext uri="{FF2B5EF4-FFF2-40B4-BE49-F238E27FC236}">
+                <a16:creationId xmlns:a16="http://schemas.microsoft.com/office/drawing/2014/main" id="{AE8E29F7-A8D9-B247-62A1-EE62F1806F60}"/>
+              </a:ext>
+            </a:extLst>
+          </p:cNvPr>
+          <p:cNvSpPr>
+            <a:spLocks noGrp="1"/>
+          </p:cNvSpPr>
+          <p:nvPr>
+            <p:ph type="ftr" sz="quarter" idx="11"/>
+          </p:nvPr>
+        </p:nvSpPr>
+        <p:spPr/>
+        <p:txBody>
+          <a:bodyPr/>
+          <a:lstStyle/>
+          <a:p>
+            <a:r>
+              <a:rPr lang="fr-CH"/>
+              <a:t>Présentation BA - Chatbot Réservation - Rodrigues dos Santos Fabio</a:t>
+            </a:r>
+            <a:endParaRPr lang="en-US" dirty="0"/>
+          </a:p>
+        </p:txBody>
+      </p:sp>
+      <p:sp>
+        <p:nvSpPr>
+          <p:cNvPr id="5" name="Espace réservé du numéro de diapositive 4">
+            <a:extLst>
+              <a:ext uri="{FF2B5EF4-FFF2-40B4-BE49-F238E27FC236}">
+                <a16:creationId xmlns:a16="http://schemas.microsoft.com/office/drawing/2014/main" id="{8C402CA1-2104-9FE9-E0B5-D0086A3DC965}"/>
+              </a:ext>
+            </a:extLst>
+          </p:cNvPr>
+          <p:cNvSpPr>
+            <a:spLocks noGrp="1"/>
+          </p:cNvSpPr>
+          <p:nvPr>
+            <p:ph type="sldNum" sz="quarter" idx="12"/>
+          </p:nvPr>
+        </p:nvSpPr>
+        <p:spPr/>
+        <p:txBody>
+          <a:bodyPr/>
+          <a:lstStyle/>
+          <a:p>
+            <a:fld id="{4FAB73BC-B049-4115-A692-8D63A059BFB8}" type="slidenum">
+              <a:rPr lang="en-US" smtClean="0"/>
+              <a:pPr/>
+              <a:t>16</a:t>
+            </a:fld>
+            <a:endParaRPr lang="en-US" dirty="0"/>
+          </a:p>
+        </p:txBody>
+      </p:sp>
+      <p:sp>
+        <p:nvSpPr>
+          <p:cNvPr id="12" name="Espace réservé du contenu 11">
+            <a:extLst>
+              <a:ext uri="{FF2B5EF4-FFF2-40B4-BE49-F238E27FC236}">
+                <a16:creationId xmlns:a16="http://schemas.microsoft.com/office/drawing/2014/main" id="{8F1EC90A-EEB7-D5F1-EB19-04D070274275}"/>
+              </a:ext>
+            </a:extLst>
+          </p:cNvPr>
+          <p:cNvSpPr>
+            <a:spLocks noGrp="1"/>
+          </p:cNvSpPr>
+          <p:nvPr>
+            <p:ph idx="1"/>
+          </p:nvPr>
+        </p:nvSpPr>
+        <p:spPr>
+          <a:xfrm>
+            <a:off x="3701373" y="813331"/>
+            <a:ext cx="7315200" cy="1094088"/>
+          </a:xfrm>
+        </p:spPr>
+        <p:txBody>
+          <a:bodyPr>
+            <a:normAutofit/>
+          </a:bodyPr>
+          <a:lstStyle/>
+          <a:p>
+            <a:pPr marL="0" indent="0">
+              <a:buNone/>
+            </a:pPr>
+            <a:r>
+              <a:rPr lang="fr-CH" sz="3400" b="1" dirty="0">
+                <a:latin typeface="+mj-lt"/>
+              </a:rPr>
+              <a:t>Exemple Fonctionnement</a:t>
+            </a:r>
+            <a:endParaRPr lang="fr-CH" sz="3200" dirty="0">
+              <a:latin typeface="+mj-lt"/>
+            </a:endParaRPr>
+          </a:p>
+        </p:txBody>
+      </p:sp>
+      <p:sp>
+        <p:nvSpPr>
+          <p:cNvPr id="6" name="ZoneTexte 5">
+            <a:extLst>
+              <a:ext uri="{FF2B5EF4-FFF2-40B4-BE49-F238E27FC236}">
+                <a16:creationId xmlns:a16="http://schemas.microsoft.com/office/drawing/2014/main" id="{66B919D7-9503-CDD3-479E-6254433937ED}"/>
+              </a:ext>
+            </a:extLst>
+          </p:cNvPr>
+          <p:cNvSpPr txBox="1"/>
+          <p:nvPr/>
+        </p:nvSpPr>
+        <p:spPr>
+          <a:xfrm>
+            <a:off x="3701373" y="1958195"/>
+            <a:ext cx="3825495" cy="3539430"/>
+          </a:xfrm>
+          <a:prstGeom prst="rect">
+            <a:avLst/>
+          </a:prstGeom>
+          <a:solidFill>
+            <a:schemeClr val="bg1">
+              <a:lumMod val="95000"/>
+            </a:schemeClr>
+          </a:solidFill>
+          <a:ln>
+            <a:solidFill>
+              <a:schemeClr val="tx1"/>
+            </a:solidFill>
+          </a:ln>
+        </p:spPr>
+        <p:txBody>
+          <a:bodyPr wrap="square" rtlCol="0">
+            <a:spAutoFit/>
+          </a:bodyPr>
+          <a:lstStyle/>
+          <a:p>
+            <a:r>
+              <a:rPr lang="en-US" sz="1600" dirty="0">
+                <a:latin typeface="Consolas" panose="020B0609020204030204" pitchFamily="49" charset="0"/>
+              </a:rPr>
+              <a:t>stories:</a:t>
+            </a:r>
+          </a:p>
+          <a:p>
+            <a:r>
+              <a:rPr lang="en-US" sz="1600" dirty="0">
+                <a:latin typeface="Consolas" panose="020B0609020204030204" pitchFamily="49" charset="0"/>
+              </a:rPr>
+              <a:t> - story: Ask user name</a:t>
+            </a:r>
+          </a:p>
+          <a:p>
+            <a:r>
+              <a:rPr lang="en-US" sz="1600" dirty="0">
+                <a:latin typeface="Consolas" panose="020B0609020204030204" pitchFamily="49" charset="0"/>
+              </a:rPr>
+              <a:t>   steps:</a:t>
+            </a:r>
+          </a:p>
+          <a:p>
+            <a:r>
+              <a:rPr lang="en-US" sz="1600" dirty="0">
+                <a:latin typeface="Consolas" panose="020B0609020204030204" pitchFamily="49" charset="0"/>
+              </a:rPr>
+              <a:t>   - intent: greet</a:t>
+            </a:r>
+          </a:p>
+          <a:p>
+            <a:r>
+              <a:rPr lang="en-US" sz="1600" dirty="0">
+                <a:latin typeface="Consolas" panose="020B0609020204030204" pitchFamily="49" charset="0"/>
+              </a:rPr>
+              <a:t>   - action: </a:t>
+            </a:r>
+            <a:r>
+              <a:rPr lang="en-US" sz="1600" dirty="0" err="1">
+                <a:latin typeface="Consolas" panose="020B0609020204030204" pitchFamily="49" charset="0"/>
+              </a:rPr>
+              <a:t>utter_greet</a:t>
+            </a:r>
+            <a:endParaRPr lang="en-US" sz="1600" dirty="0">
+              <a:latin typeface="Consolas" panose="020B0609020204030204" pitchFamily="49" charset="0"/>
+            </a:endParaRPr>
+          </a:p>
+          <a:p>
+            <a:r>
+              <a:rPr lang="en-US" sz="1600" dirty="0">
+                <a:latin typeface="Consolas" panose="020B0609020204030204" pitchFamily="49" charset="0"/>
+              </a:rPr>
+              <a:t>   - action: </a:t>
+            </a:r>
+            <a:r>
+              <a:rPr lang="en-US" sz="1600" dirty="0" err="1">
+                <a:latin typeface="Consolas" panose="020B0609020204030204" pitchFamily="49" charset="0"/>
+              </a:rPr>
+              <a:t>utter_ask_name</a:t>
+            </a:r>
+            <a:endParaRPr lang="en-US" sz="1600" dirty="0">
+              <a:latin typeface="Consolas" panose="020B0609020204030204" pitchFamily="49" charset="0"/>
+            </a:endParaRPr>
+          </a:p>
+          <a:p>
+            <a:r>
+              <a:rPr lang="en-US" sz="1600" dirty="0">
+                <a:latin typeface="Consolas" panose="020B0609020204030204" pitchFamily="49" charset="0"/>
+              </a:rPr>
+              <a:t>   - intent: </a:t>
+            </a:r>
+            <a:r>
+              <a:rPr lang="en-US" sz="1600" dirty="0" err="1">
+                <a:latin typeface="Consolas" panose="020B0609020204030204" pitchFamily="49" charset="0"/>
+              </a:rPr>
+              <a:t>say_name</a:t>
+            </a:r>
+            <a:endParaRPr lang="en-US" sz="1600" dirty="0">
+              <a:latin typeface="Consolas" panose="020B0609020204030204" pitchFamily="49" charset="0"/>
+            </a:endParaRPr>
+          </a:p>
+          <a:p>
+            <a:r>
+              <a:rPr lang="en-US" sz="1600" dirty="0">
+                <a:latin typeface="Consolas" panose="020B0609020204030204" pitchFamily="49" charset="0"/>
+              </a:rPr>
+              <a:t>   - action: </a:t>
+            </a:r>
+            <a:r>
+              <a:rPr lang="en-US" sz="1600" dirty="0" err="1">
+                <a:latin typeface="Consolas" panose="020B0609020204030204" pitchFamily="49" charset="0"/>
+              </a:rPr>
+              <a:t>name_saved</a:t>
+            </a:r>
+            <a:endParaRPr lang="en-US" sz="1600" dirty="0">
+              <a:latin typeface="Consolas" panose="020B0609020204030204" pitchFamily="49" charset="0"/>
+            </a:endParaRPr>
+          </a:p>
+          <a:p>
+            <a:r>
+              <a:rPr lang="en-US" sz="1600" dirty="0">
+                <a:latin typeface="Consolas" panose="020B0609020204030204" pitchFamily="49" charset="0"/>
+              </a:rPr>
+              <a:t>slots:</a:t>
+            </a:r>
+          </a:p>
+          <a:p>
+            <a:r>
+              <a:rPr lang="en-US" sz="1600" dirty="0">
+                <a:latin typeface="Consolas" panose="020B0609020204030204" pitchFamily="49" charset="0"/>
+              </a:rPr>
+              <a:t>	</a:t>
+            </a:r>
+            <a:r>
+              <a:rPr lang="en-US" sz="1600" dirty="0" err="1">
+                <a:latin typeface="Consolas" panose="020B0609020204030204" pitchFamily="49" charset="0"/>
+              </a:rPr>
+              <a:t>p</a:t>
+            </a:r>
+            <a:r>
+              <a:rPr lang="en-US" sz="1600" b="0" dirty="0" err="1">
+                <a:effectLst/>
+                <a:latin typeface="Consolas" panose="020B0609020204030204" pitchFamily="49" charset="0"/>
+              </a:rPr>
+              <a:t>renom_slot</a:t>
+            </a:r>
+            <a:r>
+              <a:rPr lang="en-US" sz="1600" b="0" dirty="0">
+                <a:effectLst/>
+                <a:latin typeface="Consolas" panose="020B0609020204030204" pitchFamily="49" charset="0"/>
+              </a:rPr>
+              <a:t>:</a:t>
+            </a:r>
+          </a:p>
+          <a:p>
+            <a:r>
+              <a:rPr lang="en-US" sz="1600" b="0" dirty="0">
+                <a:effectLst/>
+                <a:latin typeface="Consolas" panose="020B0609020204030204" pitchFamily="49" charset="0"/>
+              </a:rPr>
+              <a:t>	    	type: text</a:t>
+            </a:r>
+          </a:p>
+          <a:p>
+            <a:r>
+              <a:rPr lang="en-US" sz="1600" b="0" dirty="0">
+                <a:effectLst/>
+                <a:latin typeface="Consolas" panose="020B0609020204030204" pitchFamily="49" charset="0"/>
+              </a:rPr>
+              <a:t>    		mappings:</a:t>
+            </a:r>
+          </a:p>
+          <a:p>
+            <a:r>
+              <a:rPr lang="en-US" sz="1600" b="0" dirty="0">
+                <a:effectLst/>
+                <a:latin typeface="Consolas" panose="020B0609020204030204" pitchFamily="49" charset="0"/>
+              </a:rPr>
+              <a:t>    		  - type: </a:t>
+            </a:r>
+            <a:r>
+              <a:rPr lang="en-US" sz="1600" b="0" dirty="0" err="1">
+                <a:effectLst/>
+                <a:latin typeface="Consolas" panose="020B0609020204030204" pitchFamily="49" charset="0"/>
+              </a:rPr>
+              <a:t>from_entity</a:t>
+            </a:r>
+            <a:endParaRPr lang="en-US" sz="1600" b="0" dirty="0">
+              <a:effectLst/>
+              <a:latin typeface="Consolas" panose="020B0609020204030204" pitchFamily="49" charset="0"/>
+            </a:endParaRPr>
+          </a:p>
+          <a:p>
+            <a:r>
+              <a:rPr lang="en-US" sz="1600" b="0" dirty="0">
+                <a:effectLst/>
+                <a:latin typeface="Consolas" panose="020B0609020204030204" pitchFamily="49" charset="0"/>
+              </a:rPr>
+              <a:t>        		entity: </a:t>
+            </a:r>
+            <a:r>
+              <a:rPr lang="en-US" sz="1600" b="0" dirty="0" err="1">
+                <a:effectLst/>
+                <a:latin typeface="Consolas" panose="020B0609020204030204" pitchFamily="49" charset="0"/>
+              </a:rPr>
+              <a:t>prenom</a:t>
+            </a:r>
+            <a:endParaRPr lang="en-US" sz="1600" b="0" dirty="0">
+              <a:effectLst/>
+              <a:latin typeface="Consolas" panose="020B0609020204030204" pitchFamily="49" charset="0"/>
+            </a:endParaRPr>
+          </a:p>
+        </p:txBody>
+      </p:sp>
+      <p:sp>
+        <p:nvSpPr>
+          <p:cNvPr id="7" name="ZoneTexte 6">
+            <a:extLst>
+              <a:ext uri="{FF2B5EF4-FFF2-40B4-BE49-F238E27FC236}">
+                <a16:creationId xmlns:a16="http://schemas.microsoft.com/office/drawing/2014/main" id="{68209B98-828B-D6CA-CE54-B9224CC52DF8}"/>
+              </a:ext>
+            </a:extLst>
+          </p:cNvPr>
+          <p:cNvSpPr txBox="1"/>
+          <p:nvPr/>
+        </p:nvSpPr>
+        <p:spPr>
+          <a:xfrm>
+            <a:off x="7526868" y="1958194"/>
+            <a:ext cx="3954889" cy="3539430"/>
+          </a:xfrm>
+          <a:prstGeom prst="rect">
+            <a:avLst/>
+          </a:prstGeom>
+          <a:solidFill>
+            <a:schemeClr val="bg1">
+              <a:lumMod val="95000"/>
+            </a:schemeClr>
+          </a:solidFill>
+          <a:ln>
+            <a:solidFill>
+              <a:schemeClr val="tx1"/>
+            </a:solidFill>
+          </a:ln>
+        </p:spPr>
+        <p:txBody>
+          <a:bodyPr wrap="square" rtlCol="0">
+            <a:spAutoFit/>
+          </a:bodyPr>
+          <a:lstStyle/>
+          <a:p>
+            <a:r>
+              <a:rPr lang="fr-CH" sz="1600" dirty="0" err="1">
+                <a:latin typeface="Consolas" panose="020B0609020204030204" pitchFamily="49" charset="0"/>
+              </a:rPr>
+              <a:t>nlu</a:t>
+            </a:r>
+            <a:r>
+              <a:rPr lang="fr-CH" sz="1600" dirty="0">
+                <a:latin typeface="Consolas" panose="020B0609020204030204" pitchFamily="49" charset="0"/>
+              </a:rPr>
+              <a:t>:</a:t>
+            </a:r>
+          </a:p>
+          <a:p>
+            <a:r>
+              <a:rPr lang="fr-CH" sz="1600" dirty="0">
+                <a:latin typeface="Consolas" panose="020B0609020204030204" pitchFamily="49" charset="0"/>
+              </a:rPr>
+              <a:t> - </a:t>
+            </a:r>
+            <a:r>
+              <a:rPr lang="fr-CH" sz="1600" dirty="0" err="1">
+                <a:latin typeface="Consolas" panose="020B0609020204030204" pitchFamily="49" charset="0"/>
+              </a:rPr>
+              <a:t>intent</a:t>
+            </a:r>
+            <a:r>
+              <a:rPr lang="fr-CH" sz="1600" dirty="0">
+                <a:latin typeface="Consolas" panose="020B0609020204030204" pitchFamily="49" charset="0"/>
+              </a:rPr>
+              <a:t>: </a:t>
+            </a:r>
+            <a:r>
+              <a:rPr lang="fr-CH" sz="1600" dirty="0" err="1">
+                <a:latin typeface="Consolas" panose="020B0609020204030204" pitchFamily="49" charset="0"/>
+              </a:rPr>
+              <a:t>say_name</a:t>
+            </a:r>
+            <a:endParaRPr lang="fr-CH" sz="1600" dirty="0">
+              <a:latin typeface="Consolas" panose="020B0609020204030204" pitchFamily="49" charset="0"/>
+            </a:endParaRPr>
+          </a:p>
+          <a:p>
+            <a:r>
+              <a:rPr lang="fr-CH" sz="1600" dirty="0">
+                <a:latin typeface="Consolas" panose="020B0609020204030204" pitchFamily="49" charset="0"/>
+              </a:rPr>
+              <a:t>    </a:t>
+            </a:r>
+            <a:r>
+              <a:rPr lang="fr-CH" sz="1600" dirty="0" err="1">
+                <a:latin typeface="Consolas" panose="020B0609020204030204" pitchFamily="49" charset="0"/>
+              </a:rPr>
+              <a:t>examples</a:t>
+            </a:r>
+            <a:r>
+              <a:rPr lang="fr-CH" sz="1600" dirty="0">
+                <a:latin typeface="Consolas" panose="020B0609020204030204" pitchFamily="49" charset="0"/>
+              </a:rPr>
+              <a:t>: |</a:t>
+            </a:r>
+          </a:p>
+          <a:p>
+            <a:r>
+              <a:rPr lang="fr-CH" sz="1600" dirty="0">
+                <a:latin typeface="Consolas" panose="020B0609020204030204" pitchFamily="49" charset="0"/>
+              </a:rPr>
+              <a:t>	- Je m’appelle [Jean](</a:t>
+            </a:r>
+            <a:r>
+              <a:rPr lang="fr-CH" sz="1600" dirty="0" err="1">
+                <a:latin typeface="Consolas" panose="020B0609020204030204" pitchFamily="49" charset="0"/>
+              </a:rPr>
+              <a:t>prenom</a:t>
+            </a:r>
+            <a:r>
+              <a:rPr lang="fr-CH" sz="1600" dirty="0">
+                <a:latin typeface="Consolas" panose="020B0609020204030204" pitchFamily="49" charset="0"/>
+              </a:rPr>
+              <a:t>)</a:t>
+            </a:r>
+          </a:p>
+          <a:p>
+            <a:r>
+              <a:rPr lang="fr-CH" sz="1600" dirty="0">
+                <a:latin typeface="Consolas" panose="020B0609020204030204" pitchFamily="49" charset="0"/>
+              </a:rPr>
+              <a:t>	- Je suis [Pierre](</a:t>
+            </a:r>
+            <a:r>
+              <a:rPr lang="fr-CH" sz="1600" dirty="0" err="1">
+                <a:latin typeface="Consolas" panose="020B0609020204030204" pitchFamily="49" charset="0"/>
+              </a:rPr>
+              <a:t>prenom</a:t>
+            </a:r>
+            <a:r>
+              <a:rPr lang="fr-CH" sz="1600" dirty="0">
+                <a:latin typeface="Consolas" panose="020B0609020204030204" pitchFamily="49" charset="0"/>
+              </a:rPr>
+              <a:t>)</a:t>
+            </a:r>
+          </a:p>
+          <a:p>
+            <a:endParaRPr lang="fr-CH" sz="1600" dirty="0">
+              <a:latin typeface="Consolas" panose="020B0609020204030204" pitchFamily="49" charset="0"/>
+            </a:endParaRPr>
+          </a:p>
+          <a:p>
+            <a:endParaRPr lang="fr-CH" sz="1600" dirty="0">
+              <a:latin typeface="Consolas" panose="020B0609020204030204" pitchFamily="49" charset="0"/>
+            </a:endParaRPr>
+          </a:p>
+          <a:p>
+            <a:endParaRPr lang="fr-CH" sz="1600" dirty="0">
+              <a:latin typeface="Consolas" panose="020B0609020204030204" pitchFamily="49" charset="0"/>
+            </a:endParaRPr>
+          </a:p>
+          <a:p>
+            <a:r>
+              <a:rPr lang="fr-CH" sz="1600" b="0" dirty="0" err="1">
+                <a:effectLst/>
+                <a:latin typeface="Consolas" panose="020B0609020204030204" pitchFamily="49" charset="0"/>
+              </a:rPr>
+              <a:t>entities</a:t>
+            </a:r>
+            <a:r>
+              <a:rPr lang="fr-CH" sz="1600" b="0" dirty="0">
+                <a:effectLst/>
+                <a:latin typeface="Consolas" panose="020B0609020204030204" pitchFamily="49" charset="0"/>
+              </a:rPr>
+              <a:t>:</a:t>
+            </a:r>
+          </a:p>
+          <a:p>
+            <a:r>
+              <a:rPr lang="fr-CH" sz="1600" dirty="0">
+                <a:latin typeface="Consolas" panose="020B0609020204030204" pitchFamily="49" charset="0"/>
+              </a:rPr>
+              <a:t>- </a:t>
+            </a:r>
+            <a:r>
+              <a:rPr lang="fr-CH" sz="1600" dirty="0" err="1">
+                <a:latin typeface="Consolas" panose="020B0609020204030204" pitchFamily="49" charset="0"/>
+              </a:rPr>
+              <a:t>prenom</a:t>
+            </a:r>
+            <a:endParaRPr lang="fr-CH" sz="1600" dirty="0">
+              <a:latin typeface="Consolas" panose="020B0609020204030204" pitchFamily="49" charset="0"/>
+            </a:endParaRPr>
+          </a:p>
+          <a:p>
+            <a:endParaRPr lang="fr-CH" sz="1600" dirty="0">
+              <a:latin typeface="Consolas" panose="020B0609020204030204" pitchFamily="49" charset="0"/>
+            </a:endParaRPr>
+          </a:p>
+          <a:p>
+            <a:endParaRPr lang="fr-CH" sz="1600" dirty="0">
+              <a:latin typeface="Consolas" panose="020B0609020204030204" pitchFamily="49" charset="0"/>
+            </a:endParaRPr>
+          </a:p>
+          <a:p>
+            <a:endParaRPr lang="fr-CH" sz="1600" dirty="0">
+              <a:latin typeface="Consolas" panose="020B0609020204030204" pitchFamily="49" charset="0"/>
+            </a:endParaRPr>
+          </a:p>
+          <a:p>
+            <a:endParaRPr lang="fr-CH" sz="1600" dirty="0">
+              <a:latin typeface="Consolas" panose="020B0609020204030204" pitchFamily="49" charset="0"/>
+            </a:endParaRPr>
+          </a:p>
+        </p:txBody>
+      </p:sp>
+    </p:spTree>
+    <p:extLst>
+      <p:ext uri="{BB962C8B-B14F-4D97-AF65-F5344CB8AC3E}">
+        <p14:creationId xmlns:p14="http://schemas.microsoft.com/office/powerpoint/2010/main" val="687804841"/>
+      </p:ext>
+    </p:extLst>
+  </p:cSld>
+  <p:clrMapOvr>
+    <a:masterClrMapping/>
+  </p:clrMapOvr>
+</p:sld>
+</file>
+
+<file path=ppt/slides/slide17.xml><?xml version="1.0" encoding="utf-8"?>
+<p:sld xmlns:a="http://schemas.openxmlformats.org/drawingml/2006/main" xmlns:r="http://schemas.openxmlformats.org/officeDocument/2006/relationships" xmlns:p="http://schemas.openxmlformats.org/presentationml/2006/main">
+  <p:cSld>
+    <p:spTree>
+      <p:nvGrpSpPr>
+        <p:cNvPr id="1" name=""/>
+        <p:cNvGrpSpPr/>
+        <p:nvPr/>
+      </p:nvGrpSpPr>
+      <p:grpSpPr>
+        <a:xfrm>
+          <a:off x="0" y="0"/>
+          <a:ext cx="0" cy="0"/>
+          <a:chOff x="0" y="0"/>
+          <a:chExt cx="0" cy="0"/>
+        </a:xfrm>
+      </p:grpSpPr>
+      <p:sp>
+        <p:nvSpPr>
+          <p:cNvPr id="2" name="Titre 1">
+            <a:extLst>
+              <a:ext uri="{FF2B5EF4-FFF2-40B4-BE49-F238E27FC236}">
                 <a16:creationId xmlns:a16="http://schemas.microsoft.com/office/drawing/2014/main" id="{06DBEBEE-FE11-1D96-3A92-5F67EDCA7FC5}"/>
               </a:ext>
             </a:extLst>
@@ -5031,7 +6615,7 @@
             <a:fld id="{4FAB73BC-B049-4115-A692-8D63A059BFB8}" type="slidenum">
               <a:rPr lang="en-US" smtClean="0"/>
               <a:pPr/>
-              <a:t>13</a:t>
+              <a:t>17</a:t>
             </a:fld>
             <a:endParaRPr lang="en-US" dirty="0"/>
           </a:p>
@@ -6364,7 +7948,7 @@
         <p:spPr>
           <a:xfrm>
             <a:off x="77638" y="1123837"/>
-            <a:ext cx="3252158" cy="4601183"/>
+            <a:ext cx="3334430" cy="4601183"/>
           </a:xfrm>
         </p:spPr>
         <p:txBody>
@@ -6373,7 +7957,7 @@
           <a:p>
             <a:r>
               <a:rPr lang="fr-CH" dirty="0"/>
-              <a:t>Fondements théoriques - NLP</a:t>
+              <a:t>Fondements théoriques – NLP </a:t>
             </a:r>
           </a:p>
         </p:txBody>
@@ -6549,7 +8133,7 @@
               <a:rPr lang="fr-CH" sz="2800" b="1" dirty="0">
                 <a:latin typeface="+mj-lt"/>
               </a:rPr>
-              <a:t>Structure ?</a:t>
+              <a:t>Structure</a:t>
             </a:r>
           </a:p>
           <a:p>
@@ -6662,8 +8246,8 @@
         </p:nvSpPr>
         <p:spPr>
           <a:xfrm>
-            <a:off x="86264" y="1123837"/>
-            <a:ext cx="3278038" cy="4601183"/>
+            <a:off x="86263" y="1123837"/>
+            <a:ext cx="3347049" cy="4601183"/>
           </a:xfrm>
         </p:spPr>
         <p:txBody>
@@ -6672,7 +8256,7 @@
           <a:p>
             <a:r>
               <a:rPr lang="fr-CH" dirty="0"/>
-              <a:t>Fondements théoriques - NLP</a:t>
+              <a:t>Fondements théoriques – NLP </a:t>
             </a:r>
           </a:p>
         </p:txBody>
@@ -7043,7 +8627,7 @@
         <p:spPr>
           <a:xfrm>
             <a:off x="60384" y="1123837"/>
-            <a:ext cx="3312543" cy="4601183"/>
+            <a:ext cx="3364303" cy="4601183"/>
           </a:xfrm>
         </p:spPr>
         <p:txBody>
@@ -7052,7 +8636,7 @@
           <a:p>
             <a:r>
               <a:rPr lang="fr-CH" dirty="0"/>
-              <a:t>Fondements théoriques - NLP</a:t>
+              <a:t>Fondements théoriques – NLP </a:t>
             </a:r>
           </a:p>
         </p:txBody>

--- a/documentation/travail_bachelor/ISC_LOG_presentation_diplome_RodriguesDosSantosFabio_EggenbergNiklaus_2024.pptx
+++ b/documentation/travail_bachelor/ISC_LOG_presentation_diplome_RodriguesDosSantosFabio_EggenbergNiklaus_2024.pptx
@@ -5,7 +5,7 @@
     <p:sldMasterId id="2147483840" r:id="rId1"/>
   </p:sldMasterIdLst>
   <p:notesMasterIdLst>
-    <p:notesMasterId r:id="rId19"/>
+    <p:notesMasterId r:id="rId23"/>
   </p:notesMasterIdLst>
   <p:sldIdLst>
     <p:sldId id="256" r:id="rId2"/>
@@ -25,6 +25,10 @@
     <p:sldId id="272" r:id="rId16"/>
     <p:sldId id="274" r:id="rId17"/>
     <p:sldId id="268" r:id="rId18"/>
+    <p:sldId id="278" r:id="rId19"/>
+    <p:sldId id="276" r:id="rId20"/>
+    <p:sldId id="277" r:id="rId21"/>
+    <p:sldId id="275" r:id="rId22"/>
   </p:sldIdLst>
   <p:sldSz cx="12192000" cy="6858000"/>
   <p:notesSz cx="6858000" cy="9144000"/>
@@ -213,7 +217,7 @@
           <a:p>
             <a:fld id="{42AC3142-495C-4280-881B-1526FF75665B}" type="datetimeFigureOut">
               <a:rPr lang="fr-CH" smtClean="0"/>
-              <a:t>24.08.2024</a:t>
+              <a:t>25.08.2024</a:t>
             </a:fld>
             <a:endParaRPr lang="fr-CH"/>
           </a:p>
@@ -705,7 +709,7 @@
           <a:p>
             <a:fld id="{697BC7A4-560B-4424-86D9-D529C3ED2E24}" type="datetime1">
               <a:rPr lang="en-US" smtClean="0"/>
-              <a:t>8/24/2024</a:t>
+              <a:t>8/25/2024</a:t>
             </a:fld>
             <a:endParaRPr lang="en-US" dirty="0"/>
           </a:p>
@@ -875,7 +879,7 @@
           <a:p>
             <a:fld id="{6E901063-52CC-4584-9EE9-3A5FBF2927BA}" type="datetime1">
               <a:rPr lang="en-US" smtClean="0"/>
-              <a:t>8/24/2024</a:t>
+              <a:t>8/25/2024</a:t>
             </a:fld>
             <a:endParaRPr lang="en-US" dirty="0"/>
           </a:p>
@@ -1055,7 +1059,7 @@
           <a:p>
             <a:fld id="{45B21167-5961-4EAA-A2C5-C443E1B8357A}" type="datetime1">
               <a:rPr lang="en-US" smtClean="0"/>
-              <a:t>8/24/2024</a:t>
+              <a:t>8/25/2024</a:t>
             </a:fld>
             <a:endParaRPr lang="en-US" dirty="0"/>
           </a:p>
@@ -1225,7 +1229,7 @@
           <a:p>
             <a:fld id="{77856CEA-0161-4B0B-A6F9-D90790302E09}" type="datetime1">
               <a:rPr lang="en-US" smtClean="0"/>
-              <a:t>8/24/2024</a:t>
+              <a:t>8/25/2024</a:t>
             </a:fld>
             <a:endParaRPr lang="en-US" dirty="0"/>
           </a:p>
@@ -1483,7 +1487,7 @@
           <a:p>
             <a:fld id="{1F7ECC23-A5A0-44D4-B496-B55A434D5385}" type="datetime1">
               <a:rPr lang="en-US" smtClean="0"/>
-              <a:t>8/24/2024</a:t>
+              <a:t>8/25/2024</a:t>
             </a:fld>
             <a:endParaRPr lang="en-US" dirty="0"/>
           </a:p>
@@ -1771,7 +1775,7 @@
           <a:p>
             <a:fld id="{337DEE0E-910E-4647-A748-0A8F2A962DCA}" type="datetime1">
               <a:rPr lang="en-US" smtClean="0"/>
-              <a:t>8/24/2024</a:t>
+              <a:t>8/25/2024</a:t>
             </a:fld>
             <a:endParaRPr lang="en-US" dirty="0"/>
           </a:p>
@@ -2213,7 +2217,7 @@
           <a:p>
             <a:fld id="{E2F9AEDB-DA47-42B1-AA20-FA4193278BFB}" type="datetime1">
               <a:rPr lang="en-US" smtClean="0"/>
-              <a:t>8/24/2024</a:t>
+              <a:t>8/25/2024</a:t>
             </a:fld>
             <a:endParaRPr lang="en-US" dirty="0"/>
           </a:p>
@@ -2331,7 +2335,7 @@
           <a:p>
             <a:fld id="{76A3806D-CEFF-4C7C-B69E-E8C6C2135F0C}" type="datetime1">
               <a:rPr lang="en-US" smtClean="0"/>
-              <a:t>8/24/2024</a:t>
+              <a:t>8/25/2024</a:t>
             </a:fld>
             <a:endParaRPr lang="en-US" dirty="0"/>
           </a:p>
@@ -2426,7 +2430,7 @@
           <a:p>
             <a:fld id="{6C799852-6437-4F59-8BA4-BD526AE7B018}" type="datetime1">
               <a:rPr lang="en-US" smtClean="0"/>
-              <a:t>8/24/2024</a:t>
+              <a:t>8/25/2024</a:t>
             </a:fld>
             <a:endParaRPr lang="en-US" dirty="0"/>
           </a:p>
@@ -2714,7 +2718,7 @@
           <a:p>
             <a:fld id="{BF0EB050-0ECA-42EF-A435-70711370D85B}" type="datetime1">
               <a:rPr lang="en-US" smtClean="0"/>
-              <a:t>8/24/2024</a:t>
+              <a:t>8/25/2024</a:t>
             </a:fld>
             <a:endParaRPr lang="en-US" dirty="0"/>
           </a:p>
@@ -2987,7 +2991,7 @@
           <a:p>
             <a:fld id="{F4052ABD-58D4-4C9E-B1B8-CEC2AA8DBD93}" type="datetime1">
               <a:rPr lang="en-US" smtClean="0"/>
-              <a:t>8/24/2024</a:t>
+              <a:t>8/25/2024</a:t>
             </a:fld>
             <a:endParaRPr lang="en-US" dirty="0"/>
           </a:p>
@@ -3284,7 +3288,7 @@
           <a:p>
             <a:fld id="{C4EEF54E-F662-454E-AE7D-91A1E3F52308}" type="datetime1">
               <a:rPr lang="en-US" smtClean="0"/>
-              <a:t>8/24/2024</a:t>
+              <a:t>8/25/2024</a:t>
             </a:fld>
             <a:endParaRPr lang="en-US" dirty="0"/>
           </a:p>
@@ -6558,7 +6562,18 @@
           <a:bodyPr/>
           <a:lstStyle/>
           <a:p>
-            <a:endParaRPr lang="fr-CH"/>
+            <a:pPr marL="0" indent="0">
+              <a:buNone/>
+            </a:pPr>
+            <a:endParaRPr lang="fr-CH" sz="1800" dirty="0">
+              <a:latin typeface="+mj-lt"/>
+            </a:endParaRPr>
+          </a:p>
+          <a:p>
+            <a:pPr marL="0" indent="0">
+              <a:buNone/>
+            </a:pPr>
+            <a:endParaRPr lang="fr-CH" dirty="0"/>
           </a:p>
         </p:txBody>
       </p:sp>
@@ -6621,10 +6636,1137 @@
           </a:p>
         </p:txBody>
       </p:sp>
+      <p:graphicFrame>
+        <p:nvGraphicFramePr>
+          <p:cNvPr id="6" name="Tableau 5">
+            <a:extLst>
+              <a:ext uri="{FF2B5EF4-FFF2-40B4-BE49-F238E27FC236}">
+                <a16:creationId xmlns:a16="http://schemas.microsoft.com/office/drawing/2014/main" id="{6F703A9D-BBE8-7E2F-A174-548C5BDF123A}"/>
+              </a:ext>
+            </a:extLst>
+          </p:cNvPr>
+          <p:cNvGraphicFramePr>
+            <a:graphicFrameLocks noGrp="1"/>
+          </p:cNvGraphicFramePr>
+          <p:nvPr>
+            <p:extLst>
+              <p:ext uri="{D42A27DB-BD31-4B8C-83A1-F6EECF244321}">
+                <p14:modId xmlns:p14="http://schemas.microsoft.com/office/powerpoint/2010/main" val="4150082268"/>
+              </p:ext>
+            </p:extLst>
+          </p:nvPr>
+        </p:nvGraphicFramePr>
+        <p:xfrm>
+          <a:off x="3711669" y="732855"/>
+          <a:ext cx="7687929" cy="5385720"/>
+        </p:xfrm>
+        <a:graphic>
+          <a:graphicData uri="http://schemas.openxmlformats.org/drawingml/2006/table">
+            <a:tbl>
+              <a:tblPr firstRow="1" bandRow="1">
+                <a:tableStyleId>{5C22544A-7EE6-4342-B048-85BDC9FD1C3A}</a:tableStyleId>
+              </a:tblPr>
+              <a:tblGrid>
+                <a:gridCol w="2562643">
+                  <a:extLst>
+                    <a:ext uri="{9D8B030D-6E8A-4147-A177-3AD203B41FA5}">
+                      <a16:colId xmlns:a16="http://schemas.microsoft.com/office/drawing/2014/main" val="3564024515"/>
+                    </a:ext>
+                  </a:extLst>
+                </a:gridCol>
+                <a:gridCol w="2562643">
+                  <a:extLst>
+                    <a:ext uri="{9D8B030D-6E8A-4147-A177-3AD203B41FA5}">
+                      <a16:colId xmlns:a16="http://schemas.microsoft.com/office/drawing/2014/main" val="449509177"/>
+                    </a:ext>
+                  </a:extLst>
+                </a:gridCol>
+                <a:gridCol w="2562643">
+                  <a:extLst>
+                    <a:ext uri="{9D8B030D-6E8A-4147-A177-3AD203B41FA5}">
+                      <a16:colId xmlns:a16="http://schemas.microsoft.com/office/drawing/2014/main" val="2147953765"/>
+                    </a:ext>
+                  </a:extLst>
+                </a:gridCol>
+              </a:tblGrid>
+              <a:tr h="569880">
+                <a:tc>
+                  <a:txBody>
+                    <a:bodyPr/>
+                    <a:lstStyle/>
+                    <a:p>
+                      <a:pPr algn="ctr"/>
+                      <a:r>
+                        <a:rPr lang="fr-CH" sz="2000" dirty="0"/>
+                        <a:t>Frontends</a:t>
+                      </a:r>
+                    </a:p>
+                  </a:txBody>
+                  <a:tcPr anchor="ctr"/>
+                </a:tc>
+                <a:tc>
+                  <a:txBody>
+                    <a:bodyPr/>
+                    <a:lstStyle/>
+                    <a:p>
+                      <a:pPr algn="ctr"/>
+                      <a:r>
+                        <a:rPr lang="fr-CH" sz="2000" dirty="0"/>
+                        <a:t>Backends</a:t>
+                      </a:r>
+                    </a:p>
+                  </a:txBody>
+                  <a:tcPr anchor="ctr"/>
+                </a:tc>
+                <a:tc>
+                  <a:txBody>
+                    <a:bodyPr/>
+                    <a:lstStyle/>
+                    <a:p>
+                      <a:pPr algn="ctr"/>
+                      <a:r>
+                        <a:rPr lang="fr-CH" sz="2000" dirty="0"/>
+                        <a:t>Chatbot</a:t>
+                      </a:r>
+                    </a:p>
+                  </a:txBody>
+                  <a:tcPr anchor="ctr"/>
+                </a:tc>
+                <a:extLst>
+                  <a:ext uri="{0D108BD9-81ED-4DB2-BD59-A6C34878D82A}">
+                    <a16:rowId xmlns:a16="http://schemas.microsoft.com/office/drawing/2014/main" val="3041078941"/>
+                  </a:ext>
+                </a:extLst>
+              </a:tr>
+              <a:tr h="4809307">
+                <a:tc>
+                  <a:txBody>
+                    <a:bodyPr/>
+                    <a:lstStyle/>
+                    <a:p>
+                      <a:pPr marL="0" indent="0">
+                        <a:spcAft>
+                          <a:spcPts val="600"/>
+                        </a:spcAft>
+                        <a:buFont typeface="Arial" panose="020B0604020202020204" pitchFamily="34" charset="0"/>
+                        <a:buNone/>
+                      </a:pPr>
+                      <a:endParaRPr lang="fr-CH" sz="1600" dirty="0"/>
+                    </a:p>
+                  </a:txBody>
+                  <a:tcPr/>
+                </a:tc>
+                <a:tc>
+                  <a:txBody>
+                    <a:bodyPr/>
+                    <a:lstStyle/>
+                    <a:p>
+                      <a:pPr marL="285750" indent="-285750">
+                        <a:spcAft>
+                          <a:spcPts val="600"/>
+                        </a:spcAft>
+                        <a:buFont typeface="Arial" panose="020B0604020202020204" pitchFamily="34" charset="0"/>
+                        <a:buChar char="•"/>
+                      </a:pPr>
+                      <a:endParaRPr lang="fr-CH" sz="1600" dirty="0"/>
+                    </a:p>
+                    <a:p>
+                      <a:pPr marL="285750" indent="-285750">
+                        <a:spcAft>
+                          <a:spcPts val="600"/>
+                        </a:spcAft>
+                        <a:buFont typeface="Arial" panose="020B0604020202020204" pitchFamily="34" charset="0"/>
+                        <a:buChar char="•"/>
+                      </a:pPr>
+                      <a:endParaRPr lang="fr-CH" sz="1600" dirty="0"/>
+                    </a:p>
+                    <a:p>
+                      <a:pPr marL="285750" indent="-285750">
+                        <a:spcAft>
+                          <a:spcPts val="600"/>
+                        </a:spcAft>
+                        <a:buFont typeface="Arial" panose="020B0604020202020204" pitchFamily="34" charset="0"/>
+                        <a:buChar char="•"/>
+                      </a:pPr>
+                      <a:endParaRPr lang="fr-CH" sz="1600" dirty="0"/>
+                    </a:p>
+                    <a:p>
+                      <a:pPr marL="285750" indent="-285750">
+                        <a:spcAft>
+                          <a:spcPts val="600"/>
+                        </a:spcAft>
+                        <a:buFont typeface="Arial" panose="020B0604020202020204" pitchFamily="34" charset="0"/>
+                        <a:buChar char="•"/>
+                      </a:pPr>
+                      <a:endParaRPr lang="fr-CH" sz="1600" dirty="0"/>
+                    </a:p>
+                    <a:p>
+                      <a:pPr marL="285750" indent="-285750">
+                        <a:spcAft>
+                          <a:spcPts val="600"/>
+                        </a:spcAft>
+                        <a:buFont typeface="Arial" panose="020B0604020202020204" pitchFamily="34" charset="0"/>
+                        <a:buChar char="•"/>
+                      </a:pPr>
+                      <a:endParaRPr lang="fr-CH" sz="1600" dirty="0"/>
+                    </a:p>
+                    <a:p>
+                      <a:pPr marL="285750" indent="-285750">
+                        <a:spcAft>
+                          <a:spcPts val="600"/>
+                        </a:spcAft>
+                        <a:buFont typeface="Arial" panose="020B0604020202020204" pitchFamily="34" charset="0"/>
+                        <a:buChar char="•"/>
+                      </a:pPr>
+                      <a:endParaRPr lang="fr-CH" sz="1600" dirty="0"/>
+                    </a:p>
+                    <a:p>
+                      <a:pPr marL="285750" indent="-285750">
+                        <a:spcAft>
+                          <a:spcPts val="600"/>
+                        </a:spcAft>
+                        <a:buFont typeface="Arial" panose="020B0604020202020204" pitchFamily="34" charset="0"/>
+                        <a:buChar char="•"/>
+                      </a:pPr>
+                      <a:endParaRPr lang="fr-CH" sz="1600" dirty="0"/>
+                    </a:p>
+                    <a:p>
+                      <a:pPr marL="285750" indent="-285750">
+                        <a:spcAft>
+                          <a:spcPts val="600"/>
+                        </a:spcAft>
+                        <a:buFont typeface="Arial" panose="020B0604020202020204" pitchFamily="34" charset="0"/>
+                        <a:buChar char="•"/>
+                      </a:pPr>
+                      <a:endParaRPr lang="fr-CH" sz="1600" dirty="0"/>
+                    </a:p>
+                    <a:p>
+                      <a:pPr marL="285750" indent="-285750">
+                        <a:spcAft>
+                          <a:spcPts val="600"/>
+                        </a:spcAft>
+                        <a:buFont typeface="Arial" panose="020B0604020202020204" pitchFamily="34" charset="0"/>
+                        <a:buChar char="•"/>
+                      </a:pPr>
+                      <a:endParaRPr lang="fr-CH" sz="1600" dirty="0"/>
+                    </a:p>
+                    <a:p>
+                      <a:pPr marL="285750" indent="-285750">
+                        <a:spcAft>
+                          <a:spcPts val="600"/>
+                        </a:spcAft>
+                        <a:buFont typeface="Arial" panose="020B0604020202020204" pitchFamily="34" charset="0"/>
+                        <a:buChar char="•"/>
+                      </a:pPr>
+                      <a:endParaRPr lang="fr-CH" sz="1600" dirty="0"/>
+                    </a:p>
+                    <a:p>
+                      <a:pPr marL="285750" indent="-285750">
+                        <a:spcAft>
+                          <a:spcPts val="600"/>
+                        </a:spcAft>
+                        <a:buFont typeface="Arial" panose="020B0604020202020204" pitchFamily="34" charset="0"/>
+                        <a:buChar char="•"/>
+                      </a:pPr>
+                      <a:endParaRPr lang="fr-CH" sz="1600" dirty="0"/>
+                    </a:p>
+                    <a:p>
+                      <a:pPr marL="285750" indent="-285750">
+                        <a:spcAft>
+                          <a:spcPts val="600"/>
+                        </a:spcAft>
+                        <a:buFont typeface="Arial" panose="020B0604020202020204" pitchFamily="34" charset="0"/>
+                        <a:buChar char="•"/>
+                      </a:pPr>
+                      <a:endParaRPr lang="fr-CH" sz="1600" dirty="0"/>
+                    </a:p>
+                    <a:p>
+                      <a:pPr marL="285750" indent="-285750">
+                        <a:spcAft>
+                          <a:spcPts val="600"/>
+                        </a:spcAft>
+                        <a:buFont typeface="Arial" panose="020B0604020202020204" pitchFamily="34" charset="0"/>
+                        <a:buChar char="•"/>
+                      </a:pPr>
+                      <a:endParaRPr lang="fr-CH" sz="1600" dirty="0"/>
+                    </a:p>
+                    <a:p>
+                      <a:pPr marL="285750" indent="-285750">
+                        <a:spcAft>
+                          <a:spcPts val="600"/>
+                        </a:spcAft>
+                        <a:buFont typeface="Arial" panose="020B0604020202020204" pitchFamily="34" charset="0"/>
+                        <a:buChar char="•"/>
+                      </a:pPr>
+                      <a:endParaRPr lang="fr-CH" sz="1600" dirty="0"/>
+                    </a:p>
+                    <a:p>
+                      <a:pPr marL="285750" indent="-285750">
+                        <a:spcAft>
+                          <a:spcPts val="600"/>
+                        </a:spcAft>
+                        <a:buFont typeface="Arial" panose="020B0604020202020204" pitchFamily="34" charset="0"/>
+                        <a:buChar char="•"/>
+                      </a:pPr>
+                      <a:endParaRPr lang="fr-CH" sz="1600" dirty="0"/>
+                    </a:p>
+                  </a:txBody>
+                  <a:tcPr/>
+                </a:tc>
+                <a:tc>
+                  <a:txBody>
+                    <a:bodyPr/>
+                    <a:lstStyle/>
+                    <a:p>
+                      <a:pPr marL="285750" marR="0" lvl="0" indent="-285750" algn="l" defTabSz="914400" rtl="0" eaLnBrk="1" fontAlgn="auto" latinLnBrk="0" hangingPunct="1">
+                        <a:lnSpc>
+                          <a:spcPct val="100000"/>
+                        </a:lnSpc>
+                        <a:spcBef>
+                          <a:spcPts val="0"/>
+                        </a:spcBef>
+                        <a:spcAft>
+                          <a:spcPts val="600"/>
+                        </a:spcAft>
+                        <a:buClrTx/>
+                        <a:buSzTx/>
+                        <a:buFont typeface="Arial" panose="020B0604020202020204" pitchFamily="34" charset="0"/>
+                        <a:buChar char="•"/>
+                        <a:tabLst/>
+                        <a:defRPr/>
+                      </a:pPr>
+                      <a:endParaRPr lang="fr-CH" sz="1600" dirty="0"/>
+                    </a:p>
+                  </a:txBody>
+                  <a:tcPr/>
+                </a:tc>
+                <a:extLst>
+                  <a:ext uri="{0D108BD9-81ED-4DB2-BD59-A6C34878D82A}">
+                    <a16:rowId xmlns:a16="http://schemas.microsoft.com/office/drawing/2014/main" val="3437104428"/>
+                  </a:ext>
+                </a:extLst>
+              </a:tr>
+            </a:tbl>
+          </a:graphicData>
+        </a:graphic>
+      </p:graphicFrame>
+      <p:pic>
+        <p:nvPicPr>
+          <p:cNvPr id="16" name="Graphique 15">
+            <a:extLst>
+              <a:ext uri="{FF2B5EF4-FFF2-40B4-BE49-F238E27FC236}">
+                <a16:creationId xmlns:a16="http://schemas.microsoft.com/office/drawing/2014/main" id="{5EDDEC57-2A68-7070-48A5-49A558BB73DC}"/>
+              </a:ext>
+            </a:extLst>
+          </p:cNvPr>
+          <p:cNvPicPr>
+            <a:picLocks noChangeAspect="1"/>
+          </p:cNvPicPr>
+          <p:nvPr/>
+        </p:nvPicPr>
+        <p:blipFill>
+          <a:blip r:embed="rId2">
+            <a:extLst>
+              <a:ext uri="{96DAC541-7B7A-43D3-8B79-37D633B846F1}">
+                <asvg:svgBlip xmlns:asvg="http://schemas.microsoft.com/office/drawing/2016/SVG/main" r:embed="rId3"/>
+              </a:ext>
+            </a:extLst>
+          </a:blip>
+          <a:stretch>
+            <a:fillRect/>
+          </a:stretch>
+        </p:blipFill>
+        <p:spPr>
+          <a:xfrm>
+            <a:off x="5064848" y="1389846"/>
+            <a:ext cx="1134657" cy="1085584"/>
+          </a:xfrm>
+          <a:prstGeom prst="rect">
+            <a:avLst/>
+          </a:prstGeom>
+          <a:effectLst>
+            <a:softEdge rad="0"/>
+          </a:effectLst>
+        </p:spPr>
+      </p:pic>
+      <p:pic>
+        <p:nvPicPr>
+          <p:cNvPr id="19" name="Image 18" descr="Une image contenant Police, logo, Graphique, symbole&#10;&#10;Description générée automatiquement">
+            <a:extLst>
+              <a:ext uri="{FF2B5EF4-FFF2-40B4-BE49-F238E27FC236}">
+                <a16:creationId xmlns:a16="http://schemas.microsoft.com/office/drawing/2014/main" id="{BEA7BF2A-5CC5-840A-36A9-D2650E595A43}"/>
+              </a:ext>
+            </a:extLst>
+          </p:cNvPr>
+          <p:cNvPicPr>
+            <a:picLocks noChangeAspect="1"/>
+          </p:cNvPicPr>
+          <p:nvPr/>
+        </p:nvPicPr>
+        <p:blipFill>
+          <a:blip r:embed="rId4"/>
+          <a:stretch>
+            <a:fillRect/>
+          </a:stretch>
+        </p:blipFill>
+        <p:spPr>
+          <a:xfrm>
+            <a:off x="3862873" y="3048435"/>
+            <a:ext cx="2337060" cy="1096849"/>
+          </a:xfrm>
+          <a:prstGeom prst="rect">
+            <a:avLst/>
+          </a:prstGeom>
+          <a:effectLst>
+            <a:softEdge rad="101600"/>
+          </a:effectLst>
+        </p:spPr>
+      </p:pic>
+      <p:pic>
+        <p:nvPicPr>
+          <p:cNvPr id="21" name="Image 20" descr="Une image contenant Graphique, cercle, symbole, logo&#10;&#10;Description générée automatiquement">
+            <a:extLst>
+              <a:ext uri="{FF2B5EF4-FFF2-40B4-BE49-F238E27FC236}">
+                <a16:creationId xmlns:a16="http://schemas.microsoft.com/office/drawing/2014/main" id="{91CBC207-88C6-782D-8CDA-1295D94C4F1C}"/>
+              </a:ext>
+            </a:extLst>
+          </p:cNvPr>
+          <p:cNvPicPr>
+            <a:picLocks noChangeAspect="1"/>
+          </p:cNvPicPr>
+          <p:nvPr/>
+        </p:nvPicPr>
+        <p:blipFill>
+          <a:blip r:embed="rId5"/>
+          <a:stretch>
+            <a:fillRect/>
+          </a:stretch>
+        </p:blipFill>
+        <p:spPr>
+          <a:xfrm>
+            <a:off x="3836693" y="4415651"/>
+            <a:ext cx="1096849" cy="1096849"/>
+          </a:xfrm>
+          <a:prstGeom prst="rect">
+            <a:avLst/>
+          </a:prstGeom>
+        </p:spPr>
+      </p:pic>
+      <p:sp>
+        <p:nvSpPr>
+          <p:cNvPr id="22" name="ZoneTexte 21">
+            <a:extLst>
+              <a:ext uri="{FF2B5EF4-FFF2-40B4-BE49-F238E27FC236}">
+                <a16:creationId xmlns:a16="http://schemas.microsoft.com/office/drawing/2014/main" id="{F116FC8E-DF0A-44A0-79F6-050A54629672}"/>
+              </a:ext>
+            </a:extLst>
+          </p:cNvPr>
+          <p:cNvSpPr txBox="1"/>
+          <p:nvPr/>
+        </p:nvSpPr>
+        <p:spPr>
+          <a:xfrm>
+            <a:off x="5347754" y="2440945"/>
+            <a:ext cx="1020367" cy="369332"/>
+          </a:xfrm>
+          <a:prstGeom prst="rect">
+            <a:avLst/>
+          </a:prstGeom>
+          <a:noFill/>
+        </p:spPr>
+        <p:txBody>
+          <a:bodyPr wrap="square" rtlCol="0">
+            <a:spAutoFit/>
+          </a:bodyPr>
+          <a:lstStyle/>
+          <a:p>
+            <a:r>
+              <a:rPr lang="fr-CH" b="1" dirty="0"/>
+              <a:t>Vite</a:t>
+            </a:r>
+          </a:p>
+        </p:txBody>
+      </p:sp>
+      <p:sp>
+        <p:nvSpPr>
+          <p:cNvPr id="23" name="ZoneTexte 22">
+            <a:extLst>
+              <a:ext uri="{FF2B5EF4-FFF2-40B4-BE49-F238E27FC236}">
+                <a16:creationId xmlns:a16="http://schemas.microsoft.com/office/drawing/2014/main" id="{FE72548B-4897-67DE-300A-40CE745F3BC9}"/>
+              </a:ext>
+            </a:extLst>
+          </p:cNvPr>
+          <p:cNvSpPr txBox="1"/>
+          <p:nvPr/>
+        </p:nvSpPr>
+        <p:spPr>
+          <a:xfrm>
+            <a:off x="5008298" y="4640909"/>
+            <a:ext cx="1183218" cy="646331"/>
+          </a:xfrm>
+          <a:prstGeom prst="rect">
+            <a:avLst/>
+          </a:prstGeom>
+          <a:noFill/>
+        </p:spPr>
+        <p:txBody>
+          <a:bodyPr wrap="square" rtlCol="0">
+            <a:spAutoFit/>
+          </a:bodyPr>
+          <a:lstStyle/>
+          <a:p>
+            <a:r>
+              <a:rPr lang="fr-CH" b="1" dirty="0"/>
+              <a:t>API Telegram</a:t>
+            </a:r>
+          </a:p>
+        </p:txBody>
+      </p:sp>
+      <p:pic>
+        <p:nvPicPr>
+          <p:cNvPr id="25" name="Image 24" descr="Une image contenant Police, Graphique, logo, texte&#10;&#10;Description générée automatiquement">
+            <a:extLst>
+              <a:ext uri="{FF2B5EF4-FFF2-40B4-BE49-F238E27FC236}">
+                <a16:creationId xmlns:a16="http://schemas.microsoft.com/office/drawing/2014/main" id="{C41EA951-F140-66AF-9D39-00273F7DDD19}"/>
+              </a:ext>
+            </a:extLst>
+          </p:cNvPr>
+          <p:cNvPicPr>
+            <a:picLocks noChangeAspect="1"/>
+          </p:cNvPicPr>
+          <p:nvPr/>
+        </p:nvPicPr>
+        <p:blipFill>
+          <a:blip r:embed="rId6"/>
+          <a:stretch>
+            <a:fillRect/>
+          </a:stretch>
+        </p:blipFill>
+        <p:spPr>
+          <a:xfrm>
+            <a:off x="6574495" y="1345500"/>
+            <a:ext cx="1962276" cy="707801"/>
+          </a:xfrm>
+          <a:prstGeom prst="rect">
+            <a:avLst/>
+          </a:prstGeom>
+          <a:solidFill>
+            <a:schemeClr val="bg1"/>
+          </a:solidFill>
+          <a:effectLst>
+            <a:softEdge rad="76200"/>
+          </a:effectLst>
+        </p:spPr>
+      </p:pic>
+      <p:pic>
+        <p:nvPicPr>
+          <p:cNvPr id="27" name="Image 26" descr="Une image contenant cheval, Silhouette d’animal, art, créativité&#10;&#10;Description générée automatiquement">
+            <a:extLst>
+              <a:ext uri="{FF2B5EF4-FFF2-40B4-BE49-F238E27FC236}">
+                <a16:creationId xmlns:a16="http://schemas.microsoft.com/office/drawing/2014/main" id="{B9115D81-ACE0-B8B0-7E5B-DBE18CA33A50}"/>
+              </a:ext>
+            </a:extLst>
+          </p:cNvPr>
+          <p:cNvPicPr>
+            <a:picLocks noChangeAspect="1"/>
+          </p:cNvPicPr>
+          <p:nvPr/>
+        </p:nvPicPr>
+        <p:blipFill>
+          <a:blip r:embed="rId7"/>
+          <a:stretch>
+            <a:fillRect/>
+          </a:stretch>
+        </p:blipFill>
+        <p:spPr>
+          <a:xfrm>
+            <a:off x="6910427" y="2020467"/>
+            <a:ext cx="1314769" cy="1314769"/>
+          </a:xfrm>
+          <a:prstGeom prst="rect">
+            <a:avLst/>
+          </a:prstGeom>
+          <a:noFill/>
+          <a:effectLst>
+            <a:softEdge rad="0"/>
+          </a:effectLst>
+        </p:spPr>
+      </p:pic>
+      <p:pic>
+        <p:nvPicPr>
+          <p:cNvPr id="29" name="Image 28" descr="Une image contenant Police, Graphique, logo, conception&#10;&#10;Description générée automatiquement">
+            <a:extLst>
+              <a:ext uri="{FF2B5EF4-FFF2-40B4-BE49-F238E27FC236}">
+                <a16:creationId xmlns:a16="http://schemas.microsoft.com/office/drawing/2014/main" id="{E2479D63-CF7C-DFFD-87FA-F15DEFBFCB14}"/>
+              </a:ext>
+            </a:extLst>
+          </p:cNvPr>
+          <p:cNvPicPr>
+            <a:picLocks noChangeAspect="1"/>
+          </p:cNvPicPr>
+          <p:nvPr/>
+        </p:nvPicPr>
+        <p:blipFill>
+          <a:blip r:embed="rId8"/>
+          <a:stretch>
+            <a:fillRect/>
+          </a:stretch>
+        </p:blipFill>
+        <p:spPr>
+          <a:xfrm>
+            <a:off x="6672376" y="3359070"/>
+            <a:ext cx="1795889" cy="988969"/>
+          </a:xfrm>
+          <a:prstGeom prst="rect">
+            <a:avLst/>
+          </a:prstGeom>
+          <a:effectLst>
+            <a:softEdge rad="63500"/>
+          </a:effectLst>
+        </p:spPr>
+      </p:pic>
+      <p:pic>
+        <p:nvPicPr>
+          <p:cNvPr id="32" name="Image 31" descr="Une image contenant Police, Graphique, graphisme, typographie&#10;&#10;Description générée automatiquement">
+            <a:extLst>
+              <a:ext uri="{FF2B5EF4-FFF2-40B4-BE49-F238E27FC236}">
+                <a16:creationId xmlns:a16="http://schemas.microsoft.com/office/drawing/2014/main" id="{1D4FB89E-A79E-43D6-ABC0-B53A69910AE3}"/>
+              </a:ext>
+            </a:extLst>
+          </p:cNvPr>
+          <p:cNvPicPr>
+            <a:picLocks noChangeAspect="1"/>
+          </p:cNvPicPr>
+          <p:nvPr/>
+        </p:nvPicPr>
+        <p:blipFill>
+          <a:blip r:embed="rId9"/>
+          <a:stretch>
+            <a:fillRect/>
+          </a:stretch>
+        </p:blipFill>
+        <p:spPr>
+          <a:xfrm>
+            <a:off x="6360132" y="5421203"/>
+            <a:ext cx="2454493" cy="515878"/>
+          </a:xfrm>
+          <a:prstGeom prst="rect">
+            <a:avLst/>
+          </a:prstGeom>
+          <a:solidFill>
+            <a:schemeClr val="bg1"/>
+          </a:solidFill>
+          <a:effectLst>
+            <a:softEdge rad="38100"/>
+          </a:effectLst>
+        </p:spPr>
+      </p:pic>
+      <p:pic>
+        <p:nvPicPr>
+          <p:cNvPr id="36" name="Image 35" descr="Une image contenant Graphique, Police, symbole, clipart&#10;&#10;Description générée automatiquement">
+            <a:extLst>
+              <a:ext uri="{FF2B5EF4-FFF2-40B4-BE49-F238E27FC236}">
+                <a16:creationId xmlns:a16="http://schemas.microsoft.com/office/drawing/2014/main" id="{73AD55D3-D6CB-E98E-1F46-605A943CCE05}"/>
+              </a:ext>
+            </a:extLst>
+          </p:cNvPr>
+          <p:cNvPicPr>
+            <a:picLocks noChangeAspect="1"/>
+          </p:cNvPicPr>
+          <p:nvPr/>
+        </p:nvPicPr>
+        <p:blipFill>
+          <a:blip r:embed="rId10"/>
+          <a:stretch>
+            <a:fillRect/>
+          </a:stretch>
+        </p:blipFill>
+        <p:spPr>
+          <a:xfrm>
+            <a:off x="9138214" y="1249119"/>
+            <a:ext cx="1956504" cy="2175309"/>
+          </a:xfrm>
+          <a:prstGeom prst="rect">
+            <a:avLst/>
+          </a:prstGeom>
+          <a:solidFill>
+            <a:schemeClr val="bg1"/>
+          </a:solidFill>
+          <a:effectLst>
+            <a:softEdge rad="127000"/>
+          </a:effectLst>
+        </p:spPr>
+      </p:pic>
+      <p:pic>
+        <p:nvPicPr>
+          <p:cNvPr id="38" name="Image 37">
+            <a:extLst>
+              <a:ext uri="{FF2B5EF4-FFF2-40B4-BE49-F238E27FC236}">
+                <a16:creationId xmlns:a16="http://schemas.microsoft.com/office/drawing/2014/main" id="{AB919388-CBFE-E2D8-E140-4913ABA05942}"/>
+              </a:ext>
+            </a:extLst>
+          </p:cNvPr>
+          <p:cNvPicPr>
+            <a:picLocks noChangeAspect="1"/>
+          </p:cNvPicPr>
+          <p:nvPr/>
+        </p:nvPicPr>
+        <p:blipFill>
+          <a:blip r:embed="rId11"/>
+          <a:stretch>
+            <a:fillRect/>
+          </a:stretch>
+        </p:blipFill>
+        <p:spPr>
+          <a:xfrm>
+            <a:off x="3744865" y="1359421"/>
+            <a:ext cx="1387759" cy="1387759"/>
+          </a:xfrm>
+          <a:prstGeom prst="rect">
+            <a:avLst/>
+          </a:prstGeom>
+          <a:effectLst>
+            <a:softEdge rad="139700"/>
+          </a:effectLst>
+        </p:spPr>
+      </p:pic>
+      <p:pic>
+        <p:nvPicPr>
+          <p:cNvPr id="40" name="Image 39" descr="Une image contenant Graphique, capture d’écran, violet, Caractère coloré&#10;&#10;Description générée automatiquement">
+            <a:extLst>
+              <a:ext uri="{FF2B5EF4-FFF2-40B4-BE49-F238E27FC236}">
+                <a16:creationId xmlns:a16="http://schemas.microsoft.com/office/drawing/2014/main" id="{3A58CB84-1643-3D36-E182-D04053EA32C1}"/>
+              </a:ext>
+            </a:extLst>
+          </p:cNvPr>
+          <p:cNvPicPr>
+            <a:picLocks noChangeAspect="1"/>
+          </p:cNvPicPr>
+          <p:nvPr/>
+        </p:nvPicPr>
+        <p:blipFill>
+          <a:blip r:embed="rId12"/>
+          <a:stretch>
+            <a:fillRect/>
+          </a:stretch>
+        </p:blipFill>
+        <p:spPr>
+          <a:xfrm>
+            <a:off x="9171342" y="3433573"/>
+            <a:ext cx="2013126" cy="978796"/>
+          </a:xfrm>
+          <a:prstGeom prst="rect">
+            <a:avLst/>
+          </a:prstGeom>
+        </p:spPr>
+      </p:pic>
+      <p:pic>
+        <p:nvPicPr>
+          <p:cNvPr id="44" name="Image 43">
+            <a:extLst>
+              <a:ext uri="{FF2B5EF4-FFF2-40B4-BE49-F238E27FC236}">
+                <a16:creationId xmlns:a16="http://schemas.microsoft.com/office/drawing/2014/main" id="{D41F91C9-9487-F978-1C39-90CB171E2581}"/>
+              </a:ext>
+            </a:extLst>
+          </p:cNvPr>
+          <p:cNvPicPr>
+            <a:picLocks noChangeAspect="1"/>
+          </p:cNvPicPr>
+          <p:nvPr/>
+        </p:nvPicPr>
+        <p:blipFill>
+          <a:blip r:embed="rId13"/>
+          <a:stretch>
+            <a:fillRect/>
+          </a:stretch>
+        </p:blipFill>
+        <p:spPr>
+          <a:xfrm>
+            <a:off x="9598339" y="4277677"/>
+            <a:ext cx="1148775" cy="1230830"/>
+          </a:xfrm>
+          <a:prstGeom prst="rect">
+            <a:avLst/>
+          </a:prstGeom>
+        </p:spPr>
+      </p:pic>
+      <p:sp>
+        <p:nvSpPr>
+          <p:cNvPr id="45" name="ZoneTexte 44">
+            <a:extLst>
+              <a:ext uri="{FF2B5EF4-FFF2-40B4-BE49-F238E27FC236}">
+                <a16:creationId xmlns:a16="http://schemas.microsoft.com/office/drawing/2014/main" id="{C3B6F3CA-8F60-1A80-848C-DC9682859BE9}"/>
+              </a:ext>
+            </a:extLst>
+          </p:cNvPr>
+          <p:cNvSpPr txBox="1"/>
+          <p:nvPr/>
+        </p:nvSpPr>
+        <p:spPr>
+          <a:xfrm>
+            <a:off x="9670008" y="5508507"/>
+            <a:ext cx="1111242" cy="369332"/>
+          </a:xfrm>
+          <a:prstGeom prst="rect">
+            <a:avLst/>
+          </a:prstGeom>
+          <a:noFill/>
+        </p:spPr>
+        <p:txBody>
+          <a:bodyPr wrap="square" rtlCol="0">
+            <a:spAutoFit/>
+          </a:bodyPr>
+          <a:lstStyle/>
+          <a:p>
+            <a:r>
+              <a:rPr lang="fr-CH" b="1" dirty="0" err="1"/>
+              <a:t>Duckling</a:t>
+            </a:r>
+            <a:endParaRPr lang="fr-CH" b="1" dirty="0"/>
+          </a:p>
+        </p:txBody>
+      </p:sp>
+      <p:pic>
+        <p:nvPicPr>
+          <p:cNvPr id="46" name="Image 45" descr="Une image contenant Police, logo, Graphique, symbole&#10;&#10;Description générée automatiquement">
+            <a:extLst>
+              <a:ext uri="{FF2B5EF4-FFF2-40B4-BE49-F238E27FC236}">
+                <a16:creationId xmlns:a16="http://schemas.microsoft.com/office/drawing/2014/main" id="{8142AF80-ACF2-397A-250B-418E7D7A4DFC}"/>
+              </a:ext>
+            </a:extLst>
+          </p:cNvPr>
+          <p:cNvPicPr>
+            <a:picLocks noChangeAspect="1"/>
+          </p:cNvPicPr>
+          <p:nvPr/>
+        </p:nvPicPr>
+        <p:blipFill>
+          <a:blip r:embed="rId4"/>
+          <a:stretch>
+            <a:fillRect/>
+          </a:stretch>
+        </p:blipFill>
+        <p:spPr>
+          <a:xfrm>
+            <a:off x="6399281" y="4277677"/>
+            <a:ext cx="2337060" cy="1096849"/>
+          </a:xfrm>
+          <a:prstGeom prst="rect">
+            <a:avLst/>
+          </a:prstGeom>
+          <a:effectLst>
+            <a:softEdge rad="101600"/>
+          </a:effectLst>
+        </p:spPr>
+      </p:pic>
     </p:spTree>
     <p:extLst>
       <p:ext uri="{BB962C8B-B14F-4D97-AF65-F5344CB8AC3E}">
         <p14:creationId xmlns:p14="http://schemas.microsoft.com/office/powerpoint/2010/main" val="132028324"/>
+      </p:ext>
+    </p:extLst>
+  </p:cSld>
+  <p:clrMapOvr>
+    <a:masterClrMapping/>
+  </p:clrMapOvr>
+</p:sld>
+</file>
+
+<file path=ppt/slides/slide18.xml><?xml version="1.0" encoding="utf-8"?>
+<p:sld xmlns:a="http://schemas.openxmlformats.org/drawingml/2006/main" xmlns:r="http://schemas.openxmlformats.org/officeDocument/2006/relationships" xmlns:p="http://schemas.openxmlformats.org/presentationml/2006/main">
+  <p:cSld>
+    <p:spTree>
+      <p:nvGrpSpPr>
+        <p:cNvPr id="1" name=""/>
+        <p:cNvGrpSpPr/>
+        <p:nvPr/>
+      </p:nvGrpSpPr>
+      <p:grpSpPr>
+        <a:xfrm>
+          <a:off x="0" y="0"/>
+          <a:ext cx="0" cy="0"/>
+          <a:chOff x="0" y="0"/>
+          <a:chExt cx="0" cy="0"/>
+        </a:xfrm>
+      </p:grpSpPr>
+      <p:sp>
+        <p:nvSpPr>
+          <p:cNvPr id="2" name="Titre 1">
+            <a:extLst>
+              <a:ext uri="{FF2B5EF4-FFF2-40B4-BE49-F238E27FC236}">
+                <a16:creationId xmlns:a16="http://schemas.microsoft.com/office/drawing/2014/main" id="{A4B1C023-5BCE-7D45-07EB-E48A5BFAF3A6}"/>
+              </a:ext>
+            </a:extLst>
+          </p:cNvPr>
+          <p:cNvSpPr>
+            <a:spLocks noGrp="1"/>
+          </p:cNvSpPr>
+          <p:nvPr>
+            <p:ph type="title"/>
+          </p:nvPr>
+        </p:nvSpPr>
+        <p:spPr>
+          <a:xfrm>
+            <a:off x="154004" y="1123837"/>
+            <a:ext cx="3185962" cy="4601183"/>
+          </a:xfrm>
+        </p:spPr>
+        <p:txBody>
+          <a:bodyPr/>
+          <a:lstStyle/>
+          <a:p>
+            <a:r>
+              <a:rPr lang="fr-CH" dirty="0"/>
+              <a:t>Implémentation – Architecture </a:t>
+            </a:r>
+          </a:p>
+        </p:txBody>
+      </p:sp>
+      <p:pic>
+        <p:nvPicPr>
+          <p:cNvPr id="9" name="Espace réservé du contenu 8" descr="Une image contenant texte, capture d’écran, diagramme, affichage&#10;&#10;Description générée automatiquement">
+            <a:extLst>
+              <a:ext uri="{FF2B5EF4-FFF2-40B4-BE49-F238E27FC236}">
+                <a16:creationId xmlns:a16="http://schemas.microsoft.com/office/drawing/2014/main" id="{FF638C40-71B9-C491-7870-C9699E7656F4}"/>
+              </a:ext>
+            </a:extLst>
+          </p:cNvPr>
+          <p:cNvPicPr>
+            <a:picLocks noGrp="1" noChangeAspect="1"/>
+          </p:cNvPicPr>
+          <p:nvPr>
+            <p:ph idx="1"/>
+          </p:nvPr>
+        </p:nvPicPr>
+        <p:blipFill>
+          <a:blip r:embed="rId2"/>
+          <a:stretch>
+            <a:fillRect/>
+          </a:stretch>
+        </p:blipFill>
+        <p:spPr>
+          <a:xfrm>
+            <a:off x="3714751" y="136525"/>
+            <a:ext cx="7915274" cy="6438707"/>
+          </a:xfrm>
+        </p:spPr>
+      </p:pic>
+      <p:sp>
+        <p:nvSpPr>
+          <p:cNvPr id="4" name="Espace réservé du pied de page 3">
+            <a:extLst>
+              <a:ext uri="{FF2B5EF4-FFF2-40B4-BE49-F238E27FC236}">
+                <a16:creationId xmlns:a16="http://schemas.microsoft.com/office/drawing/2014/main" id="{93369707-7252-705A-C594-0D52FF5E4882}"/>
+              </a:ext>
+            </a:extLst>
+          </p:cNvPr>
+          <p:cNvSpPr>
+            <a:spLocks noGrp="1"/>
+          </p:cNvSpPr>
+          <p:nvPr>
+            <p:ph type="ftr" sz="quarter" idx="11"/>
+          </p:nvPr>
+        </p:nvSpPr>
+        <p:spPr/>
+        <p:txBody>
+          <a:bodyPr/>
+          <a:lstStyle/>
+          <a:p>
+            <a:r>
+              <a:rPr lang="fr-CH"/>
+              <a:t>Présentation BA - Chatbot Réservation - Rodrigues dos Santos Fabio</a:t>
+            </a:r>
+            <a:endParaRPr lang="en-US" dirty="0"/>
+          </a:p>
+        </p:txBody>
+      </p:sp>
+      <p:sp>
+        <p:nvSpPr>
+          <p:cNvPr id="5" name="Espace réservé du numéro de diapositive 4">
+            <a:extLst>
+              <a:ext uri="{FF2B5EF4-FFF2-40B4-BE49-F238E27FC236}">
+                <a16:creationId xmlns:a16="http://schemas.microsoft.com/office/drawing/2014/main" id="{4220CD11-BD18-7FEA-DA41-209AE31DFFA8}"/>
+              </a:ext>
+            </a:extLst>
+          </p:cNvPr>
+          <p:cNvSpPr>
+            <a:spLocks noGrp="1"/>
+          </p:cNvSpPr>
+          <p:nvPr>
+            <p:ph type="sldNum" sz="quarter" idx="12"/>
+          </p:nvPr>
+        </p:nvSpPr>
+        <p:spPr/>
+        <p:txBody>
+          <a:bodyPr/>
+          <a:lstStyle/>
+          <a:p>
+            <a:fld id="{4FAB73BC-B049-4115-A692-8D63A059BFB8}" type="slidenum">
+              <a:rPr lang="en-US" smtClean="0"/>
+              <a:pPr/>
+              <a:t>18</a:t>
+            </a:fld>
+            <a:endParaRPr lang="en-US" dirty="0"/>
+          </a:p>
+        </p:txBody>
+      </p:sp>
+    </p:spTree>
+    <p:extLst>
+      <p:ext uri="{BB962C8B-B14F-4D97-AF65-F5344CB8AC3E}">
+        <p14:creationId xmlns:p14="http://schemas.microsoft.com/office/powerpoint/2010/main" val="4138307965"/>
+      </p:ext>
+    </p:extLst>
+  </p:cSld>
+  <p:clrMapOvr>
+    <a:masterClrMapping/>
+  </p:clrMapOvr>
+</p:sld>
+</file>
+
+<file path=ppt/slides/slide19.xml><?xml version="1.0" encoding="utf-8"?>
+<p:sld xmlns:a="http://schemas.openxmlformats.org/drawingml/2006/main" xmlns:r="http://schemas.openxmlformats.org/officeDocument/2006/relationships" xmlns:p="http://schemas.openxmlformats.org/presentationml/2006/main">
+  <p:cSld>
+    <p:spTree>
+      <p:nvGrpSpPr>
+        <p:cNvPr id="1" name=""/>
+        <p:cNvGrpSpPr/>
+        <p:nvPr/>
+      </p:nvGrpSpPr>
+      <p:grpSpPr>
+        <a:xfrm>
+          <a:off x="0" y="0"/>
+          <a:ext cx="0" cy="0"/>
+          <a:chOff x="0" y="0"/>
+          <a:chExt cx="0" cy="0"/>
+        </a:xfrm>
+      </p:grpSpPr>
+      <p:sp>
+        <p:nvSpPr>
+          <p:cNvPr id="2" name="Titre 1">
+            <a:extLst>
+              <a:ext uri="{FF2B5EF4-FFF2-40B4-BE49-F238E27FC236}">
+                <a16:creationId xmlns:a16="http://schemas.microsoft.com/office/drawing/2014/main" id="{23A285B4-FD70-2A71-8251-87E83297FD76}"/>
+              </a:ext>
+            </a:extLst>
+          </p:cNvPr>
+          <p:cNvSpPr>
+            <a:spLocks noGrp="1"/>
+          </p:cNvSpPr>
+          <p:nvPr>
+            <p:ph type="title"/>
+          </p:nvPr>
+        </p:nvSpPr>
+        <p:spPr>
+          <a:xfrm>
+            <a:off x="86628" y="1123837"/>
+            <a:ext cx="3272590" cy="4601183"/>
+          </a:xfrm>
+        </p:spPr>
+        <p:txBody>
+          <a:bodyPr/>
+          <a:lstStyle/>
+          <a:p>
+            <a:r>
+              <a:rPr lang="fr-CH" dirty="0"/>
+              <a:t>Implémentation</a:t>
+            </a:r>
+          </a:p>
+        </p:txBody>
+      </p:sp>
+      <p:sp>
+        <p:nvSpPr>
+          <p:cNvPr id="3" name="Espace réservé du contenu 2">
+            <a:extLst>
+              <a:ext uri="{FF2B5EF4-FFF2-40B4-BE49-F238E27FC236}">
+                <a16:creationId xmlns:a16="http://schemas.microsoft.com/office/drawing/2014/main" id="{7FF2596B-5801-C19F-18DD-C858D3CD4614}"/>
+              </a:ext>
+            </a:extLst>
+          </p:cNvPr>
+          <p:cNvSpPr>
+            <a:spLocks noGrp="1"/>
+          </p:cNvSpPr>
+          <p:nvPr>
+            <p:ph idx="1"/>
+          </p:nvPr>
+        </p:nvSpPr>
+        <p:spPr/>
+        <p:txBody>
+          <a:bodyPr/>
+          <a:lstStyle/>
+          <a:p>
+            <a:pPr marL="0" indent="0">
+              <a:buNone/>
+            </a:pPr>
+            <a:r>
+              <a:rPr lang="fr-CH" dirty="0"/>
+              <a:t>Montrer cas concret avec «Je veux réserver pour &lt;date&gt;»</a:t>
+            </a:r>
+          </a:p>
+        </p:txBody>
+      </p:sp>
+      <p:sp>
+        <p:nvSpPr>
+          <p:cNvPr id="4" name="Espace réservé du pied de page 3">
+            <a:extLst>
+              <a:ext uri="{FF2B5EF4-FFF2-40B4-BE49-F238E27FC236}">
+                <a16:creationId xmlns:a16="http://schemas.microsoft.com/office/drawing/2014/main" id="{A38321E0-ECEB-C769-218D-848393A7F84F}"/>
+              </a:ext>
+            </a:extLst>
+          </p:cNvPr>
+          <p:cNvSpPr>
+            <a:spLocks noGrp="1"/>
+          </p:cNvSpPr>
+          <p:nvPr>
+            <p:ph type="ftr" sz="quarter" idx="11"/>
+          </p:nvPr>
+        </p:nvSpPr>
+        <p:spPr/>
+        <p:txBody>
+          <a:bodyPr/>
+          <a:lstStyle/>
+          <a:p>
+            <a:r>
+              <a:rPr lang="fr-CH"/>
+              <a:t>Présentation BA - Chatbot Réservation - Rodrigues dos Santos Fabio</a:t>
+            </a:r>
+            <a:endParaRPr lang="en-US" dirty="0"/>
+          </a:p>
+        </p:txBody>
+      </p:sp>
+      <p:sp>
+        <p:nvSpPr>
+          <p:cNvPr id="5" name="Espace réservé du numéro de diapositive 4">
+            <a:extLst>
+              <a:ext uri="{FF2B5EF4-FFF2-40B4-BE49-F238E27FC236}">
+                <a16:creationId xmlns:a16="http://schemas.microsoft.com/office/drawing/2014/main" id="{51B83CF1-45C8-8781-5866-C752229012C1}"/>
+              </a:ext>
+            </a:extLst>
+          </p:cNvPr>
+          <p:cNvSpPr>
+            <a:spLocks noGrp="1"/>
+          </p:cNvSpPr>
+          <p:nvPr>
+            <p:ph type="sldNum" sz="quarter" idx="12"/>
+          </p:nvPr>
+        </p:nvSpPr>
+        <p:spPr/>
+        <p:txBody>
+          <a:bodyPr/>
+          <a:lstStyle/>
+          <a:p>
+            <a:fld id="{4FAB73BC-B049-4115-A692-8D63A059BFB8}" type="slidenum">
+              <a:rPr lang="en-US" smtClean="0"/>
+              <a:pPr/>
+              <a:t>19</a:t>
+            </a:fld>
+            <a:endParaRPr lang="en-US" dirty="0"/>
+          </a:p>
+        </p:txBody>
+      </p:sp>
+    </p:spTree>
+    <p:extLst>
+      <p:ext uri="{BB962C8B-B14F-4D97-AF65-F5344CB8AC3E}">
+        <p14:creationId xmlns:p14="http://schemas.microsoft.com/office/powerpoint/2010/main" val="2788214326"/>
       </p:ext>
     </p:extLst>
   </p:cSld>
@@ -6901,6 +8043,679 @@
     <p:extLst>
       <p:ext uri="{BB962C8B-B14F-4D97-AF65-F5344CB8AC3E}">
         <p14:creationId xmlns:p14="http://schemas.microsoft.com/office/powerpoint/2010/main" val="4274475382"/>
+      </p:ext>
+    </p:extLst>
+  </p:cSld>
+  <p:clrMapOvr>
+    <a:masterClrMapping/>
+  </p:clrMapOvr>
+</p:sld>
+</file>
+
+<file path=ppt/slides/slide20.xml><?xml version="1.0" encoding="utf-8"?>
+<p:sld xmlns:a="http://schemas.openxmlformats.org/drawingml/2006/main" xmlns:r="http://schemas.openxmlformats.org/officeDocument/2006/relationships" xmlns:p="http://schemas.openxmlformats.org/presentationml/2006/main">
+  <p:cSld>
+    <p:spTree>
+      <p:nvGrpSpPr>
+        <p:cNvPr id="1" name=""/>
+        <p:cNvGrpSpPr/>
+        <p:nvPr/>
+      </p:nvGrpSpPr>
+      <p:grpSpPr>
+        <a:xfrm>
+          <a:off x="0" y="0"/>
+          <a:ext cx="0" cy="0"/>
+          <a:chOff x="0" y="0"/>
+          <a:chExt cx="0" cy="0"/>
+        </a:xfrm>
+      </p:grpSpPr>
+      <p:sp>
+        <p:nvSpPr>
+          <p:cNvPr id="2" name="Titre 1">
+            <a:extLst>
+              <a:ext uri="{FF2B5EF4-FFF2-40B4-BE49-F238E27FC236}">
+                <a16:creationId xmlns:a16="http://schemas.microsoft.com/office/drawing/2014/main" id="{1DA3B315-B7A4-43E0-0847-18EE34F9F48B}"/>
+              </a:ext>
+            </a:extLst>
+          </p:cNvPr>
+          <p:cNvSpPr>
+            <a:spLocks noGrp="1"/>
+          </p:cNvSpPr>
+          <p:nvPr>
+            <p:ph type="title"/>
+          </p:nvPr>
+        </p:nvSpPr>
+        <p:spPr/>
+        <p:txBody>
+          <a:bodyPr/>
+          <a:lstStyle/>
+          <a:p>
+            <a:endParaRPr lang="fr-CH"/>
+          </a:p>
+        </p:txBody>
+      </p:sp>
+      <p:sp>
+        <p:nvSpPr>
+          <p:cNvPr id="3" name="Espace réservé du contenu 2">
+            <a:extLst>
+              <a:ext uri="{FF2B5EF4-FFF2-40B4-BE49-F238E27FC236}">
+                <a16:creationId xmlns:a16="http://schemas.microsoft.com/office/drawing/2014/main" id="{8D99D289-8784-ABAA-A61D-3BBE5D1D1D04}"/>
+              </a:ext>
+            </a:extLst>
+          </p:cNvPr>
+          <p:cNvSpPr>
+            <a:spLocks noGrp="1"/>
+          </p:cNvSpPr>
+          <p:nvPr>
+            <p:ph idx="1"/>
+          </p:nvPr>
+        </p:nvSpPr>
+        <p:spPr/>
+        <p:txBody>
+          <a:bodyPr/>
+          <a:lstStyle/>
+          <a:p>
+            <a:endParaRPr lang="fr-CH"/>
+          </a:p>
+        </p:txBody>
+      </p:sp>
+      <p:sp>
+        <p:nvSpPr>
+          <p:cNvPr id="4" name="Espace réservé du pied de page 3">
+            <a:extLst>
+              <a:ext uri="{FF2B5EF4-FFF2-40B4-BE49-F238E27FC236}">
+                <a16:creationId xmlns:a16="http://schemas.microsoft.com/office/drawing/2014/main" id="{29B4342A-7DB4-970E-CC66-4D9AF4972C3C}"/>
+              </a:ext>
+            </a:extLst>
+          </p:cNvPr>
+          <p:cNvSpPr>
+            <a:spLocks noGrp="1"/>
+          </p:cNvSpPr>
+          <p:nvPr>
+            <p:ph type="ftr" sz="quarter" idx="11"/>
+          </p:nvPr>
+        </p:nvSpPr>
+        <p:spPr/>
+        <p:txBody>
+          <a:bodyPr/>
+          <a:lstStyle/>
+          <a:p>
+            <a:r>
+              <a:rPr lang="fr-CH"/>
+              <a:t>Présentation BA - Chatbot Réservation - Rodrigues dos Santos Fabio</a:t>
+            </a:r>
+            <a:endParaRPr lang="en-US" dirty="0"/>
+          </a:p>
+        </p:txBody>
+      </p:sp>
+      <p:sp>
+        <p:nvSpPr>
+          <p:cNvPr id="5" name="Espace réservé du numéro de diapositive 4">
+            <a:extLst>
+              <a:ext uri="{FF2B5EF4-FFF2-40B4-BE49-F238E27FC236}">
+                <a16:creationId xmlns:a16="http://schemas.microsoft.com/office/drawing/2014/main" id="{206284CD-7965-BC47-8C92-F53C861DF8FB}"/>
+              </a:ext>
+            </a:extLst>
+          </p:cNvPr>
+          <p:cNvSpPr>
+            <a:spLocks noGrp="1"/>
+          </p:cNvSpPr>
+          <p:nvPr>
+            <p:ph type="sldNum" sz="quarter" idx="12"/>
+          </p:nvPr>
+        </p:nvSpPr>
+        <p:spPr/>
+        <p:txBody>
+          <a:bodyPr/>
+          <a:lstStyle/>
+          <a:p>
+            <a:fld id="{4FAB73BC-B049-4115-A692-8D63A059BFB8}" type="slidenum">
+              <a:rPr lang="en-US" smtClean="0"/>
+              <a:pPr/>
+              <a:t>20</a:t>
+            </a:fld>
+            <a:endParaRPr lang="en-US" dirty="0"/>
+          </a:p>
+        </p:txBody>
+      </p:sp>
+    </p:spTree>
+    <p:extLst>
+      <p:ext uri="{BB962C8B-B14F-4D97-AF65-F5344CB8AC3E}">
+        <p14:creationId xmlns:p14="http://schemas.microsoft.com/office/powerpoint/2010/main" val="488248549"/>
+      </p:ext>
+    </p:extLst>
+  </p:cSld>
+  <p:clrMapOvr>
+    <a:masterClrMapping/>
+  </p:clrMapOvr>
+</p:sld>
+</file>
+
+<file path=ppt/slides/slide21.xml><?xml version="1.0" encoding="utf-8"?>
+<p:sld xmlns:a="http://schemas.openxmlformats.org/drawingml/2006/main" xmlns:r="http://schemas.openxmlformats.org/officeDocument/2006/relationships" xmlns:p="http://schemas.openxmlformats.org/presentationml/2006/main" show="0">
+  <p:cSld>
+    <p:spTree>
+      <p:nvGrpSpPr>
+        <p:cNvPr id="1" name=""/>
+        <p:cNvGrpSpPr/>
+        <p:nvPr/>
+      </p:nvGrpSpPr>
+      <p:grpSpPr>
+        <a:xfrm>
+          <a:off x="0" y="0"/>
+          <a:ext cx="0" cy="0"/>
+          <a:chOff x="0" y="0"/>
+          <a:chExt cx="0" cy="0"/>
+        </a:xfrm>
+      </p:grpSpPr>
+      <p:sp>
+        <p:nvSpPr>
+          <p:cNvPr id="2" name="Titre 1">
+            <a:extLst>
+              <a:ext uri="{FF2B5EF4-FFF2-40B4-BE49-F238E27FC236}">
+                <a16:creationId xmlns:a16="http://schemas.microsoft.com/office/drawing/2014/main" id="{06DBEBEE-FE11-1D96-3A92-5F67EDCA7FC5}"/>
+              </a:ext>
+            </a:extLst>
+          </p:cNvPr>
+          <p:cNvSpPr>
+            <a:spLocks noGrp="1"/>
+          </p:cNvSpPr>
+          <p:nvPr>
+            <p:ph type="title"/>
+          </p:nvPr>
+        </p:nvSpPr>
+        <p:spPr/>
+        <p:txBody>
+          <a:bodyPr/>
+          <a:lstStyle/>
+          <a:p>
+            <a:r>
+              <a:rPr lang="fr-CH" dirty="0"/>
+              <a:t>Choix Technologique</a:t>
+            </a:r>
+          </a:p>
+        </p:txBody>
+      </p:sp>
+      <p:sp>
+        <p:nvSpPr>
+          <p:cNvPr id="3" name="Espace réservé du contenu 2">
+            <a:extLst>
+              <a:ext uri="{FF2B5EF4-FFF2-40B4-BE49-F238E27FC236}">
+                <a16:creationId xmlns:a16="http://schemas.microsoft.com/office/drawing/2014/main" id="{B7978ADA-316E-9170-49D0-F40F52F8FB42}"/>
+              </a:ext>
+            </a:extLst>
+          </p:cNvPr>
+          <p:cNvSpPr>
+            <a:spLocks noGrp="1"/>
+          </p:cNvSpPr>
+          <p:nvPr>
+            <p:ph idx="1"/>
+          </p:nvPr>
+        </p:nvSpPr>
+        <p:spPr/>
+        <p:txBody>
+          <a:bodyPr/>
+          <a:lstStyle/>
+          <a:p>
+            <a:pPr marL="0" indent="0">
+              <a:buNone/>
+            </a:pPr>
+            <a:endParaRPr lang="fr-CH" sz="1800" dirty="0">
+              <a:latin typeface="+mj-lt"/>
+            </a:endParaRPr>
+          </a:p>
+          <a:p>
+            <a:pPr marL="0" indent="0">
+              <a:buNone/>
+            </a:pPr>
+            <a:endParaRPr lang="fr-CH" dirty="0"/>
+          </a:p>
+        </p:txBody>
+      </p:sp>
+      <p:sp>
+        <p:nvSpPr>
+          <p:cNvPr id="4" name="Espace réservé du pied de page 3">
+            <a:extLst>
+              <a:ext uri="{FF2B5EF4-FFF2-40B4-BE49-F238E27FC236}">
+                <a16:creationId xmlns:a16="http://schemas.microsoft.com/office/drawing/2014/main" id="{99FFDE94-6FDE-014D-B677-22A77B1CC556}"/>
+              </a:ext>
+            </a:extLst>
+          </p:cNvPr>
+          <p:cNvSpPr>
+            <a:spLocks noGrp="1"/>
+          </p:cNvSpPr>
+          <p:nvPr>
+            <p:ph type="ftr" sz="quarter" idx="11"/>
+          </p:nvPr>
+        </p:nvSpPr>
+        <p:spPr/>
+        <p:txBody>
+          <a:bodyPr/>
+          <a:lstStyle/>
+          <a:p>
+            <a:r>
+              <a:rPr lang="fr-CH"/>
+              <a:t>Présentation BA - Chatbot Réservation - Rodrigues dos Santos Fabio</a:t>
+            </a:r>
+            <a:endParaRPr lang="en-US" dirty="0"/>
+          </a:p>
+        </p:txBody>
+      </p:sp>
+      <p:sp>
+        <p:nvSpPr>
+          <p:cNvPr id="5" name="Espace réservé du numéro de diapositive 4">
+            <a:extLst>
+              <a:ext uri="{FF2B5EF4-FFF2-40B4-BE49-F238E27FC236}">
+                <a16:creationId xmlns:a16="http://schemas.microsoft.com/office/drawing/2014/main" id="{096BD369-0379-DDFD-42CE-537A6A480ED2}"/>
+              </a:ext>
+            </a:extLst>
+          </p:cNvPr>
+          <p:cNvSpPr>
+            <a:spLocks noGrp="1"/>
+          </p:cNvSpPr>
+          <p:nvPr>
+            <p:ph type="sldNum" sz="quarter" idx="12"/>
+          </p:nvPr>
+        </p:nvSpPr>
+        <p:spPr/>
+        <p:txBody>
+          <a:bodyPr/>
+          <a:lstStyle/>
+          <a:p>
+            <a:fld id="{4FAB73BC-B049-4115-A692-8D63A059BFB8}" type="slidenum">
+              <a:rPr lang="en-US" smtClean="0"/>
+              <a:pPr/>
+              <a:t>21</a:t>
+            </a:fld>
+            <a:endParaRPr lang="en-US" dirty="0"/>
+          </a:p>
+        </p:txBody>
+      </p:sp>
+      <p:graphicFrame>
+        <p:nvGraphicFramePr>
+          <p:cNvPr id="6" name="Tableau 5">
+            <a:extLst>
+              <a:ext uri="{FF2B5EF4-FFF2-40B4-BE49-F238E27FC236}">
+                <a16:creationId xmlns:a16="http://schemas.microsoft.com/office/drawing/2014/main" id="{6F703A9D-BBE8-7E2F-A174-548C5BDF123A}"/>
+              </a:ext>
+            </a:extLst>
+          </p:cNvPr>
+          <p:cNvGraphicFramePr>
+            <a:graphicFrameLocks noGrp="1"/>
+          </p:cNvGraphicFramePr>
+          <p:nvPr/>
+        </p:nvGraphicFramePr>
+        <p:xfrm>
+          <a:off x="3711669" y="667460"/>
+          <a:ext cx="7687929" cy="5437694"/>
+        </p:xfrm>
+        <a:graphic>
+          <a:graphicData uri="http://schemas.openxmlformats.org/drawingml/2006/table">
+            <a:tbl>
+              <a:tblPr firstRow="1" bandRow="1">
+                <a:tableStyleId>{5C22544A-7EE6-4342-B048-85BDC9FD1C3A}</a:tableStyleId>
+              </a:tblPr>
+              <a:tblGrid>
+                <a:gridCol w="2562643">
+                  <a:extLst>
+                    <a:ext uri="{9D8B030D-6E8A-4147-A177-3AD203B41FA5}">
+                      <a16:colId xmlns:a16="http://schemas.microsoft.com/office/drawing/2014/main" val="3564024515"/>
+                    </a:ext>
+                  </a:extLst>
+                </a:gridCol>
+                <a:gridCol w="2562643">
+                  <a:extLst>
+                    <a:ext uri="{9D8B030D-6E8A-4147-A177-3AD203B41FA5}">
+                      <a16:colId xmlns:a16="http://schemas.microsoft.com/office/drawing/2014/main" val="449509177"/>
+                    </a:ext>
+                  </a:extLst>
+                </a:gridCol>
+                <a:gridCol w="2562643">
+                  <a:extLst>
+                    <a:ext uri="{9D8B030D-6E8A-4147-A177-3AD203B41FA5}">
+                      <a16:colId xmlns:a16="http://schemas.microsoft.com/office/drawing/2014/main" val="2147953765"/>
+                    </a:ext>
+                  </a:extLst>
+                </a:gridCol>
+              </a:tblGrid>
+              <a:tr h="576134">
+                <a:tc>
+                  <a:txBody>
+                    <a:bodyPr/>
+                    <a:lstStyle/>
+                    <a:p>
+                      <a:pPr algn="ctr"/>
+                      <a:r>
+                        <a:rPr lang="fr-CH" sz="2000" dirty="0"/>
+                        <a:t>Frontend</a:t>
+                      </a:r>
+                    </a:p>
+                  </a:txBody>
+                  <a:tcPr anchor="ctr"/>
+                </a:tc>
+                <a:tc>
+                  <a:txBody>
+                    <a:bodyPr/>
+                    <a:lstStyle/>
+                    <a:p>
+                      <a:pPr algn="ctr"/>
+                      <a:r>
+                        <a:rPr lang="fr-CH" sz="2000" dirty="0"/>
+                        <a:t>Backend</a:t>
+                      </a:r>
+                    </a:p>
+                  </a:txBody>
+                  <a:tcPr anchor="ctr"/>
+                </a:tc>
+                <a:tc>
+                  <a:txBody>
+                    <a:bodyPr/>
+                    <a:lstStyle/>
+                    <a:p>
+                      <a:pPr algn="ctr"/>
+                      <a:r>
+                        <a:rPr lang="fr-CH" sz="2000" dirty="0"/>
+                        <a:t>Chatbot</a:t>
+                      </a:r>
+                    </a:p>
+                  </a:txBody>
+                  <a:tcPr anchor="ctr"/>
+                </a:tc>
+                <a:extLst>
+                  <a:ext uri="{0D108BD9-81ED-4DB2-BD59-A6C34878D82A}">
+                    <a16:rowId xmlns:a16="http://schemas.microsoft.com/office/drawing/2014/main" val="3041078941"/>
+                  </a:ext>
+                </a:extLst>
+              </a:tr>
+              <a:tr h="576134">
+                <a:tc>
+                  <a:txBody>
+                    <a:bodyPr/>
+                    <a:lstStyle/>
+                    <a:p>
+                      <a:pPr marL="285750" indent="-285750">
+                        <a:spcAft>
+                          <a:spcPts val="600"/>
+                        </a:spcAft>
+                        <a:buFont typeface="Arial" panose="020B0604020202020204" pitchFamily="34" charset="0"/>
+                        <a:buChar char="•"/>
+                      </a:pPr>
+                      <a:r>
+                        <a:rPr lang="fr-CH" sz="1600" b="1" dirty="0" err="1"/>
+                        <a:t>React</a:t>
+                      </a:r>
+                      <a:r>
+                        <a:rPr lang="fr-CH" sz="1600" dirty="0"/>
+                        <a:t> – Framework pour un front modulaire</a:t>
+                      </a:r>
+                    </a:p>
+                    <a:p>
+                      <a:pPr marL="285750" indent="-285750">
+                        <a:spcAft>
+                          <a:spcPts val="600"/>
+                        </a:spcAft>
+                        <a:buFont typeface="Arial" panose="020B0604020202020204" pitchFamily="34" charset="0"/>
+                        <a:buChar char="•"/>
+                      </a:pPr>
+                      <a:r>
+                        <a:rPr lang="fr-CH" sz="1600" b="1" dirty="0"/>
+                        <a:t>Vite</a:t>
+                      </a:r>
+                      <a:r>
+                        <a:rPr lang="fr-CH" sz="1600" dirty="0"/>
+                        <a:t> – Héberger aisément un serveur frontend avec intégration </a:t>
+                      </a:r>
+                      <a:r>
+                        <a:rPr lang="fr-CH" sz="1600" dirty="0" err="1"/>
+                        <a:t>React</a:t>
+                      </a:r>
+                      <a:endParaRPr lang="fr-CH" sz="1600" dirty="0"/>
+                    </a:p>
+                    <a:p>
+                      <a:pPr marL="285750" indent="-285750">
+                        <a:spcAft>
+                          <a:spcPts val="600"/>
+                        </a:spcAft>
+                        <a:buFont typeface="Arial" panose="020B0604020202020204" pitchFamily="34" charset="0"/>
+                        <a:buChar char="•"/>
+                      </a:pPr>
+                      <a:r>
+                        <a:rPr lang="fr-CH" sz="1600" b="1" dirty="0"/>
+                        <a:t>Socket.io </a:t>
+                      </a:r>
+                      <a:r>
+                        <a:rPr lang="fr-CH" sz="1600" dirty="0"/>
+                        <a:t>– Connexions multiples avec un serveur</a:t>
+                      </a:r>
+                    </a:p>
+                    <a:p>
+                      <a:pPr marL="285750" indent="-285750">
+                        <a:spcAft>
+                          <a:spcPts val="600"/>
+                        </a:spcAft>
+                        <a:buFont typeface="Arial" panose="020B0604020202020204" pitchFamily="34" charset="0"/>
+                        <a:buChar char="•"/>
+                      </a:pPr>
+                      <a:r>
+                        <a:rPr lang="fr-CH" sz="1600" b="1" dirty="0"/>
+                        <a:t>API Telegram</a:t>
+                      </a:r>
+                      <a:r>
+                        <a:rPr lang="fr-CH" sz="1600" dirty="0"/>
+                        <a:t> – Gestion d’un bot Telegram</a:t>
+                      </a:r>
+                    </a:p>
+                  </a:txBody>
+                  <a:tcPr/>
+                </a:tc>
+                <a:tc>
+                  <a:txBody>
+                    <a:bodyPr/>
+                    <a:lstStyle/>
+                    <a:p>
+                      <a:pPr marL="285750" indent="-285750">
+                        <a:spcAft>
+                          <a:spcPts val="600"/>
+                        </a:spcAft>
+                        <a:buFont typeface="Arial" panose="020B0604020202020204" pitchFamily="34" charset="0"/>
+                        <a:buChar char="•"/>
+                      </a:pPr>
+                      <a:r>
+                        <a:rPr lang="fr-CH" sz="1600" b="1" dirty="0" err="1"/>
+                        <a:t>FastAPI</a:t>
+                      </a:r>
+                      <a:r>
+                        <a:rPr lang="fr-CH" sz="1600" dirty="0"/>
+                        <a:t> – Framework pour des API REST en Python</a:t>
+                      </a:r>
+                    </a:p>
+                    <a:p>
+                      <a:pPr marL="285750" indent="-285750">
+                        <a:spcAft>
+                          <a:spcPts val="600"/>
+                        </a:spcAft>
+                        <a:buFont typeface="Arial" panose="020B0604020202020204" pitchFamily="34" charset="0"/>
+                        <a:buChar char="•"/>
+                      </a:pPr>
+                      <a:r>
+                        <a:rPr lang="fr-CH" sz="1600" b="1" dirty="0" err="1"/>
+                        <a:t>Uvicorn</a:t>
+                      </a:r>
+                      <a:r>
+                        <a:rPr lang="fr-CH" sz="1600" dirty="0"/>
+                        <a:t> – Package couplé à </a:t>
+                      </a:r>
+                      <a:r>
+                        <a:rPr lang="fr-CH" sz="1600" dirty="0" err="1"/>
+                        <a:t>FastAPI</a:t>
+                      </a:r>
+                      <a:r>
+                        <a:rPr lang="fr-CH" sz="1600" dirty="0"/>
+                        <a:t> pour la mise en place de serveur</a:t>
+                      </a:r>
+                    </a:p>
+                    <a:p>
+                      <a:pPr marL="285750" indent="-285750">
+                        <a:spcAft>
+                          <a:spcPts val="600"/>
+                        </a:spcAft>
+                        <a:buFont typeface="Arial" panose="020B0604020202020204" pitchFamily="34" charset="0"/>
+                        <a:buChar char="•"/>
+                      </a:pPr>
+                      <a:r>
+                        <a:rPr lang="fr-CH" sz="1600" b="1" dirty="0" err="1"/>
+                        <a:t>NodeJS</a:t>
+                      </a:r>
+                      <a:r>
+                        <a:rPr lang="fr-CH" sz="1600" dirty="0"/>
+                        <a:t> – Exécution de code Javascript coté serveur</a:t>
+                      </a:r>
+                    </a:p>
+                    <a:p>
+                      <a:pPr marL="285750" indent="-285750">
+                        <a:spcAft>
+                          <a:spcPts val="600"/>
+                        </a:spcAft>
+                        <a:buFont typeface="Arial" panose="020B0604020202020204" pitchFamily="34" charset="0"/>
+                        <a:buChar char="•"/>
+                      </a:pPr>
+                      <a:r>
+                        <a:rPr lang="fr-CH" sz="1600" b="1" dirty="0"/>
+                        <a:t>Express</a:t>
+                      </a:r>
+                      <a:r>
+                        <a:rPr lang="fr-CH" sz="1600" dirty="0"/>
+                        <a:t> – Framework pour des API REST en Javascript/</a:t>
+                      </a:r>
+                      <a:r>
+                        <a:rPr lang="fr-CH" sz="1600" dirty="0" err="1"/>
+                        <a:t>Typescript</a:t>
+                      </a:r>
+                      <a:endParaRPr lang="fr-CH" sz="1600" dirty="0"/>
+                    </a:p>
+                    <a:p>
+                      <a:pPr marL="285750" indent="-285750">
+                        <a:spcAft>
+                          <a:spcPts val="600"/>
+                        </a:spcAft>
+                        <a:buFont typeface="Arial" panose="020B0604020202020204" pitchFamily="34" charset="0"/>
+                        <a:buChar char="•"/>
+                      </a:pPr>
+                      <a:r>
+                        <a:rPr lang="fr-CH" sz="1600" b="1" dirty="0"/>
+                        <a:t>Socket.IO </a:t>
+                      </a:r>
+                      <a:r>
+                        <a:rPr lang="fr-CH" sz="1600" dirty="0"/>
+                        <a:t>– Connexions multiples d’un serveur à plusieurs clients à la fois</a:t>
+                      </a:r>
+                    </a:p>
+                    <a:p>
+                      <a:pPr marL="285750" indent="-285750">
+                        <a:spcAft>
+                          <a:spcPts val="600"/>
+                        </a:spcAft>
+                        <a:buFont typeface="Arial" panose="020B0604020202020204" pitchFamily="34" charset="0"/>
+                        <a:buChar char="•"/>
+                      </a:pPr>
+                      <a:r>
+                        <a:rPr lang="fr-CH" sz="1600" b="1" dirty="0" err="1"/>
+                        <a:t>SQLAlchemy</a:t>
+                      </a:r>
+                      <a:r>
+                        <a:rPr lang="fr-CH" sz="1600" dirty="0"/>
+                        <a:t> – Toolkit pour l’interaction avec la BDD en Python</a:t>
+                      </a:r>
+                    </a:p>
+                  </a:txBody>
+                  <a:tcPr/>
+                </a:tc>
+                <a:tc>
+                  <a:txBody>
+                    <a:bodyPr/>
+                    <a:lstStyle/>
+                    <a:p>
+                      <a:pPr marL="285750" marR="0" lvl="0" indent="-285750" algn="l" defTabSz="914400" rtl="0" eaLnBrk="1" fontAlgn="auto" latinLnBrk="0" hangingPunct="1">
+                        <a:lnSpc>
+                          <a:spcPct val="100000"/>
+                        </a:lnSpc>
+                        <a:spcBef>
+                          <a:spcPts val="0"/>
+                        </a:spcBef>
+                        <a:spcAft>
+                          <a:spcPts val="600"/>
+                        </a:spcAft>
+                        <a:buClrTx/>
+                        <a:buSzTx/>
+                        <a:buFont typeface="Arial" panose="020B0604020202020204" pitchFamily="34" charset="0"/>
+                        <a:buChar char="•"/>
+                        <a:tabLst/>
+                        <a:defRPr/>
+                      </a:pPr>
+                      <a:r>
+                        <a:rPr lang="fr-CH" sz="1600" b="1" dirty="0"/>
+                        <a:t>PostgreSQL</a:t>
+                      </a:r>
+                      <a:r>
+                        <a:rPr lang="fr-CH" sz="1600" dirty="0"/>
+                        <a:t> – Moteur de base de données</a:t>
+                      </a:r>
+                    </a:p>
+                    <a:p>
+                      <a:pPr marL="285750" indent="-285750">
+                        <a:spcAft>
+                          <a:spcPts val="600"/>
+                        </a:spcAft>
+                        <a:buFont typeface="Arial" panose="020B0604020202020204" pitchFamily="34" charset="0"/>
+                        <a:buChar char="•"/>
+                      </a:pPr>
+                      <a:r>
+                        <a:rPr lang="fr-CH" sz="1600" dirty="0"/>
+                        <a:t>Rasa – Framework de création de Bot conversationnel</a:t>
+                      </a:r>
+                    </a:p>
+                    <a:p>
+                      <a:pPr marL="285750" indent="-285750">
+                        <a:spcAft>
+                          <a:spcPts val="600"/>
+                        </a:spcAft>
+                        <a:buFont typeface="Arial" panose="020B0604020202020204" pitchFamily="34" charset="0"/>
+                        <a:buChar char="•"/>
+                      </a:pPr>
+                      <a:r>
+                        <a:rPr lang="fr-CH" sz="1600" dirty="0" err="1"/>
+                        <a:t>Duckling</a:t>
+                      </a:r>
+                      <a:r>
+                        <a:rPr lang="fr-CH" sz="1600" dirty="0"/>
+                        <a:t> – Logiciel de traitement de données en données </a:t>
+                      </a:r>
+                      <a:r>
+                        <a:rPr lang="fr-CH" sz="1600" dirty="0" err="1"/>
+                        <a:t>parsables</a:t>
+                      </a:r>
+                      <a:r>
+                        <a:rPr lang="fr-CH" sz="1600" dirty="0"/>
+                        <a:t> par la machine</a:t>
+                      </a:r>
+                    </a:p>
+                  </a:txBody>
+                  <a:tcPr/>
+                </a:tc>
+                <a:extLst>
+                  <a:ext uri="{0D108BD9-81ED-4DB2-BD59-A6C34878D82A}">
+                    <a16:rowId xmlns:a16="http://schemas.microsoft.com/office/drawing/2014/main" val="3437104428"/>
+                  </a:ext>
+                </a:extLst>
+              </a:tr>
+            </a:tbl>
+          </a:graphicData>
+        </a:graphic>
+      </p:graphicFrame>
+    </p:spTree>
+    <p:extLst>
+      <p:ext uri="{BB962C8B-B14F-4D97-AF65-F5344CB8AC3E}">
+        <p14:creationId xmlns:p14="http://schemas.microsoft.com/office/powerpoint/2010/main" val="1229205671"/>
       </p:ext>
     </p:extLst>
   </p:cSld>

--- a/documentation/travail_bachelor/ISC_LOG_presentation_diplome_RodriguesDosSantosFabio_EggenbergNiklaus_2024.pptx
+++ b/documentation/travail_bachelor/ISC_LOG_presentation_diplome_RodriguesDosSantosFabio_EggenbergNiklaus_2024.pptx
@@ -5,7 +5,7 @@
     <p:sldMasterId id="2147483840" r:id="rId1"/>
   </p:sldMasterIdLst>
   <p:notesMasterIdLst>
-    <p:notesMasterId r:id="rId23"/>
+    <p:notesMasterId r:id="rId28"/>
   </p:notesMasterIdLst>
   <p:sldIdLst>
     <p:sldId id="256" r:id="rId2"/>
@@ -25,10 +25,15 @@
     <p:sldId id="272" r:id="rId16"/>
     <p:sldId id="274" r:id="rId17"/>
     <p:sldId id="268" r:id="rId18"/>
-    <p:sldId id="278" r:id="rId19"/>
-    <p:sldId id="276" r:id="rId20"/>
-    <p:sldId id="277" r:id="rId21"/>
-    <p:sldId id="275" r:id="rId22"/>
+    <p:sldId id="279" r:id="rId19"/>
+    <p:sldId id="278" r:id="rId20"/>
+    <p:sldId id="283" r:id="rId21"/>
+    <p:sldId id="280" r:id="rId22"/>
+    <p:sldId id="281" r:id="rId23"/>
+    <p:sldId id="282" r:id="rId24"/>
+    <p:sldId id="284" r:id="rId25"/>
+    <p:sldId id="277" r:id="rId26"/>
+    <p:sldId id="275" r:id="rId27"/>
   </p:sldIdLst>
   <p:sldSz cx="12192000" cy="6858000"/>
   <p:notesSz cx="6858000" cy="9144000"/>
@@ -217,7 +222,7 @@
           <a:p>
             <a:fld id="{42AC3142-495C-4280-881B-1526FF75665B}" type="datetimeFigureOut">
               <a:rPr lang="fr-CH" smtClean="0"/>
-              <a:t>25.08.2024</a:t>
+              <a:t>26.08.2024</a:t>
             </a:fld>
             <a:endParaRPr lang="fr-CH"/>
           </a:p>
@@ -709,7 +714,7 @@
           <a:p>
             <a:fld id="{697BC7A4-560B-4424-86D9-D529C3ED2E24}" type="datetime1">
               <a:rPr lang="en-US" smtClean="0"/>
-              <a:t>8/25/2024</a:t>
+              <a:t>8/26/2024</a:t>
             </a:fld>
             <a:endParaRPr lang="en-US" dirty="0"/>
           </a:p>
@@ -879,7 +884,7 @@
           <a:p>
             <a:fld id="{6E901063-52CC-4584-9EE9-3A5FBF2927BA}" type="datetime1">
               <a:rPr lang="en-US" smtClean="0"/>
-              <a:t>8/25/2024</a:t>
+              <a:t>8/26/2024</a:t>
             </a:fld>
             <a:endParaRPr lang="en-US" dirty="0"/>
           </a:p>
@@ -1059,7 +1064,7 @@
           <a:p>
             <a:fld id="{45B21167-5961-4EAA-A2C5-C443E1B8357A}" type="datetime1">
               <a:rPr lang="en-US" smtClean="0"/>
-              <a:t>8/25/2024</a:t>
+              <a:t>8/26/2024</a:t>
             </a:fld>
             <a:endParaRPr lang="en-US" dirty="0"/>
           </a:p>
@@ -1229,7 +1234,7 @@
           <a:p>
             <a:fld id="{77856CEA-0161-4B0B-A6F9-D90790302E09}" type="datetime1">
               <a:rPr lang="en-US" smtClean="0"/>
-              <a:t>8/25/2024</a:t>
+              <a:t>8/26/2024</a:t>
             </a:fld>
             <a:endParaRPr lang="en-US" dirty="0"/>
           </a:p>
@@ -1487,7 +1492,7 @@
           <a:p>
             <a:fld id="{1F7ECC23-A5A0-44D4-B496-B55A434D5385}" type="datetime1">
               <a:rPr lang="en-US" smtClean="0"/>
-              <a:t>8/25/2024</a:t>
+              <a:t>8/26/2024</a:t>
             </a:fld>
             <a:endParaRPr lang="en-US" dirty="0"/>
           </a:p>
@@ -1775,7 +1780,7 @@
           <a:p>
             <a:fld id="{337DEE0E-910E-4647-A748-0A8F2A962DCA}" type="datetime1">
               <a:rPr lang="en-US" smtClean="0"/>
-              <a:t>8/25/2024</a:t>
+              <a:t>8/26/2024</a:t>
             </a:fld>
             <a:endParaRPr lang="en-US" dirty="0"/>
           </a:p>
@@ -2217,7 +2222,7 @@
           <a:p>
             <a:fld id="{E2F9AEDB-DA47-42B1-AA20-FA4193278BFB}" type="datetime1">
               <a:rPr lang="en-US" smtClean="0"/>
-              <a:t>8/25/2024</a:t>
+              <a:t>8/26/2024</a:t>
             </a:fld>
             <a:endParaRPr lang="en-US" dirty="0"/>
           </a:p>
@@ -2335,7 +2340,7 @@
           <a:p>
             <a:fld id="{76A3806D-CEFF-4C7C-B69E-E8C6C2135F0C}" type="datetime1">
               <a:rPr lang="en-US" smtClean="0"/>
-              <a:t>8/25/2024</a:t>
+              <a:t>8/26/2024</a:t>
             </a:fld>
             <a:endParaRPr lang="en-US" dirty="0"/>
           </a:p>
@@ -2430,7 +2435,7 @@
           <a:p>
             <a:fld id="{6C799852-6437-4F59-8BA4-BD526AE7B018}" type="datetime1">
               <a:rPr lang="en-US" smtClean="0"/>
-              <a:t>8/25/2024</a:t>
+              <a:t>8/26/2024</a:t>
             </a:fld>
             <a:endParaRPr lang="en-US" dirty="0"/>
           </a:p>
@@ -2718,7 +2723,7 @@
           <a:p>
             <a:fld id="{BF0EB050-0ECA-42EF-A435-70711370D85B}" type="datetime1">
               <a:rPr lang="en-US" smtClean="0"/>
-              <a:t>8/25/2024</a:t>
+              <a:t>8/26/2024</a:t>
             </a:fld>
             <a:endParaRPr lang="en-US" dirty="0"/>
           </a:p>
@@ -2991,7 +2996,7 @@
           <a:p>
             <a:fld id="{F4052ABD-58D4-4C9E-B1B8-CEC2AA8DBD93}" type="datetime1">
               <a:rPr lang="en-US" smtClean="0"/>
-              <a:t>8/25/2024</a:t>
+              <a:t>8/26/2024</a:t>
             </a:fld>
             <a:endParaRPr lang="en-US" dirty="0"/>
           </a:p>
@@ -3288,7 +3293,7 @@
           <a:p>
             <a:fld id="{C4EEF54E-F662-454E-AE7D-91A1E3F52308}" type="datetime1">
               <a:rPr lang="en-US" smtClean="0"/>
-              <a:t>8/25/2024</a:t>
+              <a:t>8/26/2024</a:t>
             </a:fld>
             <a:endParaRPr lang="en-US" dirty="0"/>
           </a:p>
@@ -7494,7 +7499,7 @@
           <p:cNvPr id="2" name="Titre 1">
             <a:extLst>
               <a:ext uri="{FF2B5EF4-FFF2-40B4-BE49-F238E27FC236}">
-                <a16:creationId xmlns:a16="http://schemas.microsoft.com/office/drawing/2014/main" id="{A4B1C023-5BCE-7D45-07EB-E48A5BFAF3A6}"/>
+                <a16:creationId xmlns:a16="http://schemas.microsoft.com/office/drawing/2014/main" id="{06DBEBEE-FE11-1D96-3A92-5F67EDCA7FC5}"/>
               </a:ext>
             </a:extLst>
           </p:cNvPr>
@@ -7505,58 +7510,24 @@
             <p:ph type="title"/>
           </p:nvPr>
         </p:nvSpPr>
-        <p:spPr>
-          <a:xfrm>
-            <a:off x="154004" y="1123837"/>
-            <a:ext cx="3185962" cy="4601183"/>
-          </a:xfrm>
-        </p:spPr>
+        <p:spPr/>
         <p:txBody>
           <a:bodyPr/>
           <a:lstStyle/>
           <a:p>
             <a:r>
               <a:rPr lang="fr-CH" dirty="0"/>
-              <a:t>Implémentation – Architecture </a:t>
-            </a:r>
-          </a:p>
-        </p:txBody>
-      </p:sp>
-      <p:pic>
-        <p:nvPicPr>
-          <p:cNvPr id="9" name="Espace réservé du contenu 8" descr="Une image contenant texte, capture d’écran, diagramme, affichage&#10;&#10;Description générée automatiquement">
-            <a:extLst>
-              <a:ext uri="{FF2B5EF4-FFF2-40B4-BE49-F238E27FC236}">
-                <a16:creationId xmlns:a16="http://schemas.microsoft.com/office/drawing/2014/main" id="{FF638C40-71B9-C491-7870-C9699E7656F4}"/>
-              </a:ext>
-            </a:extLst>
-          </p:cNvPr>
-          <p:cNvPicPr>
-            <a:picLocks noGrp="1" noChangeAspect="1"/>
-          </p:cNvPicPr>
-          <p:nvPr>
-            <p:ph idx="1"/>
-          </p:nvPr>
-        </p:nvPicPr>
-        <p:blipFill>
-          <a:blip r:embed="rId2"/>
-          <a:stretch>
-            <a:fillRect/>
-          </a:stretch>
-        </p:blipFill>
-        <p:spPr>
-          <a:xfrm>
-            <a:off x="3714751" y="136525"/>
-            <a:ext cx="7915274" cy="6438707"/>
-          </a:xfrm>
-        </p:spPr>
-      </p:pic>
+              <a:t>Choix Technologique – Justification</a:t>
+            </a:r>
+          </a:p>
+        </p:txBody>
+      </p:sp>
       <p:sp>
         <p:nvSpPr>
           <p:cNvPr id="4" name="Espace réservé du pied de page 3">
             <a:extLst>
               <a:ext uri="{FF2B5EF4-FFF2-40B4-BE49-F238E27FC236}">
-                <a16:creationId xmlns:a16="http://schemas.microsoft.com/office/drawing/2014/main" id="{93369707-7252-705A-C594-0D52FF5E4882}"/>
+                <a16:creationId xmlns:a16="http://schemas.microsoft.com/office/drawing/2014/main" id="{99FFDE94-6FDE-014D-B677-22A77B1CC556}"/>
               </a:ext>
             </a:extLst>
           </p:cNvPr>
@@ -7585,7 +7556,7 @@
           <p:cNvPr id="5" name="Espace réservé du numéro de diapositive 4">
             <a:extLst>
               <a:ext uri="{FF2B5EF4-FFF2-40B4-BE49-F238E27FC236}">
-                <a16:creationId xmlns:a16="http://schemas.microsoft.com/office/drawing/2014/main" id="{4220CD11-BD18-7FEA-DA41-209AE31DFFA8}"/>
+                <a16:creationId xmlns:a16="http://schemas.microsoft.com/office/drawing/2014/main" id="{096BD369-0379-DDFD-42CE-537A6A480ED2}"/>
               </a:ext>
             </a:extLst>
           </p:cNvPr>
@@ -7610,10 +7581,212 @@
           </a:p>
         </p:txBody>
       </p:sp>
+      <p:sp>
+        <p:nvSpPr>
+          <p:cNvPr id="8" name="Espace réservé du contenu 7">
+            <a:extLst>
+              <a:ext uri="{FF2B5EF4-FFF2-40B4-BE49-F238E27FC236}">
+                <a16:creationId xmlns:a16="http://schemas.microsoft.com/office/drawing/2014/main" id="{0210A45A-6C2D-423D-B501-3520E8F1D637}"/>
+              </a:ext>
+            </a:extLst>
+          </p:cNvPr>
+          <p:cNvSpPr>
+            <a:spLocks noGrp="1"/>
+          </p:cNvSpPr>
+          <p:nvPr>
+            <p:ph idx="1"/>
+          </p:nvPr>
+        </p:nvSpPr>
+        <p:spPr/>
+        <p:txBody>
+          <a:bodyPr>
+            <a:normAutofit/>
+          </a:bodyPr>
+          <a:lstStyle/>
+          <a:p>
+            <a:pPr marL="0" indent="0">
+              <a:buNone/>
+            </a:pPr>
+            <a:r>
+              <a:rPr lang="fr-CH" sz="3200" b="1" dirty="0">
+                <a:latin typeface="+mj-lt"/>
+              </a:rPr>
+              <a:t>Frontend</a:t>
+            </a:r>
+          </a:p>
+          <a:p>
+            <a:pPr>
+              <a:spcAft>
+                <a:spcPts val="1200"/>
+              </a:spcAft>
+              <a:buFont typeface="Wingdings" panose="05000000000000000000" pitchFamily="2" charset="2"/>
+              <a:buChar char="Ø"/>
+            </a:pPr>
+            <a:r>
+              <a:rPr lang="fr-CH" dirty="0"/>
+              <a:t> </a:t>
+            </a:r>
+            <a:r>
+              <a:rPr lang="fr-CH" b="1" dirty="0" err="1"/>
+              <a:t>React</a:t>
+            </a:r>
+            <a:r>
+              <a:rPr lang="fr-CH" dirty="0"/>
+              <a:t> + </a:t>
+            </a:r>
+            <a:r>
+              <a:rPr lang="fr-CH" b="1" dirty="0"/>
+              <a:t>Vite</a:t>
+            </a:r>
+            <a:r>
+              <a:rPr lang="fr-CH" dirty="0"/>
+              <a:t> : Choix de </a:t>
+            </a:r>
+            <a:r>
+              <a:rPr lang="fr-CH" dirty="0" err="1"/>
+              <a:t>React</a:t>
+            </a:r>
+            <a:r>
+              <a:rPr lang="fr-CH" dirty="0"/>
+              <a:t> par curiosité de la technologie et Vite pour faciliter le développement</a:t>
+            </a:r>
+          </a:p>
+          <a:p>
+            <a:pPr marL="0" indent="0">
+              <a:buNone/>
+            </a:pPr>
+            <a:r>
+              <a:rPr lang="fr-CH" sz="3200" b="1" dirty="0">
+                <a:latin typeface="+mj-lt"/>
+              </a:rPr>
+              <a:t>Backend</a:t>
+            </a:r>
+            <a:endParaRPr lang="fr-CH" b="1" dirty="0">
+              <a:latin typeface="+mj-lt"/>
+            </a:endParaRPr>
+          </a:p>
+          <a:p>
+            <a:pPr>
+              <a:spcAft>
+                <a:spcPts val="1200"/>
+              </a:spcAft>
+              <a:buFont typeface="Wingdings" panose="05000000000000000000" pitchFamily="2" charset="2"/>
+              <a:buChar char="Ø"/>
+            </a:pPr>
+            <a:r>
+              <a:rPr lang="fr-CH" dirty="0"/>
+              <a:t> </a:t>
+            </a:r>
+            <a:r>
+              <a:rPr lang="fr-CH" b="1" dirty="0" err="1"/>
+              <a:t>NodeJS</a:t>
+            </a:r>
+            <a:r>
+              <a:rPr lang="fr-CH" dirty="0"/>
+              <a:t> + </a:t>
+            </a:r>
+            <a:r>
+              <a:rPr lang="fr-CH" b="1" dirty="0" err="1"/>
+              <a:t>ExpressJS</a:t>
+            </a:r>
+            <a:r>
+              <a:rPr lang="fr-CH" dirty="0"/>
+              <a:t> vs </a:t>
+            </a:r>
+            <a:r>
+              <a:rPr lang="fr-CH" b="1" dirty="0" err="1"/>
+              <a:t>FastAPI</a:t>
+            </a:r>
+            <a:r>
+              <a:rPr lang="fr-CH" dirty="0"/>
+              <a:t> + </a:t>
+            </a:r>
+            <a:r>
+              <a:rPr lang="fr-CH" b="1" dirty="0" err="1"/>
+              <a:t>Uvicorn</a:t>
+            </a:r>
+            <a:r>
+              <a:rPr lang="fr-CH" dirty="0"/>
+              <a:t> : </a:t>
+            </a:r>
+          </a:p>
+          <a:p>
+            <a:pPr lvl="1">
+              <a:spcAft>
+                <a:spcPts val="600"/>
+              </a:spcAft>
+              <a:buFont typeface="Courier New" panose="02070309020205020404" pitchFamily="49" charset="0"/>
+              <a:buChar char="o"/>
+            </a:pPr>
+            <a:r>
+              <a:rPr lang="fr-CH" dirty="0"/>
+              <a:t>Connaissances plus approfondies de Socket.io en </a:t>
+            </a:r>
+            <a:r>
+              <a:rPr lang="fr-CH" dirty="0" err="1"/>
+              <a:t>Typescript</a:t>
+            </a:r>
+            <a:r>
+              <a:rPr lang="fr-CH" dirty="0"/>
+              <a:t>/JS</a:t>
+            </a:r>
+          </a:p>
+          <a:p>
+            <a:pPr lvl="1">
+              <a:spcAft>
+                <a:spcPts val="1200"/>
+              </a:spcAft>
+              <a:buFont typeface="Courier New" panose="02070309020205020404" pitchFamily="49" charset="0"/>
+              <a:buChar char="o"/>
+            </a:pPr>
+            <a:r>
+              <a:rPr lang="fr-CH" dirty="0"/>
+              <a:t>Assurance de robustesse, support et qualité avec Node et Express </a:t>
+            </a:r>
+          </a:p>
+          <a:p>
+            <a:pPr marL="0" indent="0">
+              <a:spcAft>
+                <a:spcPts val="600"/>
+              </a:spcAft>
+              <a:buNone/>
+            </a:pPr>
+            <a:r>
+              <a:rPr lang="fr-CH" sz="3200" b="1" dirty="0"/>
+              <a:t>Chatbot</a:t>
+            </a:r>
+          </a:p>
+          <a:p>
+            <a:pPr>
+              <a:spcAft>
+                <a:spcPts val="600"/>
+              </a:spcAft>
+              <a:buFont typeface="Wingdings" panose="05000000000000000000" pitchFamily="2" charset="2"/>
+              <a:buChar char="Ø"/>
+            </a:pPr>
+            <a:r>
+              <a:rPr lang="fr-CH" b="1" dirty="0"/>
+              <a:t>PostgreSQL </a:t>
+            </a:r>
+            <a:r>
+              <a:rPr lang="fr-CH" dirty="0"/>
+              <a:t>: Curiosité technologique et une alternative </a:t>
+            </a:r>
+            <a:r>
+              <a:rPr lang="fr-CH" dirty="0" err="1"/>
+              <a:t>OpenSource</a:t>
+            </a:r>
+            <a:r>
+              <a:rPr lang="fr-CH" dirty="0"/>
+              <a:t> populaire à SQL</a:t>
+            </a:r>
+          </a:p>
+        </p:txBody>
+      </p:sp>
     </p:spTree>
     <p:extLst>
       <p:ext uri="{BB962C8B-B14F-4D97-AF65-F5344CB8AC3E}">
-        <p14:creationId xmlns:p14="http://schemas.microsoft.com/office/powerpoint/2010/main" val="4138307965"/>
+        <p14:creationId xmlns:p14="http://schemas.microsoft.com/office/powerpoint/2010/main" val="24558879"/>
       </p:ext>
     </p:extLst>
   </p:cSld>
@@ -7645,7 +7818,7 @@
           <p:cNvPr id="2" name="Titre 1">
             <a:extLst>
               <a:ext uri="{FF2B5EF4-FFF2-40B4-BE49-F238E27FC236}">
-                <a16:creationId xmlns:a16="http://schemas.microsoft.com/office/drawing/2014/main" id="{23A285B4-FD70-2A71-8251-87E83297FD76}"/>
+                <a16:creationId xmlns:a16="http://schemas.microsoft.com/office/drawing/2014/main" id="{A4B1C023-5BCE-7D45-07EB-E48A5BFAF3A6}"/>
               </a:ext>
             </a:extLst>
           </p:cNvPr>
@@ -7658,8 +7831,8 @@
         </p:nvSpPr>
         <p:spPr>
           <a:xfrm>
-            <a:off x="86628" y="1123837"/>
-            <a:ext cx="3272590" cy="4601183"/>
+            <a:off x="154004" y="1123837"/>
+            <a:ext cx="3185962" cy="4601183"/>
           </a:xfrm>
         </p:spPr>
         <p:txBody>
@@ -7668,48 +7841,46 @@
           <a:p>
             <a:r>
               <a:rPr lang="fr-CH" dirty="0"/>
-              <a:t>Implémentation</a:t>
-            </a:r>
-          </a:p>
-        </p:txBody>
-      </p:sp>
-      <p:sp>
-        <p:nvSpPr>
-          <p:cNvPr id="3" name="Espace réservé du contenu 2">
-            <a:extLst>
-              <a:ext uri="{FF2B5EF4-FFF2-40B4-BE49-F238E27FC236}">
-                <a16:creationId xmlns:a16="http://schemas.microsoft.com/office/drawing/2014/main" id="{7FF2596B-5801-C19F-18DD-C858D3CD4614}"/>
-              </a:ext>
-            </a:extLst>
-          </p:cNvPr>
-          <p:cNvSpPr>
-            <a:spLocks noGrp="1"/>
-          </p:cNvSpPr>
+              <a:t>Implémentation – Architecture </a:t>
+            </a:r>
+          </a:p>
+        </p:txBody>
+      </p:sp>
+      <p:pic>
+        <p:nvPicPr>
+          <p:cNvPr id="9" name="Espace réservé du contenu 8" descr="Une image contenant texte, capture d’écran, diagramme, affichage&#10;&#10;Description générée automatiquement">
+            <a:extLst>
+              <a:ext uri="{FF2B5EF4-FFF2-40B4-BE49-F238E27FC236}">
+                <a16:creationId xmlns:a16="http://schemas.microsoft.com/office/drawing/2014/main" id="{FF638C40-71B9-C491-7870-C9699E7656F4}"/>
+              </a:ext>
+            </a:extLst>
+          </p:cNvPr>
+          <p:cNvPicPr>
+            <a:picLocks noGrp="1" noChangeAspect="1"/>
+          </p:cNvPicPr>
           <p:nvPr>
             <p:ph idx="1"/>
           </p:nvPr>
-        </p:nvSpPr>
-        <p:spPr/>
-        <p:txBody>
-          <a:bodyPr/>
-          <a:lstStyle/>
-          <a:p>
-            <a:pPr marL="0" indent="0">
-              <a:buNone/>
-            </a:pPr>
-            <a:r>
-              <a:rPr lang="fr-CH" dirty="0"/>
-              <a:t>Montrer cas concret avec «Je veux réserver pour &lt;date&gt;»</a:t>
-            </a:r>
-          </a:p>
-        </p:txBody>
-      </p:sp>
+        </p:nvPicPr>
+        <p:blipFill>
+          <a:blip r:embed="rId2"/>
+          <a:stretch>
+            <a:fillRect/>
+          </a:stretch>
+        </p:blipFill>
+        <p:spPr>
+          <a:xfrm>
+            <a:off x="3714751" y="136525"/>
+            <a:ext cx="7915274" cy="6438707"/>
+          </a:xfrm>
+        </p:spPr>
+      </p:pic>
       <p:sp>
         <p:nvSpPr>
           <p:cNvPr id="4" name="Espace réservé du pied de page 3">
             <a:extLst>
               <a:ext uri="{FF2B5EF4-FFF2-40B4-BE49-F238E27FC236}">
-                <a16:creationId xmlns:a16="http://schemas.microsoft.com/office/drawing/2014/main" id="{A38321E0-ECEB-C769-218D-848393A7F84F}"/>
+                <a16:creationId xmlns:a16="http://schemas.microsoft.com/office/drawing/2014/main" id="{93369707-7252-705A-C594-0D52FF5E4882}"/>
               </a:ext>
             </a:extLst>
           </p:cNvPr>
@@ -7738,7 +7909,7 @@
           <p:cNvPr id="5" name="Espace réservé du numéro de diapositive 4">
             <a:extLst>
               <a:ext uri="{FF2B5EF4-FFF2-40B4-BE49-F238E27FC236}">
-                <a16:creationId xmlns:a16="http://schemas.microsoft.com/office/drawing/2014/main" id="{51B83CF1-45C8-8781-5866-C752229012C1}"/>
+                <a16:creationId xmlns:a16="http://schemas.microsoft.com/office/drawing/2014/main" id="{4220CD11-BD18-7FEA-DA41-209AE31DFFA8}"/>
               </a:ext>
             </a:extLst>
           </p:cNvPr>
@@ -7766,7 +7937,7 @@
     </p:spTree>
     <p:extLst>
       <p:ext uri="{BB962C8B-B14F-4D97-AF65-F5344CB8AC3E}">
-        <p14:creationId xmlns:p14="http://schemas.microsoft.com/office/powerpoint/2010/main" val="2788214326"/>
+        <p14:creationId xmlns:p14="http://schemas.microsoft.com/office/powerpoint/2010/main" val="4138307965"/>
       </p:ext>
     </p:extLst>
   </p:cSld>
@@ -8074,7 +8245,7 @@
           <p:cNvPr id="2" name="Titre 1">
             <a:extLst>
               <a:ext uri="{FF2B5EF4-FFF2-40B4-BE49-F238E27FC236}">
-                <a16:creationId xmlns:a16="http://schemas.microsoft.com/office/drawing/2014/main" id="{1DA3B315-B7A4-43E0-0847-18EE34F9F48B}"/>
+                <a16:creationId xmlns:a16="http://schemas.microsoft.com/office/drawing/2014/main" id="{23A285B4-FD70-2A71-8251-87E83297FD76}"/>
               </a:ext>
             </a:extLst>
           </p:cNvPr>
@@ -8085,37 +8256,27 @@
             <p:ph type="title"/>
           </p:nvPr>
         </p:nvSpPr>
-        <p:spPr/>
+        <p:spPr>
+          <a:xfrm>
+            <a:off x="86628" y="1123837"/>
+            <a:ext cx="3272590" cy="4601183"/>
+          </a:xfrm>
+        </p:spPr>
         <p:txBody>
           <a:bodyPr/>
           <a:lstStyle/>
           <a:p>
-            <a:endParaRPr lang="fr-CH"/>
-          </a:p>
-        </p:txBody>
-      </p:sp>
-      <p:sp>
-        <p:nvSpPr>
-          <p:cNvPr id="3" name="Espace réservé du contenu 2">
-            <a:extLst>
-              <a:ext uri="{FF2B5EF4-FFF2-40B4-BE49-F238E27FC236}">
-                <a16:creationId xmlns:a16="http://schemas.microsoft.com/office/drawing/2014/main" id="{8D99D289-8784-ABAA-A61D-3BBE5D1D1D04}"/>
-              </a:ext>
-            </a:extLst>
-          </p:cNvPr>
-          <p:cNvSpPr>
-            <a:spLocks noGrp="1"/>
-          </p:cNvSpPr>
-          <p:nvPr>
-            <p:ph idx="1"/>
-          </p:nvPr>
-        </p:nvSpPr>
-        <p:spPr/>
-        <p:txBody>
-          <a:bodyPr/>
-          <a:lstStyle/>
-          <a:p>
-            <a:endParaRPr lang="fr-CH"/>
+            <a:r>
+              <a:rPr lang="fr-CH" dirty="0"/>
+              <a:t>Implémentation </a:t>
+            </a:r>
+            <a:r>
+              <a:rPr lang="fr-CH" sz="3600" dirty="0">
+                <a:latin typeface="+mj-lt"/>
+              </a:rPr>
+              <a:t>– Suite d’actions</a:t>
+            </a:r>
+            <a:endParaRPr lang="fr-CH" dirty="0"/>
           </a:p>
         </p:txBody>
       </p:sp>
@@ -8124,7 +8285,7 @@
           <p:cNvPr id="4" name="Espace réservé du pied de page 3">
             <a:extLst>
               <a:ext uri="{FF2B5EF4-FFF2-40B4-BE49-F238E27FC236}">
-                <a16:creationId xmlns:a16="http://schemas.microsoft.com/office/drawing/2014/main" id="{29B4342A-7DB4-970E-CC66-4D9AF4972C3C}"/>
+                <a16:creationId xmlns:a16="http://schemas.microsoft.com/office/drawing/2014/main" id="{A38321E0-ECEB-C769-218D-848393A7F84F}"/>
               </a:ext>
             </a:extLst>
           </p:cNvPr>
@@ -8153,7 +8314,7 @@
           <p:cNvPr id="5" name="Espace réservé du numéro de diapositive 4">
             <a:extLst>
               <a:ext uri="{FF2B5EF4-FFF2-40B4-BE49-F238E27FC236}">
-                <a16:creationId xmlns:a16="http://schemas.microsoft.com/office/drawing/2014/main" id="{206284CD-7965-BC47-8C92-F53C861DF8FB}"/>
+                <a16:creationId xmlns:a16="http://schemas.microsoft.com/office/drawing/2014/main" id="{51B83CF1-45C8-8781-5866-C752229012C1}"/>
               </a:ext>
             </a:extLst>
           </p:cNvPr>
@@ -8173,6 +8334,2680 @@
               <a:rPr lang="en-US" smtClean="0"/>
               <a:pPr/>
               <a:t>20</a:t>
+            </a:fld>
+            <a:endParaRPr lang="en-US" dirty="0"/>
+          </a:p>
+        </p:txBody>
+      </p:sp>
+      <p:sp>
+        <p:nvSpPr>
+          <p:cNvPr id="7" name="Espace réservé du contenu 2">
+            <a:extLst>
+              <a:ext uri="{FF2B5EF4-FFF2-40B4-BE49-F238E27FC236}">
+                <a16:creationId xmlns:a16="http://schemas.microsoft.com/office/drawing/2014/main" id="{73B8C03F-1B46-4D7A-6A0B-048B1A0DB2CA}"/>
+              </a:ext>
+            </a:extLst>
+          </p:cNvPr>
+          <p:cNvSpPr>
+            <a:spLocks noGrp="1"/>
+          </p:cNvSpPr>
+          <p:nvPr>
+            <p:ph idx="1"/>
+          </p:nvPr>
+        </p:nvSpPr>
+        <p:spPr>
+          <a:xfrm>
+            <a:off x="3869268" y="501650"/>
+            <a:ext cx="6193027" cy="859625"/>
+          </a:xfrm>
+        </p:spPr>
+        <p:txBody>
+          <a:bodyPr>
+            <a:normAutofit/>
+          </a:bodyPr>
+          <a:lstStyle/>
+          <a:p>
+            <a:pPr marL="0" indent="0">
+              <a:buNone/>
+            </a:pPr>
+            <a:r>
+              <a:rPr lang="fr-CH" sz="3600" b="1" dirty="0">
+                <a:latin typeface="+mj-lt"/>
+              </a:rPr>
+              <a:t>Cas choix date</a:t>
+            </a:r>
+            <a:endParaRPr lang="fr-CH" dirty="0"/>
+          </a:p>
+        </p:txBody>
+      </p:sp>
+      <p:pic>
+        <p:nvPicPr>
+          <p:cNvPr id="8" name="Image 7">
+            <a:extLst>
+              <a:ext uri="{FF2B5EF4-FFF2-40B4-BE49-F238E27FC236}">
+                <a16:creationId xmlns:a16="http://schemas.microsoft.com/office/drawing/2014/main" id="{863049CF-956E-959B-9DD7-E8AE8258476A}"/>
+              </a:ext>
+            </a:extLst>
+          </p:cNvPr>
+          <p:cNvPicPr>
+            <a:picLocks noChangeAspect="1"/>
+          </p:cNvPicPr>
+          <p:nvPr/>
+        </p:nvPicPr>
+        <p:blipFill>
+          <a:blip r:embed="rId2"/>
+          <a:srcRect/>
+          <a:stretch/>
+        </p:blipFill>
+        <p:spPr>
+          <a:xfrm>
+            <a:off x="6562962" y="1218742"/>
+            <a:ext cx="1481280" cy="5137608"/>
+          </a:xfrm>
+          <a:prstGeom prst="rect">
+            <a:avLst/>
+          </a:prstGeom>
+        </p:spPr>
+      </p:pic>
+      <p:sp>
+        <p:nvSpPr>
+          <p:cNvPr id="11" name="ZoneTexte 10">
+            <a:extLst>
+              <a:ext uri="{FF2B5EF4-FFF2-40B4-BE49-F238E27FC236}">
+                <a16:creationId xmlns:a16="http://schemas.microsoft.com/office/drawing/2014/main" id="{6BCA603E-F4CD-7E3B-1DB2-61595017FD71}"/>
+              </a:ext>
+            </a:extLst>
+          </p:cNvPr>
+          <p:cNvSpPr txBox="1"/>
+          <p:nvPr/>
+        </p:nvSpPr>
+        <p:spPr>
+          <a:xfrm>
+            <a:off x="3769743" y="3160017"/>
+            <a:ext cx="2587925" cy="830997"/>
+          </a:xfrm>
+          <a:prstGeom prst="rect">
+            <a:avLst/>
+          </a:prstGeom>
+          <a:noFill/>
+        </p:spPr>
+        <p:txBody>
+          <a:bodyPr wrap="square" rtlCol="0">
+            <a:spAutoFit/>
+          </a:bodyPr>
+          <a:lstStyle/>
+          <a:p>
+            <a:r>
+              <a:rPr lang="fr-CH" sz="2400" i="1" dirty="0"/>
+              <a:t>« Je veux réserver pour le 11 janvier »</a:t>
+            </a:r>
+          </a:p>
+        </p:txBody>
+      </p:sp>
+      <p:sp>
+        <p:nvSpPr>
+          <p:cNvPr id="12" name="ZoneTexte 11">
+            <a:extLst>
+              <a:ext uri="{FF2B5EF4-FFF2-40B4-BE49-F238E27FC236}">
+                <a16:creationId xmlns:a16="http://schemas.microsoft.com/office/drawing/2014/main" id="{BBE74174-2FAA-808F-E024-D050E5B3599A}"/>
+              </a:ext>
+            </a:extLst>
+          </p:cNvPr>
+          <p:cNvSpPr txBox="1"/>
+          <p:nvPr/>
+        </p:nvSpPr>
+        <p:spPr>
+          <a:xfrm>
+            <a:off x="8216243" y="3325881"/>
+            <a:ext cx="3692104" cy="461665"/>
+          </a:xfrm>
+          <a:prstGeom prst="rect">
+            <a:avLst/>
+          </a:prstGeom>
+          <a:noFill/>
+        </p:spPr>
+        <p:txBody>
+          <a:bodyPr wrap="square" rtlCol="0">
+            <a:spAutoFit/>
+          </a:bodyPr>
+          <a:lstStyle/>
+          <a:p>
+            <a:r>
+              <a:rPr lang="fr-CH" sz="2400" i="1" dirty="0"/>
+              <a:t>« Date choisie : 11/01/20xx »</a:t>
+            </a:r>
+          </a:p>
+        </p:txBody>
+      </p:sp>
+    </p:spTree>
+    <p:extLst>
+      <p:ext uri="{BB962C8B-B14F-4D97-AF65-F5344CB8AC3E}">
+        <p14:creationId xmlns:p14="http://schemas.microsoft.com/office/powerpoint/2010/main" val="1920131885"/>
+      </p:ext>
+    </p:extLst>
+  </p:cSld>
+  <p:clrMapOvr>
+    <a:masterClrMapping/>
+  </p:clrMapOvr>
+</p:sld>
+</file>
+
+<file path=ppt/slides/slide21.xml><?xml version="1.0" encoding="utf-8"?>
+<p:sld xmlns:a="http://schemas.openxmlformats.org/drawingml/2006/main" xmlns:r="http://schemas.openxmlformats.org/officeDocument/2006/relationships" xmlns:p="http://schemas.openxmlformats.org/presentationml/2006/main">
+  <p:cSld>
+    <p:spTree>
+      <p:nvGrpSpPr>
+        <p:cNvPr id="1" name=""/>
+        <p:cNvGrpSpPr/>
+        <p:nvPr/>
+      </p:nvGrpSpPr>
+      <p:grpSpPr>
+        <a:xfrm>
+          <a:off x="0" y="0"/>
+          <a:ext cx="0" cy="0"/>
+          <a:chOff x="0" y="0"/>
+          <a:chExt cx="0" cy="0"/>
+        </a:xfrm>
+      </p:grpSpPr>
+      <p:sp>
+        <p:nvSpPr>
+          <p:cNvPr id="2" name="Titre 1">
+            <a:extLst>
+              <a:ext uri="{FF2B5EF4-FFF2-40B4-BE49-F238E27FC236}">
+                <a16:creationId xmlns:a16="http://schemas.microsoft.com/office/drawing/2014/main" id="{23A285B4-FD70-2A71-8251-87E83297FD76}"/>
+              </a:ext>
+            </a:extLst>
+          </p:cNvPr>
+          <p:cNvSpPr>
+            <a:spLocks noGrp="1"/>
+          </p:cNvSpPr>
+          <p:nvPr>
+            <p:ph type="title"/>
+          </p:nvPr>
+        </p:nvSpPr>
+        <p:spPr>
+          <a:xfrm>
+            <a:off x="86628" y="1123837"/>
+            <a:ext cx="3272590" cy="4601183"/>
+          </a:xfrm>
+        </p:spPr>
+        <p:txBody>
+          <a:bodyPr/>
+          <a:lstStyle/>
+          <a:p>
+            <a:r>
+              <a:rPr lang="fr-CH" dirty="0"/>
+              <a:t>Implémentation – Extraits de code</a:t>
+            </a:r>
+          </a:p>
+        </p:txBody>
+      </p:sp>
+      <p:sp>
+        <p:nvSpPr>
+          <p:cNvPr id="4" name="Espace réservé du pied de page 3">
+            <a:extLst>
+              <a:ext uri="{FF2B5EF4-FFF2-40B4-BE49-F238E27FC236}">
+                <a16:creationId xmlns:a16="http://schemas.microsoft.com/office/drawing/2014/main" id="{A38321E0-ECEB-C769-218D-848393A7F84F}"/>
+              </a:ext>
+            </a:extLst>
+          </p:cNvPr>
+          <p:cNvSpPr>
+            <a:spLocks noGrp="1"/>
+          </p:cNvSpPr>
+          <p:nvPr>
+            <p:ph type="ftr" sz="quarter" idx="11"/>
+          </p:nvPr>
+        </p:nvSpPr>
+        <p:spPr/>
+        <p:txBody>
+          <a:bodyPr/>
+          <a:lstStyle/>
+          <a:p>
+            <a:r>
+              <a:rPr lang="fr-CH"/>
+              <a:t>Présentation BA - Chatbot Réservation - Rodrigues dos Santos Fabio</a:t>
+            </a:r>
+            <a:endParaRPr lang="en-US" dirty="0"/>
+          </a:p>
+        </p:txBody>
+      </p:sp>
+      <p:sp>
+        <p:nvSpPr>
+          <p:cNvPr id="5" name="Espace réservé du numéro de diapositive 4">
+            <a:extLst>
+              <a:ext uri="{FF2B5EF4-FFF2-40B4-BE49-F238E27FC236}">
+                <a16:creationId xmlns:a16="http://schemas.microsoft.com/office/drawing/2014/main" id="{51B83CF1-45C8-8781-5866-C752229012C1}"/>
+              </a:ext>
+            </a:extLst>
+          </p:cNvPr>
+          <p:cNvSpPr>
+            <a:spLocks noGrp="1"/>
+          </p:cNvSpPr>
+          <p:nvPr>
+            <p:ph type="sldNum" sz="quarter" idx="12"/>
+          </p:nvPr>
+        </p:nvSpPr>
+        <p:spPr/>
+        <p:txBody>
+          <a:bodyPr/>
+          <a:lstStyle/>
+          <a:p>
+            <a:fld id="{4FAB73BC-B049-4115-A692-8D63A059BFB8}" type="slidenum">
+              <a:rPr lang="en-US" smtClean="0"/>
+              <a:pPr/>
+              <a:t>21</a:t>
+            </a:fld>
+            <a:endParaRPr lang="en-US" dirty="0"/>
+          </a:p>
+        </p:txBody>
+      </p:sp>
+      <p:sp>
+        <p:nvSpPr>
+          <p:cNvPr id="6" name="ZoneTexte 5">
+            <a:extLst>
+              <a:ext uri="{FF2B5EF4-FFF2-40B4-BE49-F238E27FC236}">
+                <a16:creationId xmlns:a16="http://schemas.microsoft.com/office/drawing/2014/main" id="{D3ED7AAC-00C4-725B-283B-61574061CF4E}"/>
+              </a:ext>
+            </a:extLst>
+          </p:cNvPr>
+          <p:cNvSpPr txBox="1"/>
+          <p:nvPr/>
+        </p:nvSpPr>
+        <p:spPr>
+          <a:xfrm>
+            <a:off x="4171192" y="2126608"/>
+            <a:ext cx="4118791" cy="3046988"/>
+          </a:xfrm>
+          <a:prstGeom prst="rect">
+            <a:avLst/>
+          </a:prstGeom>
+          <a:solidFill>
+            <a:schemeClr val="bg1">
+              <a:lumMod val="95000"/>
+            </a:schemeClr>
+          </a:solidFill>
+          <a:ln>
+            <a:solidFill>
+              <a:schemeClr val="tx1"/>
+            </a:solidFill>
+          </a:ln>
+        </p:spPr>
+        <p:txBody>
+          <a:bodyPr wrap="square" rtlCol="0">
+            <a:spAutoFit/>
+          </a:bodyPr>
+          <a:lstStyle/>
+          <a:p>
+            <a:r>
+              <a:rPr lang="en-US" sz="1600" b="0" dirty="0" err="1">
+                <a:solidFill>
+                  <a:srgbClr val="00B0F0"/>
+                </a:solidFill>
+                <a:effectLst/>
+                <a:latin typeface="Consolas" panose="020B0609020204030204" pitchFamily="49" charset="0"/>
+              </a:rPr>
+              <a:t>Stories.yml</a:t>
+            </a:r>
+            <a:endParaRPr lang="en-US" sz="1600" b="0" dirty="0">
+              <a:solidFill>
+                <a:srgbClr val="00B0F0"/>
+              </a:solidFill>
+              <a:effectLst/>
+              <a:latin typeface="Consolas" panose="020B0609020204030204" pitchFamily="49" charset="0"/>
+            </a:endParaRPr>
+          </a:p>
+          <a:p>
+            <a:r>
+              <a:rPr lang="en-US" sz="1600" b="0" dirty="0">
+                <a:effectLst/>
+                <a:latin typeface="Consolas" panose="020B0609020204030204" pitchFamily="49" charset="0"/>
+              </a:rPr>
+              <a:t>stories:</a:t>
+            </a:r>
+          </a:p>
+          <a:p>
+            <a:r>
+              <a:rPr lang="en-US" sz="1600" dirty="0">
+                <a:latin typeface="Consolas" panose="020B0609020204030204" pitchFamily="49" charset="0"/>
+              </a:rPr>
+              <a:t>. . .</a:t>
+            </a:r>
+            <a:endParaRPr lang="en-US" sz="1600" b="0" dirty="0">
+              <a:effectLst/>
+              <a:latin typeface="Consolas" panose="020B0609020204030204" pitchFamily="49" charset="0"/>
+            </a:endParaRPr>
+          </a:p>
+          <a:p>
+            <a:r>
+              <a:rPr lang="en-US" sz="1600" b="0" dirty="0">
+                <a:effectLst/>
+                <a:latin typeface="Consolas" panose="020B0609020204030204" pitchFamily="49" charset="0"/>
+              </a:rPr>
+              <a:t> - action: </a:t>
+            </a:r>
+            <a:r>
+              <a:rPr lang="en-US" sz="1600" b="0" dirty="0" err="1">
+                <a:effectLst/>
+                <a:latin typeface="Consolas" panose="020B0609020204030204" pitchFamily="49" charset="0"/>
+              </a:rPr>
+              <a:t>get_date_heure_form</a:t>
+            </a:r>
+            <a:endParaRPr lang="en-US" sz="1600" b="0" dirty="0">
+              <a:effectLst/>
+              <a:latin typeface="Consolas" panose="020B0609020204030204" pitchFamily="49" charset="0"/>
+            </a:endParaRPr>
+          </a:p>
+          <a:p>
+            <a:r>
+              <a:rPr lang="en-US" sz="1600" b="0" dirty="0">
+                <a:effectLst/>
+                <a:latin typeface="Consolas" panose="020B0609020204030204" pitchFamily="49" charset="0"/>
+              </a:rPr>
+              <a:t> - </a:t>
+            </a:r>
+            <a:r>
+              <a:rPr lang="en-US" sz="1600" b="1" dirty="0" err="1">
+                <a:effectLst/>
+                <a:latin typeface="Consolas" panose="020B0609020204030204" pitchFamily="49" charset="0"/>
+              </a:rPr>
+              <a:t>active_loop</a:t>
+            </a:r>
+            <a:r>
+              <a:rPr lang="en-US" sz="1600" b="1" dirty="0">
+                <a:effectLst/>
+                <a:latin typeface="Consolas" panose="020B0609020204030204" pitchFamily="49" charset="0"/>
+              </a:rPr>
+              <a:t>: </a:t>
+            </a:r>
+            <a:r>
+              <a:rPr lang="en-US" sz="1600" b="1" dirty="0" err="1">
+                <a:effectLst/>
+                <a:latin typeface="Consolas" panose="020B0609020204030204" pitchFamily="49" charset="0"/>
+              </a:rPr>
+              <a:t>get_date_heure_form</a:t>
+            </a:r>
+            <a:endParaRPr lang="en-US" sz="1600" b="1" dirty="0">
+              <a:effectLst/>
+              <a:latin typeface="Consolas" panose="020B0609020204030204" pitchFamily="49" charset="0"/>
+            </a:endParaRPr>
+          </a:p>
+          <a:p>
+            <a:r>
+              <a:rPr lang="en-US" sz="1600" b="0" dirty="0">
+                <a:effectLst/>
+                <a:latin typeface="Consolas" panose="020B0609020204030204" pitchFamily="49" charset="0"/>
+              </a:rPr>
+              <a:t> - </a:t>
+            </a:r>
+            <a:r>
+              <a:rPr lang="en-US" sz="1600" b="1" dirty="0" err="1">
+                <a:effectLst/>
+                <a:latin typeface="Consolas" panose="020B0609020204030204" pitchFamily="49" charset="0"/>
+              </a:rPr>
+              <a:t>slot_was_set</a:t>
+            </a:r>
+            <a:r>
+              <a:rPr lang="en-US" sz="1600" b="0" dirty="0">
+                <a:effectLst/>
+                <a:latin typeface="Consolas" panose="020B0609020204030204" pitchFamily="49" charset="0"/>
+              </a:rPr>
+              <a:t>:</a:t>
+            </a:r>
+          </a:p>
+          <a:p>
+            <a:r>
+              <a:rPr lang="en-US" sz="1600" b="0" dirty="0">
+                <a:effectLst/>
+                <a:latin typeface="Consolas" panose="020B0609020204030204" pitchFamily="49" charset="0"/>
+              </a:rPr>
+              <a:t>      - date: "20/05/2024"</a:t>
+            </a:r>
+          </a:p>
+          <a:p>
+            <a:r>
+              <a:rPr lang="en-US" sz="1600" b="0" dirty="0">
+                <a:effectLst/>
+                <a:latin typeface="Consolas" panose="020B0609020204030204" pitchFamily="49" charset="0"/>
+              </a:rPr>
+              <a:t> - </a:t>
+            </a:r>
+            <a:r>
+              <a:rPr lang="en-US" sz="1600" b="0" dirty="0" err="1">
+                <a:effectLst/>
+                <a:latin typeface="Consolas" panose="020B0609020204030204" pitchFamily="49" charset="0"/>
+              </a:rPr>
+              <a:t>slot_was_set</a:t>
+            </a:r>
+            <a:r>
+              <a:rPr lang="en-US" sz="1600" b="0" dirty="0">
+                <a:effectLst/>
+                <a:latin typeface="Consolas" panose="020B0609020204030204" pitchFamily="49" charset="0"/>
+              </a:rPr>
+              <a:t>:</a:t>
+            </a:r>
+          </a:p>
+          <a:p>
+            <a:r>
+              <a:rPr lang="en-US" sz="1600" b="0" dirty="0">
+                <a:effectLst/>
+                <a:latin typeface="Consolas" panose="020B0609020204030204" pitchFamily="49" charset="0"/>
+              </a:rPr>
+              <a:t>      - </a:t>
+            </a:r>
+            <a:r>
+              <a:rPr lang="en-US" sz="1600" b="0" dirty="0" err="1">
+                <a:effectLst/>
+                <a:latin typeface="Consolas" panose="020B0609020204030204" pitchFamily="49" charset="0"/>
+              </a:rPr>
+              <a:t>heure</a:t>
+            </a:r>
+            <a:r>
+              <a:rPr lang="en-US" sz="1600" b="0" dirty="0">
+                <a:effectLst/>
+                <a:latin typeface="Consolas" panose="020B0609020204030204" pitchFamily="49" charset="0"/>
+              </a:rPr>
+              <a:t>: "12h23"</a:t>
+            </a:r>
+          </a:p>
+          <a:p>
+            <a:r>
+              <a:rPr lang="en-US" sz="1600" b="0" dirty="0">
+                <a:effectLst/>
+                <a:latin typeface="Consolas" panose="020B0609020204030204" pitchFamily="49" charset="0"/>
+              </a:rPr>
+              <a:t> - </a:t>
+            </a:r>
+            <a:r>
+              <a:rPr lang="en-US" sz="1600" b="1" dirty="0" err="1">
+                <a:effectLst/>
+                <a:latin typeface="Consolas" panose="020B0609020204030204" pitchFamily="49" charset="0"/>
+              </a:rPr>
+              <a:t>active_loop</a:t>
+            </a:r>
+            <a:r>
+              <a:rPr lang="en-US" sz="1600" b="0" dirty="0">
+                <a:effectLst/>
+                <a:latin typeface="Consolas" panose="020B0609020204030204" pitchFamily="49" charset="0"/>
+              </a:rPr>
+              <a:t>: null</a:t>
+            </a:r>
+          </a:p>
+          <a:p>
+            <a:r>
+              <a:rPr lang="en-US" sz="1600" b="0" dirty="0">
+                <a:effectLst/>
+                <a:latin typeface="Consolas" panose="020B0609020204030204" pitchFamily="49" charset="0"/>
+              </a:rPr>
+              <a:t> - </a:t>
+            </a:r>
+            <a:r>
+              <a:rPr lang="en-US" sz="1600" b="1" dirty="0">
+                <a:effectLst/>
+                <a:latin typeface="Consolas" panose="020B0609020204030204" pitchFamily="49" charset="0"/>
+              </a:rPr>
+              <a:t>action</a:t>
+            </a:r>
+            <a:r>
+              <a:rPr lang="en-US" sz="1600" b="0" dirty="0">
+                <a:effectLst/>
+                <a:latin typeface="Consolas" panose="020B0609020204030204" pitchFamily="49" charset="0"/>
+              </a:rPr>
+              <a:t>: </a:t>
+            </a:r>
+            <a:r>
+              <a:rPr lang="en-US" sz="1600" b="0" dirty="0" err="1">
+                <a:effectLst/>
+                <a:latin typeface="Consolas" panose="020B0609020204030204" pitchFamily="49" charset="0"/>
+              </a:rPr>
+              <a:t>action_utter_date_heure</a:t>
+            </a:r>
+            <a:endParaRPr lang="en-US" sz="1600" b="0" dirty="0">
+              <a:effectLst/>
+              <a:latin typeface="Consolas" panose="020B0609020204030204" pitchFamily="49" charset="0"/>
+            </a:endParaRPr>
+          </a:p>
+          <a:p>
+            <a:r>
+              <a:rPr lang="en-US" sz="1600" dirty="0">
+                <a:latin typeface="Consolas" panose="020B0609020204030204" pitchFamily="49" charset="0"/>
+              </a:rPr>
+              <a:t>. . .</a:t>
+            </a:r>
+          </a:p>
+        </p:txBody>
+      </p:sp>
+      <p:sp>
+        <p:nvSpPr>
+          <p:cNvPr id="7" name="Espace réservé du contenu 2">
+            <a:extLst>
+              <a:ext uri="{FF2B5EF4-FFF2-40B4-BE49-F238E27FC236}">
+                <a16:creationId xmlns:a16="http://schemas.microsoft.com/office/drawing/2014/main" id="{73B8C03F-1B46-4D7A-6A0B-048B1A0DB2CA}"/>
+              </a:ext>
+            </a:extLst>
+          </p:cNvPr>
+          <p:cNvSpPr>
+            <a:spLocks noGrp="1"/>
+          </p:cNvSpPr>
+          <p:nvPr>
+            <p:ph idx="1"/>
+          </p:nvPr>
+        </p:nvSpPr>
+        <p:spPr>
+          <a:xfrm>
+            <a:off x="3869268" y="1191912"/>
+            <a:ext cx="7315200" cy="705899"/>
+          </a:xfrm>
+        </p:spPr>
+        <p:txBody>
+          <a:bodyPr/>
+          <a:lstStyle/>
+          <a:p>
+            <a:pPr marL="0" indent="0">
+              <a:buNone/>
+            </a:pPr>
+            <a:r>
+              <a:rPr lang="fr-CH" sz="3600" b="1" dirty="0">
+                <a:latin typeface="+mj-lt"/>
+              </a:rPr>
+              <a:t>Cas choix date :</a:t>
+            </a:r>
+            <a:endParaRPr lang="fr-CH" dirty="0"/>
+          </a:p>
+        </p:txBody>
+      </p:sp>
+      <p:sp>
+        <p:nvSpPr>
+          <p:cNvPr id="9" name="ZoneTexte 8">
+            <a:extLst>
+              <a:ext uri="{FF2B5EF4-FFF2-40B4-BE49-F238E27FC236}">
+                <a16:creationId xmlns:a16="http://schemas.microsoft.com/office/drawing/2014/main" id="{5DC07F8F-D977-7F9F-2126-34F24B8D8E45}"/>
+              </a:ext>
+            </a:extLst>
+          </p:cNvPr>
+          <p:cNvSpPr txBox="1"/>
+          <p:nvPr/>
+        </p:nvSpPr>
+        <p:spPr>
+          <a:xfrm>
+            <a:off x="8289983" y="2126658"/>
+            <a:ext cx="2646076" cy="3046988"/>
+          </a:xfrm>
+          <a:prstGeom prst="rect">
+            <a:avLst/>
+          </a:prstGeom>
+          <a:solidFill>
+            <a:schemeClr val="bg1">
+              <a:lumMod val="95000"/>
+            </a:schemeClr>
+          </a:solidFill>
+          <a:ln>
+            <a:solidFill>
+              <a:schemeClr val="tx1"/>
+            </a:solidFill>
+          </a:ln>
+        </p:spPr>
+        <p:txBody>
+          <a:bodyPr wrap="square" rtlCol="0">
+            <a:spAutoFit/>
+          </a:bodyPr>
+          <a:lstStyle/>
+          <a:p>
+            <a:endParaRPr lang="en-US" sz="1600" dirty="0">
+              <a:solidFill>
+                <a:srgbClr val="00B0F0"/>
+              </a:solidFill>
+              <a:latin typeface="Consolas" panose="020B0609020204030204" pitchFamily="49" charset="0"/>
+            </a:endParaRPr>
+          </a:p>
+          <a:p>
+            <a:endParaRPr lang="en-US" sz="1600" b="0" dirty="0">
+              <a:solidFill>
+                <a:srgbClr val="00B0F0"/>
+              </a:solidFill>
+              <a:effectLst/>
+              <a:latin typeface="Consolas" panose="020B0609020204030204" pitchFamily="49" charset="0"/>
+            </a:endParaRPr>
+          </a:p>
+          <a:p>
+            <a:r>
+              <a:rPr lang="en-US" sz="1600" b="0" dirty="0" err="1">
+                <a:solidFill>
+                  <a:srgbClr val="00B0F0"/>
+                </a:solidFill>
+                <a:effectLst/>
+                <a:latin typeface="Consolas" panose="020B0609020204030204" pitchFamily="49" charset="0"/>
+              </a:rPr>
+              <a:t>Forms.yml</a:t>
+            </a:r>
+            <a:endParaRPr lang="en-US" sz="1600" b="0" dirty="0">
+              <a:solidFill>
+                <a:srgbClr val="00B0F0"/>
+              </a:solidFill>
+              <a:effectLst/>
+              <a:latin typeface="Consolas" panose="020B0609020204030204" pitchFamily="49" charset="0"/>
+            </a:endParaRPr>
+          </a:p>
+          <a:p>
+            <a:r>
+              <a:rPr lang="en-US" sz="1600" b="0" dirty="0" err="1">
+                <a:effectLst/>
+                <a:latin typeface="Consolas" panose="020B0609020204030204" pitchFamily="49" charset="0"/>
+              </a:rPr>
+              <a:t>get_date_heure_form</a:t>
+            </a:r>
+            <a:r>
+              <a:rPr lang="en-US" sz="1600" b="0" dirty="0">
+                <a:effectLst/>
+                <a:latin typeface="Consolas" panose="020B0609020204030204" pitchFamily="49" charset="0"/>
+              </a:rPr>
+              <a:t>:</a:t>
+            </a:r>
+          </a:p>
+          <a:p>
+            <a:r>
+              <a:rPr lang="en-US" sz="1600" b="0" dirty="0">
+                <a:effectLst/>
+                <a:latin typeface="Consolas" panose="020B0609020204030204" pitchFamily="49" charset="0"/>
+              </a:rPr>
+              <a:t>  </a:t>
+            </a:r>
+            <a:r>
+              <a:rPr lang="en-US" sz="1600" b="1" dirty="0" err="1">
+                <a:effectLst/>
+                <a:latin typeface="Consolas" panose="020B0609020204030204" pitchFamily="49" charset="0"/>
+              </a:rPr>
+              <a:t>required_slots</a:t>
+            </a:r>
+            <a:r>
+              <a:rPr lang="en-US" sz="1600" b="0" dirty="0">
+                <a:effectLst/>
+                <a:latin typeface="Consolas" panose="020B0609020204030204" pitchFamily="49" charset="0"/>
+              </a:rPr>
+              <a:t>:</a:t>
+            </a:r>
+          </a:p>
+          <a:p>
+            <a:r>
+              <a:rPr lang="en-US" sz="1600" b="0" dirty="0">
+                <a:effectLst/>
+                <a:latin typeface="Consolas" panose="020B0609020204030204" pitchFamily="49" charset="0"/>
+              </a:rPr>
+              <a:t>    - </a:t>
+            </a:r>
+            <a:r>
+              <a:rPr lang="en-US" sz="1600" b="1" dirty="0">
+                <a:effectLst/>
+                <a:latin typeface="Consolas" panose="020B0609020204030204" pitchFamily="49" charset="0"/>
+              </a:rPr>
+              <a:t>date</a:t>
+            </a:r>
+          </a:p>
+          <a:p>
+            <a:r>
+              <a:rPr lang="en-US" sz="1600" b="0" dirty="0">
+                <a:effectLst/>
+                <a:latin typeface="Consolas" panose="020B0609020204030204" pitchFamily="49" charset="0"/>
+              </a:rPr>
+              <a:t>    - </a:t>
+            </a:r>
+            <a:r>
+              <a:rPr lang="en-US" sz="1600" b="0" dirty="0" err="1">
+                <a:effectLst/>
+                <a:latin typeface="Consolas" panose="020B0609020204030204" pitchFamily="49" charset="0"/>
+              </a:rPr>
+              <a:t>heure</a:t>
+            </a:r>
+            <a:endParaRPr lang="en-US" sz="1600" b="0" dirty="0">
+              <a:effectLst/>
+              <a:latin typeface="Consolas" panose="020B0609020204030204" pitchFamily="49" charset="0"/>
+            </a:endParaRPr>
+          </a:p>
+          <a:p>
+            <a:r>
+              <a:rPr lang="en-US" sz="1600" b="0" dirty="0">
+                <a:effectLst/>
+                <a:latin typeface="Consolas" panose="020B0609020204030204" pitchFamily="49" charset="0"/>
+              </a:rPr>
+              <a:t>  </a:t>
+            </a:r>
+            <a:r>
+              <a:rPr lang="en-US" sz="1600" b="0" dirty="0" err="1">
+                <a:effectLst/>
+                <a:latin typeface="Consolas" panose="020B0609020204030204" pitchFamily="49" charset="0"/>
+              </a:rPr>
+              <a:t>ignored_intents</a:t>
+            </a:r>
+            <a:r>
+              <a:rPr lang="en-US" sz="1600" b="0" dirty="0">
+                <a:effectLst/>
+                <a:latin typeface="Consolas" panose="020B0609020204030204" pitchFamily="49" charset="0"/>
+              </a:rPr>
+              <a:t>:</a:t>
+            </a:r>
+          </a:p>
+          <a:p>
+            <a:r>
+              <a:rPr lang="en-US" sz="1600" b="0" dirty="0">
+                <a:effectLst/>
+                <a:latin typeface="Consolas" panose="020B0609020204030204" pitchFamily="49" charset="0"/>
+              </a:rPr>
+              <a:t>    - </a:t>
+            </a:r>
+            <a:r>
+              <a:rPr lang="en-US" sz="1600" b="0" dirty="0" err="1">
+                <a:effectLst/>
+                <a:latin typeface="Consolas" panose="020B0609020204030204" pitchFamily="49" charset="0"/>
+              </a:rPr>
+              <a:t>ressource_gather</a:t>
+            </a:r>
+            <a:endParaRPr lang="en-US" sz="1600" b="0" dirty="0">
+              <a:effectLst/>
+              <a:latin typeface="Consolas" panose="020B0609020204030204" pitchFamily="49" charset="0"/>
+            </a:endParaRPr>
+          </a:p>
+          <a:p>
+            <a:endParaRPr lang="en-US" sz="1600" dirty="0">
+              <a:latin typeface="Consolas" panose="020B0609020204030204" pitchFamily="49" charset="0"/>
+            </a:endParaRPr>
+          </a:p>
+          <a:p>
+            <a:endParaRPr lang="en-US" sz="1600" b="0" dirty="0">
+              <a:effectLst/>
+              <a:latin typeface="Consolas" panose="020B0609020204030204" pitchFamily="49" charset="0"/>
+            </a:endParaRPr>
+          </a:p>
+          <a:p>
+            <a:endParaRPr lang="en-US" sz="1600" b="0" dirty="0">
+              <a:effectLst/>
+              <a:latin typeface="Consolas" panose="020B0609020204030204" pitchFamily="49" charset="0"/>
+            </a:endParaRPr>
+          </a:p>
+        </p:txBody>
+      </p:sp>
+    </p:spTree>
+    <p:extLst>
+      <p:ext uri="{BB962C8B-B14F-4D97-AF65-F5344CB8AC3E}">
+        <p14:creationId xmlns:p14="http://schemas.microsoft.com/office/powerpoint/2010/main" val="2206180529"/>
+      </p:ext>
+    </p:extLst>
+  </p:cSld>
+  <p:clrMapOvr>
+    <a:masterClrMapping/>
+  </p:clrMapOvr>
+</p:sld>
+</file>
+
+<file path=ppt/slides/slide22.xml><?xml version="1.0" encoding="utf-8"?>
+<p:sld xmlns:a="http://schemas.openxmlformats.org/drawingml/2006/main" xmlns:r="http://schemas.openxmlformats.org/officeDocument/2006/relationships" xmlns:p="http://schemas.openxmlformats.org/presentationml/2006/main">
+  <p:cSld>
+    <p:spTree>
+      <p:nvGrpSpPr>
+        <p:cNvPr id="1" name=""/>
+        <p:cNvGrpSpPr/>
+        <p:nvPr/>
+      </p:nvGrpSpPr>
+      <p:grpSpPr>
+        <a:xfrm>
+          <a:off x="0" y="0"/>
+          <a:ext cx="0" cy="0"/>
+          <a:chOff x="0" y="0"/>
+          <a:chExt cx="0" cy="0"/>
+        </a:xfrm>
+      </p:grpSpPr>
+      <p:sp>
+        <p:nvSpPr>
+          <p:cNvPr id="2" name="Titre 1">
+            <a:extLst>
+              <a:ext uri="{FF2B5EF4-FFF2-40B4-BE49-F238E27FC236}">
+                <a16:creationId xmlns:a16="http://schemas.microsoft.com/office/drawing/2014/main" id="{23A285B4-FD70-2A71-8251-87E83297FD76}"/>
+              </a:ext>
+            </a:extLst>
+          </p:cNvPr>
+          <p:cNvSpPr>
+            <a:spLocks noGrp="1"/>
+          </p:cNvSpPr>
+          <p:nvPr>
+            <p:ph type="title"/>
+          </p:nvPr>
+        </p:nvSpPr>
+        <p:spPr>
+          <a:xfrm>
+            <a:off x="86628" y="1123837"/>
+            <a:ext cx="3272590" cy="4601183"/>
+          </a:xfrm>
+        </p:spPr>
+        <p:txBody>
+          <a:bodyPr/>
+          <a:lstStyle/>
+          <a:p>
+            <a:r>
+              <a:rPr lang="fr-CH" dirty="0"/>
+              <a:t>Implémentation – Extraits de code</a:t>
+            </a:r>
+          </a:p>
+        </p:txBody>
+      </p:sp>
+      <p:sp>
+        <p:nvSpPr>
+          <p:cNvPr id="4" name="Espace réservé du pied de page 3">
+            <a:extLst>
+              <a:ext uri="{FF2B5EF4-FFF2-40B4-BE49-F238E27FC236}">
+                <a16:creationId xmlns:a16="http://schemas.microsoft.com/office/drawing/2014/main" id="{A38321E0-ECEB-C769-218D-848393A7F84F}"/>
+              </a:ext>
+            </a:extLst>
+          </p:cNvPr>
+          <p:cNvSpPr>
+            <a:spLocks noGrp="1"/>
+          </p:cNvSpPr>
+          <p:nvPr>
+            <p:ph type="ftr" sz="quarter" idx="11"/>
+          </p:nvPr>
+        </p:nvSpPr>
+        <p:spPr/>
+        <p:txBody>
+          <a:bodyPr/>
+          <a:lstStyle/>
+          <a:p>
+            <a:r>
+              <a:rPr lang="fr-CH"/>
+              <a:t>Présentation BA - Chatbot Réservation - Rodrigues dos Santos Fabio</a:t>
+            </a:r>
+            <a:endParaRPr lang="en-US" dirty="0"/>
+          </a:p>
+        </p:txBody>
+      </p:sp>
+      <p:sp>
+        <p:nvSpPr>
+          <p:cNvPr id="5" name="Espace réservé du numéro de diapositive 4">
+            <a:extLst>
+              <a:ext uri="{FF2B5EF4-FFF2-40B4-BE49-F238E27FC236}">
+                <a16:creationId xmlns:a16="http://schemas.microsoft.com/office/drawing/2014/main" id="{51B83CF1-45C8-8781-5866-C752229012C1}"/>
+              </a:ext>
+            </a:extLst>
+          </p:cNvPr>
+          <p:cNvSpPr>
+            <a:spLocks noGrp="1"/>
+          </p:cNvSpPr>
+          <p:nvPr>
+            <p:ph type="sldNum" sz="quarter" idx="12"/>
+          </p:nvPr>
+        </p:nvSpPr>
+        <p:spPr/>
+        <p:txBody>
+          <a:bodyPr/>
+          <a:lstStyle/>
+          <a:p>
+            <a:fld id="{4FAB73BC-B049-4115-A692-8D63A059BFB8}" type="slidenum">
+              <a:rPr lang="en-US" smtClean="0"/>
+              <a:pPr/>
+              <a:t>22</a:t>
+            </a:fld>
+            <a:endParaRPr lang="en-US" dirty="0"/>
+          </a:p>
+        </p:txBody>
+      </p:sp>
+      <p:sp>
+        <p:nvSpPr>
+          <p:cNvPr id="6" name="ZoneTexte 5">
+            <a:extLst>
+              <a:ext uri="{FF2B5EF4-FFF2-40B4-BE49-F238E27FC236}">
+                <a16:creationId xmlns:a16="http://schemas.microsoft.com/office/drawing/2014/main" id="{D3ED7AAC-00C4-725B-283B-61574061CF4E}"/>
+              </a:ext>
+            </a:extLst>
+          </p:cNvPr>
+          <p:cNvSpPr txBox="1"/>
+          <p:nvPr/>
+        </p:nvSpPr>
+        <p:spPr>
+          <a:xfrm>
+            <a:off x="5118528" y="1939368"/>
+            <a:ext cx="4662257" cy="3785652"/>
+          </a:xfrm>
+          <a:prstGeom prst="rect">
+            <a:avLst/>
+          </a:prstGeom>
+          <a:solidFill>
+            <a:schemeClr val="bg1">
+              <a:lumMod val="95000"/>
+            </a:schemeClr>
+          </a:solidFill>
+          <a:ln>
+            <a:solidFill>
+              <a:schemeClr val="tx1"/>
+            </a:solidFill>
+          </a:ln>
+        </p:spPr>
+        <p:txBody>
+          <a:bodyPr wrap="square" rtlCol="0">
+            <a:spAutoFit/>
+          </a:bodyPr>
+          <a:lstStyle/>
+          <a:p>
+            <a:r>
+              <a:rPr lang="en-US" sz="1600" b="0" dirty="0" err="1">
+                <a:solidFill>
+                  <a:srgbClr val="00B0F0"/>
+                </a:solidFill>
+                <a:effectLst/>
+                <a:latin typeface="Consolas" panose="020B0609020204030204" pitchFamily="49" charset="0"/>
+              </a:rPr>
+              <a:t>Intents.yml</a:t>
+            </a:r>
+            <a:endParaRPr lang="en-US" sz="1600" b="0" dirty="0">
+              <a:solidFill>
+                <a:srgbClr val="00B0F0"/>
+              </a:solidFill>
+              <a:effectLst/>
+              <a:latin typeface="Consolas" panose="020B0609020204030204" pitchFamily="49" charset="0"/>
+            </a:endParaRPr>
+          </a:p>
+          <a:p>
+            <a:r>
+              <a:rPr lang="fr-CH" sz="1600" b="0" dirty="0">
+                <a:effectLst/>
+                <a:latin typeface="Consolas" panose="020B0609020204030204" pitchFamily="49" charset="0"/>
+              </a:rPr>
+              <a:t>  - </a:t>
+            </a:r>
+            <a:r>
+              <a:rPr lang="fr-CH" sz="1600" b="0" dirty="0" err="1">
+                <a:effectLst/>
+                <a:latin typeface="Consolas" panose="020B0609020204030204" pitchFamily="49" charset="0"/>
+              </a:rPr>
+              <a:t>intent</a:t>
+            </a:r>
+            <a:r>
+              <a:rPr lang="fr-CH" sz="1600" b="0" dirty="0">
+                <a:effectLst/>
+                <a:latin typeface="Consolas" panose="020B0609020204030204" pitchFamily="49" charset="0"/>
+              </a:rPr>
+              <a:t>: </a:t>
+            </a:r>
+            <a:r>
+              <a:rPr lang="fr-CH" sz="1600" b="0" dirty="0" err="1">
+                <a:effectLst/>
+                <a:latin typeface="Consolas" panose="020B0609020204030204" pitchFamily="49" charset="0"/>
+              </a:rPr>
+              <a:t>inform_date</a:t>
+            </a:r>
+            <a:endParaRPr lang="fr-CH" sz="1600" b="0" dirty="0">
+              <a:effectLst/>
+              <a:latin typeface="Consolas" panose="020B0609020204030204" pitchFamily="49" charset="0"/>
+            </a:endParaRPr>
+          </a:p>
+          <a:p>
+            <a:r>
+              <a:rPr lang="fr-CH" sz="1600" b="0" dirty="0">
+                <a:effectLst/>
+                <a:latin typeface="Consolas" panose="020B0609020204030204" pitchFamily="49" charset="0"/>
+              </a:rPr>
+              <a:t>    </a:t>
+            </a:r>
+            <a:r>
+              <a:rPr lang="fr-CH" sz="1600" b="0" dirty="0" err="1">
+                <a:effectLst/>
+                <a:latin typeface="Consolas" panose="020B0609020204030204" pitchFamily="49" charset="0"/>
+              </a:rPr>
+              <a:t>examples</a:t>
+            </a:r>
+            <a:r>
+              <a:rPr lang="fr-CH" sz="1600" b="0" dirty="0">
+                <a:effectLst/>
+                <a:latin typeface="Consolas" panose="020B0609020204030204" pitchFamily="49" charset="0"/>
+              </a:rPr>
+              <a:t>: | </a:t>
+            </a:r>
+          </a:p>
+          <a:p>
+            <a:r>
+              <a:rPr lang="fr-CH" sz="1600" b="0" dirty="0">
+                <a:effectLst/>
+                <a:latin typeface="Consolas" panose="020B0609020204030204" pitchFamily="49" charset="0"/>
+              </a:rPr>
+              <a:t>      - Le [</a:t>
+            </a:r>
+            <a:r>
+              <a:rPr lang="fr-CH" sz="1600" b="1" dirty="0">
+                <a:effectLst/>
+                <a:latin typeface="Consolas" panose="020B0609020204030204" pitchFamily="49" charset="0"/>
+              </a:rPr>
+              <a:t>9 janvier</a:t>
+            </a:r>
+            <a:r>
+              <a:rPr lang="fr-CH" sz="1600" b="0" dirty="0">
+                <a:effectLst/>
+                <a:latin typeface="Consolas" panose="020B0609020204030204" pitchFamily="49" charset="0"/>
+              </a:rPr>
+              <a:t>](</a:t>
+            </a:r>
+            <a:r>
+              <a:rPr lang="fr-CH" sz="1600" b="1" dirty="0">
+                <a:effectLst/>
+                <a:latin typeface="Consolas" panose="020B0609020204030204" pitchFamily="49" charset="0"/>
+              </a:rPr>
+              <a:t>date</a:t>
+            </a:r>
+            <a:r>
+              <a:rPr lang="fr-CH" sz="1600" b="0" dirty="0">
+                <a:effectLst/>
+                <a:latin typeface="Consolas" panose="020B0609020204030204" pitchFamily="49" charset="0"/>
+              </a:rPr>
+              <a:t>)</a:t>
+            </a:r>
+          </a:p>
+          <a:p>
+            <a:r>
+              <a:rPr lang="fr-CH" sz="1600" b="0" dirty="0">
+                <a:effectLst/>
+                <a:latin typeface="Consolas" panose="020B0609020204030204" pitchFamily="49" charset="0"/>
+              </a:rPr>
+              <a:t>      - [27 novembre](date)</a:t>
+            </a:r>
+          </a:p>
+          <a:p>
+            <a:r>
+              <a:rPr lang="fr-CH" sz="1600" b="0" dirty="0">
+                <a:effectLst/>
+                <a:latin typeface="Consolas" panose="020B0609020204030204" pitchFamily="49" charset="0"/>
+              </a:rPr>
+              <a:t>      - [08/11](date)</a:t>
+            </a:r>
+          </a:p>
+          <a:p>
+            <a:r>
+              <a:rPr lang="fr-CH" sz="1600" b="0" dirty="0">
+                <a:effectLst/>
+                <a:latin typeface="Consolas" panose="020B0609020204030204" pitchFamily="49" charset="0"/>
+              </a:rPr>
+              <a:t>      - le [27/03](date)</a:t>
+            </a:r>
+          </a:p>
+          <a:p>
+            <a:r>
+              <a:rPr lang="fr-CH" sz="1600" b="0" dirty="0">
+                <a:effectLst/>
+                <a:latin typeface="Consolas" panose="020B0609020204030204" pitchFamily="49" charset="0"/>
+              </a:rPr>
+              <a:t>      - à la date du [5 mars](date)</a:t>
+            </a:r>
+          </a:p>
+          <a:p>
+            <a:r>
+              <a:rPr lang="fr-CH" sz="1600" b="0" dirty="0">
+                <a:effectLst/>
+                <a:latin typeface="Consolas" panose="020B0609020204030204" pitchFamily="49" charset="0"/>
+              </a:rPr>
+              <a:t>      - Le [18 avril 2025](date)</a:t>
+            </a:r>
+          </a:p>
+          <a:p>
+            <a:r>
+              <a:rPr lang="fr-CH" sz="1600" b="0" dirty="0">
+                <a:effectLst/>
+                <a:latin typeface="Consolas" panose="020B0609020204030204" pitchFamily="49" charset="0"/>
+              </a:rPr>
+              <a:t>      - à la date du [04/06/24](date)</a:t>
+            </a:r>
+          </a:p>
+          <a:p>
+            <a:r>
+              <a:rPr lang="fr-CH" sz="1600" b="0" dirty="0">
+                <a:effectLst/>
+                <a:latin typeface="Consolas" panose="020B0609020204030204" pitchFamily="49" charset="0"/>
+              </a:rPr>
+              <a:t>      - le [</a:t>
+            </a:r>
+            <a:r>
+              <a:rPr lang="fr-CH" sz="1600" b="1" dirty="0">
+                <a:effectLst/>
+                <a:latin typeface="Consolas" panose="020B0609020204030204" pitchFamily="49" charset="0"/>
+              </a:rPr>
+              <a:t>20/09/2025</a:t>
+            </a:r>
+            <a:r>
+              <a:rPr lang="fr-CH" sz="1600" b="0" dirty="0">
+                <a:effectLst/>
+                <a:latin typeface="Consolas" panose="020B0609020204030204" pitchFamily="49" charset="0"/>
+              </a:rPr>
+              <a:t>](</a:t>
+            </a:r>
+            <a:r>
+              <a:rPr lang="fr-CH" sz="1600" b="1" dirty="0">
+                <a:effectLst/>
+                <a:latin typeface="Consolas" panose="020B0609020204030204" pitchFamily="49" charset="0"/>
+              </a:rPr>
+              <a:t>date</a:t>
+            </a:r>
+            <a:r>
+              <a:rPr lang="fr-CH" sz="1600" b="0" dirty="0">
+                <a:effectLst/>
+                <a:latin typeface="Consolas" panose="020B0609020204030204" pitchFamily="49" charset="0"/>
+              </a:rPr>
+              <a:t>)</a:t>
+            </a:r>
+          </a:p>
+          <a:p>
+            <a:r>
+              <a:rPr lang="fr-CH" sz="1600" b="0" dirty="0">
+                <a:effectLst/>
+                <a:latin typeface="Consolas" panose="020B0609020204030204" pitchFamily="49" charset="0"/>
+              </a:rPr>
+              <a:t>      - [14/05/2024](date)</a:t>
+            </a:r>
+          </a:p>
+          <a:p>
+            <a:r>
+              <a:rPr lang="fr-CH" sz="1600" b="0" dirty="0">
+                <a:effectLst/>
+                <a:latin typeface="Consolas" panose="020B0609020204030204" pitchFamily="49" charset="0"/>
+              </a:rPr>
+              <a:t>      - [12 décembre](date)</a:t>
+            </a:r>
+          </a:p>
+          <a:p>
+            <a:r>
+              <a:rPr lang="fr-CH" sz="1600" b="0" dirty="0">
+                <a:effectLst/>
+                <a:latin typeface="Consolas" panose="020B0609020204030204" pitchFamily="49" charset="0"/>
+              </a:rPr>
+              <a:t>      - à la date du [25 Février](date)</a:t>
+            </a:r>
+          </a:p>
+          <a:p>
+            <a:r>
+              <a:rPr lang="fr-CH" sz="1600" dirty="0">
+                <a:latin typeface="Consolas" panose="020B0609020204030204" pitchFamily="49" charset="0"/>
+              </a:rPr>
+              <a:t>. . .</a:t>
+            </a:r>
+            <a:endParaRPr lang="fr-CH" sz="1600" b="0" dirty="0">
+              <a:effectLst/>
+              <a:latin typeface="Consolas" panose="020B0609020204030204" pitchFamily="49" charset="0"/>
+            </a:endParaRPr>
+          </a:p>
+        </p:txBody>
+      </p:sp>
+      <p:sp>
+        <p:nvSpPr>
+          <p:cNvPr id="7" name="Espace réservé du contenu 2">
+            <a:extLst>
+              <a:ext uri="{FF2B5EF4-FFF2-40B4-BE49-F238E27FC236}">
+                <a16:creationId xmlns:a16="http://schemas.microsoft.com/office/drawing/2014/main" id="{73B8C03F-1B46-4D7A-6A0B-048B1A0DB2CA}"/>
+              </a:ext>
+            </a:extLst>
+          </p:cNvPr>
+          <p:cNvSpPr>
+            <a:spLocks noGrp="1"/>
+          </p:cNvSpPr>
+          <p:nvPr>
+            <p:ph idx="1"/>
+          </p:nvPr>
+        </p:nvSpPr>
+        <p:spPr>
+          <a:xfrm>
+            <a:off x="3869268" y="1191912"/>
+            <a:ext cx="7315200" cy="705899"/>
+          </a:xfrm>
+        </p:spPr>
+        <p:txBody>
+          <a:bodyPr/>
+          <a:lstStyle/>
+          <a:p>
+            <a:pPr marL="0" indent="0">
+              <a:buNone/>
+            </a:pPr>
+            <a:r>
+              <a:rPr lang="fr-CH" sz="3600" b="1" dirty="0">
+                <a:latin typeface="+mj-lt"/>
+              </a:rPr>
+              <a:t>Cas choix date :</a:t>
+            </a:r>
+            <a:endParaRPr lang="fr-CH" dirty="0"/>
+          </a:p>
+        </p:txBody>
+      </p:sp>
+    </p:spTree>
+    <p:extLst>
+      <p:ext uri="{BB962C8B-B14F-4D97-AF65-F5344CB8AC3E}">
+        <p14:creationId xmlns:p14="http://schemas.microsoft.com/office/powerpoint/2010/main" val="2181984423"/>
+      </p:ext>
+    </p:extLst>
+  </p:cSld>
+  <p:clrMapOvr>
+    <a:masterClrMapping/>
+  </p:clrMapOvr>
+</p:sld>
+</file>
+
+<file path=ppt/slides/slide23.xml><?xml version="1.0" encoding="utf-8"?>
+<p:sld xmlns:a="http://schemas.openxmlformats.org/drawingml/2006/main" xmlns:r="http://schemas.openxmlformats.org/officeDocument/2006/relationships" xmlns:p="http://schemas.openxmlformats.org/presentationml/2006/main">
+  <p:cSld>
+    <p:spTree>
+      <p:nvGrpSpPr>
+        <p:cNvPr id="1" name=""/>
+        <p:cNvGrpSpPr/>
+        <p:nvPr/>
+      </p:nvGrpSpPr>
+      <p:grpSpPr>
+        <a:xfrm>
+          <a:off x="0" y="0"/>
+          <a:ext cx="0" cy="0"/>
+          <a:chOff x="0" y="0"/>
+          <a:chExt cx="0" cy="0"/>
+        </a:xfrm>
+      </p:grpSpPr>
+      <p:sp>
+        <p:nvSpPr>
+          <p:cNvPr id="2" name="Titre 1">
+            <a:extLst>
+              <a:ext uri="{FF2B5EF4-FFF2-40B4-BE49-F238E27FC236}">
+                <a16:creationId xmlns:a16="http://schemas.microsoft.com/office/drawing/2014/main" id="{23A285B4-FD70-2A71-8251-87E83297FD76}"/>
+              </a:ext>
+            </a:extLst>
+          </p:cNvPr>
+          <p:cNvSpPr>
+            <a:spLocks noGrp="1"/>
+          </p:cNvSpPr>
+          <p:nvPr>
+            <p:ph type="title"/>
+          </p:nvPr>
+        </p:nvSpPr>
+        <p:spPr>
+          <a:xfrm>
+            <a:off x="86628" y="1123837"/>
+            <a:ext cx="3272590" cy="4601183"/>
+          </a:xfrm>
+        </p:spPr>
+        <p:txBody>
+          <a:bodyPr/>
+          <a:lstStyle/>
+          <a:p>
+            <a:r>
+              <a:rPr lang="fr-CH" dirty="0"/>
+              <a:t>Implémentation – Extraits de code</a:t>
+            </a:r>
+          </a:p>
+        </p:txBody>
+      </p:sp>
+      <p:sp>
+        <p:nvSpPr>
+          <p:cNvPr id="4" name="Espace réservé du pied de page 3">
+            <a:extLst>
+              <a:ext uri="{FF2B5EF4-FFF2-40B4-BE49-F238E27FC236}">
+                <a16:creationId xmlns:a16="http://schemas.microsoft.com/office/drawing/2014/main" id="{A38321E0-ECEB-C769-218D-848393A7F84F}"/>
+              </a:ext>
+            </a:extLst>
+          </p:cNvPr>
+          <p:cNvSpPr>
+            <a:spLocks noGrp="1"/>
+          </p:cNvSpPr>
+          <p:nvPr>
+            <p:ph type="ftr" sz="quarter" idx="11"/>
+          </p:nvPr>
+        </p:nvSpPr>
+        <p:spPr/>
+        <p:txBody>
+          <a:bodyPr/>
+          <a:lstStyle/>
+          <a:p>
+            <a:r>
+              <a:rPr lang="fr-CH"/>
+              <a:t>Présentation BA - Chatbot Réservation - Rodrigues dos Santos Fabio</a:t>
+            </a:r>
+            <a:endParaRPr lang="en-US" dirty="0"/>
+          </a:p>
+        </p:txBody>
+      </p:sp>
+      <p:sp>
+        <p:nvSpPr>
+          <p:cNvPr id="5" name="Espace réservé du numéro de diapositive 4">
+            <a:extLst>
+              <a:ext uri="{FF2B5EF4-FFF2-40B4-BE49-F238E27FC236}">
+                <a16:creationId xmlns:a16="http://schemas.microsoft.com/office/drawing/2014/main" id="{51B83CF1-45C8-8781-5866-C752229012C1}"/>
+              </a:ext>
+            </a:extLst>
+          </p:cNvPr>
+          <p:cNvSpPr>
+            <a:spLocks noGrp="1"/>
+          </p:cNvSpPr>
+          <p:nvPr>
+            <p:ph type="sldNum" sz="quarter" idx="12"/>
+          </p:nvPr>
+        </p:nvSpPr>
+        <p:spPr/>
+        <p:txBody>
+          <a:bodyPr/>
+          <a:lstStyle/>
+          <a:p>
+            <a:fld id="{4FAB73BC-B049-4115-A692-8D63A059BFB8}" type="slidenum">
+              <a:rPr lang="en-US" smtClean="0"/>
+              <a:pPr/>
+              <a:t>23</a:t>
+            </a:fld>
+            <a:endParaRPr lang="en-US" dirty="0"/>
+          </a:p>
+        </p:txBody>
+      </p:sp>
+      <p:sp>
+        <p:nvSpPr>
+          <p:cNvPr id="6" name="ZoneTexte 5">
+            <a:extLst>
+              <a:ext uri="{FF2B5EF4-FFF2-40B4-BE49-F238E27FC236}">
+                <a16:creationId xmlns:a16="http://schemas.microsoft.com/office/drawing/2014/main" id="{D3ED7AAC-00C4-725B-283B-61574061CF4E}"/>
+              </a:ext>
+            </a:extLst>
+          </p:cNvPr>
+          <p:cNvSpPr txBox="1"/>
+          <p:nvPr/>
+        </p:nvSpPr>
+        <p:spPr>
+          <a:xfrm>
+            <a:off x="3709470" y="1528292"/>
+            <a:ext cx="7690128" cy="4524315"/>
+          </a:xfrm>
+          <a:prstGeom prst="rect">
+            <a:avLst/>
+          </a:prstGeom>
+          <a:solidFill>
+            <a:schemeClr val="bg1">
+              <a:lumMod val="95000"/>
+            </a:schemeClr>
+          </a:solidFill>
+          <a:ln>
+            <a:solidFill>
+              <a:schemeClr val="tx1"/>
+            </a:solidFill>
+          </a:ln>
+        </p:spPr>
+        <p:txBody>
+          <a:bodyPr wrap="square" rtlCol="0">
+            <a:spAutoFit/>
+          </a:bodyPr>
+          <a:lstStyle/>
+          <a:p>
+            <a:r>
+              <a:rPr lang="en-US" sz="1600" b="0" dirty="0">
+                <a:solidFill>
+                  <a:srgbClr val="00B0F0"/>
+                </a:solidFill>
+                <a:effectLst/>
+                <a:latin typeface="Consolas" panose="020B0609020204030204" pitchFamily="49" charset="0"/>
+              </a:rPr>
+              <a:t>Actions.py</a:t>
+            </a:r>
+          </a:p>
+          <a:p>
+            <a:r>
+              <a:rPr lang="fr-CH" sz="1600" b="0" dirty="0">
+                <a:effectLst/>
+                <a:latin typeface="Consolas" panose="020B0609020204030204" pitchFamily="49" charset="0"/>
+              </a:rPr>
+              <a:t>class </a:t>
+            </a:r>
+            <a:r>
+              <a:rPr lang="fr-CH" sz="1600" b="0" dirty="0" err="1">
+                <a:effectLst/>
+                <a:latin typeface="Consolas" panose="020B0609020204030204" pitchFamily="49" charset="0"/>
+              </a:rPr>
+              <a:t>ValidateDatesHeuresForm</a:t>
+            </a:r>
+            <a:r>
+              <a:rPr lang="fr-CH" sz="1600" b="0" dirty="0">
+                <a:effectLst/>
+                <a:latin typeface="Consolas" panose="020B0609020204030204" pitchFamily="49" charset="0"/>
+              </a:rPr>
+              <a:t>(</a:t>
+            </a:r>
+            <a:r>
+              <a:rPr lang="fr-CH" sz="1600" b="0" dirty="0" err="1">
+                <a:effectLst/>
+                <a:latin typeface="Consolas" panose="020B0609020204030204" pitchFamily="49" charset="0"/>
+              </a:rPr>
+              <a:t>FormValidationAction</a:t>
+            </a:r>
+            <a:r>
+              <a:rPr lang="fr-CH" sz="1600" b="0" dirty="0">
+                <a:effectLst/>
+                <a:latin typeface="Consolas" panose="020B0609020204030204" pitchFamily="49" charset="0"/>
+              </a:rPr>
+              <a:t>):</a:t>
+            </a:r>
+          </a:p>
+          <a:p>
+            <a:r>
+              <a:rPr lang="fr-CH" sz="1600" b="0" dirty="0">
+                <a:effectLst/>
+                <a:latin typeface="Consolas" panose="020B0609020204030204" pitchFamily="49" charset="0"/>
+              </a:rPr>
+              <a:t>    </a:t>
+            </a:r>
+            <a:r>
+              <a:rPr lang="fr-CH" sz="1600" b="0" dirty="0" err="1">
+                <a:effectLst/>
+                <a:latin typeface="Consolas" panose="020B0609020204030204" pitchFamily="49" charset="0"/>
+              </a:rPr>
+              <a:t>def</a:t>
+            </a:r>
+            <a:r>
+              <a:rPr lang="fr-CH" sz="1600" b="0" dirty="0">
+                <a:effectLst/>
+                <a:latin typeface="Consolas" panose="020B0609020204030204" pitchFamily="49" charset="0"/>
+              </a:rPr>
+              <a:t> </a:t>
+            </a:r>
+            <a:r>
+              <a:rPr lang="fr-CH" sz="1600" b="0" dirty="0" err="1">
+                <a:effectLst/>
+                <a:latin typeface="Consolas" panose="020B0609020204030204" pitchFamily="49" charset="0"/>
+              </a:rPr>
+              <a:t>name</a:t>
+            </a:r>
+            <a:r>
+              <a:rPr lang="fr-CH" sz="1600" b="0" dirty="0">
+                <a:effectLst/>
+                <a:latin typeface="Consolas" panose="020B0609020204030204" pitchFamily="49" charset="0"/>
+              </a:rPr>
+              <a:t>(self)-&gt;</a:t>
+            </a:r>
+            <a:r>
+              <a:rPr lang="fr-CH" sz="1600" b="0" dirty="0" err="1">
+                <a:effectLst/>
+                <a:latin typeface="Consolas" panose="020B0609020204030204" pitchFamily="49" charset="0"/>
+              </a:rPr>
+              <a:t>Text</a:t>
+            </a:r>
+            <a:r>
+              <a:rPr lang="fr-CH" sz="1600" b="0" dirty="0">
+                <a:effectLst/>
+                <a:latin typeface="Consolas" panose="020B0609020204030204" pitchFamily="49" charset="0"/>
+              </a:rPr>
+              <a:t>:</a:t>
+            </a:r>
+          </a:p>
+          <a:p>
+            <a:r>
+              <a:rPr lang="fr-CH" sz="1600" b="0" dirty="0">
+                <a:effectLst/>
+                <a:latin typeface="Consolas" panose="020B0609020204030204" pitchFamily="49" charset="0"/>
+              </a:rPr>
+              <a:t>        return "</a:t>
+            </a:r>
+            <a:r>
+              <a:rPr lang="fr-CH" sz="1600" b="0" dirty="0" err="1">
+                <a:effectLst/>
+                <a:latin typeface="Consolas" panose="020B0609020204030204" pitchFamily="49" charset="0"/>
+              </a:rPr>
+              <a:t>validate_get_date_heure_form</a:t>
+            </a:r>
+            <a:r>
+              <a:rPr lang="fr-CH" sz="1600" b="0" dirty="0">
+                <a:effectLst/>
+                <a:latin typeface="Consolas" panose="020B0609020204030204" pitchFamily="49" charset="0"/>
+              </a:rPr>
+              <a:t>"</a:t>
+            </a:r>
+          </a:p>
+          <a:p>
+            <a:r>
+              <a:rPr lang="fr-CH" sz="1600" b="0" dirty="0">
+                <a:effectLst/>
+                <a:latin typeface="Consolas" panose="020B0609020204030204" pitchFamily="49" charset="0"/>
+              </a:rPr>
+              <a:t>    </a:t>
+            </a:r>
+            <a:r>
+              <a:rPr lang="fr-CH" sz="1600" b="0" dirty="0" err="1">
+                <a:effectLst/>
+                <a:latin typeface="Consolas" panose="020B0609020204030204" pitchFamily="49" charset="0"/>
+              </a:rPr>
+              <a:t>def</a:t>
+            </a:r>
+            <a:r>
+              <a:rPr lang="fr-CH" sz="1600" b="0" dirty="0">
+                <a:effectLst/>
+                <a:latin typeface="Consolas" panose="020B0609020204030204" pitchFamily="49" charset="0"/>
+              </a:rPr>
+              <a:t> </a:t>
+            </a:r>
+            <a:r>
+              <a:rPr lang="fr-CH" sz="1600" b="1" dirty="0" err="1">
+                <a:effectLst/>
+                <a:latin typeface="Consolas" panose="020B0609020204030204" pitchFamily="49" charset="0"/>
+              </a:rPr>
+              <a:t>validate_date</a:t>
+            </a:r>
+            <a:r>
+              <a:rPr lang="fr-CH" sz="1600" b="1" dirty="0">
+                <a:effectLst/>
+                <a:latin typeface="Consolas" panose="020B0609020204030204" pitchFamily="49" charset="0"/>
+              </a:rPr>
+              <a:t>()</a:t>
+            </a:r>
+            <a:r>
+              <a:rPr lang="fr-CH" sz="1600" b="0" dirty="0">
+                <a:effectLst/>
+                <a:latin typeface="Consolas" panose="020B0609020204030204" pitchFamily="49" charset="0"/>
+              </a:rPr>
+              <a:t> -&gt; Dict[</a:t>
+            </a:r>
+            <a:r>
+              <a:rPr lang="fr-CH" sz="1600" b="0" dirty="0" err="1">
+                <a:effectLst/>
+                <a:latin typeface="Consolas" panose="020B0609020204030204" pitchFamily="49" charset="0"/>
+              </a:rPr>
+              <a:t>Text</a:t>
+            </a:r>
+            <a:r>
+              <a:rPr lang="fr-CH" sz="1600" b="0" dirty="0">
+                <a:effectLst/>
+                <a:latin typeface="Consolas" panose="020B0609020204030204" pitchFamily="49" charset="0"/>
+              </a:rPr>
+              <a:t>, </a:t>
+            </a:r>
+            <a:r>
+              <a:rPr lang="fr-CH" sz="1600" b="0" dirty="0" err="1">
+                <a:effectLst/>
+                <a:latin typeface="Consolas" panose="020B0609020204030204" pitchFamily="49" charset="0"/>
+              </a:rPr>
+              <a:t>Any</a:t>
+            </a:r>
+            <a:r>
+              <a:rPr lang="fr-CH" sz="1600" b="0" dirty="0">
+                <a:effectLst/>
+                <a:latin typeface="Consolas" panose="020B0609020204030204" pitchFamily="49" charset="0"/>
+              </a:rPr>
+              <a:t>]:</a:t>
+            </a:r>
+          </a:p>
+          <a:p>
+            <a:r>
+              <a:rPr lang="fr-CH" sz="1600" b="0" dirty="0">
+                <a:effectLst/>
+                <a:latin typeface="Consolas" panose="020B0609020204030204" pitchFamily="49" charset="0"/>
+              </a:rPr>
+              <a:t>	. . .</a:t>
+            </a:r>
+          </a:p>
+          <a:p>
+            <a:endParaRPr lang="fr-CH" sz="1600" b="0" dirty="0">
+              <a:effectLst/>
+              <a:latin typeface="Consolas" panose="020B0609020204030204" pitchFamily="49" charset="0"/>
+            </a:endParaRPr>
+          </a:p>
+          <a:p>
+            <a:r>
+              <a:rPr lang="fr-CH" sz="1600" b="0" dirty="0">
+                <a:effectLst/>
+                <a:latin typeface="Consolas" panose="020B0609020204030204" pitchFamily="49" charset="0"/>
+              </a:rPr>
+              <a:t>		</a:t>
+            </a:r>
+            <a:r>
+              <a:rPr lang="fr-CH" sz="1600" b="1" dirty="0">
+                <a:effectLst/>
+                <a:latin typeface="Consolas" panose="020B0609020204030204" pitchFamily="49" charset="0"/>
+              </a:rPr>
+              <a:t>data</a:t>
+            </a:r>
+            <a:r>
+              <a:rPr lang="fr-CH" sz="1600" b="0" dirty="0">
+                <a:effectLst/>
+                <a:latin typeface="Consolas" panose="020B0609020204030204" pitchFamily="49" charset="0"/>
+              </a:rPr>
+              <a:t> = {"locale":"fr_FR","</a:t>
+            </a:r>
+            <a:r>
+              <a:rPr lang="fr-CH" sz="1600" b="0" dirty="0" err="1">
+                <a:effectLst/>
+                <a:latin typeface="Consolas" panose="020B0609020204030204" pitchFamily="49" charset="0"/>
+              </a:rPr>
+              <a:t>text</a:t>
+            </a:r>
+            <a:r>
+              <a:rPr lang="fr-CH" sz="1600" b="0" dirty="0">
+                <a:effectLst/>
+                <a:latin typeface="Consolas" panose="020B0609020204030204" pitchFamily="49" charset="0"/>
+              </a:rPr>
+              <a:t>":</a:t>
+            </a:r>
+            <a:r>
+              <a:rPr lang="fr-CH" sz="1600" b="1" dirty="0">
+                <a:effectLst/>
+                <a:latin typeface="Consolas" panose="020B0609020204030204" pitchFamily="49" charset="0"/>
+              </a:rPr>
+              <a:t>date</a:t>
+            </a:r>
+            <a:r>
+              <a:rPr lang="fr-CH" sz="1600" b="0" dirty="0">
+                <a:effectLst/>
+                <a:latin typeface="Consolas" panose="020B0609020204030204" pitchFamily="49" charset="0"/>
+              </a:rPr>
+              <a:t> }</a:t>
+            </a:r>
+          </a:p>
+          <a:p>
+            <a:r>
+              <a:rPr lang="fr-CH" sz="1600" b="0" dirty="0">
+                <a:effectLst/>
+                <a:latin typeface="Consolas" panose="020B0609020204030204" pitchFamily="49" charset="0"/>
+              </a:rPr>
+              <a:t>		</a:t>
+            </a:r>
+            <a:r>
+              <a:rPr lang="fr-CH" sz="1600" b="0" dirty="0" err="1">
+                <a:effectLst/>
+                <a:latin typeface="Consolas" panose="020B0609020204030204" pitchFamily="49" charset="0"/>
+              </a:rPr>
+              <a:t>res</a:t>
+            </a:r>
+            <a:r>
+              <a:rPr lang="fr-CH" sz="1600" b="0" dirty="0">
+                <a:effectLst/>
+                <a:latin typeface="Consolas" panose="020B0609020204030204" pitchFamily="49" charset="0"/>
+              </a:rPr>
+              <a:t> = </a:t>
+            </a:r>
+            <a:r>
+              <a:rPr lang="fr-CH" sz="1600" b="0" dirty="0" err="1">
+                <a:effectLst/>
+                <a:latin typeface="Consolas" panose="020B0609020204030204" pitchFamily="49" charset="0"/>
+              </a:rPr>
+              <a:t>requests.post</a:t>
+            </a:r>
+            <a:r>
+              <a:rPr lang="fr-CH" sz="1600" b="0" dirty="0">
+                <a:effectLst/>
+                <a:latin typeface="Consolas" panose="020B0609020204030204" pitchFamily="49" charset="0"/>
+              </a:rPr>
+              <a:t>("</a:t>
+            </a:r>
+            <a:r>
+              <a:rPr lang="fr-CH" sz="1600" b="1" dirty="0">
+                <a:effectLst/>
+                <a:latin typeface="Consolas" panose="020B0609020204030204" pitchFamily="49" charset="0"/>
+              </a:rPr>
+              <a:t>http://duckling:8000/</a:t>
+            </a:r>
+            <a:r>
+              <a:rPr lang="fr-CH" sz="1600" b="1" dirty="0" err="1">
+                <a:effectLst/>
+                <a:latin typeface="Consolas" panose="020B0609020204030204" pitchFamily="49" charset="0"/>
+              </a:rPr>
+              <a:t>parse</a:t>
+            </a:r>
+            <a:r>
+              <a:rPr lang="fr-CH" sz="1600" b="0" dirty="0" err="1">
+                <a:effectLst/>
+                <a:latin typeface="Consolas" panose="020B0609020204030204" pitchFamily="49" charset="0"/>
+              </a:rPr>
+              <a:t>",data</a:t>
+            </a:r>
+            <a:r>
+              <a:rPr lang="fr-CH" sz="1600" b="0" dirty="0">
+                <a:effectLst/>
+                <a:latin typeface="Consolas" panose="020B0609020204030204" pitchFamily="49" charset="0"/>
+              </a:rPr>
+              <a:t>=data)</a:t>
+            </a:r>
+          </a:p>
+          <a:p>
+            <a:r>
+              <a:rPr lang="fr-CH" sz="1600" dirty="0">
+                <a:latin typeface="Consolas" panose="020B0609020204030204" pitchFamily="49" charset="0"/>
+              </a:rPr>
+              <a:t>	. . .</a:t>
+            </a:r>
+            <a:endParaRPr lang="fr-CH" sz="1600" b="0" dirty="0">
+              <a:effectLst/>
+              <a:latin typeface="Consolas" panose="020B0609020204030204" pitchFamily="49" charset="0"/>
+            </a:endParaRPr>
+          </a:p>
+          <a:p>
+            <a:r>
+              <a:rPr lang="fr-CH" sz="1600" dirty="0">
+                <a:latin typeface="Consolas" panose="020B0609020204030204" pitchFamily="49" charset="0"/>
+              </a:rPr>
+              <a:t>		</a:t>
+            </a:r>
+            <a:r>
+              <a:rPr lang="fr-CH" sz="1600" b="0" dirty="0">
+                <a:solidFill>
+                  <a:srgbClr val="9CDCFE"/>
+                </a:solidFill>
+                <a:effectLst/>
+                <a:latin typeface="Consolas" panose="020B0609020204030204" pitchFamily="49" charset="0"/>
+              </a:rPr>
+              <a:t> </a:t>
+            </a:r>
+            <a:r>
+              <a:rPr lang="fr-CH" sz="1600" b="0" dirty="0" err="1">
+                <a:effectLst/>
+                <a:latin typeface="Consolas" panose="020B0609020204030204" pitchFamily="49" charset="0"/>
+              </a:rPr>
+              <a:t>dates_dispo</a:t>
+            </a:r>
+            <a:r>
+              <a:rPr lang="fr-CH" sz="1600" b="0" dirty="0">
+                <a:effectLst/>
+                <a:latin typeface="Consolas" panose="020B0609020204030204" pitchFamily="49" charset="0"/>
+              </a:rPr>
+              <a:t> = </a:t>
+            </a:r>
+            <a:r>
+              <a:rPr lang="fr-CH" sz="1600" b="1" dirty="0" err="1">
+                <a:effectLst/>
+                <a:latin typeface="Consolas" panose="020B0609020204030204" pitchFamily="49" charset="0"/>
+              </a:rPr>
+              <a:t>get_jours_disponibles</a:t>
+            </a:r>
+            <a:r>
+              <a:rPr lang="fr-CH" sz="1600" b="1" dirty="0">
+                <a:effectLst/>
+                <a:latin typeface="Consolas" panose="020B0609020204030204" pitchFamily="49" charset="0"/>
+              </a:rPr>
+              <a:t>()</a:t>
+            </a:r>
+            <a:endParaRPr lang="fr-CH" sz="1600" b="1" dirty="0">
+              <a:latin typeface="Consolas" panose="020B0609020204030204" pitchFamily="49" charset="0"/>
+            </a:endParaRPr>
+          </a:p>
+          <a:p>
+            <a:r>
+              <a:rPr lang="fr-CH" sz="1600" dirty="0">
+                <a:latin typeface="Consolas" panose="020B0609020204030204" pitchFamily="49" charset="0"/>
+              </a:rPr>
+              <a:t>	. . .</a:t>
+            </a:r>
+          </a:p>
+          <a:p>
+            <a:pPr lvl="1"/>
+            <a:r>
+              <a:rPr lang="fr-CH" sz="1600" b="0" dirty="0">
+                <a:effectLst/>
+                <a:latin typeface="Consolas" panose="020B0609020204030204" pitchFamily="49" charset="0"/>
+              </a:rPr>
+              <a:t>	</a:t>
+            </a:r>
+            <a:r>
+              <a:rPr lang="fr-CH" sz="1600" b="0" dirty="0" err="1">
+                <a:effectLst/>
+                <a:latin typeface="Consolas" panose="020B0609020204030204" pitchFamily="49" charset="0"/>
+              </a:rPr>
+              <a:t>dispatcher.utter_message</a:t>
+            </a:r>
+            <a:r>
+              <a:rPr lang="fr-CH" sz="1600" b="0" dirty="0">
+                <a:effectLst/>
+                <a:latin typeface="Consolas" panose="020B0609020204030204" pitchFamily="49" charset="0"/>
+              </a:rPr>
+              <a:t>(&lt;</a:t>
+            </a:r>
+            <a:r>
+              <a:rPr lang="fr-CH" sz="1600" b="1" dirty="0">
+                <a:effectLst/>
+                <a:latin typeface="Consolas" panose="020B0609020204030204" pitchFamily="49" charset="0"/>
+              </a:rPr>
+              <a:t>réponse</a:t>
+            </a:r>
+            <a:r>
+              <a:rPr lang="fr-CH" sz="1600" b="0" dirty="0">
+                <a:effectLst/>
+                <a:latin typeface="Consolas" panose="020B0609020204030204" pitchFamily="49" charset="0"/>
+              </a:rPr>
+              <a:t>&gt;)</a:t>
+            </a:r>
+          </a:p>
+          <a:p>
+            <a:pPr lvl="1"/>
+            <a:r>
+              <a:rPr lang="fr-CH" sz="1600" dirty="0">
+                <a:latin typeface="Consolas" panose="020B0609020204030204" pitchFamily="49" charset="0"/>
+              </a:rPr>
+              <a:t>// Confirmation et sauvegarde de la date choisie</a:t>
+            </a:r>
+            <a:endParaRPr lang="fr-CH" sz="1600" b="0" dirty="0">
+              <a:effectLst/>
+              <a:latin typeface="Consolas" panose="020B0609020204030204" pitchFamily="49" charset="0"/>
+            </a:endParaRPr>
+          </a:p>
+          <a:p>
+            <a:pPr lvl="1"/>
+            <a:r>
+              <a:rPr lang="fr-CH" sz="1600" b="0" dirty="0">
+                <a:effectLst/>
+                <a:latin typeface="Consolas" panose="020B0609020204030204" pitchFamily="49" charset="0"/>
+              </a:rPr>
+              <a:t>	return </a:t>
+            </a:r>
+            <a:r>
+              <a:rPr lang="fr-CH" sz="1600" b="1" dirty="0">
+                <a:effectLst/>
+                <a:latin typeface="Consolas" panose="020B0609020204030204" pitchFamily="49" charset="0"/>
+              </a:rPr>
+              <a:t>{"date":date_</a:t>
+            </a:r>
+            <a:r>
+              <a:rPr lang="fr-CH" sz="1600" b="1" dirty="0" err="1">
+                <a:effectLst/>
+                <a:latin typeface="Consolas" panose="020B0609020204030204" pitchFamily="49" charset="0"/>
+              </a:rPr>
+              <a:t>duckling</a:t>
+            </a:r>
+            <a:r>
+              <a:rPr lang="fr-CH" sz="1600" b="0" dirty="0">
+                <a:effectLst/>
+                <a:latin typeface="Consolas" panose="020B0609020204030204" pitchFamily="49" charset="0"/>
+              </a:rPr>
+              <a:t>,"date_</a:t>
+            </a:r>
+            <a:r>
+              <a:rPr lang="fr-CH" sz="1600" b="0" dirty="0" err="1">
+                <a:effectLst/>
+                <a:latin typeface="Consolas" panose="020B0609020204030204" pitchFamily="49" charset="0"/>
+              </a:rPr>
+              <a:t>prereserv</a:t>
+            </a:r>
+            <a:r>
+              <a:rPr lang="fr-CH" sz="1600" b="0" dirty="0">
+                <a:effectLst/>
+                <a:latin typeface="Consolas" panose="020B0609020204030204" pitchFamily="49" charset="0"/>
+              </a:rPr>
+              <a:t>":None}</a:t>
+            </a:r>
+          </a:p>
+          <a:p>
+            <a:pPr lvl="1"/>
+            <a:endParaRPr lang="fr-CH" sz="1600" b="0" dirty="0">
+              <a:effectLst/>
+              <a:latin typeface="Consolas" panose="020B0609020204030204" pitchFamily="49" charset="0"/>
+            </a:endParaRPr>
+          </a:p>
+          <a:p>
+            <a:pPr lvl="1"/>
+            <a:r>
+              <a:rPr lang="fr-CH" sz="1600" dirty="0">
+                <a:latin typeface="Consolas" panose="020B0609020204030204" pitchFamily="49" charset="0"/>
+              </a:rPr>
+              <a:t>. . .</a:t>
+            </a:r>
+            <a:endParaRPr lang="fr-CH" sz="1600" b="0" dirty="0">
+              <a:effectLst/>
+              <a:latin typeface="Consolas" panose="020B0609020204030204" pitchFamily="49" charset="0"/>
+            </a:endParaRPr>
+          </a:p>
+          <a:p>
+            <a:endParaRPr lang="fr-CH" sz="1600" b="0" dirty="0">
+              <a:effectLst/>
+              <a:latin typeface="Consolas" panose="020B0609020204030204" pitchFamily="49" charset="0"/>
+            </a:endParaRPr>
+          </a:p>
+        </p:txBody>
+      </p:sp>
+      <p:sp>
+        <p:nvSpPr>
+          <p:cNvPr id="7" name="Espace réservé du contenu 2">
+            <a:extLst>
+              <a:ext uri="{FF2B5EF4-FFF2-40B4-BE49-F238E27FC236}">
+                <a16:creationId xmlns:a16="http://schemas.microsoft.com/office/drawing/2014/main" id="{73B8C03F-1B46-4D7A-6A0B-048B1A0DB2CA}"/>
+              </a:ext>
+            </a:extLst>
+          </p:cNvPr>
+          <p:cNvSpPr>
+            <a:spLocks noGrp="1"/>
+          </p:cNvSpPr>
+          <p:nvPr>
+            <p:ph idx="1"/>
+          </p:nvPr>
+        </p:nvSpPr>
+        <p:spPr>
+          <a:xfrm>
+            <a:off x="3709470" y="770887"/>
+            <a:ext cx="7315200" cy="705899"/>
+          </a:xfrm>
+        </p:spPr>
+        <p:txBody>
+          <a:bodyPr/>
+          <a:lstStyle/>
+          <a:p>
+            <a:pPr marL="0" indent="0">
+              <a:buNone/>
+            </a:pPr>
+            <a:r>
+              <a:rPr lang="fr-CH" sz="3600" b="1" dirty="0">
+                <a:latin typeface="+mj-lt"/>
+              </a:rPr>
+              <a:t>Cas choix date :</a:t>
+            </a:r>
+            <a:endParaRPr lang="fr-CH" dirty="0"/>
+          </a:p>
+        </p:txBody>
+      </p:sp>
+    </p:spTree>
+    <p:extLst>
+      <p:ext uri="{BB962C8B-B14F-4D97-AF65-F5344CB8AC3E}">
+        <p14:creationId xmlns:p14="http://schemas.microsoft.com/office/powerpoint/2010/main" val="3414158671"/>
+      </p:ext>
+    </p:extLst>
+  </p:cSld>
+  <p:clrMapOvr>
+    <a:masterClrMapping/>
+  </p:clrMapOvr>
+</p:sld>
+</file>
+
+<file path=ppt/slides/slide24.xml><?xml version="1.0" encoding="utf-8"?>
+<p:sld xmlns:a="http://schemas.openxmlformats.org/drawingml/2006/main" xmlns:r="http://schemas.openxmlformats.org/officeDocument/2006/relationships" xmlns:p="http://schemas.openxmlformats.org/presentationml/2006/main">
+  <p:cSld>
+    <p:spTree>
+      <p:nvGrpSpPr>
+        <p:cNvPr id="1" name=""/>
+        <p:cNvGrpSpPr/>
+        <p:nvPr/>
+      </p:nvGrpSpPr>
+      <p:grpSpPr>
+        <a:xfrm>
+          <a:off x="0" y="0"/>
+          <a:ext cx="0" cy="0"/>
+          <a:chOff x="0" y="0"/>
+          <a:chExt cx="0" cy="0"/>
+        </a:xfrm>
+      </p:grpSpPr>
+      <p:sp>
+        <p:nvSpPr>
+          <p:cNvPr id="2" name="Titre 1">
+            <a:extLst>
+              <a:ext uri="{FF2B5EF4-FFF2-40B4-BE49-F238E27FC236}">
+                <a16:creationId xmlns:a16="http://schemas.microsoft.com/office/drawing/2014/main" id="{23A285B4-FD70-2A71-8251-87E83297FD76}"/>
+              </a:ext>
+            </a:extLst>
+          </p:cNvPr>
+          <p:cNvSpPr>
+            <a:spLocks noGrp="1"/>
+          </p:cNvSpPr>
+          <p:nvPr>
+            <p:ph type="title"/>
+          </p:nvPr>
+        </p:nvSpPr>
+        <p:spPr>
+          <a:xfrm>
+            <a:off x="86628" y="1123837"/>
+            <a:ext cx="3272590" cy="4601183"/>
+          </a:xfrm>
+        </p:spPr>
+        <p:txBody>
+          <a:bodyPr/>
+          <a:lstStyle/>
+          <a:p>
+            <a:r>
+              <a:rPr lang="fr-CH" dirty="0"/>
+              <a:t>Implémentation – Extraits de code</a:t>
+            </a:r>
+          </a:p>
+        </p:txBody>
+      </p:sp>
+      <p:sp>
+        <p:nvSpPr>
+          <p:cNvPr id="4" name="Espace réservé du pied de page 3">
+            <a:extLst>
+              <a:ext uri="{FF2B5EF4-FFF2-40B4-BE49-F238E27FC236}">
+                <a16:creationId xmlns:a16="http://schemas.microsoft.com/office/drawing/2014/main" id="{A38321E0-ECEB-C769-218D-848393A7F84F}"/>
+              </a:ext>
+            </a:extLst>
+          </p:cNvPr>
+          <p:cNvSpPr>
+            <a:spLocks noGrp="1"/>
+          </p:cNvSpPr>
+          <p:nvPr>
+            <p:ph type="ftr" sz="quarter" idx="11"/>
+          </p:nvPr>
+        </p:nvSpPr>
+        <p:spPr/>
+        <p:txBody>
+          <a:bodyPr/>
+          <a:lstStyle/>
+          <a:p>
+            <a:r>
+              <a:rPr lang="fr-CH"/>
+              <a:t>Présentation BA - Chatbot Réservation - Rodrigues dos Santos Fabio</a:t>
+            </a:r>
+            <a:endParaRPr lang="en-US" dirty="0"/>
+          </a:p>
+        </p:txBody>
+      </p:sp>
+      <p:sp>
+        <p:nvSpPr>
+          <p:cNvPr id="5" name="Espace réservé du numéro de diapositive 4">
+            <a:extLst>
+              <a:ext uri="{FF2B5EF4-FFF2-40B4-BE49-F238E27FC236}">
+                <a16:creationId xmlns:a16="http://schemas.microsoft.com/office/drawing/2014/main" id="{51B83CF1-45C8-8781-5866-C752229012C1}"/>
+              </a:ext>
+            </a:extLst>
+          </p:cNvPr>
+          <p:cNvSpPr>
+            <a:spLocks noGrp="1"/>
+          </p:cNvSpPr>
+          <p:nvPr>
+            <p:ph type="sldNum" sz="quarter" idx="12"/>
+          </p:nvPr>
+        </p:nvSpPr>
+        <p:spPr/>
+        <p:txBody>
+          <a:bodyPr/>
+          <a:lstStyle/>
+          <a:p>
+            <a:fld id="{4FAB73BC-B049-4115-A692-8D63A059BFB8}" type="slidenum">
+              <a:rPr lang="en-US" smtClean="0"/>
+              <a:pPr/>
+              <a:t>24</a:t>
+            </a:fld>
+            <a:endParaRPr lang="en-US" dirty="0"/>
+          </a:p>
+        </p:txBody>
+      </p:sp>
+      <p:sp>
+        <p:nvSpPr>
+          <p:cNvPr id="6" name="ZoneTexte 5">
+            <a:extLst>
+              <a:ext uri="{FF2B5EF4-FFF2-40B4-BE49-F238E27FC236}">
+                <a16:creationId xmlns:a16="http://schemas.microsoft.com/office/drawing/2014/main" id="{D3ED7AAC-00C4-725B-283B-61574061CF4E}"/>
+              </a:ext>
+            </a:extLst>
+          </p:cNvPr>
+          <p:cNvSpPr txBox="1"/>
+          <p:nvPr/>
+        </p:nvSpPr>
+        <p:spPr>
+          <a:xfrm>
+            <a:off x="3709470" y="1847469"/>
+            <a:ext cx="7690128" cy="3293209"/>
+          </a:xfrm>
+          <a:prstGeom prst="rect">
+            <a:avLst/>
+          </a:prstGeom>
+          <a:solidFill>
+            <a:schemeClr val="bg1">
+              <a:lumMod val="95000"/>
+            </a:schemeClr>
+          </a:solidFill>
+          <a:ln>
+            <a:solidFill>
+              <a:schemeClr val="tx1"/>
+            </a:solidFill>
+          </a:ln>
+        </p:spPr>
+        <p:txBody>
+          <a:bodyPr wrap="square" rtlCol="0">
+            <a:spAutoFit/>
+          </a:bodyPr>
+          <a:lstStyle/>
+          <a:p>
+            <a:r>
+              <a:rPr lang="en-US" sz="1600" b="0" dirty="0">
+                <a:solidFill>
+                  <a:srgbClr val="00B0F0"/>
+                </a:solidFill>
+                <a:effectLst/>
+                <a:latin typeface="Consolas" panose="020B0609020204030204" pitchFamily="49" charset="0"/>
+              </a:rPr>
+              <a:t>Server.py</a:t>
+            </a:r>
+          </a:p>
+          <a:p>
+            <a:r>
+              <a:rPr lang="fr-CH" sz="1600" b="0" dirty="0">
+                <a:effectLst/>
+                <a:latin typeface="Consolas" panose="020B0609020204030204" pitchFamily="49" charset="0"/>
+              </a:rPr>
+              <a:t>@app.get("/</a:t>
+            </a:r>
+            <a:r>
+              <a:rPr lang="fr-CH" sz="1600" b="1" dirty="0">
+                <a:effectLst/>
+                <a:latin typeface="Consolas" panose="020B0609020204030204" pitchFamily="49" charset="0"/>
+              </a:rPr>
+              <a:t>get-jours-semaine</a:t>
+            </a:r>
+            <a:r>
+              <a:rPr lang="fr-CH" sz="1600" b="0" dirty="0">
+                <a:effectLst/>
+                <a:latin typeface="Consolas" panose="020B0609020204030204" pitchFamily="49" charset="0"/>
+              </a:rPr>
+              <a:t>/{</a:t>
+            </a:r>
+            <a:r>
+              <a:rPr lang="fr-CH" sz="1600" b="1" dirty="0">
+                <a:effectLst/>
+                <a:latin typeface="Consolas" panose="020B0609020204030204" pitchFamily="49" charset="0"/>
+              </a:rPr>
+              <a:t>ressource_label</a:t>
+            </a:r>
+            <a:r>
+              <a:rPr lang="fr-CH" sz="1600" b="0" dirty="0">
+                <a:effectLst/>
+                <a:latin typeface="Consolas" panose="020B0609020204030204" pitchFamily="49" charset="0"/>
+              </a:rPr>
+              <a:t>}/{</a:t>
+            </a:r>
+            <a:r>
+              <a:rPr lang="fr-CH" sz="1600" b="1" dirty="0">
+                <a:effectLst/>
+                <a:latin typeface="Consolas" panose="020B0609020204030204" pitchFamily="49" charset="0"/>
+              </a:rPr>
+              <a:t>num_jours</a:t>
+            </a:r>
+            <a:r>
+              <a:rPr lang="fr-CH" sz="1600" b="0" dirty="0">
+                <a:effectLst/>
+                <a:latin typeface="Consolas" panose="020B0609020204030204" pitchFamily="49" charset="0"/>
+              </a:rPr>
+              <a:t>}")</a:t>
+            </a:r>
+          </a:p>
+          <a:p>
+            <a:r>
+              <a:rPr lang="fr-CH" sz="1600" b="0" dirty="0" err="1">
+                <a:effectLst/>
+                <a:latin typeface="Consolas" panose="020B0609020204030204" pitchFamily="49" charset="0"/>
+              </a:rPr>
+              <a:t>async</a:t>
+            </a:r>
+            <a:r>
+              <a:rPr lang="fr-CH" sz="1600" b="0" dirty="0">
+                <a:effectLst/>
+                <a:latin typeface="Consolas" panose="020B0609020204030204" pitchFamily="49" charset="0"/>
+              </a:rPr>
+              <a:t> </a:t>
+            </a:r>
+            <a:r>
+              <a:rPr lang="fr-CH" sz="1600" b="0" dirty="0" err="1">
+                <a:effectLst/>
+                <a:latin typeface="Consolas" panose="020B0609020204030204" pitchFamily="49" charset="0"/>
+              </a:rPr>
+              <a:t>def</a:t>
+            </a:r>
+            <a:r>
+              <a:rPr lang="fr-CH" sz="1600" b="0" dirty="0">
+                <a:effectLst/>
+                <a:latin typeface="Consolas" panose="020B0609020204030204" pitchFamily="49" charset="0"/>
+              </a:rPr>
+              <a:t> </a:t>
+            </a:r>
+            <a:r>
+              <a:rPr lang="fr-CH" sz="1600" dirty="0" err="1">
+                <a:effectLst/>
+                <a:latin typeface="Consolas" panose="020B0609020204030204" pitchFamily="49" charset="0"/>
+              </a:rPr>
+              <a:t>get_jours_semaine</a:t>
+            </a:r>
+            <a:r>
+              <a:rPr lang="fr-CH" sz="1600" b="0" dirty="0">
+                <a:effectLst/>
+                <a:latin typeface="Consolas" panose="020B0609020204030204" pitchFamily="49" charset="0"/>
+              </a:rPr>
+              <a:t>(</a:t>
+            </a:r>
+            <a:r>
+              <a:rPr lang="fr-CH" sz="1600" b="0" dirty="0" err="1">
+                <a:effectLst/>
+                <a:latin typeface="Consolas" panose="020B0609020204030204" pitchFamily="49" charset="0"/>
+              </a:rPr>
+              <a:t>ressource_label:str,num_jours:int</a:t>
+            </a:r>
+            <a:r>
+              <a:rPr lang="fr-CH" sz="1600" b="0" dirty="0">
+                <a:effectLst/>
+                <a:latin typeface="Consolas" panose="020B0609020204030204" pitchFamily="49" charset="0"/>
+              </a:rPr>
+              <a:t>):</a:t>
+            </a:r>
+          </a:p>
+          <a:p>
+            <a:r>
+              <a:rPr lang="fr-CH" sz="1600" b="0" dirty="0">
+                <a:effectLst/>
+                <a:latin typeface="Consolas" panose="020B0609020204030204" pitchFamily="49" charset="0"/>
+              </a:rPr>
+              <a:t> </a:t>
+            </a:r>
+            <a:r>
+              <a:rPr lang="fr-CH" sz="1600" b="0" dirty="0" err="1">
+                <a:effectLst/>
+                <a:latin typeface="Consolas" panose="020B0609020204030204" pitchFamily="49" charset="0"/>
+              </a:rPr>
+              <a:t>try</a:t>
+            </a:r>
+            <a:r>
+              <a:rPr lang="fr-CH" sz="1600" b="0" dirty="0">
+                <a:effectLst/>
+                <a:latin typeface="Consolas" panose="020B0609020204030204" pitchFamily="49" charset="0"/>
+              </a:rPr>
+              <a:t>:</a:t>
+            </a:r>
+          </a:p>
+          <a:p>
+            <a:r>
+              <a:rPr lang="fr-CH" sz="1600" b="0" dirty="0">
+                <a:effectLst/>
+                <a:latin typeface="Consolas" panose="020B0609020204030204" pitchFamily="49" charset="0"/>
+              </a:rPr>
+              <a:t>     </a:t>
+            </a:r>
+            <a:r>
+              <a:rPr lang="fr-CH" sz="1600" b="0" dirty="0" err="1">
+                <a:effectLst/>
+                <a:latin typeface="Consolas" panose="020B0609020204030204" pitchFamily="49" charset="0"/>
+              </a:rPr>
+              <a:t>with</a:t>
+            </a:r>
+            <a:r>
+              <a:rPr lang="fr-CH" sz="1600" b="0" dirty="0">
+                <a:effectLst/>
+                <a:latin typeface="Consolas" panose="020B0609020204030204" pitchFamily="49" charset="0"/>
+              </a:rPr>
+              <a:t> </a:t>
+            </a:r>
+            <a:r>
+              <a:rPr lang="fr-CH" sz="1600" b="0" dirty="0" err="1">
+                <a:effectLst/>
+                <a:latin typeface="Consolas" panose="020B0609020204030204" pitchFamily="49" charset="0"/>
+              </a:rPr>
+              <a:t>Session.begin</a:t>
+            </a:r>
+            <a:r>
+              <a:rPr lang="fr-CH" sz="1600" b="0" dirty="0">
+                <a:effectLst/>
+                <a:latin typeface="Consolas" panose="020B0609020204030204" pitchFamily="49" charset="0"/>
+              </a:rPr>
+              <a:t>() as session:</a:t>
+            </a:r>
+          </a:p>
+          <a:p>
+            <a:r>
+              <a:rPr lang="fr-CH" sz="1600" b="0" dirty="0">
+                <a:effectLst/>
+                <a:latin typeface="Consolas" panose="020B0609020204030204" pitchFamily="49" charset="0"/>
+              </a:rPr>
+              <a:t>            </a:t>
+            </a:r>
+            <a:r>
+              <a:rPr lang="fr-CH" sz="1600" b="0" dirty="0" err="1">
+                <a:effectLst/>
+                <a:latin typeface="Consolas" panose="020B0609020204030204" pitchFamily="49" charset="0"/>
+              </a:rPr>
+              <a:t>query</a:t>
+            </a:r>
+            <a:r>
+              <a:rPr lang="fr-CH" sz="1600" b="0" dirty="0">
+                <a:effectLst/>
+                <a:latin typeface="Consolas" panose="020B0609020204030204" pitchFamily="49" charset="0"/>
+              </a:rPr>
+              <a:t> = </a:t>
+            </a:r>
+            <a:r>
+              <a:rPr lang="fr-CH" sz="1600" b="0" dirty="0" err="1">
+                <a:effectLst/>
+                <a:latin typeface="Consolas" panose="020B0609020204030204" pitchFamily="49" charset="0"/>
+              </a:rPr>
+              <a:t>session.query</a:t>
+            </a:r>
+            <a:r>
+              <a:rPr lang="fr-CH" sz="1600" b="0" dirty="0">
+                <a:effectLst/>
+                <a:latin typeface="Consolas" panose="020B0609020204030204" pitchFamily="49" charset="0"/>
+              </a:rPr>
+              <a:t>(</a:t>
+            </a:r>
+            <a:r>
+              <a:rPr lang="fr-CH" sz="1600" dirty="0" err="1">
+                <a:effectLst/>
+                <a:latin typeface="Consolas" panose="020B0609020204030204" pitchFamily="49" charset="0"/>
+              </a:rPr>
+              <a:t>Jour_Horaire.</a:t>
+            </a:r>
+            <a:r>
+              <a:rPr lang="fr-CH" sz="1600" b="1" dirty="0" err="1">
+                <a:effectLst/>
+                <a:latin typeface="Consolas" panose="020B0609020204030204" pitchFamily="49" charset="0"/>
+              </a:rPr>
+              <a:t>jour</a:t>
+            </a:r>
+            <a:r>
+              <a:rPr lang="fr-CH" sz="1600" b="0" dirty="0">
+                <a:effectLst/>
+                <a:latin typeface="Consolas" panose="020B0609020204030204" pitchFamily="49" charset="0"/>
+              </a:rPr>
+              <a:t>) 							.</a:t>
+            </a:r>
+            <a:r>
+              <a:rPr lang="fr-CH" sz="1600" b="1" dirty="0" err="1">
+                <a:effectLst/>
+                <a:latin typeface="Consolas" panose="020B0609020204030204" pitchFamily="49" charset="0"/>
+              </a:rPr>
+              <a:t>where</a:t>
+            </a:r>
+            <a:r>
+              <a:rPr lang="fr-CH" sz="1600" b="0" dirty="0">
+                <a:effectLst/>
+                <a:latin typeface="Consolas" panose="020B0609020204030204" pitchFamily="49" charset="0"/>
+              </a:rPr>
+              <a:t>(</a:t>
+            </a:r>
+            <a:r>
+              <a:rPr lang="fr-CH" sz="1600" b="1" dirty="0" err="1">
+                <a:effectLst/>
+                <a:latin typeface="Consolas" panose="020B0609020204030204" pitchFamily="49" charset="0"/>
+              </a:rPr>
+              <a:t>Jour_Horaire</a:t>
+            </a:r>
+            <a:r>
+              <a:rPr lang="fr-CH" sz="1600" b="0" dirty="0" err="1">
+                <a:effectLst/>
+                <a:latin typeface="Consolas" panose="020B0609020204030204" pitchFamily="49" charset="0"/>
+              </a:rPr>
+              <a:t>.</a:t>
+            </a:r>
+            <a:r>
+              <a:rPr lang="fr-CH" sz="1600" dirty="0" err="1">
+                <a:effectLst/>
+                <a:latin typeface="Consolas" panose="020B0609020204030204" pitchFamily="49" charset="0"/>
+              </a:rPr>
+              <a:t>label</a:t>
+            </a:r>
+            <a:r>
+              <a:rPr lang="fr-CH" sz="1600" b="0" dirty="0" err="1">
+                <a:effectLst/>
+                <a:latin typeface="Consolas" panose="020B0609020204030204" pitchFamily="49" charset="0"/>
+              </a:rPr>
+              <a:t>.</a:t>
+            </a:r>
+            <a:r>
+              <a:rPr lang="fr-CH" sz="1600" b="1" dirty="0" err="1">
+                <a:effectLst/>
+                <a:latin typeface="Consolas" panose="020B0609020204030204" pitchFamily="49" charset="0"/>
+              </a:rPr>
+              <a:t>like</a:t>
+            </a:r>
+            <a:r>
+              <a:rPr lang="fr-CH" sz="1600" b="0" dirty="0">
+                <a:effectLst/>
+                <a:latin typeface="Consolas" panose="020B0609020204030204" pitchFamily="49" charset="0"/>
+              </a:rPr>
+              <a:t>(</a:t>
+            </a:r>
+            <a:r>
+              <a:rPr lang="fr-CH" sz="1600" b="1" dirty="0" err="1">
+                <a:effectLst/>
+                <a:latin typeface="Consolas" panose="020B0609020204030204" pitchFamily="49" charset="0"/>
+              </a:rPr>
+              <a:t>ressource_label</a:t>
+            </a:r>
+            <a:r>
+              <a:rPr lang="fr-CH" sz="1600" b="0" dirty="0">
+                <a:effectLst/>
+                <a:latin typeface="Consolas" panose="020B0609020204030204" pitchFamily="49" charset="0"/>
+              </a:rPr>
+              <a:t>))</a:t>
+            </a:r>
+          </a:p>
+          <a:p>
+            <a:pPr lvl="3"/>
+            <a:r>
+              <a:rPr lang="fr-CH" sz="1600" b="0" dirty="0">
+                <a:effectLst/>
+                <a:latin typeface="Consolas" panose="020B0609020204030204" pitchFamily="49" charset="0"/>
+              </a:rPr>
+              <a:t>.distinct()</a:t>
+            </a:r>
+          </a:p>
+          <a:p>
+            <a:pPr lvl="3"/>
+            <a:r>
+              <a:rPr lang="fr-CH" sz="1600" b="0" dirty="0">
+                <a:effectLst/>
+                <a:latin typeface="Consolas" panose="020B0609020204030204" pitchFamily="49" charset="0"/>
+              </a:rPr>
+              <a:t>.all()</a:t>
+            </a:r>
+          </a:p>
+          <a:p>
+            <a:r>
+              <a:rPr lang="fr-CH" sz="1600" dirty="0">
+                <a:latin typeface="Consolas" panose="020B0609020204030204" pitchFamily="49" charset="0"/>
+              </a:rPr>
+              <a:t>	// traitement des dates disponibles</a:t>
+            </a:r>
+          </a:p>
+          <a:p>
+            <a:r>
+              <a:rPr lang="fr-CH" sz="1600" dirty="0">
+                <a:latin typeface="Consolas" panose="020B0609020204030204" pitchFamily="49" charset="0"/>
+              </a:rPr>
+              <a:t>	. . .</a:t>
+            </a:r>
+          </a:p>
+          <a:p>
+            <a:r>
+              <a:rPr lang="fr-CH" sz="1600" dirty="0">
+                <a:latin typeface="Consolas" panose="020B0609020204030204" pitchFamily="49" charset="0"/>
+              </a:rPr>
+              <a:t>	</a:t>
+            </a:r>
+            <a:r>
+              <a:rPr lang="fr-CH" sz="1600" b="0" dirty="0">
+                <a:effectLst/>
+                <a:latin typeface="Consolas" panose="020B0609020204030204" pitchFamily="49" charset="0"/>
+              </a:rPr>
+              <a:t>return </a:t>
+            </a:r>
+            <a:r>
+              <a:rPr lang="fr-CH" sz="1600" b="0" dirty="0" err="1">
+                <a:effectLst/>
+                <a:latin typeface="Consolas" panose="020B0609020204030204" pitchFamily="49" charset="0"/>
+              </a:rPr>
+              <a:t>JSONResponse</a:t>
+            </a:r>
+            <a:r>
+              <a:rPr lang="fr-CH" sz="1600" b="0" dirty="0">
+                <a:effectLst/>
+                <a:latin typeface="Consolas" panose="020B0609020204030204" pitchFamily="49" charset="0"/>
+              </a:rPr>
+              <a:t>(</a:t>
+            </a:r>
+            <a:r>
+              <a:rPr lang="fr-CH" sz="1600" b="1" dirty="0">
+                <a:effectLst/>
+                <a:latin typeface="Consolas" panose="020B0609020204030204" pitchFamily="49" charset="0"/>
+              </a:rPr>
+              <a:t>&lt;requête traitée&gt;</a:t>
+            </a:r>
+            <a:r>
+              <a:rPr lang="fr-CH" sz="1600" b="0" dirty="0">
+                <a:effectLst/>
+                <a:latin typeface="Consolas" panose="020B0609020204030204" pitchFamily="49" charset="0"/>
+              </a:rPr>
+              <a:t>)</a:t>
+            </a:r>
+          </a:p>
+          <a:p>
+            <a:endParaRPr lang="fr-CH" sz="1600" dirty="0">
+              <a:latin typeface="Consolas" panose="020B0609020204030204" pitchFamily="49" charset="0"/>
+            </a:endParaRPr>
+          </a:p>
+        </p:txBody>
+      </p:sp>
+      <p:sp>
+        <p:nvSpPr>
+          <p:cNvPr id="7" name="Espace réservé du contenu 2">
+            <a:extLst>
+              <a:ext uri="{FF2B5EF4-FFF2-40B4-BE49-F238E27FC236}">
+                <a16:creationId xmlns:a16="http://schemas.microsoft.com/office/drawing/2014/main" id="{73B8C03F-1B46-4D7A-6A0B-048B1A0DB2CA}"/>
+              </a:ext>
+            </a:extLst>
+          </p:cNvPr>
+          <p:cNvSpPr>
+            <a:spLocks noGrp="1"/>
+          </p:cNvSpPr>
+          <p:nvPr>
+            <p:ph idx="1"/>
+          </p:nvPr>
+        </p:nvSpPr>
+        <p:spPr>
+          <a:xfrm>
+            <a:off x="3709470" y="770887"/>
+            <a:ext cx="7315200" cy="705899"/>
+          </a:xfrm>
+        </p:spPr>
+        <p:txBody>
+          <a:bodyPr/>
+          <a:lstStyle/>
+          <a:p>
+            <a:pPr marL="0" indent="0">
+              <a:buNone/>
+            </a:pPr>
+            <a:r>
+              <a:rPr lang="fr-CH" sz="3600" b="1" dirty="0">
+                <a:latin typeface="+mj-lt"/>
+              </a:rPr>
+              <a:t>Cas choix date :</a:t>
+            </a:r>
+            <a:endParaRPr lang="fr-CH" dirty="0"/>
+          </a:p>
+        </p:txBody>
+      </p:sp>
+    </p:spTree>
+    <p:extLst>
+      <p:ext uri="{BB962C8B-B14F-4D97-AF65-F5344CB8AC3E}">
+        <p14:creationId xmlns:p14="http://schemas.microsoft.com/office/powerpoint/2010/main" val="3607980502"/>
+      </p:ext>
+    </p:extLst>
+  </p:cSld>
+  <p:clrMapOvr>
+    <a:masterClrMapping/>
+  </p:clrMapOvr>
+</p:sld>
+</file>
+
+<file path=ppt/slides/slide25.xml><?xml version="1.0" encoding="utf-8"?>
+<p:sld xmlns:a="http://schemas.openxmlformats.org/drawingml/2006/main" xmlns:r="http://schemas.openxmlformats.org/officeDocument/2006/relationships" xmlns:p="http://schemas.openxmlformats.org/presentationml/2006/main">
+  <p:cSld>
+    <p:spTree>
+      <p:nvGrpSpPr>
+        <p:cNvPr id="1" name=""/>
+        <p:cNvGrpSpPr/>
+        <p:nvPr/>
+      </p:nvGrpSpPr>
+      <p:grpSpPr>
+        <a:xfrm>
+          <a:off x="0" y="0"/>
+          <a:ext cx="0" cy="0"/>
+          <a:chOff x="0" y="0"/>
+          <a:chExt cx="0" cy="0"/>
+        </a:xfrm>
+      </p:grpSpPr>
+      <p:sp>
+        <p:nvSpPr>
+          <p:cNvPr id="2" name="Titre 1">
+            <a:extLst>
+              <a:ext uri="{FF2B5EF4-FFF2-40B4-BE49-F238E27FC236}">
+                <a16:creationId xmlns:a16="http://schemas.microsoft.com/office/drawing/2014/main" id="{1DA3B315-B7A4-43E0-0847-18EE34F9F48B}"/>
+              </a:ext>
+            </a:extLst>
+          </p:cNvPr>
+          <p:cNvSpPr>
+            <a:spLocks noGrp="1"/>
+          </p:cNvSpPr>
+          <p:nvPr>
+            <p:ph type="title"/>
+          </p:nvPr>
+        </p:nvSpPr>
+        <p:spPr/>
+        <p:txBody>
+          <a:bodyPr/>
+          <a:lstStyle/>
+          <a:p>
+            <a:endParaRPr lang="fr-CH"/>
+          </a:p>
+        </p:txBody>
+      </p:sp>
+      <p:sp>
+        <p:nvSpPr>
+          <p:cNvPr id="3" name="Espace réservé du contenu 2">
+            <a:extLst>
+              <a:ext uri="{FF2B5EF4-FFF2-40B4-BE49-F238E27FC236}">
+                <a16:creationId xmlns:a16="http://schemas.microsoft.com/office/drawing/2014/main" id="{8D99D289-8784-ABAA-A61D-3BBE5D1D1D04}"/>
+              </a:ext>
+            </a:extLst>
+          </p:cNvPr>
+          <p:cNvSpPr>
+            <a:spLocks noGrp="1"/>
+          </p:cNvSpPr>
+          <p:nvPr>
+            <p:ph idx="1"/>
+          </p:nvPr>
+        </p:nvSpPr>
+        <p:spPr/>
+        <p:txBody>
+          <a:bodyPr/>
+          <a:lstStyle/>
+          <a:p>
+            <a:endParaRPr lang="fr-CH"/>
+          </a:p>
+        </p:txBody>
+      </p:sp>
+      <p:sp>
+        <p:nvSpPr>
+          <p:cNvPr id="4" name="Espace réservé du pied de page 3">
+            <a:extLst>
+              <a:ext uri="{FF2B5EF4-FFF2-40B4-BE49-F238E27FC236}">
+                <a16:creationId xmlns:a16="http://schemas.microsoft.com/office/drawing/2014/main" id="{29B4342A-7DB4-970E-CC66-4D9AF4972C3C}"/>
+              </a:ext>
+            </a:extLst>
+          </p:cNvPr>
+          <p:cNvSpPr>
+            <a:spLocks noGrp="1"/>
+          </p:cNvSpPr>
+          <p:nvPr>
+            <p:ph type="ftr" sz="quarter" idx="11"/>
+          </p:nvPr>
+        </p:nvSpPr>
+        <p:spPr/>
+        <p:txBody>
+          <a:bodyPr/>
+          <a:lstStyle/>
+          <a:p>
+            <a:r>
+              <a:rPr lang="fr-CH"/>
+              <a:t>Présentation BA - Chatbot Réservation - Rodrigues dos Santos Fabio</a:t>
+            </a:r>
+            <a:endParaRPr lang="en-US" dirty="0"/>
+          </a:p>
+        </p:txBody>
+      </p:sp>
+      <p:sp>
+        <p:nvSpPr>
+          <p:cNvPr id="5" name="Espace réservé du numéro de diapositive 4">
+            <a:extLst>
+              <a:ext uri="{FF2B5EF4-FFF2-40B4-BE49-F238E27FC236}">
+                <a16:creationId xmlns:a16="http://schemas.microsoft.com/office/drawing/2014/main" id="{206284CD-7965-BC47-8C92-F53C861DF8FB}"/>
+              </a:ext>
+            </a:extLst>
+          </p:cNvPr>
+          <p:cNvSpPr>
+            <a:spLocks noGrp="1"/>
+          </p:cNvSpPr>
+          <p:nvPr>
+            <p:ph type="sldNum" sz="quarter" idx="12"/>
+          </p:nvPr>
+        </p:nvSpPr>
+        <p:spPr/>
+        <p:txBody>
+          <a:bodyPr/>
+          <a:lstStyle/>
+          <a:p>
+            <a:fld id="{4FAB73BC-B049-4115-A692-8D63A059BFB8}" type="slidenum">
+              <a:rPr lang="en-US" smtClean="0"/>
+              <a:pPr/>
+              <a:t>25</a:t>
             </a:fld>
             <a:endParaRPr lang="en-US" dirty="0"/>
           </a:p>
@@ -8191,7 +11026,7 @@
 </p:sld>
 </file>
 
-<file path=ppt/slides/slide21.xml><?xml version="1.0" encoding="utf-8"?>
+<file path=ppt/slides/slide26.xml><?xml version="1.0" encoding="utf-8"?>
 <p:sld xmlns:a="http://schemas.openxmlformats.org/drawingml/2006/main" xmlns:r="http://schemas.openxmlformats.org/officeDocument/2006/relationships" xmlns:p="http://schemas.openxmlformats.org/presentationml/2006/main" show="0">
   <p:cSld>
     <p:spTree>
@@ -8325,7 +11160,7 @@
             <a:fld id="{4FAB73BC-B049-4115-A692-8D63A059BFB8}" type="slidenum">
               <a:rPr lang="en-US" smtClean="0"/>
               <a:pPr/>
-              <a:t>21</a:t>
+              <a:t>26</a:t>
             </a:fld>
             <a:endParaRPr lang="en-US" dirty="0"/>
           </a:p>

--- a/documentation/travail_bachelor/ISC_LOG_presentation_diplome_RodriguesDosSantosFabio_EggenbergNiklaus_2024.pptx
+++ b/documentation/travail_bachelor/ISC_LOG_presentation_diplome_RodriguesDosSantosFabio_EggenbergNiklaus_2024.pptx
@@ -5,7 +5,7 @@
     <p:sldMasterId id="2147483840" r:id="rId1"/>
   </p:sldMasterIdLst>
   <p:notesMasterIdLst>
-    <p:notesMasterId r:id="rId28"/>
+    <p:notesMasterId r:id="rId32"/>
   </p:notesMasterIdLst>
   <p:sldIdLst>
     <p:sldId id="256" r:id="rId2"/>
@@ -33,7 +33,11 @@
     <p:sldId id="282" r:id="rId24"/>
     <p:sldId id="284" r:id="rId25"/>
     <p:sldId id="277" r:id="rId26"/>
-    <p:sldId id="275" r:id="rId27"/>
+    <p:sldId id="285" r:id="rId27"/>
+    <p:sldId id="286" r:id="rId28"/>
+    <p:sldId id="287" r:id="rId29"/>
+    <p:sldId id="288" r:id="rId30"/>
+    <p:sldId id="275" r:id="rId31"/>
   </p:sldIdLst>
   <p:sldSz cx="12192000" cy="6858000"/>
   <p:notesSz cx="6858000" cy="9144000"/>
@@ -222,7 +226,7 @@
           <a:p>
             <a:fld id="{42AC3142-495C-4280-881B-1526FF75665B}" type="datetimeFigureOut">
               <a:rPr lang="fr-CH" smtClean="0"/>
-              <a:t>26.08.2024</a:t>
+              <a:t>27.08.2024</a:t>
             </a:fld>
             <a:endParaRPr lang="fr-CH"/>
           </a:p>
@@ -714,7 +718,7 @@
           <a:p>
             <a:fld id="{697BC7A4-560B-4424-86D9-D529C3ED2E24}" type="datetime1">
               <a:rPr lang="en-US" smtClean="0"/>
-              <a:t>8/26/2024</a:t>
+              <a:t>8/27/2024</a:t>
             </a:fld>
             <a:endParaRPr lang="en-US" dirty="0"/>
           </a:p>
@@ -884,7 +888,7 @@
           <a:p>
             <a:fld id="{6E901063-52CC-4584-9EE9-3A5FBF2927BA}" type="datetime1">
               <a:rPr lang="en-US" smtClean="0"/>
-              <a:t>8/26/2024</a:t>
+              <a:t>8/27/2024</a:t>
             </a:fld>
             <a:endParaRPr lang="en-US" dirty="0"/>
           </a:p>
@@ -1064,7 +1068,7 @@
           <a:p>
             <a:fld id="{45B21167-5961-4EAA-A2C5-C443E1B8357A}" type="datetime1">
               <a:rPr lang="en-US" smtClean="0"/>
-              <a:t>8/26/2024</a:t>
+              <a:t>8/27/2024</a:t>
             </a:fld>
             <a:endParaRPr lang="en-US" dirty="0"/>
           </a:p>
@@ -1234,7 +1238,7 @@
           <a:p>
             <a:fld id="{77856CEA-0161-4B0B-A6F9-D90790302E09}" type="datetime1">
               <a:rPr lang="en-US" smtClean="0"/>
-              <a:t>8/26/2024</a:t>
+              <a:t>8/27/2024</a:t>
             </a:fld>
             <a:endParaRPr lang="en-US" dirty="0"/>
           </a:p>
@@ -1492,7 +1496,7 @@
           <a:p>
             <a:fld id="{1F7ECC23-A5A0-44D4-B496-B55A434D5385}" type="datetime1">
               <a:rPr lang="en-US" smtClean="0"/>
-              <a:t>8/26/2024</a:t>
+              <a:t>8/27/2024</a:t>
             </a:fld>
             <a:endParaRPr lang="en-US" dirty="0"/>
           </a:p>
@@ -1780,7 +1784,7 @@
           <a:p>
             <a:fld id="{337DEE0E-910E-4647-A748-0A8F2A962DCA}" type="datetime1">
               <a:rPr lang="en-US" smtClean="0"/>
-              <a:t>8/26/2024</a:t>
+              <a:t>8/27/2024</a:t>
             </a:fld>
             <a:endParaRPr lang="en-US" dirty="0"/>
           </a:p>
@@ -2222,7 +2226,7 @@
           <a:p>
             <a:fld id="{E2F9AEDB-DA47-42B1-AA20-FA4193278BFB}" type="datetime1">
               <a:rPr lang="en-US" smtClean="0"/>
-              <a:t>8/26/2024</a:t>
+              <a:t>8/27/2024</a:t>
             </a:fld>
             <a:endParaRPr lang="en-US" dirty="0"/>
           </a:p>
@@ -2340,7 +2344,7 @@
           <a:p>
             <a:fld id="{76A3806D-CEFF-4C7C-B69E-E8C6C2135F0C}" type="datetime1">
               <a:rPr lang="en-US" smtClean="0"/>
-              <a:t>8/26/2024</a:t>
+              <a:t>8/27/2024</a:t>
             </a:fld>
             <a:endParaRPr lang="en-US" dirty="0"/>
           </a:p>
@@ -2435,7 +2439,7 @@
           <a:p>
             <a:fld id="{6C799852-6437-4F59-8BA4-BD526AE7B018}" type="datetime1">
               <a:rPr lang="en-US" smtClean="0"/>
-              <a:t>8/26/2024</a:t>
+              <a:t>8/27/2024</a:t>
             </a:fld>
             <a:endParaRPr lang="en-US" dirty="0"/>
           </a:p>
@@ -2723,7 +2727,7 @@
           <a:p>
             <a:fld id="{BF0EB050-0ECA-42EF-A435-70711370D85B}" type="datetime1">
               <a:rPr lang="en-US" smtClean="0"/>
-              <a:t>8/26/2024</a:t>
+              <a:t>8/27/2024</a:t>
             </a:fld>
             <a:endParaRPr lang="en-US" dirty="0"/>
           </a:p>
@@ -2996,7 +3000,7 @@
           <a:p>
             <a:fld id="{F4052ABD-58D4-4C9E-B1B8-CEC2AA8DBD93}" type="datetime1">
               <a:rPr lang="en-US" smtClean="0"/>
-              <a:t>8/26/2024</a:t>
+              <a:t>8/27/2024</a:t>
             </a:fld>
             <a:endParaRPr lang="en-US" dirty="0"/>
           </a:p>
@@ -3293,7 +3297,7 @@
           <a:p>
             <a:fld id="{C4EEF54E-F662-454E-AE7D-91A1E3F52308}" type="datetime1">
               <a:rPr lang="en-US" smtClean="0"/>
-              <a:t>8/26/2024</a:t>
+              <a:t>8/27/2024</a:t>
             </a:fld>
             <a:endParaRPr lang="en-US" dirty="0"/>
           </a:p>
@@ -10925,32 +10929,10 @@
           <a:bodyPr/>
           <a:lstStyle/>
           <a:p>
-            <a:endParaRPr lang="fr-CH"/>
-          </a:p>
-        </p:txBody>
-      </p:sp>
-      <p:sp>
-        <p:nvSpPr>
-          <p:cNvPr id="3" name="Espace réservé du contenu 2">
-            <a:extLst>
-              <a:ext uri="{FF2B5EF4-FFF2-40B4-BE49-F238E27FC236}">
-                <a16:creationId xmlns:a16="http://schemas.microsoft.com/office/drawing/2014/main" id="{8D99D289-8784-ABAA-A61D-3BBE5D1D1D04}"/>
-              </a:ext>
-            </a:extLst>
-          </p:cNvPr>
-          <p:cNvSpPr>
-            <a:spLocks noGrp="1"/>
-          </p:cNvSpPr>
-          <p:nvPr>
-            <p:ph idx="1"/>
-          </p:nvPr>
-        </p:nvSpPr>
-        <p:spPr/>
-        <p:txBody>
-          <a:bodyPr/>
-          <a:lstStyle/>
-          <a:p>
-            <a:endParaRPr lang="fr-CH"/>
+            <a:r>
+              <a:rPr lang="fr-CH" dirty="0"/>
+              <a:t>Résultats obtenus – Réservation simple</a:t>
+            </a:r>
           </a:p>
         </p:txBody>
       </p:sp>
@@ -11013,6 +10995,95 @@
           </a:p>
         </p:txBody>
       </p:sp>
+      <p:pic>
+        <p:nvPicPr>
+          <p:cNvPr id="7" name="Image 6">
+            <a:extLst>
+              <a:ext uri="{FF2B5EF4-FFF2-40B4-BE49-F238E27FC236}">
+                <a16:creationId xmlns:a16="http://schemas.microsoft.com/office/drawing/2014/main" id="{FF35E32F-AC29-009D-71F3-F99B07241F41}"/>
+              </a:ext>
+            </a:extLst>
+          </p:cNvPr>
+          <p:cNvPicPr>
+            <a:picLocks noChangeAspect="1"/>
+          </p:cNvPicPr>
+          <p:nvPr/>
+        </p:nvPicPr>
+        <p:blipFill>
+          <a:blip r:embed="rId2"/>
+          <a:stretch>
+            <a:fillRect/>
+          </a:stretch>
+        </p:blipFill>
+        <p:spPr>
+          <a:xfrm>
+            <a:off x="3552609" y="695827"/>
+            <a:ext cx="2606616" cy="5344457"/>
+          </a:xfrm>
+          <a:prstGeom prst="rect">
+            <a:avLst/>
+          </a:prstGeom>
+        </p:spPr>
+      </p:pic>
+      <p:pic>
+        <p:nvPicPr>
+          <p:cNvPr id="9" name="Image 8">
+            <a:extLst>
+              <a:ext uri="{FF2B5EF4-FFF2-40B4-BE49-F238E27FC236}">
+                <a16:creationId xmlns:a16="http://schemas.microsoft.com/office/drawing/2014/main" id="{0C5E4CC6-7C6F-A14C-8051-638F38CC3F88}"/>
+              </a:ext>
+            </a:extLst>
+          </p:cNvPr>
+          <p:cNvPicPr>
+            <a:picLocks noChangeAspect="1"/>
+          </p:cNvPicPr>
+          <p:nvPr/>
+        </p:nvPicPr>
+        <p:blipFill>
+          <a:blip r:embed="rId3"/>
+          <a:srcRect/>
+          <a:stretch/>
+        </p:blipFill>
+        <p:spPr>
+          <a:xfrm>
+            <a:off x="6258432" y="695826"/>
+            <a:ext cx="2624511" cy="5344458"/>
+          </a:xfrm>
+          <a:prstGeom prst="rect">
+            <a:avLst/>
+          </a:prstGeom>
+        </p:spPr>
+      </p:pic>
+      <p:pic>
+        <p:nvPicPr>
+          <p:cNvPr id="11" name="Image 10">
+            <a:extLst>
+              <a:ext uri="{FF2B5EF4-FFF2-40B4-BE49-F238E27FC236}">
+                <a16:creationId xmlns:a16="http://schemas.microsoft.com/office/drawing/2014/main" id="{53B33A48-339D-5C5F-5C82-8FD077508D31}"/>
+              </a:ext>
+            </a:extLst>
+          </p:cNvPr>
+          <p:cNvPicPr>
+            <a:picLocks noChangeAspect="1"/>
+          </p:cNvPicPr>
+          <p:nvPr/>
+        </p:nvPicPr>
+        <p:blipFill>
+          <a:blip r:embed="rId4"/>
+          <a:stretch>
+            <a:fillRect/>
+          </a:stretch>
+        </p:blipFill>
+        <p:spPr>
+          <a:xfrm>
+            <a:off x="8982150" y="695826"/>
+            <a:ext cx="2628928" cy="5344458"/>
+          </a:xfrm>
+          <a:prstGeom prst="rect">
+            <a:avLst/>
+          </a:prstGeom>
+        </p:spPr>
+      </p:pic>
     </p:spTree>
     <p:extLst>
       <p:ext uri="{BB962C8B-B14F-4D97-AF65-F5344CB8AC3E}">
@@ -11027,6 +11098,903 @@
 </file>
 
 <file path=ppt/slides/slide26.xml><?xml version="1.0" encoding="utf-8"?>
+<p:sld xmlns:a="http://schemas.openxmlformats.org/drawingml/2006/main" xmlns:r="http://schemas.openxmlformats.org/officeDocument/2006/relationships" xmlns:p="http://schemas.openxmlformats.org/presentationml/2006/main">
+  <p:cSld>
+    <p:spTree>
+      <p:nvGrpSpPr>
+        <p:cNvPr id="1" name=""/>
+        <p:cNvGrpSpPr/>
+        <p:nvPr/>
+      </p:nvGrpSpPr>
+      <p:grpSpPr>
+        <a:xfrm>
+          <a:off x="0" y="0"/>
+          <a:ext cx="0" cy="0"/>
+          <a:chOff x="0" y="0"/>
+          <a:chExt cx="0" cy="0"/>
+        </a:xfrm>
+      </p:grpSpPr>
+      <p:sp>
+        <p:nvSpPr>
+          <p:cNvPr id="2" name="Titre 1">
+            <a:extLst>
+              <a:ext uri="{FF2B5EF4-FFF2-40B4-BE49-F238E27FC236}">
+                <a16:creationId xmlns:a16="http://schemas.microsoft.com/office/drawing/2014/main" id="{1DA3B315-B7A4-43E0-0847-18EE34F9F48B}"/>
+              </a:ext>
+            </a:extLst>
+          </p:cNvPr>
+          <p:cNvSpPr>
+            <a:spLocks noGrp="1"/>
+          </p:cNvSpPr>
+          <p:nvPr>
+            <p:ph type="title"/>
+          </p:nvPr>
+        </p:nvSpPr>
+        <p:spPr/>
+        <p:txBody>
+          <a:bodyPr/>
+          <a:lstStyle/>
+          <a:p>
+            <a:r>
+              <a:rPr lang="fr-CH" dirty="0"/>
+              <a:t>Résultats obtenus – Réservation simple</a:t>
+            </a:r>
+          </a:p>
+        </p:txBody>
+      </p:sp>
+      <p:sp>
+        <p:nvSpPr>
+          <p:cNvPr id="4" name="Espace réservé du pied de page 3">
+            <a:extLst>
+              <a:ext uri="{FF2B5EF4-FFF2-40B4-BE49-F238E27FC236}">
+                <a16:creationId xmlns:a16="http://schemas.microsoft.com/office/drawing/2014/main" id="{29B4342A-7DB4-970E-CC66-4D9AF4972C3C}"/>
+              </a:ext>
+            </a:extLst>
+          </p:cNvPr>
+          <p:cNvSpPr>
+            <a:spLocks noGrp="1"/>
+          </p:cNvSpPr>
+          <p:nvPr>
+            <p:ph type="ftr" sz="quarter" idx="11"/>
+          </p:nvPr>
+        </p:nvSpPr>
+        <p:spPr/>
+        <p:txBody>
+          <a:bodyPr/>
+          <a:lstStyle/>
+          <a:p>
+            <a:r>
+              <a:rPr lang="fr-CH"/>
+              <a:t>Présentation BA - Chatbot Réservation - Rodrigues dos Santos Fabio</a:t>
+            </a:r>
+            <a:endParaRPr lang="en-US" dirty="0"/>
+          </a:p>
+        </p:txBody>
+      </p:sp>
+      <p:sp>
+        <p:nvSpPr>
+          <p:cNvPr id="5" name="Espace réservé du numéro de diapositive 4">
+            <a:extLst>
+              <a:ext uri="{FF2B5EF4-FFF2-40B4-BE49-F238E27FC236}">
+                <a16:creationId xmlns:a16="http://schemas.microsoft.com/office/drawing/2014/main" id="{206284CD-7965-BC47-8C92-F53C861DF8FB}"/>
+              </a:ext>
+            </a:extLst>
+          </p:cNvPr>
+          <p:cNvSpPr>
+            <a:spLocks noGrp="1"/>
+          </p:cNvSpPr>
+          <p:nvPr>
+            <p:ph type="sldNum" sz="quarter" idx="12"/>
+          </p:nvPr>
+        </p:nvSpPr>
+        <p:spPr/>
+        <p:txBody>
+          <a:bodyPr/>
+          <a:lstStyle/>
+          <a:p>
+            <a:fld id="{4FAB73BC-B049-4115-A692-8D63A059BFB8}" type="slidenum">
+              <a:rPr lang="en-US" smtClean="0"/>
+              <a:pPr/>
+              <a:t>26</a:t>
+            </a:fld>
+            <a:endParaRPr lang="en-US" dirty="0"/>
+          </a:p>
+        </p:txBody>
+      </p:sp>
+      <p:pic>
+        <p:nvPicPr>
+          <p:cNvPr id="6" name="Image 5">
+            <a:extLst>
+              <a:ext uri="{FF2B5EF4-FFF2-40B4-BE49-F238E27FC236}">
+                <a16:creationId xmlns:a16="http://schemas.microsoft.com/office/drawing/2014/main" id="{0DCB3955-FB2C-4A53-BF83-0B84A7E3CCF8}"/>
+              </a:ext>
+            </a:extLst>
+          </p:cNvPr>
+          <p:cNvPicPr>
+            <a:picLocks noChangeAspect="1"/>
+          </p:cNvPicPr>
+          <p:nvPr/>
+        </p:nvPicPr>
+        <p:blipFill>
+          <a:blip r:embed="rId2"/>
+          <a:srcRect/>
+          <a:stretch/>
+        </p:blipFill>
+        <p:spPr>
+          <a:xfrm>
+            <a:off x="4223645" y="787941"/>
+            <a:ext cx="2596862" cy="5272972"/>
+          </a:xfrm>
+          <a:prstGeom prst="rect">
+            <a:avLst/>
+          </a:prstGeom>
+        </p:spPr>
+      </p:pic>
+      <p:pic>
+        <p:nvPicPr>
+          <p:cNvPr id="1026" name="Picture 2">
+            <a:extLst>
+              <a:ext uri="{FF2B5EF4-FFF2-40B4-BE49-F238E27FC236}">
+                <a16:creationId xmlns:a16="http://schemas.microsoft.com/office/drawing/2014/main" id="{64FC04EC-7737-4B2A-9209-6A2E2E3B0A00}"/>
+              </a:ext>
+            </a:extLst>
+          </p:cNvPr>
+          <p:cNvPicPr>
+            <a:picLocks noChangeAspect="1" noChangeArrowheads="1"/>
+          </p:cNvPicPr>
+          <p:nvPr/>
+        </p:nvPicPr>
+        <p:blipFill>
+          <a:blip r:embed="rId3">
+            <a:extLst>
+              <a:ext uri="{28A0092B-C50C-407E-A947-70E740481C1C}">
+                <a14:useLocalDpi xmlns:a14="http://schemas.microsoft.com/office/drawing/2010/main" val="0"/>
+              </a:ext>
+            </a:extLst>
+          </a:blip>
+          <a:srcRect/>
+          <a:stretch>
+            <a:fillRect/>
+          </a:stretch>
+        </p:blipFill>
+        <p:spPr bwMode="auto">
+          <a:xfrm>
+            <a:off x="7843751" y="787941"/>
+            <a:ext cx="2436308" cy="5272971"/>
+          </a:xfrm>
+          <a:prstGeom prst="rect">
+            <a:avLst/>
+          </a:prstGeom>
+          <a:noFill/>
+          <a:ln>
+            <a:solidFill>
+              <a:schemeClr val="tx1"/>
+            </a:solidFill>
+          </a:ln>
+          <a:extLst>
+            <a:ext uri="{909E8E84-426E-40DD-AFC4-6F175D3DCCD1}">
+              <a14:hiddenFill xmlns:a14="http://schemas.microsoft.com/office/drawing/2010/main">
+                <a:solidFill>
+                  <a:srgbClr val="FFFFFF"/>
+                </a:solidFill>
+              </a14:hiddenFill>
+            </a:ext>
+          </a:extLst>
+        </p:spPr>
+      </p:pic>
+    </p:spTree>
+    <p:extLst>
+      <p:ext uri="{BB962C8B-B14F-4D97-AF65-F5344CB8AC3E}">
+        <p14:creationId xmlns:p14="http://schemas.microsoft.com/office/powerpoint/2010/main" val="3824951570"/>
+      </p:ext>
+    </p:extLst>
+  </p:cSld>
+  <p:clrMapOvr>
+    <a:masterClrMapping/>
+  </p:clrMapOvr>
+</p:sld>
+</file>
+
+<file path=ppt/slides/slide27.xml><?xml version="1.0" encoding="utf-8"?>
+<p:sld xmlns:a="http://schemas.openxmlformats.org/drawingml/2006/main" xmlns:r="http://schemas.openxmlformats.org/officeDocument/2006/relationships" xmlns:p="http://schemas.openxmlformats.org/presentationml/2006/main">
+  <p:cSld>
+    <p:spTree>
+      <p:nvGrpSpPr>
+        <p:cNvPr id="1" name=""/>
+        <p:cNvGrpSpPr/>
+        <p:nvPr/>
+      </p:nvGrpSpPr>
+      <p:grpSpPr>
+        <a:xfrm>
+          <a:off x="0" y="0"/>
+          <a:ext cx="0" cy="0"/>
+          <a:chOff x="0" y="0"/>
+          <a:chExt cx="0" cy="0"/>
+        </a:xfrm>
+      </p:grpSpPr>
+      <p:sp>
+        <p:nvSpPr>
+          <p:cNvPr id="2" name="Titre 1">
+            <a:extLst>
+              <a:ext uri="{FF2B5EF4-FFF2-40B4-BE49-F238E27FC236}">
+                <a16:creationId xmlns:a16="http://schemas.microsoft.com/office/drawing/2014/main" id="{1DA3B315-B7A4-43E0-0847-18EE34F9F48B}"/>
+              </a:ext>
+            </a:extLst>
+          </p:cNvPr>
+          <p:cNvSpPr>
+            <a:spLocks noGrp="1"/>
+          </p:cNvSpPr>
+          <p:nvPr>
+            <p:ph type="title"/>
+          </p:nvPr>
+        </p:nvSpPr>
+        <p:spPr/>
+        <p:txBody>
+          <a:bodyPr/>
+          <a:lstStyle/>
+          <a:p>
+            <a:r>
+              <a:rPr lang="fr-CH" dirty="0"/>
+              <a:t>Résultats obtenus – Réservation simple</a:t>
+            </a:r>
+          </a:p>
+        </p:txBody>
+      </p:sp>
+      <p:sp>
+        <p:nvSpPr>
+          <p:cNvPr id="4" name="Espace réservé du pied de page 3">
+            <a:extLst>
+              <a:ext uri="{FF2B5EF4-FFF2-40B4-BE49-F238E27FC236}">
+                <a16:creationId xmlns:a16="http://schemas.microsoft.com/office/drawing/2014/main" id="{29B4342A-7DB4-970E-CC66-4D9AF4972C3C}"/>
+              </a:ext>
+            </a:extLst>
+          </p:cNvPr>
+          <p:cNvSpPr>
+            <a:spLocks noGrp="1"/>
+          </p:cNvSpPr>
+          <p:nvPr>
+            <p:ph type="ftr" sz="quarter" idx="11"/>
+          </p:nvPr>
+        </p:nvSpPr>
+        <p:spPr/>
+        <p:txBody>
+          <a:bodyPr/>
+          <a:lstStyle/>
+          <a:p>
+            <a:r>
+              <a:rPr lang="fr-CH"/>
+              <a:t>Présentation BA - Chatbot Réservation - Rodrigues dos Santos Fabio</a:t>
+            </a:r>
+            <a:endParaRPr lang="en-US" dirty="0"/>
+          </a:p>
+        </p:txBody>
+      </p:sp>
+      <p:sp>
+        <p:nvSpPr>
+          <p:cNvPr id="5" name="Espace réservé du numéro de diapositive 4">
+            <a:extLst>
+              <a:ext uri="{FF2B5EF4-FFF2-40B4-BE49-F238E27FC236}">
+                <a16:creationId xmlns:a16="http://schemas.microsoft.com/office/drawing/2014/main" id="{206284CD-7965-BC47-8C92-F53C861DF8FB}"/>
+              </a:ext>
+            </a:extLst>
+          </p:cNvPr>
+          <p:cNvSpPr>
+            <a:spLocks noGrp="1"/>
+          </p:cNvSpPr>
+          <p:nvPr>
+            <p:ph type="sldNum" sz="quarter" idx="12"/>
+          </p:nvPr>
+        </p:nvSpPr>
+        <p:spPr/>
+        <p:txBody>
+          <a:bodyPr/>
+          <a:lstStyle/>
+          <a:p>
+            <a:fld id="{4FAB73BC-B049-4115-A692-8D63A059BFB8}" type="slidenum">
+              <a:rPr lang="en-US" smtClean="0"/>
+              <a:pPr/>
+              <a:t>27</a:t>
+            </a:fld>
+            <a:endParaRPr lang="en-US" dirty="0"/>
+          </a:p>
+        </p:txBody>
+      </p:sp>
+      <p:pic>
+        <p:nvPicPr>
+          <p:cNvPr id="10" name="Image 9">
+            <a:extLst>
+              <a:ext uri="{FF2B5EF4-FFF2-40B4-BE49-F238E27FC236}">
+                <a16:creationId xmlns:a16="http://schemas.microsoft.com/office/drawing/2014/main" id="{6101B8D8-387C-316A-20E1-383499939A8D}"/>
+              </a:ext>
+            </a:extLst>
+          </p:cNvPr>
+          <p:cNvPicPr>
+            <a:picLocks noChangeAspect="1"/>
+          </p:cNvPicPr>
+          <p:nvPr/>
+        </p:nvPicPr>
+        <p:blipFill>
+          <a:blip r:embed="rId2"/>
+          <a:stretch>
+            <a:fillRect/>
+          </a:stretch>
+        </p:blipFill>
+        <p:spPr>
+          <a:xfrm>
+            <a:off x="3440844" y="1459573"/>
+            <a:ext cx="4444071" cy="3637407"/>
+          </a:xfrm>
+          <a:prstGeom prst="rect">
+            <a:avLst/>
+          </a:prstGeom>
+        </p:spPr>
+      </p:pic>
+      <p:pic>
+        <p:nvPicPr>
+          <p:cNvPr id="9" name="Image 8">
+            <a:extLst>
+              <a:ext uri="{FF2B5EF4-FFF2-40B4-BE49-F238E27FC236}">
+                <a16:creationId xmlns:a16="http://schemas.microsoft.com/office/drawing/2014/main" id="{49C789D6-268E-CC30-BA0B-F9171F3B05D7}"/>
+              </a:ext>
+            </a:extLst>
+          </p:cNvPr>
+          <p:cNvPicPr>
+            <a:picLocks noChangeAspect="1"/>
+          </p:cNvPicPr>
+          <p:nvPr/>
+        </p:nvPicPr>
+        <p:blipFill>
+          <a:blip r:embed="rId3"/>
+          <a:stretch>
+            <a:fillRect/>
+          </a:stretch>
+        </p:blipFill>
+        <p:spPr>
+          <a:xfrm>
+            <a:off x="7619621" y="1751875"/>
+            <a:ext cx="4117054" cy="3345106"/>
+          </a:xfrm>
+          <a:prstGeom prst="rect">
+            <a:avLst/>
+          </a:prstGeom>
+        </p:spPr>
+      </p:pic>
+    </p:spTree>
+    <p:extLst>
+      <p:ext uri="{BB962C8B-B14F-4D97-AF65-F5344CB8AC3E}">
+        <p14:creationId xmlns:p14="http://schemas.microsoft.com/office/powerpoint/2010/main" val="2469115771"/>
+      </p:ext>
+    </p:extLst>
+  </p:cSld>
+  <p:clrMapOvr>
+    <a:masterClrMapping/>
+  </p:clrMapOvr>
+</p:sld>
+</file>
+
+<file path=ppt/slides/slide28.xml><?xml version="1.0" encoding="utf-8"?>
+<p:sld xmlns:a="http://schemas.openxmlformats.org/drawingml/2006/main" xmlns:r="http://schemas.openxmlformats.org/officeDocument/2006/relationships" xmlns:p="http://schemas.openxmlformats.org/presentationml/2006/main">
+  <p:cSld>
+    <p:spTree>
+      <p:nvGrpSpPr>
+        <p:cNvPr id="1" name=""/>
+        <p:cNvGrpSpPr/>
+        <p:nvPr/>
+      </p:nvGrpSpPr>
+      <p:grpSpPr>
+        <a:xfrm>
+          <a:off x="0" y="0"/>
+          <a:ext cx="0" cy="0"/>
+          <a:chOff x="0" y="0"/>
+          <a:chExt cx="0" cy="0"/>
+        </a:xfrm>
+      </p:grpSpPr>
+      <p:sp>
+        <p:nvSpPr>
+          <p:cNvPr id="2" name="Titre 1">
+            <a:extLst>
+              <a:ext uri="{FF2B5EF4-FFF2-40B4-BE49-F238E27FC236}">
+                <a16:creationId xmlns:a16="http://schemas.microsoft.com/office/drawing/2014/main" id="{1DA3B315-B7A4-43E0-0847-18EE34F9F48B}"/>
+              </a:ext>
+            </a:extLst>
+          </p:cNvPr>
+          <p:cNvSpPr>
+            <a:spLocks noGrp="1"/>
+          </p:cNvSpPr>
+          <p:nvPr>
+            <p:ph type="title"/>
+          </p:nvPr>
+        </p:nvSpPr>
+        <p:spPr/>
+        <p:txBody>
+          <a:bodyPr/>
+          <a:lstStyle/>
+          <a:p>
+            <a:r>
+              <a:rPr lang="fr-CH" dirty="0"/>
+              <a:t>Résultats obtenus – Réservation simple</a:t>
+            </a:r>
+          </a:p>
+        </p:txBody>
+      </p:sp>
+      <p:sp>
+        <p:nvSpPr>
+          <p:cNvPr id="4" name="Espace réservé du pied de page 3">
+            <a:extLst>
+              <a:ext uri="{FF2B5EF4-FFF2-40B4-BE49-F238E27FC236}">
+                <a16:creationId xmlns:a16="http://schemas.microsoft.com/office/drawing/2014/main" id="{29B4342A-7DB4-970E-CC66-4D9AF4972C3C}"/>
+              </a:ext>
+            </a:extLst>
+          </p:cNvPr>
+          <p:cNvSpPr>
+            <a:spLocks noGrp="1"/>
+          </p:cNvSpPr>
+          <p:nvPr>
+            <p:ph type="ftr" sz="quarter" idx="11"/>
+          </p:nvPr>
+        </p:nvSpPr>
+        <p:spPr/>
+        <p:txBody>
+          <a:bodyPr/>
+          <a:lstStyle/>
+          <a:p>
+            <a:r>
+              <a:rPr lang="fr-CH"/>
+              <a:t>Présentation BA - Chatbot Réservation - Rodrigues dos Santos Fabio</a:t>
+            </a:r>
+            <a:endParaRPr lang="en-US" dirty="0"/>
+          </a:p>
+        </p:txBody>
+      </p:sp>
+      <p:sp>
+        <p:nvSpPr>
+          <p:cNvPr id="5" name="Espace réservé du numéro de diapositive 4">
+            <a:extLst>
+              <a:ext uri="{FF2B5EF4-FFF2-40B4-BE49-F238E27FC236}">
+                <a16:creationId xmlns:a16="http://schemas.microsoft.com/office/drawing/2014/main" id="{206284CD-7965-BC47-8C92-F53C861DF8FB}"/>
+              </a:ext>
+            </a:extLst>
+          </p:cNvPr>
+          <p:cNvSpPr>
+            <a:spLocks noGrp="1"/>
+          </p:cNvSpPr>
+          <p:nvPr>
+            <p:ph type="sldNum" sz="quarter" idx="12"/>
+          </p:nvPr>
+        </p:nvSpPr>
+        <p:spPr/>
+        <p:txBody>
+          <a:bodyPr/>
+          <a:lstStyle/>
+          <a:p>
+            <a:fld id="{4FAB73BC-B049-4115-A692-8D63A059BFB8}" type="slidenum">
+              <a:rPr lang="en-US" smtClean="0"/>
+              <a:pPr/>
+              <a:t>28</a:t>
+            </a:fld>
+            <a:endParaRPr lang="en-US" dirty="0"/>
+          </a:p>
+        </p:txBody>
+      </p:sp>
+      <p:pic>
+        <p:nvPicPr>
+          <p:cNvPr id="10" name="Image 9">
+            <a:extLst>
+              <a:ext uri="{FF2B5EF4-FFF2-40B4-BE49-F238E27FC236}">
+                <a16:creationId xmlns:a16="http://schemas.microsoft.com/office/drawing/2014/main" id="{6101B8D8-387C-316A-20E1-383499939A8D}"/>
+              </a:ext>
+            </a:extLst>
+          </p:cNvPr>
+          <p:cNvPicPr>
+            <a:picLocks noChangeAspect="1"/>
+          </p:cNvPicPr>
+          <p:nvPr/>
+        </p:nvPicPr>
+        <p:blipFill>
+          <a:blip r:embed="rId2"/>
+          <a:stretch>
+            <a:fillRect/>
+          </a:stretch>
+        </p:blipFill>
+        <p:spPr>
+          <a:xfrm>
+            <a:off x="3440844" y="1459573"/>
+            <a:ext cx="4444071" cy="3637407"/>
+          </a:xfrm>
+          <a:prstGeom prst="rect">
+            <a:avLst/>
+          </a:prstGeom>
+        </p:spPr>
+      </p:pic>
+      <p:pic>
+        <p:nvPicPr>
+          <p:cNvPr id="9" name="Image 8">
+            <a:extLst>
+              <a:ext uri="{FF2B5EF4-FFF2-40B4-BE49-F238E27FC236}">
+                <a16:creationId xmlns:a16="http://schemas.microsoft.com/office/drawing/2014/main" id="{49C789D6-268E-CC30-BA0B-F9171F3B05D7}"/>
+              </a:ext>
+            </a:extLst>
+          </p:cNvPr>
+          <p:cNvPicPr>
+            <a:picLocks noChangeAspect="1"/>
+          </p:cNvPicPr>
+          <p:nvPr/>
+        </p:nvPicPr>
+        <p:blipFill>
+          <a:blip r:embed="rId3"/>
+          <a:stretch>
+            <a:fillRect/>
+          </a:stretch>
+        </p:blipFill>
+        <p:spPr>
+          <a:xfrm>
+            <a:off x="7619621" y="1751875"/>
+            <a:ext cx="4117054" cy="3345106"/>
+          </a:xfrm>
+          <a:prstGeom prst="rect">
+            <a:avLst/>
+          </a:prstGeom>
+        </p:spPr>
+      </p:pic>
+    </p:spTree>
+    <p:extLst>
+      <p:ext uri="{BB962C8B-B14F-4D97-AF65-F5344CB8AC3E}">
+        <p14:creationId xmlns:p14="http://schemas.microsoft.com/office/powerpoint/2010/main" val="3003340106"/>
+      </p:ext>
+    </p:extLst>
+  </p:cSld>
+  <p:clrMapOvr>
+    <a:masterClrMapping/>
+  </p:clrMapOvr>
+</p:sld>
+</file>
+
+<file path=ppt/slides/slide29.xml><?xml version="1.0" encoding="utf-8"?>
+<p:sld xmlns:a="http://schemas.openxmlformats.org/drawingml/2006/main" xmlns:r="http://schemas.openxmlformats.org/officeDocument/2006/relationships" xmlns:p="http://schemas.openxmlformats.org/presentationml/2006/main">
+  <p:cSld>
+    <p:spTree>
+      <p:nvGrpSpPr>
+        <p:cNvPr id="1" name=""/>
+        <p:cNvGrpSpPr/>
+        <p:nvPr/>
+      </p:nvGrpSpPr>
+      <p:grpSpPr>
+        <a:xfrm>
+          <a:off x="0" y="0"/>
+          <a:ext cx="0" cy="0"/>
+          <a:chOff x="0" y="0"/>
+          <a:chExt cx="0" cy="0"/>
+        </a:xfrm>
+      </p:grpSpPr>
+      <p:sp>
+        <p:nvSpPr>
+          <p:cNvPr id="2" name="Titre 1">
+            <a:extLst>
+              <a:ext uri="{FF2B5EF4-FFF2-40B4-BE49-F238E27FC236}">
+                <a16:creationId xmlns:a16="http://schemas.microsoft.com/office/drawing/2014/main" id="{1628BEB0-92D3-4522-24DB-DA18CC6CCD63}"/>
+              </a:ext>
+            </a:extLst>
+          </p:cNvPr>
+          <p:cNvSpPr>
+            <a:spLocks noGrp="1"/>
+          </p:cNvSpPr>
+          <p:nvPr>
+            <p:ph type="title"/>
+          </p:nvPr>
+        </p:nvSpPr>
+        <p:spPr>
+          <a:xfrm>
+            <a:off x="252918" y="1123837"/>
+            <a:ext cx="3068251" cy="4601183"/>
+          </a:xfrm>
+        </p:spPr>
+        <p:txBody>
+          <a:bodyPr/>
+          <a:lstStyle/>
+          <a:p>
+            <a:r>
+              <a:rPr lang="fr-CH" dirty="0"/>
+              <a:t>Démonstration</a:t>
+            </a:r>
+          </a:p>
+        </p:txBody>
+      </p:sp>
+      <p:sp>
+        <p:nvSpPr>
+          <p:cNvPr id="4" name="Espace réservé du pied de page 3">
+            <a:extLst>
+              <a:ext uri="{FF2B5EF4-FFF2-40B4-BE49-F238E27FC236}">
+                <a16:creationId xmlns:a16="http://schemas.microsoft.com/office/drawing/2014/main" id="{6863CD79-2A32-D217-6A2C-0CC9AA3E6E30}"/>
+              </a:ext>
+            </a:extLst>
+          </p:cNvPr>
+          <p:cNvSpPr>
+            <a:spLocks noGrp="1"/>
+          </p:cNvSpPr>
+          <p:nvPr>
+            <p:ph type="ftr" sz="quarter" idx="11"/>
+          </p:nvPr>
+        </p:nvSpPr>
+        <p:spPr/>
+        <p:txBody>
+          <a:bodyPr/>
+          <a:lstStyle/>
+          <a:p>
+            <a:r>
+              <a:rPr lang="fr-CH"/>
+              <a:t>Présentation BA - Chatbot Réservation - Rodrigues dos Santos Fabio</a:t>
+            </a:r>
+            <a:endParaRPr lang="en-US" dirty="0"/>
+          </a:p>
+        </p:txBody>
+      </p:sp>
+      <p:sp>
+        <p:nvSpPr>
+          <p:cNvPr id="5" name="Espace réservé du numéro de diapositive 4">
+            <a:extLst>
+              <a:ext uri="{FF2B5EF4-FFF2-40B4-BE49-F238E27FC236}">
+                <a16:creationId xmlns:a16="http://schemas.microsoft.com/office/drawing/2014/main" id="{4ED348EF-EE15-CD19-C934-839005E01D28}"/>
+              </a:ext>
+            </a:extLst>
+          </p:cNvPr>
+          <p:cNvSpPr>
+            <a:spLocks noGrp="1"/>
+          </p:cNvSpPr>
+          <p:nvPr>
+            <p:ph type="sldNum" sz="quarter" idx="12"/>
+          </p:nvPr>
+        </p:nvSpPr>
+        <p:spPr/>
+        <p:txBody>
+          <a:bodyPr/>
+          <a:lstStyle/>
+          <a:p>
+            <a:fld id="{4FAB73BC-B049-4115-A692-8D63A059BFB8}" type="slidenum">
+              <a:rPr lang="en-US" smtClean="0"/>
+              <a:pPr/>
+              <a:t>29</a:t>
+            </a:fld>
+            <a:endParaRPr lang="en-US" dirty="0"/>
+          </a:p>
+        </p:txBody>
+      </p:sp>
+      <p:pic>
+        <p:nvPicPr>
+          <p:cNvPr id="6" name="Graphic 8" descr="Enseignant">
+            <a:extLst>
+              <a:ext uri="{FF2B5EF4-FFF2-40B4-BE49-F238E27FC236}">
+                <a16:creationId xmlns:a16="http://schemas.microsoft.com/office/drawing/2014/main" id="{312CC043-A786-E8DB-D553-F46542211C00}"/>
+              </a:ext>
+            </a:extLst>
+          </p:cNvPr>
+          <p:cNvPicPr>
+            <a:picLocks noChangeAspect="1"/>
+          </p:cNvPicPr>
+          <p:nvPr/>
+        </p:nvPicPr>
+        <p:blipFill>
+          <a:blip r:embed="rId2">
+            <a:extLst>
+              <a:ext uri="{28A0092B-C50C-407E-A947-70E740481C1C}">
+                <a14:useLocalDpi xmlns:a14="http://schemas.microsoft.com/office/drawing/2010/main" val="0"/>
+              </a:ext>
+              <a:ext uri="{96DAC541-7B7A-43D3-8B79-37D633B846F1}">
+                <asvg:svgBlip xmlns:asvg="http://schemas.microsoft.com/office/drawing/2016/SVG/main" r:embed="rId3"/>
+              </a:ext>
+            </a:extLst>
+          </a:blip>
+          <a:stretch>
+            <a:fillRect/>
+          </a:stretch>
+        </p:blipFill>
+        <p:spPr>
+          <a:xfrm>
+            <a:off x="4575782" y="759103"/>
+            <a:ext cx="5330650" cy="5330650"/>
+          </a:xfrm>
+          <a:prstGeom prst="rect">
+            <a:avLst/>
+          </a:prstGeom>
+        </p:spPr>
+      </p:pic>
+    </p:spTree>
+    <p:extLst>
+      <p:ext uri="{BB962C8B-B14F-4D97-AF65-F5344CB8AC3E}">
+        <p14:creationId xmlns:p14="http://schemas.microsoft.com/office/powerpoint/2010/main" val="2870088386"/>
+      </p:ext>
+    </p:extLst>
+  </p:cSld>
+  <p:clrMapOvr>
+    <a:masterClrMapping/>
+  </p:clrMapOvr>
+</p:sld>
+</file>
+
+<file path=ppt/slides/slide3.xml><?xml version="1.0" encoding="utf-8"?>
+<p:sld xmlns:a="http://schemas.openxmlformats.org/drawingml/2006/main" xmlns:r="http://schemas.openxmlformats.org/officeDocument/2006/relationships" xmlns:p="http://schemas.openxmlformats.org/presentationml/2006/main">
+  <p:cSld>
+    <p:spTree>
+      <p:nvGrpSpPr>
+        <p:cNvPr id="1" name=""/>
+        <p:cNvGrpSpPr/>
+        <p:nvPr/>
+      </p:nvGrpSpPr>
+      <p:grpSpPr>
+        <a:xfrm>
+          <a:off x="0" y="0"/>
+          <a:ext cx="0" cy="0"/>
+          <a:chOff x="0" y="0"/>
+          <a:chExt cx="0" cy="0"/>
+        </a:xfrm>
+      </p:grpSpPr>
+      <p:sp>
+        <p:nvSpPr>
+          <p:cNvPr id="2" name="Titre 1">
+            <a:extLst>
+              <a:ext uri="{FF2B5EF4-FFF2-40B4-BE49-F238E27FC236}">
+                <a16:creationId xmlns:a16="http://schemas.microsoft.com/office/drawing/2014/main" id="{D2AB9D38-1BFF-1201-3804-547361FAB077}"/>
+              </a:ext>
+            </a:extLst>
+          </p:cNvPr>
+          <p:cNvSpPr>
+            <a:spLocks noGrp="1"/>
+          </p:cNvSpPr>
+          <p:nvPr>
+            <p:ph type="title"/>
+          </p:nvPr>
+        </p:nvSpPr>
+        <p:spPr/>
+        <p:txBody>
+          <a:bodyPr/>
+          <a:lstStyle/>
+          <a:p>
+            <a:r>
+              <a:rPr lang="fr-CH" dirty="0"/>
+              <a:t>Déroulement du projet</a:t>
+            </a:r>
+          </a:p>
+        </p:txBody>
+      </p:sp>
+      <p:pic>
+        <p:nvPicPr>
+          <p:cNvPr id="7" name="Espace réservé du contenu 6">
+            <a:extLst>
+              <a:ext uri="{FF2B5EF4-FFF2-40B4-BE49-F238E27FC236}">
+                <a16:creationId xmlns:a16="http://schemas.microsoft.com/office/drawing/2014/main" id="{AAE23709-DF63-D5B6-65C3-8FE38DAF5A57}"/>
+              </a:ext>
+            </a:extLst>
+          </p:cNvPr>
+          <p:cNvPicPr>
+            <a:picLocks noGrp="1" noChangeAspect="1"/>
+          </p:cNvPicPr>
+          <p:nvPr>
+            <p:ph idx="1"/>
+          </p:nvPr>
+        </p:nvPicPr>
+        <p:blipFill>
+          <a:blip r:embed="rId2"/>
+          <a:stretch>
+            <a:fillRect/>
+          </a:stretch>
+        </p:blipFill>
+        <p:spPr>
+          <a:xfrm>
+            <a:off x="3463943" y="3053017"/>
+            <a:ext cx="8306591" cy="751965"/>
+          </a:xfrm>
+        </p:spPr>
+      </p:pic>
+      <p:sp>
+        <p:nvSpPr>
+          <p:cNvPr id="4" name="Espace réservé du pied de page 3">
+            <a:extLst>
+              <a:ext uri="{FF2B5EF4-FFF2-40B4-BE49-F238E27FC236}">
+                <a16:creationId xmlns:a16="http://schemas.microsoft.com/office/drawing/2014/main" id="{F5B55C2C-769D-4CF0-A2B6-0DE9CFB2B86E}"/>
+              </a:ext>
+            </a:extLst>
+          </p:cNvPr>
+          <p:cNvSpPr>
+            <a:spLocks noGrp="1"/>
+          </p:cNvSpPr>
+          <p:nvPr>
+            <p:ph type="ftr" sz="quarter" idx="11"/>
+          </p:nvPr>
+        </p:nvSpPr>
+        <p:spPr/>
+        <p:txBody>
+          <a:bodyPr/>
+          <a:lstStyle/>
+          <a:p>
+            <a:r>
+              <a:rPr lang="fr-CH"/>
+              <a:t>Présentation BA - Chatbot Réservation - Rodrigues dos Santos Fabio</a:t>
+            </a:r>
+            <a:endParaRPr lang="en-US" dirty="0"/>
+          </a:p>
+        </p:txBody>
+      </p:sp>
+      <p:sp>
+        <p:nvSpPr>
+          <p:cNvPr id="5" name="Espace réservé du numéro de diapositive 4">
+            <a:extLst>
+              <a:ext uri="{FF2B5EF4-FFF2-40B4-BE49-F238E27FC236}">
+                <a16:creationId xmlns:a16="http://schemas.microsoft.com/office/drawing/2014/main" id="{234632FE-DE84-4BA1-AA8A-001E68E5ECA6}"/>
+              </a:ext>
+            </a:extLst>
+          </p:cNvPr>
+          <p:cNvSpPr>
+            <a:spLocks noGrp="1"/>
+          </p:cNvSpPr>
+          <p:nvPr>
+            <p:ph type="sldNum" sz="quarter" idx="12"/>
+          </p:nvPr>
+        </p:nvSpPr>
+        <p:spPr/>
+        <p:txBody>
+          <a:bodyPr/>
+          <a:lstStyle/>
+          <a:p>
+            <a:fld id="{4FAB73BC-B049-4115-A692-8D63A059BFB8}" type="slidenum">
+              <a:rPr lang="en-US" smtClean="0"/>
+              <a:pPr/>
+              <a:t>3</a:t>
+            </a:fld>
+            <a:endParaRPr lang="en-US" dirty="0"/>
+          </a:p>
+        </p:txBody>
+      </p:sp>
+      <p:sp>
+        <p:nvSpPr>
+          <p:cNvPr id="8" name="ZoneTexte 7">
+            <a:extLst>
+              <a:ext uri="{FF2B5EF4-FFF2-40B4-BE49-F238E27FC236}">
+                <a16:creationId xmlns:a16="http://schemas.microsoft.com/office/drawing/2014/main" id="{C3A9FB95-BFF9-CF89-4542-F33995C6879F}"/>
+              </a:ext>
+            </a:extLst>
+          </p:cNvPr>
+          <p:cNvSpPr txBox="1"/>
+          <p:nvPr/>
+        </p:nvSpPr>
+        <p:spPr>
+          <a:xfrm>
+            <a:off x="6143496" y="1872367"/>
+            <a:ext cx="2947483" cy="1077218"/>
+          </a:xfrm>
+          <a:prstGeom prst="rect">
+            <a:avLst/>
+          </a:prstGeom>
+          <a:noFill/>
+        </p:spPr>
+        <p:txBody>
+          <a:bodyPr wrap="square" rtlCol="0">
+            <a:spAutoFit/>
+          </a:bodyPr>
+          <a:lstStyle/>
+          <a:p>
+            <a:pPr algn="ctr"/>
+            <a:r>
+              <a:rPr lang="fr-CH" sz="3200" b="1" i="1" dirty="0">
+                <a:latin typeface="+mj-lt"/>
+              </a:rPr>
+              <a:t>Semaine typique</a:t>
+            </a:r>
+          </a:p>
+        </p:txBody>
+      </p:sp>
+    </p:spTree>
+    <p:extLst>
+      <p:ext uri="{BB962C8B-B14F-4D97-AF65-F5344CB8AC3E}">
+        <p14:creationId xmlns:p14="http://schemas.microsoft.com/office/powerpoint/2010/main" val="1761254909"/>
+      </p:ext>
+    </p:extLst>
+  </p:cSld>
+  <p:clrMapOvr>
+    <a:masterClrMapping/>
+  </p:clrMapOvr>
+</p:sld>
+</file>
+
+<file path=ppt/slides/slide30.xml><?xml version="1.0" encoding="utf-8"?>
 <p:sld xmlns:a="http://schemas.openxmlformats.org/drawingml/2006/main" xmlns:r="http://schemas.openxmlformats.org/officeDocument/2006/relationships" xmlns:p="http://schemas.openxmlformats.org/presentationml/2006/main" show="0">
   <p:cSld>
     <p:spTree>
@@ -11160,7 +12128,7 @@
             <a:fld id="{4FAB73BC-B049-4115-A692-8D63A059BFB8}" type="slidenum">
               <a:rPr lang="en-US" smtClean="0"/>
               <a:pPr/>
-              <a:t>26</a:t>
+              <a:t>30</a:t>
             </a:fld>
             <a:endParaRPr lang="en-US" dirty="0"/>
           </a:p>
@@ -11551,190 +12519,6 @@
     <p:extLst>
       <p:ext uri="{BB962C8B-B14F-4D97-AF65-F5344CB8AC3E}">
         <p14:creationId xmlns:p14="http://schemas.microsoft.com/office/powerpoint/2010/main" val="1229205671"/>
-      </p:ext>
-    </p:extLst>
-  </p:cSld>
-  <p:clrMapOvr>
-    <a:masterClrMapping/>
-  </p:clrMapOvr>
-</p:sld>
-</file>
-
-<file path=ppt/slides/slide3.xml><?xml version="1.0" encoding="utf-8"?>
-<p:sld xmlns:a="http://schemas.openxmlformats.org/drawingml/2006/main" xmlns:r="http://schemas.openxmlformats.org/officeDocument/2006/relationships" xmlns:p="http://schemas.openxmlformats.org/presentationml/2006/main">
-  <p:cSld>
-    <p:spTree>
-      <p:nvGrpSpPr>
-        <p:cNvPr id="1" name=""/>
-        <p:cNvGrpSpPr/>
-        <p:nvPr/>
-      </p:nvGrpSpPr>
-      <p:grpSpPr>
-        <a:xfrm>
-          <a:off x="0" y="0"/>
-          <a:ext cx="0" cy="0"/>
-          <a:chOff x="0" y="0"/>
-          <a:chExt cx="0" cy="0"/>
-        </a:xfrm>
-      </p:grpSpPr>
-      <p:sp>
-        <p:nvSpPr>
-          <p:cNvPr id="2" name="Titre 1">
-            <a:extLst>
-              <a:ext uri="{FF2B5EF4-FFF2-40B4-BE49-F238E27FC236}">
-                <a16:creationId xmlns:a16="http://schemas.microsoft.com/office/drawing/2014/main" id="{D2AB9D38-1BFF-1201-3804-547361FAB077}"/>
-              </a:ext>
-            </a:extLst>
-          </p:cNvPr>
-          <p:cNvSpPr>
-            <a:spLocks noGrp="1"/>
-          </p:cNvSpPr>
-          <p:nvPr>
-            <p:ph type="title"/>
-          </p:nvPr>
-        </p:nvSpPr>
-        <p:spPr/>
-        <p:txBody>
-          <a:bodyPr/>
-          <a:lstStyle/>
-          <a:p>
-            <a:r>
-              <a:rPr lang="fr-CH" dirty="0"/>
-              <a:t>Déroulement du projet</a:t>
-            </a:r>
-          </a:p>
-        </p:txBody>
-      </p:sp>
-      <p:pic>
-        <p:nvPicPr>
-          <p:cNvPr id="7" name="Espace réservé du contenu 6">
-            <a:extLst>
-              <a:ext uri="{FF2B5EF4-FFF2-40B4-BE49-F238E27FC236}">
-                <a16:creationId xmlns:a16="http://schemas.microsoft.com/office/drawing/2014/main" id="{AAE23709-DF63-D5B6-65C3-8FE38DAF5A57}"/>
-              </a:ext>
-            </a:extLst>
-          </p:cNvPr>
-          <p:cNvPicPr>
-            <a:picLocks noGrp="1" noChangeAspect="1"/>
-          </p:cNvPicPr>
-          <p:nvPr>
-            <p:ph idx="1"/>
-          </p:nvPr>
-        </p:nvPicPr>
-        <p:blipFill>
-          <a:blip r:embed="rId2"/>
-          <a:stretch>
-            <a:fillRect/>
-          </a:stretch>
-        </p:blipFill>
-        <p:spPr>
-          <a:xfrm>
-            <a:off x="3463943" y="3053017"/>
-            <a:ext cx="8306591" cy="751965"/>
-          </a:xfrm>
-        </p:spPr>
-      </p:pic>
-      <p:sp>
-        <p:nvSpPr>
-          <p:cNvPr id="4" name="Espace réservé du pied de page 3">
-            <a:extLst>
-              <a:ext uri="{FF2B5EF4-FFF2-40B4-BE49-F238E27FC236}">
-                <a16:creationId xmlns:a16="http://schemas.microsoft.com/office/drawing/2014/main" id="{F5B55C2C-769D-4CF0-A2B6-0DE9CFB2B86E}"/>
-              </a:ext>
-            </a:extLst>
-          </p:cNvPr>
-          <p:cNvSpPr>
-            <a:spLocks noGrp="1"/>
-          </p:cNvSpPr>
-          <p:nvPr>
-            <p:ph type="ftr" sz="quarter" idx="11"/>
-          </p:nvPr>
-        </p:nvSpPr>
-        <p:spPr/>
-        <p:txBody>
-          <a:bodyPr/>
-          <a:lstStyle/>
-          <a:p>
-            <a:r>
-              <a:rPr lang="fr-CH"/>
-              <a:t>Présentation BA - Chatbot Réservation - Rodrigues dos Santos Fabio</a:t>
-            </a:r>
-            <a:endParaRPr lang="en-US" dirty="0"/>
-          </a:p>
-        </p:txBody>
-      </p:sp>
-      <p:sp>
-        <p:nvSpPr>
-          <p:cNvPr id="5" name="Espace réservé du numéro de diapositive 4">
-            <a:extLst>
-              <a:ext uri="{FF2B5EF4-FFF2-40B4-BE49-F238E27FC236}">
-                <a16:creationId xmlns:a16="http://schemas.microsoft.com/office/drawing/2014/main" id="{234632FE-DE84-4BA1-AA8A-001E68E5ECA6}"/>
-              </a:ext>
-            </a:extLst>
-          </p:cNvPr>
-          <p:cNvSpPr>
-            <a:spLocks noGrp="1"/>
-          </p:cNvSpPr>
-          <p:nvPr>
-            <p:ph type="sldNum" sz="quarter" idx="12"/>
-          </p:nvPr>
-        </p:nvSpPr>
-        <p:spPr/>
-        <p:txBody>
-          <a:bodyPr/>
-          <a:lstStyle/>
-          <a:p>
-            <a:fld id="{4FAB73BC-B049-4115-A692-8D63A059BFB8}" type="slidenum">
-              <a:rPr lang="en-US" smtClean="0"/>
-              <a:pPr/>
-              <a:t>3</a:t>
-            </a:fld>
-            <a:endParaRPr lang="en-US" dirty="0"/>
-          </a:p>
-        </p:txBody>
-      </p:sp>
-      <p:sp>
-        <p:nvSpPr>
-          <p:cNvPr id="8" name="ZoneTexte 7">
-            <a:extLst>
-              <a:ext uri="{FF2B5EF4-FFF2-40B4-BE49-F238E27FC236}">
-                <a16:creationId xmlns:a16="http://schemas.microsoft.com/office/drawing/2014/main" id="{C3A9FB95-BFF9-CF89-4542-F33995C6879F}"/>
-              </a:ext>
-            </a:extLst>
-          </p:cNvPr>
-          <p:cNvSpPr txBox="1"/>
-          <p:nvPr/>
-        </p:nvSpPr>
-        <p:spPr>
-          <a:xfrm>
-            <a:off x="6143496" y="1872367"/>
-            <a:ext cx="2947483" cy="1077218"/>
-          </a:xfrm>
-          <a:prstGeom prst="rect">
-            <a:avLst/>
-          </a:prstGeom>
-          <a:noFill/>
-        </p:spPr>
-        <p:txBody>
-          <a:bodyPr wrap="square" rtlCol="0">
-            <a:spAutoFit/>
-          </a:bodyPr>
-          <a:lstStyle/>
-          <a:p>
-            <a:pPr algn="ctr"/>
-            <a:r>
-              <a:rPr lang="fr-CH" sz="3200" b="1" i="1" dirty="0">
-                <a:latin typeface="+mj-lt"/>
-              </a:rPr>
-              <a:t>Semaine typique</a:t>
-            </a:r>
-          </a:p>
-        </p:txBody>
-      </p:sp>
-    </p:spTree>
-    <p:extLst>
-      <p:ext uri="{BB962C8B-B14F-4D97-AF65-F5344CB8AC3E}">
-        <p14:creationId xmlns:p14="http://schemas.microsoft.com/office/powerpoint/2010/main" val="1761254909"/>
       </p:ext>
     </p:extLst>
   </p:cSld>
